--- a/docs/Accessibility a22908.pptx
+++ b/docs/Accessibility a22908.pptx
@@ -4,14 +4,19 @@
   <p:sldMasterIdLst>
     <p:sldMasterId id="2147483648" r:id="rId1"/>
   </p:sldMasterIdLst>
+  <p:notesMasterIdLst>
+    <p:notesMasterId r:id="rId11"/>
+  </p:notesMasterIdLst>
   <p:sldIdLst>
     <p:sldId id="256" r:id="rId2"/>
-    <p:sldId id="257" r:id="rId3"/>
-    <p:sldId id="258" r:id="rId4"/>
-    <p:sldId id="259" r:id="rId5"/>
-    <p:sldId id="260" r:id="rId6"/>
-    <p:sldId id="261" r:id="rId7"/>
-    <p:sldId id="262" r:id="rId8"/>
+    <p:sldId id="263" r:id="rId3"/>
+    <p:sldId id="257" r:id="rId4"/>
+    <p:sldId id="264" r:id="rId5"/>
+    <p:sldId id="259" r:id="rId6"/>
+    <p:sldId id="258" r:id="rId7"/>
+    <p:sldId id="260" r:id="rId8"/>
+    <p:sldId id="261" r:id="rId9"/>
+    <p:sldId id="262" r:id="rId10"/>
   </p:sldIdLst>
   <p:sldSz cx="12192000" cy="6858000"/>
   <p:notesSz cx="6858000" cy="9144000"/>
@@ -110,7 +115,450 @@
       </a:defRPr>
     </a:lvl9pPr>
   </p:defaultTextStyle>
+  <p:extLst>
+    <p:ext uri="{EFAFB233-063F-42B5-8137-9DF3F51BA10A}">
+      <p15:sldGuideLst xmlns:p15="http://schemas.microsoft.com/office/powerpoint/2012/main"/>
+    </p:ext>
+  </p:extLst>
 </p:presentation>
+</file>
+
+<file path=ppt/notesMasters/notesMaster1.xml><?xml version="1.0" encoding="utf-8"?>
+<p:notesMaster xmlns:a="http://schemas.openxmlformats.org/drawingml/2006/main" xmlns:r="http://schemas.openxmlformats.org/officeDocument/2006/relationships" xmlns:p="http://schemas.openxmlformats.org/presentationml/2006/main">
+  <p:cSld>
+    <p:bg>
+      <p:bgRef idx="1001">
+        <a:schemeClr val="bg1"/>
+      </p:bgRef>
+    </p:bg>
+    <p:spTree>
+      <p:nvGrpSpPr>
+        <p:cNvPr id="1" name=""/>
+        <p:cNvGrpSpPr/>
+        <p:nvPr/>
+      </p:nvGrpSpPr>
+      <p:grpSpPr>
+        <a:xfrm>
+          <a:off x="0" y="0"/>
+          <a:ext cx="0" cy="0"/>
+          <a:chOff x="0" y="0"/>
+          <a:chExt cx="0" cy="0"/>
+        </a:xfrm>
+      </p:grpSpPr>
+      <p:sp>
+        <p:nvSpPr>
+          <p:cNvPr id="2" name="Header Placeholder 1"/>
+          <p:cNvSpPr>
+            <a:spLocks noGrp="1"/>
+          </p:cNvSpPr>
+          <p:nvPr>
+            <p:ph type="hdr" sz="quarter"/>
+          </p:nvPr>
+        </p:nvSpPr>
+        <p:spPr>
+          <a:xfrm>
+            <a:off x="0" y="0"/>
+            <a:ext cx="2971800" cy="458788"/>
+          </a:xfrm>
+          <a:prstGeom prst="rect">
+            <a:avLst/>
+          </a:prstGeom>
+        </p:spPr>
+        <p:txBody>
+          <a:bodyPr vert="horz" lIns="91440" tIns="45720" rIns="91440" bIns="45720" rtlCol="0"/>
+          <a:lstStyle>
+            <a:lvl1pPr algn="l">
+              <a:defRPr sz="1200"/>
+            </a:lvl1pPr>
+          </a:lstStyle>
+          <a:p>
+            <a:endParaRPr lang="pt-PT"/>
+          </a:p>
+        </p:txBody>
+      </p:sp>
+      <p:sp>
+        <p:nvSpPr>
+          <p:cNvPr id="3" name="Date Placeholder 2"/>
+          <p:cNvSpPr>
+            <a:spLocks noGrp="1"/>
+          </p:cNvSpPr>
+          <p:nvPr>
+            <p:ph type="dt" idx="1"/>
+          </p:nvPr>
+        </p:nvSpPr>
+        <p:spPr>
+          <a:xfrm>
+            <a:off x="3884613" y="0"/>
+            <a:ext cx="2971800" cy="458788"/>
+          </a:xfrm>
+          <a:prstGeom prst="rect">
+            <a:avLst/>
+          </a:prstGeom>
+        </p:spPr>
+        <p:txBody>
+          <a:bodyPr vert="horz" lIns="91440" tIns="45720" rIns="91440" bIns="45720" rtlCol="0"/>
+          <a:lstStyle>
+            <a:lvl1pPr algn="r">
+              <a:defRPr sz="1200"/>
+            </a:lvl1pPr>
+          </a:lstStyle>
+          <a:p>
+            <a:fld id="{3DA6DE8F-1BE5-412F-968A-A00033B87462}" type="datetimeFigureOut">
+              <a:rPr lang="pt-PT" smtClean="0"/>
+              <a:t>2016/04/13</a:t>
+            </a:fld>
+            <a:endParaRPr lang="pt-PT"/>
+          </a:p>
+        </p:txBody>
+      </p:sp>
+      <p:sp>
+        <p:nvSpPr>
+          <p:cNvPr id="4" name="Slide Image Placeholder 3"/>
+          <p:cNvSpPr>
+            <a:spLocks noGrp="1" noRot="1" noChangeAspect="1"/>
+          </p:cNvSpPr>
+          <p:nvPr>
+            <p:ph type="sldImg" idx="2"/>
+          </p:nvPr>
+        </p:nvSpPr>
+        <p:spPr>
+          <a:xfrm>
+            <a:off x="685800" y="1143000"/>
+            <a:ext cx="5486400" cy="3086100"/>
+          </a:xfrm>
+          <a:prstGeom prst="rect">
+            <a:avLst/>
+          </a:prstGeom>
+          <a:noFill/>
+          <a:ln w="12700">
+            <a:solidFill>
+              <a:prstClr val="black"/>
+            </a:solidFill>
+          </a:ln>
+        </p:spPr>
+        <p:txBody>
+          <a:bodyPr vert="horz" lIns="91440" tIns="45720" rIns="91440" bIns="45720" rtlCol="0" anchor="ctr"/>
+          <a:lstStyle/>
+          <a:p>
+            <a:endParaRPr lang="pt-PT"/>
+          </a:p>
+        </p:txBody>
+      </p:sp>
+      <p:sp>
+        <p:nvSpPr>
+          <p:cNvPr id="5" name="Notes Placeholder 4"/>
+          <p:cNvSpPr>
+            <a:spLocks noGrp="1"/>
+          </p:cNvSpPr>
+          <p:nvPr>
+            <p:ph type="body" sz="quarter" idx="3"/>
+          </p:nvPr>
+        </p:nvSpPr>
+        <p:spPr>
+          <a:xfrm>
+            <a:off x="685800" y="4400550"/>
+            <a:ext cx="5486400" cy="3600450"/>
+          </a:xfrm>
+          <a:prstGeom prst="rect">
+            <a:avLst/>
+          </a:prstGeom>
+        </p:spPr>
+        <p:txBody>
+          <a:bodyPr vert="horz" lIns="91440" tIns="45720" rIns="91440" bIns="45720" rtlCol="0"/>
+          <a:lstStyle/>
+          <a:p>
+            <a:pPr lvl="0"/>
+            <a:r>
+              <a:rPr lang="en-US" smtClean="0"/>
+              <a:t>Edit Master text styles</a:t>
+            </a:r>
+          </a:p>
+          <a:p>
+            <a:pPr lvl="1"/>
+            <a:r>
+              <a:rPr lang="en-US" smtClean="0"/>
+              <a:t>Second level</a:t>
+            </a:r>
+          </a:p>
+          <a:p>
+            <a:pPr lvl="2"/>
+            <a:r>
+              <a:rPr lang="en-US" smtClean="0"/>
+              <a:t>Third level</a:t>
+            </a:r>
+          </a:p>
+          <a:p>
+            <a:pPr lvl="3"/>
+            <a:r>
+              <a:rPr lang="en-US" smtClean="0"/>
+              <a:t>Fourth level</a:t>
+            </a:r>
+          </a:p>
+          <a:p>
+            <a:pPr lvl="4"/>
+            <a:r>
+              <a:rPr lang="en-US" smtClean="0"/>
+              <a:t>Fifth level</a:t>
+            </a:r>
+            <a:endParaRPr lang="pt-PT"/>
+          </a:p>
+        </p:txBody>
+      </p:sp>
+      <p:sp>
+        <p:nvSpPr>
+          <p:cNvPr id="6" name="Footer Placeholder 5"/>
+          <p:cNvSpPr>
+            <a:spLocks noGrp="1"/>
+          </p:cNvSpPr>
+          <p:nvPr>
+            <p:ph type="ftr" sz="quarter" idx="4"/>
+          </p:nvPr>
+        </p:nvSpPr>
+        <p:spPr>
+          <a:xfrm>
+            <a:off x="0" y="8685213"/>
+            <a:ext cx="2971800" cy="458787"/>
+          </a:xfrm>
+          <a:prstGeom prst="rect">
+            <a:avLst/>
+          </a:prstGeom>
+        </p:spPr>
+        <p:txBody>
+          <a:bodyPr vert="horz" lIns="91440" tIns="45720" rIns="91440" bIns="45720" rtlCol="0" anchor="b"/>
+          <a:lstStyle>
+            <a:lvl1pPr algn="l">
+              <a:defRPr sz="1200"/>
+            </a:lvl1pPr>
+          </a:lstStyle>
+          <a:p>
+            <a:endParaRPr lang="pt-PT"/>
+          </a:p>
+        </p:txBody>
+      </p:sp>
+      <p:sp>
+        <p:nvSpPr>
+          <p:cNvPr id="7" name="Slide Number Placeholder 6"/>
+          <p:cNvSpPr>
+            <a:spLocks noGrp="1"/>
+          </p:cNvSpPr>
+          <p:nvPr>
+            <p:ph type="sldNum" sz="quarter" idx="5"/>
+          </p:nvPr>
+        </p:nvSpPr>
+        <p:spPr>
+          <a:xfrm>
+            <a:off x="3884613" y="8685213"/>
+            <a:ext cx="2971800" cy="458787"/>
+          </a:xfrm>
+          <a:prstGeom prst="rect">
+            <a:avLst/>
+          </a:prstGeom>
+        </p:spPr>
+        <p:txBody>
+          <a:bodyPr vert="horz" lIns="91440" tIns="45720" rIns="91440" bIns="45720" rtlCol="0" anchor="b"/>
+          <a:lstStyle>
+            <a:lvl1pPr algn="r">
+              <a:defRPr sz="1200"/>
+            </a:lvl1pPr>
+          </a:lstStyle>
+          <a:p>
+            <a:fld id="{94A2E280-44B8-42CB-8147-6E1BA11A84E2}" type="slidenum">
+              <a:rPr lang="pt-PT" smtClean="0"/>
+              <a:t>‹#›</a:t>
+            </a:fld>
+            <a:endParaRPr lang="pt-PT"/>
+          </a:p>
+        </p:txBody>
+      </p:sp>
+    </p:spTree>
+    <p:extLst>
+      <p:ext uri="{BB962C8B-B14F-4D97-AF65-F5344CB8AC3E}">
+        <p14:creationId xmlns:p14="http://schemas.microsoft.com/office/powerpoint/2010/main" val="2172655395"/>
+      </p:ext>
+    </p:extLst>
+  </p:cSld>
+  <p:clrMap bg1="lt1" tx1="dk1" bg2="lt2" tx2="dk2" accent1="accent1" accent2="accent2" accent3="accent3" accent4="accent4" accent5="accent5" accent6="accent6" hlink="hlink" folHlink="folHlink"/>
+  <p:notesStyle>
+    <a:lvl1pPr marL="0" algn="l" defTabSz="914400" rtl="0" eaLnBrk="1" latinLnBrk="0" hangingPunct="1">
+      <a:defRPr sz="1200" kern="1200">
+        <a:solidFill>
+          <a:schemeClr val="tx1"/>
+        </a:solidFill>
+        <a:latin typeface="+mn-lt"/>
+        <a:ea typeface="+mn-ea"/>
+        <a:cs typeface="+mn-cs"/>
+      </a:defRPr>
+    </a:lvl1pPr>
+    <a:lvl2pPr marL="457200" algn="l" defTabSz="914400" rtl="0" eaLnBrk="1" latinLnBrk="0" hangingPunct="1">
+      <a:defRPr sz="1200" kern="1200">
+        <a:solidFill>
+          <a:schemeClr val="tx1"/>
+        </a:solidFill>
+        <a:latin typeface="+mn-lt"/>
+        <a:ea typeface="+mn-ea"/>
+        <a:cs typeface="+mn-cs"/>
+      </a:defRPr>
+    </a:lvl2pPr>
+    <a:lvl3pPr marL="914400" algn="l" defTabSz="914400" rtl="0" eaLnBrk="1" latinLnBrk="0" hangingPunct="1">
+      <a:defRPr sz="1200" kern="1200">
+        <a:solidFill>
+          <a:schemeClr val="tx1"/>
+        </a:solidFill>
+        <a:latin typeface="+mn-lt"/>
+        <a:ea typeface="+mn-ea"/>
+        <a:cs typeface="+mn-cs"/>
+      </a:defRPr>
+    </a:lvl3pPr>
+    <a:lvl4pPr marL="1371600" algn="l" defTabSz="914400" rtl="0" eaLnBrk="1" latinLnBrk="0" hangingPunct="1">
+      <a:defRPr sz="1200" kern="1200">
+        <a:solidFill>
+          <a:schemeClr val="tx1"/>
+        </a:solidFill>
+        <a:latin typeface="+mn-lt"/>
+        <a:ea typeface="+mn-ea"/>
+        <a:cs typeface="+mn-cs"/>
+      </a:defRPr>
+    </a:lvl4pPr>
+    <a:lvl5pPr marL="1828800" algn="l" defTabSz="914400" rtl="0" eaLnBrk="1" latinLnBrk="0" hangingPunct="1">
+      <a:defRPr sz="1200" kern="1200">
+        <a:solidFill>
+          <a:schemeClr val="tx1"/>
+        </a:solidFill>
+        <a:latin typeface="+mn-lt"/>
+        <a:ea typeface="+mn-ea"/>
+        <a:cs typeface="+mn-cs"/>
+      </a:defRPr>
+    </a:lvl5pPr>
+    <a:lvl6pPr marL="2286000" algn="l" defTabSz="914400" rtl="0" eaLnBrk="1" latinLnBrk="0" hangingPunct="1">
+      <a:defRPr sz="1200" kern="1200">
+        <a:solidFill>
+          <a:schemeClr val="tx1"/>
+        </a:solidFill>
+        <a:latin typeface="+mn-lt"/>
+        <a:ea typeface="+mn-ea"/>
+        <a:cs typeface="+mn-cs"/>
+      </a:defRPr>
+    </a:lvl6pPr>
+    <a:lvl7pPr marL="2743200" algn="l" defTabSz="914400" rtl="0" eaLnBrk="1" latinLnBrk="0" hangingPunct="1">
+      <a:defRPr sz="1200" kern="1200">
+        <a:solidFill>
+          <a:schemeClr val="tx1"/>
+        </a:solidFill>
+        <a:latin typeface="+mn-lt"/>
+        <a:ea typeface="+mn-ea"/>
+        <a:cs typeface="+mn-cs"/>
+      </a:defRPr>
+    </a:lvl7pPr>
+    <a:lvl8pPr marL="3200400" algn="l" defTabSz="914400" rtl="0" eaLnBrk="1" latinLnBrk="0" hangingPunct="1">
+      <a:defRPr sz="1200" kern="1200">
+        <a:solidFill>
+          <a:schemeClr val="tx1"/>
+        </a:solidFill>
+        <a:latin typeface="+mn-lt"/>
+        <a:ea typeface="+mn-ea"/>
+        <a:cs typeface="+mn-cs"/>
+      </a:defRPr>
+    </a:lvl8pPr>
+    <a:lvl9pPr marL="3657600" algn="l" defTabSz="914400" rtl="0" eaLnBrk="1" latinLnBrk="0" hangingPunct="1">
+      <a:defRPr sz="1200" kern="1200">
+        <a:solidFill>
+          <a:schemeClr val="tx1"/>
+        </a:solidFill>
+        <a:latin typeface="+mn-lt"/>
+        <a:ea typeface="+mn-ea"/>
+        <a:cs typeface="+mn-cs"/>
+      </a:defRPr>
+    </a:lvl9pPr>
+  </p:notesStyle>
+</p:notesMaster>
+</file>
+
+<file path=ppt/notesSlides/notesSlide1.xml><?xml version="1.0" encoding="utf-8"?>
+<p:notes xmlns:a="http://schemas.openxmlformats.org/drawingml/2006/main" xmlns:r="http://schemas.openxmlformats.org/officeDocument/2006/relationships" xmlns:p="http://schemas.openxmlformats.org/presentationml/2006/main">
+  <p:cSld>
+    <p:spTree>
+      <p:nvGrpSpPr>
+        <p:cNvPr id="1" name=""/>
+        <p:cNvGrpSpPr/>
+        <p:nvPr/>
+      </p:nvGrpSpPr>
+      <p:grpSpPr>
+        <a:xfrm>
+          <a:off x="0" y="0"/>
+          <a:ext cx="0" cy="0"/>
+          <a:chOff x="0" y="0"/>
+          <a:chExt cx="0" cy="0"/>
+        </a:xfrm>
+      </p:grpSpPr>
+      <p:sp>
+        <p:nvSpPr>
+          <p:cNvPr id="2" name="Slide Image Placeholder 1"/>
+          <p:cNvSpPr>
+            <a:spLocks noGrp="1" noRot="1" noChangeAspect="1"/>
+          </p:cNvSpPr>
+          <p:nvPr>
+            <p:ph type="sldImg"/>
+          </p:nvPr>
+        </p:nvSpPr>
+        <p:spPr/>
+      </p:sp>
+      <p:sp>
+        <p:nvSpPr>
+          <p:cNvPr id="3" name="Notes Placeholder 2"/>
+          <p:cNvSpPr>
+            <a:spLocks noGrp="1"/>
+          </p:cNvSpPr>
+          <p:nvPr>
+            <p:ph type="body" idx="1"/>
+          </p:nvPr>
+        </p:nvSpPr>
+        <p:spPr/>
+        <p:txBody>
+          <a:bodyPr/>
+          <a:lstStyle/>
+          <a:p>
+            <a:r>
+              <a:rPr lang="en-US" dirty="0" smtClean="0"/>
+              <a:t>3 min</a:t>
+            </a:r>
+            <a:endParaRPr lang="pt-PT" dirty="0"/>
+          </a:p>
+        </p:txBody>
+      </p:sp>
+      <p:sp>
+        <p:nvSpPr>
+          <p:cNvPr id="4" name="Slide Number Placeholder 3"/>
+          <p:cNvSpPr>
+            <a:spLocks noGrp="1"/>
+          </p:cNvSpPr>
+          <p:nvPr>
+            <p:ph type="sldNum" sz="quarter" idx="10"/>
+          </p:nvPr>
+        </p:nvSpPr>
+        <p:spPr/>
+        <p:txBody>
+          <a:bodyPr/>
+          <a:lstStyle/>
+          <a:p>
+            <a:fld id="{94A2E280-44B8-42CB-8147-6E1BA11A84E2}" type="slidenum">
+              <a:rPr lang="pt-PT" smtClean="0"/>
+              <a:t>6</a:t>
+            </a:fld>
+            <a:endParaRPr lang="pt-PT"/>
+          </a:p>
+        </p:txBody>
+      </p:sp>
+    </p:spTree>
+    <p:extLst>
+      <p:ext uri="{BB962C8B-B14F-4D97-AF65-F5344CB8AC3E}">
+        <p14:creationId xmlns:p14="http://schemas.microsoft.com/office/powerpoint/2010/main" val="3451408510"/>
+      </p:ext>
+    </p:extLst>
+  </p:cSld>
+  <p:clrMapOvr>
+    <a:masterClrMapping/>
+  </p:clrMapOvr>
+</p:notes>
 </file>
 
 <file path=ppt/slideLayouts/slideLayout1.xml><?xml version="1.0" encoding="utf-8"?>
@@ -2980,16 +3428,21 @@
             <p:ph type="ctrTitle"/>
           </p:nvPr>
         </p:nvSpPr>
-        <p:spPr/>
-        <p:txBody>
-          <a:bodyPr/>
-          <a:lstStyle/>
-          <a:p>
-            <a:r>
-              <a:rPr lang="en-US" dirty="0" err="1" smtClean="0"/>
+        <p:spPr>
+          <a:xfrm>
+            <a:off x="1524000" y="1122363"/>
+            <a:ext cx="9144000" cy="1011237"/>
+          </a:xfrm>
+        </p:spPr>
+        <p:txBody>
+          <a:bodyPr/>
+          <a:lstStyle/>
+          <a:p>
+            <a:r>
+              <a:rPr lang="pt-PT" noProof="0" dirty="0" smtClean="0"/>
               <a:t>Acessibilidade</a:t>
             </a:r>
-            <a:endParaRPr lang="pt-PT" dirty="0"/>
+            <a:endParaRPr lang="pt-PT" noProof="0" dirty="0"/>
           </a:p>
         </p:txBody>
       </p:sp>
@@ -3003,24 +3456,326 @@
             <p:ph type="subTitle" idx="1"/>
           </p:nvPr>
         </p:nvSpPr>
-        <p:spPr/>
-        <p:txBody>
-          <a:bodyPr/>
-          <a:lstStyle/>
-          <a:p>
-            <a:r>
-              <a:rPr lang="pt-PT" sz="2400" kern="1200" dirty="0" smtClean="0">
+        <p:spPr>
+          <a:xfrm>
+            <a:off x="1524000" y="2401824"/>
+            <a:ext cx="9144000" cy="3608832"/>
+          </a:xfrm>
+        </p:spPr>
+        <p:txBody>
+          <a:bodyPr>
+            <a:normAutofit/>
+          </a:bodyPr>
+          <a:lstStyle/>
+          <a:p>
+            <a:pPr algn="l"/>
+            <a:r>
+              <a:rPr lang="pt-PT" noProof="0" dirty="0" smtClean="0">
                 <a:solidFill>
-                  <a:schemeClr val="tx1"/>
+                  <a:srgbClr val="000000"/>
                 </a:solidFill>
-                <a:effectLst/>
-                <a:latin typeface="+mn-lt"/>
-                <a:ea typeface="+mn-ea"/>
-                <a:cs typeface="+mn-cs"/>
+                <a:latin typeface="Arial" panose="020B0604020202020204" pitchFamily="34" charset="0"/>
               </a:rPr>
-              <a:t>* Definição de acessibilidade</a:t>
-            </a:r>
-            <a:endParaRPr lang="pt-PT" dirty="0"/>
+              <a:t>…O </a:t>
+            </a:r>
+            <a:r>
+              <a:rPr lang="pt-PT" noProof="0" dirty="0">
+                <a:solidFill>
+                  <a:srgbClr val="000000"/>
+                </a:solidFill>
+                <a:latin typeface="Arial" panose="020B0604020202020204" pitchFamily="34" charset="0"/>
+              </a:rPr>
+              <a:t>cumprimento </a:t>
+            </a:r>
+            <a:r>
+              <a:rPr lang="pt-PT" noProof="0" dirty="0" smtClean="0">
+                <a:solidFill>
+                  <a:srgbClr val="000000"/>
+                </a:solidFill>
+                <a:latin typeface="Arial" panose="020B0604020202020204" pitchFamily="34" charset="0"/>
+              </a:rPr>
+              <a:t>… [das] … diretrizes </a:t>
+            </a:r>
+            <a:r>
+              <a:rPr lang="pt-PT" noProof="0" dirty="0">
+                <a:solidFill>
+                  <a:srgbClr val="000000"/>
+                </a:solidFill>
+                <a:latin typeface="Arial" panose="020B0604020202020204" pitchFamily="34" charset="0"/>
+              </a:rPr>
+              <a:t>fará com que os conteúdos fiquem acessíveis a um maior número de pessoas com incapacidades, incluindo </a:t>
+            </a:r>
+            <a:r>
+              <a:rPr lang="pt-PT" u="sng" noProof="0" dirty="0">
+                <a:solidFill>
+                  <a:srgbClr val="000000"/>
+                </a:solidFill>
+                <a:latin typeface="Arial" panose="020B0604020202020204" pitchFamily="34" charset="0"/>
+              </a:rPr>
+              <a:t>cegueira</a:t>
+            </a:r>
+            <a:r>
+              <a:rPr lang="pt-PT" noProof="0" dirty="0">
+                <a:solidFill>
+                  <a:srgbClr val="000000"/>
+                </a:solidFill>
+                <a:latin typeface="Arial" panose="020B0604020202020204" pitchFamily="34" charset="0"/>
+              </a:rPr>
+              <a:t> e </a:t>
+            </a:r>
+            <a:r>
+              <a:rPr lang="pt-PT" u="sng" noProof="0" dirty="0">
+                <a:solidFill>
+                  <a:srgbClr val="000000"/>
+                </a:solidFill>
+                <a:latin typeface="Arial" panose="020B0604020202020204" pitchFamily="34" charset="0"/>
+              </a:rPr>
+              <a:t>baixa visão</a:t>
+            </a:r>
+            <a:r>
+              <a:rPr lang="pt-PT" noProof="0" dirty="0">
+                <a:solidFill>
+                  <a:srgbClr val="000000"/>
+                </a:solidFill>
+                <a:latin typeface="Arial" panose="020B0604020202020204" pitchFamily="34" charset="0"/>
+              </a:rPr>
+              <a:t>, </a:t>
+            </a:r>
+            <a:r>
+              <a:rPr lang="pt-PT" u="sng" noProof="0" dirty="0">
+                <a:solidFill>
+                  <a:srgbClr val="000000"/>
+                </a:solidFill>
+                <a:latin typeface="Arial" panose="020B0604020202020204" pitchFamily="34" charset="0"/>
+              </a:rPr>
+              <a:t>surdez</a:t>
+            </a:r>
+            <a:r>
+              <a:rPr lang="pt-PT" noProof="0" dirty="0">
+                <a:solidFill>
+                  <a:srgbClr val="000000"/>
+                </a:solidFill>
+                <a:latin typeface="Arial" panose="020B0604020202020204" pitchFamily="34" charset="0"/>
+              </a:rPr>
+              <a:t> e </a:t>
+            </a:r>
+            <a:r>
+              <a:rPr lang="pt-PT" u="sng" noProof="0" dirty="0">
+                <a:solidFill>
+                  <a:srgbClr val="000000"/>
+                </a:solidFill>
+                <a:latin typeface="Arial" panose="020B0604020202020204" pitchFamily="34" charset="0"/>
+              </a:rPr>
+              <a:t>perda de audição</a:t>
+            </a:r>
+            <a:r>
+              <a:rPr lang="pt-PT" noProof="0" dirty="0">
+                <a:solidFill>
+                  <a:srgbClr val="000000"/>
+                </a:solidFill>
+                <a:latin typeface="Arial" panose="020B0604020202020204" pitchFamily="34" charset="0"/>
+              </a:rPr>
+              <a:t>, </a:t>
+            </a:r>
+            <a:r>
+              <a:rPr lang="pt-PT" u="sng" noProof="0" dirty="0">
+                <a:solidFill>
+                  <a:srgbClr val="000000"/>
+                </a:solidFill>
+                <a:latin typeface="Arial" panose="020B0604020202020204" pitchFamily="34" charset="0"/>
+              </a:rPr>
+              <a:t>incapacidades ao nível da aprendizagem</a:t>
+            </a:r>
+            <a:r>
+              <a:rPr lang="pt-PT" noProof="0" dirty="0">
+                <a:solidFill>
+                  <a:srgbClr val="000000"/>
+                </a:solidFill>
+                <a:latin typeface="Arial" panose="020B0604020202020204" pitchFamily="34" charset="0"/>
+              </a:rPr>
+              <a:t>, </a:t>
+            </a:r>
+            <a:r>
+              <a:rPr lang="pt-PT" u="sng" noProof="0" dirty="0">
+                <a:solidFill>
+                  <a:srgbClr val="000000"/>
+                </a:solidFill>
+                <a:latin typeface="Arial" panose="020B0604020202020204" pitchFamily="34" charset="0"/>
+              </a:rPr>
+              <a:t>limitações cognitivas</a:t>
+            </a:r>
+            <a:r>
+              <a:rPr lang="pt-PT" noProof="0" dirty="0">
+                <a:solidFill>
+                  <a:srgbClr val="000000"/>
+                </a:solidFill>
+                <a:latin typeface="Arial" panose="020B0604020202020204" pitchFamily="34" charset="0"/>
+              </a:rPr>
+              <a:t>, </a:t>
+            </a:r>
+            <a:r>
+              <a:rPr lang="pt-PT" u="sng" noProof="0" dirty="0">
+                <a:solidFill>
+                  <a:srgbClr val="000000"/>
+                </a:solidFill>
+                <a:latin typeface="Arial" panose="020B0604020202020204" pitchFamily="34" charset="0"/>
+              </a:rPr>
+              <a:t>movimentos limitados</a:t>
+            </a:r>
+            <a:r>
+              <a:rPr lang="pt-PT" noProof="0" dirty="0">
+                <a:solidFill>
+                  <a:srgbClr val="000000"/>
+                </a:solidFill>
+                <a:latin typeface="Arial" panose="020B0604020202020204" pitchFamily="34" charset="0"/>
+              </a:rPr>
+              <a:t>, </a:t>
+            </a:r>
+            <a:r>
+              <a:rPr lang="pt-PT" u="sng" noProof="0" dirty="0">
+                <a:solidFill>
+                  <a:srgbClr val="000000"/>
+                </a:solidFill>
+                <a:latin typeface="Arial" panose="020B0604020202020204" pitchFamily="34" charset="0"/>
+              </a:rPr>
+              <a:t>incapacidades ao nível da fala</a:t>
+            </a:r>
+            <a:r>
+              <a:rPr lang="pt-PT" noProof="0" dirty="0">
+                <a:solidFill>
+                  <a:srgbClr val="000000"/>
+                </a:solidFill>
+                <a:latin typeface="Arial" panose="020B0604020202020204" pitchFamily="34" charset="0"/>
+              </a:rPr>
+              <a:t>, </a:t>
+            </a:r>
+            <a:r>
+              <a:rPr lang="pt-PT" u="sng" noProof="0" dirty="0">
+                <a:solidFill>
+                  <a:srgbClr val="000000"/>
+                </a:solidFill>
+                <a:latin typeface="Arial" panose="020B0604020202020204" pitchFamily="34" charset="0"/>
+              </a:rPr>
+              <a:t>fotossensibilidade</a:t>
+            </a:r>
+            <a:r>
+              <a:rPr lang="pt-PT" noProof="0" dirty="0">
+                <a:solidFill>
+                  <a:srgbClr val="000000"/>
+                </a:solidFill>
+                <a:latin typeface="Arial" panose="020B0604020202020204" pitchFamily="34" charset="0"/>
+              </a:rPr>
+              <a:t> e ainda combinações destas </a:t>
+            </a:r>
+            <a:r>
+              <a:rPr lang="pt-PT" noProof="0" dirty="0" smtClean="0">
+                <a:solidFill>
+                  <a:srgbClr val="000000"/>
+                </a:solidFill>
+                <a:latin typeface="Arial" panose="020B0604020202020204" pitchFamily="34" charset="0"/>
+              </a:rPr>
+              <a:t>incapacidades.</a:t>
+            </a:r>
+          </a:p>
+          <a:p>
+            <a:pPr algn="l"/>
+            <a:r>
+              <a:rPr lang="pt-PT" b="1" noProof="0" dirty="0" smtClean="0">
+                <a:solidFill>
+                  <a:srgbClr val="000000"/>
+                </a:solidFill>
+                <a:latin typeface="Arial" panose="020B0604020202020204" pitchFamily="34" charset="0"/>
+              </a:rPr>
+              <a:t>O </a:t>
+            </a:r>
+            <a:r>
+              <a:rPr lang="pt-PT" b="1" noProof="0" dirty="0">
+                <a:solidFill>
+                  <a:srgbClr val="000000"/>
+                </a:solidFill>
+                <a:latin typeface="Arial" panose="020B0604020202020204" pitchFamily="34" charset="0"/>
+              </a:rPr>
+              <a:t>cumprimento destas </a:t>
+            </a:r>
+            <a:r>
+              <a:rPr lang="pt-PT" b="1" noProof="0" dirty="0" smtClean="0">
+                <a:solidFill>
+                  <a:srgbClr val="000000"/>
+                </a:solidFill>
+                <a:latin typeface="Arial" panose="020B0604020202020204" pitchFamily="34" charset="0"/>
+              </a:rPr>
+              <a:t>diretrizes </a:t>
+            </a:r>
+            <a:r>
+              <a:rPr lang="pt-PT" b="1" noProof="0" dirty="0">
+                <a:solidFill>
+                  <a:srgbClr val="000000"/>
+                </a:solidFill>
+                <a:latin typeface="Arial" panose="020B0604020202020204" pitchFamily="34" charset="0"/>
+              </a:rPr>
+              <a:t>também facilitará a utilização do conteúdo </a:t>
+            </a:r>
+            <a:r>
+              <a:rPr lang="pt-PT" b="1" noProof="0" dirty="0" smtClean="0">
+                <a:solidFill>
+                  <a:srgbClr val="000000"/>
+                </a:solidFill>
+                <a:latin typeface="Arial" panose="020B0604020202020204" pitchFamily="34" charset="0"/>
+              </a:rPr>
+              <a:t>da </a:t>
+            </a:r>
+            <a:r>
+              <a:rPr lang="pt-PT" b="1" noProof="0" dirty="0">
+                <a:solidFill>
+                  <a:srgbClr val="000000"/>
+                </a:solidFill>
+                <a:latin typeface="Arial" panose="020B0604020202020204" pitchFamily="34" charset="0"/>
+              </a:rPr>
+              <a:t>Web pelos utilizadores em geral</a:t>
+            </a:r>
+            <a:r>
+              <a:rPr lang="pt-PT" b="1" noProof="0" dirty="0" smtClean="0">
+                <a:solidFill>
+                  <a:srgbClr val="000000"/>
+                </a:solidFill>
+                <a:latin typeface="Arial" panose="020B0604020202020204" pitchFamily="34" charset="0"/>
+              </a:rPr>
+              <a:t>.</a:t>
+            </a:r>
+          </a:p>
+          <a:p>
+            <a:pPr algn="r"/>
+            <a:endParaRPr lang="pt-PT" noProof="0" dirty="0"/>
+          </a:p>
+          <a:p>
+            <a:pPr algn="r"/>
+            <a:r>
+              <a:rPr lang="pt-PT" sz="1200" noProof="0" dirty="0" smtClean="0"/>
+              <a:t>(in: </a:t>
+            </a:r>
+            <a:r>
+              <a:rPr lang="pt-PT" sz="1200" noProof="0" dirty="0" smtClean="0">
+                <a:hlinkClick r:id="rId2"/>
+              </a:rPr>
+              <a:t>http</a:t>
+            </a:r>
+            <a:r>
+              <a:rPr lang="pt-PT" sz="1200" noProof="0" dirty="0">
+                <a:hlinkClick r:id="rId2"/>
+              </a:rPr>
+              <a:t>://www.acessibilidade.gov.pt/w3/TR/WCAG20</a:t>
+            </a:r>
+            <a:r>
+              <a:rPr lang="pt-PT" sz="1200" noProof="0" dirty="0" smtClean="0">
+                <a:hlinkClick r:id="rId2"/>
+              </a:rPr>
+              <a:t>/</a:t>
+            </a:r>
+            <a:r>
+              <a:rPr lang="pt-PT" sz="1200" noProof="0" dirty="0" smtClean="0"/>
+              <a:t> , acedido em  2016/04/13)</a:t>
+            </a:r>
+            <a:endParaRPr lang="pt-PT" sz="1200" noProof="0" dirty="0"/>
           </a:p>
         </p:txBody>
       </p:sp>
@@ -3034,6 +3789,13 @@
   <p:clrMapOvr>
     <a:masterClrMapping/>
   </p:clrMapOvr>
+  <p:timing>
+    <p:tnLst>
+      <p:par>
+        <p:cTn id="1" dur="indefinite" restart="never" nodeType="tmRoot"/>
+      </p:par>
+    </p:tnLst>
+  </p:timing>
 </p:sld>
 </file>
 
@@ -3069,7 +3831,11 @@
           <a:bodyPr/>
           <a:lstStyle/>
           <a:p>
-            <a:endParaRPr lang="pt-PT" dirty="0"/>
+            <a:r>
+              <a:rPr lang="pt-PT" noProof="0" dirty="0" smtClean="0"/>
+              <a:t>Agenda</a:t>
+            </a:r>
+            <a:endParaRPr lang="pt-PT" noProof="0" dirty="0"/>
           </a:p>
         </p:txBody>
       </p:sp>
@@ -3085,73 +3851,108 @@
         </p:nvSpPr>
         <p:spPr/>
         <p:txBody>
-          <a:bodyPr>
-            <a:normAutofit/>
-          </a:bodyPr>
-          <a:lstStyle/>
-          <a:p>
+          <a:bodyPr/>
+          <a:lstStyle/>
+          <a:p>
+            <a:pPr>
+              <a:tabLst>
+                <a:tab pos="9956800" algn="r"/>
+              </a:tabLst>
+            </a:pPr>
+            <a:r>
+              <a:rPr lang="pt-PT" noProof="0" dirty="0" smtClean="0"/>
+              <a:t>O que é que está em causa?	2 min</a:t>
+            </a:r>
+          </a:p>
+          <a:p>
+            <a:pPr>
+              <a:tabLst>
+                <a:tab pos="9956800" algn="r"/>
+              </a:tabLst>
+            </a:pPr>
+            <a:r>
+              <a:rPr lang="pt-PT" noProof="0" dirty="0" smtClean="0"/>
+              <a:t>Aplicabilidade e benefícios	3 min</a:t>
+            </a:r>
+          </a:p>
+          <a:p>
+            <a:pPr>
+              <a:tabLst>
+                <a:tab pos="9956800" algn="r"/>
+              </a:tabLst>
+            </a:pPr>
             <a:r>
               <a:rPr lang="pt-PT" dirty="0" smtClean="0"/>
-              <a:t>Unidade Acesso – Acessibilidade a Cidadãos com Necessidades Especiais à Sociedade de Informação (1999).</a:t>
-            </a:r>
-          </a:p>
-          <a:p>
-            <a:r>
-              <a:rPr lang="en-US" dirty="0" err="1" smtClean="0"/>
-              <a:t>Programa</a:t>
-            </a:r>
-            <a:r>
-              <a:rPr lang="en-US" dirty="0" smtClean="0"/>
-              <a:t> </a:t>
-            </a:r>
-            <a:r>
-              <a:rPr lang="en-US" dirty="0" err="1" smtClean="0"/>
-              <a:t>Acesso</a:t>
-            </a:r>
-            <a:r>
-              <a:rPr lang="en-US" dirty="0" smtClean="0"/>
-              <a:t> – UMIC</a:t>
-            </a:r>
-          </a:p>
-          <a:p>
-            <a:r>
-              <a:rPr lang="en-US" dirty="0" err="1" smtClean="0"/>
-              <a:t>Unidade</a:t>
-            </a:r>
-            <a:r>
-              <a:rPr lang="en-US" dirty="0" smtClean="0"/>
-              <a:t> </a:t>
-            </a:r>
-            <a:r>
-              <a:rPr lang="en-US" dirty="0" err="1" smtClean="0"/>
-              <a:t>Acesso</a:t>
-            </a:r>
-            <a:r>
-              <a:rPr lang="en-US" dirty="0" smtClean="0"/>
-              <a:t> – FCT</a:t>
-            </a:r>
-          </a:p>
-          <a:p>
-            <a:r>
-              <a:rPr lang="en-US" dirty="0" smtClean="0"/>
-              <a:t>http://www.acessibilidade.gov.pt/</a:t>
-            </a:r>
-          </a:p>
-          <a:p>
-            <a:endParaRPr lang="pt-PT" dirty="0"/>
+              <a:t>Casos práticos	7 min</a:t>
+            </a:r>
+            <a:endParaRPr lang="pt-PT" noProof="0" dirty="0" smtClean="0"/>
+          </a:p>
+          <a:p>
+            <a:pPr>
+              <a:tabLst>
+                <a:tab pos="9956800" algn="r"/>
+              </a:tabLst>
+            </a:pPr>
+            <a:r>
+              <a:rPr lang="pt-PT" noProof="0" dirty="0" smtClean="0"/>
+              <a:t>Em Portugal	3 min</a:t>
+            </a:r>
+          </a:p>
+          <a:p>
+            <a:pPr>
+              <a:tabLst>
+                <a:tab pos="9956800" algn="r"/>
+              </a:tabLst>
+            </a:pPr>
+            <a:r>
+              <a:rPr lang="pt-PT" noProof="0" dirty="0" smtClean="0"/>
+              <a:t>Referências</a:t>
+            </a:r>
+          </a:p>
+          <a:p>
+            <a:pPr marL="0" indent="0">
+              <a:buNone/>
+              <a:tabLst>
+                <a:tab pos="9956800" algn="r"/>
+              </a:tabLst>
+            </a:pPr>
+            <a:r>
+              <a:rPr lang="pt-PT" noProof="0" dirty="0" smtClean="0"/>
+              <a:t>	---------</a:t>
+            </a:r>
+          </a:p>
+          <a:p>
+            <a:pPr marL="0" indent="0">
+              <a:buNone/>
+              <a:tabLst>
+                <a:tab pos="9956800" algn="r"/>
+              </a:tabLst>
+            </a:pPr>
+            <a:r>
+              <a:rPr lang="pt-PT" dirty="0" smtClean="0"/>
+              <a:t>	15 min</a:t>
+            </a:r>
+            <a:endParaRPr lang="pt-PT" noProof="0" dirty="0" smtClean="0"/>
           </a:p>
         </p:txBody>
       </p:sp>
     </p:spTree>
     <p:extLst>
       <p:ext uri="{BB962C8B-B14F-4D97-AF65-F5344CB8AC3E}">
-        <p14:creationId xmlns:p14="http://schemas.microsoft.com/office/powerpoint/2010/main" val="810188647"/>
+        <p14:creationId xmlns:p14="http://schemas.microsoft.com/office/powerpoint/2010/main" val="2197099088"/>
       </p:ext>
     </p:extLst>
   </p:cSld>
   <p:clrMapOvr>
     <a:masterClrMapping/>
   </p:clrMapOvr>
+  <p:timing>
+    <p:tnLst>
+      <p:par>
+        <p:cTn id="1" dur="indefinite" restart="never" nodeType="tmRoot"/>
+      </p:par>
+    </p:tnLst>
+  </p:timing>
 </p:sld>
 </file>
 
@@ -3187,12 +3988,11 @@
           <a:bodyPr/>
           <a:lstStyle/>
           <a:p>
-            <a:pPr lvl="0"/>
-            <a:r>
-              <a:rPr lang="pt-PT" dirty="0" smtClean="0"/>
-              <a:t>O que é? (3min)</a:t>
-            </a:r>
-            <a:endParaRPr lang="pt-PT" dirty="0"/>
+            <a:r>
+              <a:rPr lang="en-US" noProof="0" dirty="0" smtClean="0"/>
+              <a:t>DUMMY</a:t>
+            </a:r>
+            <a:endParaRPr lang="pt-PT" noProof="0" dirty="0"/>
           </a:p>
         </p:txBody>
       </p:sp>
@@ -3214,74 +4014,50 @@
           <a:lstStyle/>
           <a:p>
             <a:r>
-              <a:rPr lang="en-US" dirty="0" err="1" smtClean="0"/>
-              <a:t>Normas</a:t>
-            </a:r>
-            <a:r>
-              <a:rPr lang="en-US" dirty="0" smtClean="0"/>
-              <a:t> de </a:t>
-            </a:r>
-            <a:r>
-              <a:rPr lang="en-US" dirty="0" err="1" smtClean="0"/>
-              <a:t>suporte</a:t>
-            </a:r>
-            <a:r>
-              <a:rPr lang="en-US" dirty="0" smtClean="0"/>
-              <a:t>:</a:t>
-            </a:r>
-            <a:endParaRPr lang="pt-PT" dirty="0" smtClean="0"/>
-          </a:p>
-          <a:p>
-            <a:pPr lvl="1"/>
-            <a:r>
-              <a:rPr lang="pt-PT" dirty="0" smtClean="0"/>
-              <a:t>WCAG 2.0</a:t>
-            </a:r>
-          </a:p>
-          <a:p>
-            <a:pPr lvl="1"/>
-            <a:r>
-              <a:rPr lang="pt-PT" dirty="0" smtClean="0"/>
-              <a:t>ISO/IEC 40500:2012</a:t>
-            </a:r>
-          </a:p>
-          <a:p>
-            <a:r>
-              <a:rPr lang="pt-PT" dirty="0" smtClean="0"/>
-              <a:t>Suporte legal:</a:t>
-            </a:r>
-          </a:p>
-          <a:p>
-            <a:pPr lvl="1"/>
-            <a:r>
-              <a:rPr lang="pt-PT" dirty="0" smtClean="0"/>
-              <a:t>Legislação</a:t>
-            </a:r>
-            <a:r>
-              <a:rPr lang="pt-PT" baseline="0" dirty="0" smtClean="0"/>
-              <a:t> comunitária</a:t>
-            </a:r>
-            <a:endParaRPr lang="pt-PT" dirty="0" smtClean="0"/>
-          </a:p>
-          <a:p>
-            <a:pPr lvl="1"/>
-            <a:r>
-              <a:rPr lang="pt-PT" dirty="0" smtClean="0"/>
-              <a:t>Legislação portuguesa</a:t>
-            </a:r>
+              <a:rPr lang="pt-PT" noProof="0" dirty="0" smtClean="0"/>
+              <a:t>Unidade Acesso – Acessibilidade a Cidadãos com Necessidades Especiais à Sociedade de Informação (1999).</a:t>
+            </a:r>
+          </a:p>
+          <a:p>
+            <a:r>
+              <a:rPr lang="pt-PT" noProof="0" dirty="0" smtClean="0"/>
+              <a:t>Programa Acesso – UMIC</a:t>
+            </a:r>
+          </a:p>
+          <a:p>
+            <a:r>
+              <a:rPr lang="pt-PT" noProof="0" dirty="0" smtClean="0"/>
+              <a:t>Unidade Acesso – FCT</a:t>
+            </a:r>
+          </a:p>
+          <a:p>
+            <a:r>
+              <a:rPr lang="pt-PT" noProof="0" dirty="0" smtClean="0">
+                <a:hlinkClick r:id="rId2"/>
+              </a:rPr>
+              <a:t>http://www.acessibilidade.gov.pt/</a:t>
+            </a:r>
+            <a:endParaRPr lang="pt-PT" noProof="0" dirty="0" smtClean="0"/>
           </a:p>
         </p:txBody>
       </p:sp>
     </p:spTree>
     <p:extLst>
       <p:ext uri="{BB962C8B-B14F-4D97-AF65-F5344CB8AC3E}">
-        <p14:creationId xmlns:p14="http://schemas.microsoft.com/office/powerpoint/2010/main" val="3999221353"/>
+        <p14:creationId xmlns:p14="http://schemas.microsoft.com/office/powerpoint/2010/main" val="810188647"/>
       </p:ext>
     </p:extLst>
   </p:cSld>
   <p:clrMapOvr>
     <a:masterClrMapping/>
   </p:clrMapOvr>
+  <p:timing>
+    <p:tnLst>
+      <p:par>
+        <p:cTn id="1" dur="indefinite" restart="never" nodeType="tmRoot"/>
+      </p:par>
+    </p:tnLst>
+  </p:timing>
 </p:sld>
 </file>
 
@@ -3317,58 +4093,415 @@
           <a:bodyPr/>
           <a:lstStyle/>
           <a:p>
-            <a:pPr lvl="0"/>
+            <a:r>
+              <a:rPr lang="pt-PT" sz="4400" kern="1200" dirty="0" smtClean="0">
+                <a:solidFill>
+                  <a:schemeClr val="tx1"/>
+                </a:solidFill>
+                <a:effectLst/>
+                <a:latin typeface="+mj-lt"/>
+                <a:ea typeface="+mj-ea"/>
+                <a:cs typeface="+mj-cs"/>
+              </a:rPr>
+              <a:t>O que é que está em causa?</a:t>
+            </a:r>
+            <a:endParaRPr lang="pt-PT" dirty="0"/>
+          </a:p>
+        </p:txBody>
+      </p:sp>
+      <p:sp>
+        <p:nvSpPr>
+          <p:cNvPr id="5" name="Content Placeholder 4"/>
+          <p:cNvSpPr>
+            <a:spLocks noGrp="1"/>
+          </p:cNvSpPr>
+          <p:nvPr>
+            <p:ph idx="1"/>
+          </p:nvPr>
+        </p:nvSpPr>
+        <p:spPr/>
+        <p:txBody>
+          <a:bodyPr>
+            <a:normAutofit lnSpcReduction="10000"/>
+          </a:bodyPr>
+          <a:lstStyle/>
+          <a:p>
+            <a:pPr>
+              <a:tabLst>
+                <a:tab pos="7269163" algn="r"/>
+                <a:tab pos="8786813" algn="r"/>
+                <a:tab pos="10042525" algn="r"/>
+              </a:tabLst>
+            </a:pPr>
+            <a:r>
+              <a:rPr lang="en-US" sz="2400" dirty="0" err="1" smtClean="0"/>
+              <a:t>População</a:t>
+            </a:r>
+            <a:r>
+              <a:rPr lang="en-US" sz="2400" dirty="0" smtClean="0"/>
+              <a:t> com &gt;= 15 </a:t>
+            </a:r>
+            <a:r>
+              <a:rPr lang="en-US" sz="2400" dirty="0" err="1" smtClean="0"/>
+              <a:t>anos</a:t>
+            </a:r>
+            <a:r>
+              <a:rPr lang="en-US" sz="2400" dirty="0" smtClean="0"/>
+              <a:t>:			8 </a:t>
+            </a:r>
+            <a:r>
+              <a:rPr lang="en-US" sz="2400" dirty="0"/>
+              <a:t>699 515</a:t>
+            </a:r>
+          </a:p>
+          <a:p>
+            <a:pPr>
+              <a:tabLst>
+                <a:tab pos="7269163" algn="r"/>
+                <a:tab pos="8786813" algn="r"/>
+                <a:tab pos="10042525" algn="r"/>
+              </a:tabLst>
+            </a:pPr>
+            <a:r>
+              <a:rPr lang="en-US" sz="2400" dirty="0" err="1" smtClean="0"/>
+              <a:t>População</a:t>
+            </a:r>
+            <a:r>
+              <a:rPr lang="en-US" sz="2400" dirty="0" smtClean="0"/>
+              <a:t> com </a:t>
+            </a:r>
+            <a:r>
+              <a:rPr lang="en-US" sz="2400" dirty="0" err="1" smtClean="0"/>
+              <a:t>atividade</a:t>
+            </a:r>
+            <a:r>
+              <a:rPr lang="en-US" sz="2400" dirty="0" smtClean="0"/>
+              <a:t> </a:t>
+            </a:r>
+            <a:r>
+              <a:rPr lang="en-US" sz="2400" dirty="0" err="1" smtClean="0"/>
+              <a:t>económica</a:t>
+            </a:r>
+            <a:r>
+              <a:rPr lang="en-US" sz="2400" dirty="0"/>
+              <a:t>:	</a:t>
+            </a:r>
+            <a:r>
+              <a:rPr lang="en-US" sz="2400" dirty="0" smtClean="0"/>
+              <a:t>	4 </a:t>
+            </a:r>
+            <a:r>
+              <a:rPr lang="en-US" sz="2400" dirty="0"/>
+              <a:t>990 208</a:t>
+            </a:r>
+          </a:p>
+          <a:p>
+            <a:pPr>
+              <a:tabLst>
+                <a:tab pos="7269163" algn="r"/>
+                <a:tab pos="8786813" algn="r"/>
+                <a:tab pos="10042525" algn="r"/>
+              </a:tabLst>
+            </a:pPr>
+            <a:r>
+              <a:rPr lang="en-US" sz="2400" dirty="0" err="1" smtClean="0"/>
+              <a:t>Deficiência</a:t>
+            </a:r>
+            <a:r>
+              <a:rPr lang="en-US" sz="2400" dirty="0" smtClean="0"/>
+              <a:t>:</a:t>
+            </a:r>
+            <a:endParaRPr lang="en-US" sz="2400" dirty="0"/>
+          </a:p>
+          <a:p>
+            <a:pPr lvl="1">
+              <a:tabLst>
+                <a:tab pos="7269163" algn="r"/>
+                <a:tab pos="8786813" algn="r"/>
+                <a:tab pos="10042525" algn="r"/>
+              </a:tabLst>
+            </a:pPr>
+            <a:r>
+              <a:rPr lang="en-US" dirty="0" err="1" smtClean="0"/>
+              <a:t>auditiva</a:t>
+            </a:r>
+            <a:r>
+              <a:rPr lang="en-US" dirty="0" smtClean="0"/>
+              <a:t>:</a:t>
+            </a:r>
+            <a:r>
+              <a:rPr lang="en-US" dirty="0"/>
+              <a:t>	 84 </a:t>
+            </a:r>
+            <a:r>
+              <a:rPr lang="en-US" dirty="0" smtClean="0"/>
+              <a:t>172	2 %	1 %</a:t>
+            </a:r>
+            <a:endParaRPr lang="en-US" dirty="0"/>
+          </a:p>
+          <a:p>
+            <a:pPr lvl="1">
+              <a:tabLst>
+                <a:tab pos="7269163" algn="r"/>
+                <a:tab pos="8786813" algn="r"/>
+                <a:tab pos="10042525" algn="r"/>
+              </a:tabLst>
+            </a:pPr>
+            <a:r>
+              <a:rPr lang="en-US" dirty="0"/>
+              <a:t>Visual:	 163 </a:t>
+            </a:r>
+            <a:r>
+              <a:rPr lang="en-US" dirty="0" smtClean="0"/>
+              <a:t>569	3 %	2 %</a:t>
+            </a:r>
+            <a:endParaRPr lang="en-US" dirty="0"/>
+          </a:p>
+          <a:p>
+            <a:pPr lvl="1">
+              <a:tabLst>
+                <a:tab pos="7269163" algn="r"/>
+                <a:tab pos="8786813" algn="r"/>
+                <a:tab pos="10042525" algn="r"/>
+              </a:tabLst>
+            </a:pPr>
+            <a:r>
+              <a:rPr lang="en-US" dirty="0" err="1" smtClean="0"/>
+              <a:t>Motora</a:t>
+            </a:r>
+            <a:r>
+              <a:rPr lang="en-US" dirty="0"/>
+              <a:t>:	 156 </a:t>
+            </a:r>
+            <a:r>
+              <a:rPr lang="en-US" dirty="0" smtClean="0"/>
+              <a:t>246	</a:t>
+            </a:r>
+            <a:r>
+              <a:rPr lang="en-US" dirty="0"/>
+              <a:t> </a:t>
+            </a:r>
+            <a:r>
+              <a:rPr lang="en-US" dirty="0" smtClean="0"/>
+              <a:t>3 %</a:t>
+            </a:r>
+            <a:r>
+              <a:rPr lang="en-US" dirty="0"/>
+              <a:t>	</a:t>
+            </a:r>
+            <a:r>
+              <a:rPr lang="en-US" dirty="0" smtClean="0"/>
+              <a:t>2 %</a:t>
+            </a:r>
+            <a:endParaRPr lang="en-US" dirty="0"/>
+          </a:p>
+          <a:p>
+            <a:pPr lvl="1">
+              <a:tabLst>
+                <a:tab pos="7269163" algn="r"/>
+                <a:tab pos="8786813" algn="r"/>
+                <a:tab pos="10042525" algn="r"/>
+              </a:tabLst>
+            </a:pPr>
+            <a:r>
+              <a:rPr lang="en-US" dirty="0"/>
+              <a:t>Mental:	 70 </a:t>
+            </a:r>
+            <a:r>
+              <a:rPr lang="en-US" dirty="0" smtClean="0"/>
+              <a:t>994	1 %	1 %</a:t>
+            </a:r>
+            <a:endParaRPr lang="en-US" dirty="0"/>
+          </a:p>
+          <a:p>
+            <a:pPr lvl="1">
+              <a:tabLst>
+                <a:tab pos="7269163" algn="r"/>
+                <a:tab pos="8786813" algn="r"/>
+                <a:tab pos="10042525" algn="r"/>
+              </a:tabLst>
+            </a:pPr>
+            <a:r>
+              <a:rPr lang="en-US" dirty="0" err="1" smtClean="0"/>
+              <a:t>Parilisia</a:t>
+            </a:r>
+            <a:r>
+              <a:rPr lang="en-US" dirty="0"/>
+              <a:t> Cerebral:	 15 </a:t>
+            </a:r>
+            <a:r>
+              <a:rPr lang="en-US" dirty="0" smtClean="0"/>
+              <a:t>009	0 %	0 %</a:t>
+            </a:r>
+            <a:endParaRPr lang="en-US" dirty="0"/>
+          </a:p>
+          <a:p>
+            <a:pPr lvl="1">
+              <a:tabLst>
+                <a:tab pos="7269163" algn="r"/>
+                <a:tab pos="8786813" algn="r"/>
+                <a:tab pos="10042525" algn="r"/>
+              </a:tabLst>
+            </a:pPr>
+            <a:r>
+              <a:rPr lang="en-US" dirty="0" err="1" smtClean="0"/>
+              <a:t>Outra</a:t>
+            </a:r>
+            <a:r>
+              <a:rPr lang="en-US" dirty="0" smtClean="0"/>
+              <a:t> </a:t>
+            </a:r>
+            <a:r>
+              <a:rPr lang="en-US" dirty="0" err="1" smtClean="0"/>
+              <a:t>deficiência</a:t>
+            </a:r>
+            <a:r>
+              <a:rPr lang="en-US" dirty="0"/>
+              <a:t>:	 </a:t>
+            </a:r>
+            <a:r>
+              <a:rPr lang="en-US" u="sng" dirty="0"/>
+              <a:t>146 </a:t>
+            </a:r>
+            <a:r>
+              <a:rPr lang="en-US" u="sng" dirty="0" smtClean="0"/>
+              <a:t>069	</a:t>
+            </a:r>
+            <a:r>
+              <a:rPr lang="en-US" u="sng" dirty="0"/>
+              <a:t> </a:t>
+            </a:r>
+            <a:r>
+              <a:rPr lang="en-US" u="sng" dirty="0" smtClean="0"/>
+              <a:t>3 %</a:t>
+            </a:r>
+            <a:r>
+              <a:rPr lang="en-US" u="sng" dirty="0"/>
+              <a:t>	</a:t>
+            </a:r>
+            <a:r>
+              <a:rPr lang="en-US" u="sng" dirty="0" smtClean="0"/>
+              <a:t>2 %</a:t>
+            </a:r>
+          </a:p>
+          <a:p>
+            <a:pPr marL="457200" lvl="1" indent="0">
+              <a:buNone/>
+              <a:tabLst>
+                <a:tab pos="7269163" algn="r"/>
+                <a:tab pos="8786813" algn="r"/>
+                <a:tab pos="10042525" algn="r"/>
+              </a:tabLst>
+            </a:pPr>
+            <a:r>
+              <a:rPr lang="en-US" dirty="0"/>
+              <a:t>	</a:t>
+            </a:r>
+            <a:r>
+              <a:rPr lang="en-US" dirty="0" smtClean="0"/>
+              <a:t>636 059	</a:t>
+            </a:r>
             <a:r>
               <a:rPr lang="pt-PT" dirty="0" smtClean="0"/>
-              <a:t>População alvo (2min)</a:t>
-            </a:r>
+              <a:t>13 %	7 % </a:t>
+            </a:r>
+          </a:p>
+          <a:p>
+            <a:pPr marL="457200" lvl="1" indent="0" algn="r">
+              <a:buNone/>
+              <a:tabLst>
+                <a:tab pos="7269163" algn="r"/>
+                <a:tab pos="8786813" algn="r"/>
+                <a:tab pos="10042525" algn="r"/>
+              </a:tabLst>
+            </a:pPr>
+            <a:endParaRPr lang="en-US" sz="1200" dirty="0" smtClean="0"/>
+          </a:p>
+          <a:p>
+            <a:pPr marL="457200" lvl="1" indent="0" algn="r">
+              <a:buNone/>
+              <a:tabLst>
+                <a:tab pos="7269163" algn="r"/>
+                <a:tab pos="8786813" algn="r"/>
+                <a:tab pos="10042525" algn="r"/>
+              </a:tabLst>
+            </a:pPr>
+            <a:r>
+              <a:rPr lang="en-US" sz="1100" dirty="0" smtClean="0"/>
+              <a:t>(Fonte: </a:t>
+            </a:r>
+            <a:r>
+              <a:rPr lang="en-US" sz="1100" dirty="0" smtClean="0">
+                <a:hlinkClick r:id="rId2"/>
+              </a:rPr>
+              <a:t>https</a:t>
+            </a:r>
+            <a:r>
+              <a:rPr lang="en-US" sz="1100" dirty="0">
+                <a:hlinkClick r:id="rId2"/>
+              </a:rPr>
+              <a:t>://</a:t>
+            </a:r>
+            <a:r>
+              <a:rPr lang="en-US" sz="1100" dirty="0" smtClean="0">
+                <a:hlinkClick r:id="rId2"/>
+              </a:rPr>
+              <a:t>www.ine.pt/ngt_server/attachfileu.jsp?look_parentBoui=7418317&amp;att_display=n&amp;att_download=y</a:t>
+            </a:r>
+            <a:r>
+              <a:rPr lang="en-US" sz="1100" dirty="0" smtClean="0"/>
+              <a:t>, </a:t>
+            </a:r>
+            <a:r>
+              <a:rPr lang="en-US" sz="1100" dirty="0" err="1" smtClean="0"/>
+              <a:t>actualização</a:t>
+            </a:r>
+            <a:r>
+              <a:rPr lang="en-US" sz="1100" dirty="0" smtClean="0"/>
+              <a:t> </a:t>
+            </a:r>
+            <a:r>
+              <a:rPr lang="en-US" sz="1100" dirty="0" err="1" smtClean="0"/>
+              <a:t>em</a:t>
+            </a:r>
+            <a:r>
+              <a:rPr lang="en-US" sz="1100" dirty="0" smtClean="0"/>
+              <a:t> 2007, </a:t>
+            </a:r>
+            <a:r>
+              <a:rPr lang="en-US" sz="1100" dirty="0" err="1" smtClean="0"/>
+              <a:t>acedido</a:t>
+            </a:r>
+            <a:r>
+              <a:rPr lang="en-US" sz="1100" dirty="0" smtClean="0"/>
+              <a:t> </a:t>
+            </a:r>
+            <a:r>
+              <a:rPr lang="en-US" sz="1100" dirty="0" err="1" smtClean="0"/>
+              <a:t>em</a:t>
+            </a:r>
+            <a:r>
+              <a:rPr lang="en-US" sz="1100" dirty="0" smtClean="0"/>
+              <a:t> 2016-04-13)</a:t>
+            </a:r>
+            <a:endParaRPr lang="en-US" sz="1100" dirty="0"/>
+          </a:p>
+          <a:p>
+            <a:pPr lvl="1">
+              <a:tabLst>
+                <a:tab pos="7269163" algn="r"/>
+                <a:tab pos="8786813" algn="r"/>
+                <a:tab pos="10042525" algn="r"/>
+              </a:tabLst>
+            </a:pPr>
             <a:endParaRPr lang="pt-PT" dirty="0"/>
-          </a:p>
-        </p:txBody>
-      </p:sp>
-      <p:sp>
-        <p:nvSpPr>
-          <p:cNvPr id="3" name="Content Placeholder 2"/>
-          <p:cNvSpPr>
-            <a:spLocks noGrp="1"/>
-          </p:cNvSpPr>
-          <p:nvPr>
-            <p:ph idx="1"/>
-          </p:nvPr>
-        </p:nvSpPr>
-        <p:spPr/>
-        <p:txBody>
-          <a:bodyPr>
-            <a:normAutofit/>
-          </a:bodyPr>
-          <a:lstStyle/>
-          <a:p>
-            <a:r>
-              <a:rPr lang="pt-PT" dirty="0" smtClean="0"/>
-              <a:t>* Estatística de pessoas com necessidades especiais em Portugal</a:t>
-            </a:r>
-          </a:p>
-          <a:p>
-            <a:r>
-              <a:rPr lang="pt-PT" dirty="0" smtClean="0"/>
-              <a:t>* Na Europa</a:t>
-            </a:r>
-          </a:p>
-          <a:p>
-            <a:r>
-              <a:rPr lang="pt-PT" dirty="0" smtClean="0"/>
-              <a:t>* ...</a:t>
-            </a:r>
-          </a:p>
-          <a:p>
-            <a:endParaRPr lang="pt-PT" dirty="0" smtClean="0"/>
           </a:p>
         </p:txBody>
       </p:sp>
     </p:spTree>
     <p:extLst>
       <p:ext uri="{BB962C8B-B14F-4D97-AF65-F5344CB8AC3E}">
-        <p14:creationId xmlns:p14="http://schemas.microsoft.com/office/powerpoint/2010/main" val="3932973354"/>
+        <p14:creationId xmlns:p14="http://schemas.microsoft.com/office/powerpoint/2010/main" val="1525894339"/>
       </p:ext>
     </p:extLst>
   </p:cSld>
@@ -3412,10 +4545,10 @@
           <a:p>
             <a:pPr lvl="0"/>
             <a:r>
-              <a:rPr lang="pt-PT" dirty="0" smtClean="0"/>
-              <a:t>Aplicabilidade (5min)</a:t>
-            </a:r>
-            <a:endParaRPr lang="pt-PT" dirty="0"/>
+              <a:rPr lang="pt-PT" noProof="0" dirty="0" smtClean="0"/>
+              <a:t>População alvo (2min)</a:t>
+            </a:r>
+            <a:endParaRPr lang="pt-PT" noProof="0" dirty="0"/>
           </a:p>
         </p:txBody>
       </p:sp>
@@ -3437,50 +4570,31 @@
           <a:lstStyle/>
           <a:p>
             <a:r>
-              <a:rPr lang="pt-PT" dirty="0" smtClean="0"/>
-              <a:t>* Vantagens para o site</a:t>
-            </a:r>
-          </a:p>
-          <a:p>
-            <a:r>
-              <a:rPr lang="pt-PT" dirty="0" smtClean="0"/>
-              <a:t>* Casos práticos mau e bom - exploração com </a:t>
-            </a:r>
-            <a:r>
-              <a:rPr lang="pt-PT" dirty="0" err="1" smtClean="0"/>
-              <a:t>iPad</a:t>
-            </a:r>
-            <a:endParaRPr lang="pt-PT" dirty="0" smtClean="0"/>
-          </a:p>
-          <a:p>
-            <a:r>
-              <a:rPr lang="pt-PT" dirty="0" smtClean="0"/>
-              <a:t>* Exemplo de uma página nível </a:t>
-            </a:r>
-            <a:r>
-              <a:rPr lang="pt-PT" dirty="0" err="1" smtClean="0"/>
-              <a:t>sss</a:t>
-            </a:r>
-            <a:r>
-              <a:rPr lang="pt-PT" dirty="0" smtClean="0"/>
-              <a:t> (WCAG 2.0)</a:t>
-            </a:r>
-          </a:p>
-          <a:p>
-            <a:r>
-              <a:rPr lang="pt-PT" dirty="0" smtClean="0"/>
-              <a:t>* Anotação HTML</a:t>
-            </a:r>
-          </a:p>
-          <a:p>
-            <a:endParaRPr lang="pt-PT" dirty="0" smtClean="0"/>
+              <a:rPr lang="pt-PT" noProof="0" dirty="0" smtClean="0"/>
+              <a:t>* Estatística de pessoas com necessidades especiais em Portugal</a:t>
+            </a:r>
+          </a:p>
+          <a:p>
+            <a:r>
+              <a:rPr lang="pt-PT" noProof="0" dirty="0" smtClean="0"/>
+              <a:t>* Na Europa</a:t>
+            </a:r>
+          </a:p>
+          <a:p>
+            <a:r>
+              <a:rPr lang="pt-PT" noProof="0" dirty="0" smtClean="0"/>
+              <a:t>* ...</a:t>
+            </a:r>
+          </a:p>
+          <a:p>
+            <a:endParaRPr lang="pt-PT" noProof="0" dirty="0" smtClean="0"/>
           </a:p>
         </p:txBody>
       </p:sp>
     </p:spTree>
     <p:extLst>
       <p:ext uri="{BB962C8B-B14F-4D97-AF65-F5344CB8AC3E}">
-        <p14:creationId xmlns:p14="http://schemas.microsoft.com/office/powerpoint/2010/main" val="1042487288"/>
+        <p14:creationId xmlns:p14="http://schemas.microsoft.com/office/powerpoint/2010/main" val="3932973354"/>
       </p:ext>
     </p:extLst>
   </p:cSld>
@@ -3524,10 +4638,14 @@
           <a:p>
             <a:pPr lvl="0"/>
             <a:r>
-              <a:rPr lang="pt-PT" dirty="0" smtClean="0"/>
-              <a:t>Contribuições em Portugal (5min)</a:t>
-            </a:r>
-            <a:endParaRPr lang="pt-PT" dirty="0"/>
+              <a:rPr lang="pt-PT" noProof="0" dirty="0" smtClean="0"/>
+              <a:t>O que é</a:t>
+            </a:r>
+            <a:r>
+              <a:rPr lang="pt-PT" noProof="0" dirty="0" smtClean="0"/>
+              <a:t>?</a:t>
+            </a:r>
+            <a:endParaRPr lang="pt-PT" noProof="0" dirty="0"/>
           </a:p>
         </p:txBody>
       </p:sp>
@@ -3543,46 +4661,75 @@
         </p:nvSpPr>
         <p:spPr/>
         <p:txBody>
-          <a:bodyPr/>
-          <a:lstStyle/>
-          <a:p>
-            <a:r>
-              <a:rPr lang="pt-PT" dirty="0" smtClean="0"/>
-              <a:t>* Sites de referência</a:t>
-            </a:r>
-          </a:p>
-          <a:p>
-            <a:r>
-              <a:rPr lang="pt-PT" dirty="0" smtClean="0"/>
-              <a:t>  * FCT - Unidade Acesso</a:t>
-            </a:r>
-          </a:p>
-          <a:p>
-            <a:r>
-              <a:rPr lang="pt-PT" dirty="0" smtClean="0"/>
-              <a:t>  * UP - </a:t>
-            </a:r>
-            <a:r>
-              <a:rPr lang="pt-PT" dirty="0" err="1" smtClean="0"/>
-              <a:t>Places</a:t>
-            </a:r>
-            <a:r>
-              <a:rPr lang="pt-PT" dirty="0" smtClean="0"/>
-              <a:t>, Plataforma de Acessibilidade</a:t>
-            </a:r>
+          <a:bodyPr>
+            <a:normAutofit/>
+          </a:bodyPr>
+          <a:lstStyle/>
+          <a:p>
+            <a:r>
+              <a:rPr lang="pt-PT" noProof="0" dirty="0" smtClean="0"/>
+              <a:t>Normas de suporte:</a:t>
+            </a:r>
+          </a:p>
+          <a:p>
+            <a:pPr lvl="1"/>
+            <a:r>
+              <a:rPr lang="pt-PT" noProof="0" dirty="0" smtClean="0"/>
+              <a:t>WCAG 2.0</a:t>
+            </a:r>
+          </a:p>
+          <a:p>
+            <a:pPr lvl="1"/>
+            <a:r>
+              <a:rPr lang="pt-PT" noProof="0" dirty="0" smtClean="0"/>
+              <a:t>ISO/IEC 40500:2012</a:t>
+            </a:r>
+          </a:p>
+          <a:p>
+            <a:r>
+              <a:rPr lang="pt-PT" noProof="0" dirty="0" smtClean="0"/>
+              <a:t>Suporte legal:</a:t>
+            </a:r>
+          </a:p>
+          <a:p>
+            <a:pPr lvl="1"/>
+            <a:r>
+              <a:rPr lang="pt-PT" noProof="0" dirty="0" smtClean="0"/>
+              <a:t>Legislação</a:t>
+            </a:r>
+            <a:r>
+              <a:rPr lang="pt-PT" baseline="0" noProof="0" dirty="0" smtClean="0"/>
+              <a:t> comunitária</a:t>
+            </a:r>
+            <a:endParaRPr lang="pt-PT" noProof="0" dirty="0" smtClean="0"/>
+          </a:p>
+          <a:p>
+            <a:pPr lvl="1"/>
+            <a:r>
+              <a:rPr lang="pt-PT" noProof="0" dirty="0" smtClean="0"/>
+              <a:t>Legislação portuguesa</a:t>
+            </a:r>
+            <a:endParaRPr lang="pt-PT" noProof="0" dirty="0" smtClean="0"/>
           </a:p>
         </p:txBody>
       </p:sp>
     </p:spTree>
     <p:extLst>
       <p:ext uri="{BB962C8B-B14F-4D97-AF65-F5344CB8AC3E}">
-        <p14:creationId xmlns:p14="http://schemas.microsoft.com/office/powerpoint/2010/main" val="1789695018"/>
+        <p14:creationId xmlns:p14="http://schemas.microsoft.com/office/powerpoint/2010/main" val="3999221353"/>
       </p:ext>
     </p:extLst>
   </p:cSld>
   <p:clrMapOvr>
     <a:masterClrMapping/>
   </p:clrMapOvr>
+  <p:timing>
+    <p:tnLst>
+      <p:par>
+        <p:cTn id="1" dur="indefinite" restart="never" nodeType="tmRoot"/>
+      </p:par>
+    </p:tnLst>
+  </p:timing>
 </p:sld>
 </file>
 
@@ -3618,44 +4765,328 @@
           <a:bodyPr/>
           <a:lstStyle/>
           <a:p>
-            <a:r>
-              <a:rPr lang="en-US" dirty="0" err="1" smtClean="0"/>
+            <a:pPr lvl="0"/>
+            <a:r>
+              <a:rPr lang="pt-PT" noProof="0" dirty="0" smtClean="0"/>
+              <a:t>Aplicabilidade (5min)</a:t>
+            </a:r>
+            <a:endParaRPr lang="pt-PT" noProof="0" dirty="0"/>
+          </a:p>
+        </p:txBody>
+      </p:sp>
+      <p:sp>
+        <p:nvSpPr>
+          <p:cNvPr id="3" name="Content Placeholder 2"/>
+          <p:cNvSpPr>
+            <a:spLocks noGrp="1"/>
+          </p:cNvSpPr>
+          <p:nvPr>
+            <p:ph idx="1"/>
+          </p:nvPr>
+        </p:nvSpPr>
+        <p:spPr/>
+        <p:txBody>
+          <a:bodyPr>
+            <a:normAutofit/>
+          </a:bodyPr>
+          <a:lstStyle/>
+          <a:p>
+            <a:r>
+              <a:rPr lang="en-US" noProof="0" dirty="0" err="1" smtClean="0"/>
+              <a:t>Paralelo</a:t>
+            </a:r>
+            <a:r>
+              <a:rPr lang="en-US" noProof="0" dirty="0" smtClean="0"/>
+              <a:t> API -&gt; HAL /</a:t>
+            </a:r>
+            <a:r>
+              <a:rPr lang="en-US" baseline="0" noProof="0" dirty="0" smtClean="0"/>
+              <a:t> UA -&gt; WCAG</a:t>
+            </a:r>
+            <a:endParaRPr lang="pt-PT" noProof="0" dirty="0" smtClean="0"/>
+          </a:p>
+          <a:p>
+            <a:r>
+              <a:rPr lang="pt-PT" noProof="0" dirty="0" smtClean="0"/>
+              <a:t>Vantagens </a:t>
+            </a:r>
+            <a:r>
+              <a:rPr lang="pt-PT" noProof="0" dirty="0" smtClean="0"/>
+              <a:t>para o </a:t>
+            </a:r>
+            <a:r>
+              <a:rPr lang="pt-PT" noProof="0" dirty="0" smtClean="0"/>
+              <a:t>site:</a:t>
+            </a:r>
+          </a:p>
+          <a:p>
+            <a:pPr lvl="1"/>
+            <a:r>
+              <a:rPr lang="pt-PT" noProof="0" dirty="0" err="1" smtClean="0"/>
+              <a:t>Crawlers</a:t>
+            </a:r>
+            <a:r>
+              <a:rPr lang="pt-PT" noProof="0" dirty="0" smtClean="0"/>
+              <a:t> portam-se como </a:t>
+            </a:r>
+            <a:r>
+              <a:rPr lang="pt-PT" noProof="0" dirty="0" err="1" smtClean="0"/>
+              <a:t>UAs</a:t>
+            </a:r>
+            <a:endParaRPr lang="pt-PT" noProof="0" dirty="0" smtClean="0"/>
+          </a:p>
+          <a:p>
+            <a:r>
+              <a:rPr lang="pt-PT" noProof="0" dirty="0" smtClean="0"/>
+              <a:t>Casos </a:t>
+            </a:r>
+            <a:r>
+              <a:rPr lang="pt-PT" noProof="0" dirty="0" smtClean="0"/>
+              <a:t>práticos mau e bom - exploração com </a:t>
+            </a:r>
+            <a:r>
+              <a:rPr lang="pt-PT" noProof="0" dirty="0" err="1" smtClean="0"/>
+              <a:t>iPad</a:t>
+            </a:r>
+            <a:endParaRPr lang="pt-PT" noProof="0" dirty="0" smtClean="0"/>
+          </a:p>
+          <a:p>
+            <a:r>
+              <a:rPr lang="pt-PT" noProof="0" dirty="0" smtClean="0"/>
+              <a:t>Exemplo </a:t>
+            </a:r>
+            <a:r>
+              <a:rPr lang="pt-PT" noProof="0" dirty="0" smtClean="0"/>
+              <a:t>de uma página nível </a:t>
+            </a:r>
+            <a:r>
+              <a:rPr lang="pt-PT" noProof="0" dirty="0" smtClean="0"/>
+              <a:t>de conformidade AAA </a:t>
+            </a:r>
+            <a:r>
+              <a:rPr lang="pt-PT" noProof="0" dirty="0" smtClean="0"/>
+              <a:t>(WCAG 2.0)</a:t>
+            </a:r>
+          </a:p>
+          <a:p>
+            <a:r>
+              <a:rPr lang="pt-PT" noProof="0" dirty="0" smtClean="0"/>
+              <a:t>Exemplo de marcação HTML</a:t>
+            </a:r>
+            <a:endParaRPr lang="pt-PT" noProof="0" dirty="0" smtClean="0"/>
+          </a:p>
+        </p:txBody>
+      </p:sp>
+    </p:spTree>
+    <p:extLst>
+      <p:ext uri="{BB962C8B-B14F-4D97-AF65-F5344CB8AC3E}">
+        <p14:creationId xmlns:p14="http://schemas.microsoft.com/office/powerpoint/2010/main" val="1042487288"/>
+      </p:ext>
+    </p:extLst>
+  </p:cSld>
+  <p:clrMapOvr>
+    <a:masterClrMapping/>
+  </p:clrMapOvr>
+</p:sld>
+</file>
+
+<file path=ppt/slides/slide8.xml><?xml version="1.0" encoding="utf-8"?>
+<p:sld xmlns:a="http://schemas.openxmlformats.org/drawingml/2006/main" xmlns:r="http://schemas.openxmlformats.org/officeDocument/2006/relationships" xmlns:p="http://schemas.openxmlformats.org/presentationml/2006/main">
+  <p:cSld>
+    <p:spTree>
+      <p:nvGrpSpPr>
+        <p:cNvPr id="1" name=""/>
+        <p:cNvGrpSpPr/>
+        <p:nvPr/>
+      </p:nvGrpSpPr>
+      <p:grpSpPr>
+        <a:xfrm>
+          <a:off x="0" y="0"/>
+          <a:ext cx="0" cy="0"/>
+          <a:chOff x="0" y="0"/>
+          <a:chExt cx="0" cy="0"/>
+        </a:xfrm>
+      </p:grpSpPr>
+      <p:sp>
+        <p:nvSpPr>
+          <p:cNvPr id="2" name="Title 1"/>
+          <p:cNvSpPr>
+            <a:spLocks noGrp="1"/>
+          </p:cNvSpPr>
+          <p:nvPr>
+            <p:ph type="title"/>
+          </p:nvPr>
+        </p:nvSpPr>
+        <p:spPr/>
+        <p:txBody>
+          <a:bodyPr/>
+          <a:lstStyle/>
+          <a:p>
+            <a:pPr lvl="0"/>
+            <a:r>
+              <a:rPr lang="pt-PT" noProof="0" dirty="0" smtClean="0"/>
+              <a:t>Contribuições em Portugal (5min)</a:t>
+            </a:r>
+            <a:endParaRPr lang="pt-PT" noProof="0" dirty="0"/>
+          </a:p>
+        </p:txBody>
+      </p:sp>
+      <p:sp>
+        <p:nvSpPr>
+          <p:cNvPr id="3" name="Content Placeholder 2"/>
+          <p:cNvSpPr>
+            <a:spLocks noGrp="1"/>
+          </p:cNvSpPr>
+          <p:nvPr>
+            <p:ph idx="1"/>
+          </p:nvPr>
+        </p:nvSpPr>
+        <p:spPr/>
+        <p:txBody>
+          <a:bodyPr/>
+          <a:lstStyle/>
+          <a:p>
+            <a:r>
+              <a:rPr lang="pt-PT" noProof="0" dirty="0" smtClean="0"/>
+              <a:t>FCT </a:t>
+            </a:r>
+            <a:r>
+              <a:rPr lang="pt-PT" noProof="0" dirty="0" smtClean="0"/>
+              <a:t>- Unidade Acesso</a:t>
+            </a:r>
+          </a:p>
+          <a:p>
+            <a:r>
+              <a:rPr lang="pt-PT" noProof="0" dirty="0" smtClean="0"/>
+              <a:t>UP </a:t>
+            </a:r>
+            <a:r>
+              <a:rPr lang="pt-PT" noProof="0" dirty="0" smtClean="0"/>
+              <a:t>- </a:t>
+            </a:r>
+            <a:r>
+              <a:rPr lang="pt-PT" noProof="0" dirty="0" err="1" smtClean="0"/>
+              <a:t>Places</a:t>
+            </a:r>
+            <a:r>
+              <a:rPr lang="pt-PT" noProof="0" dirty="0" smtClean="0"/>
+              <a:t>, Plataforma de </a:t>
+            </a:r>
+            <a:r>
+              <a:rPr lang="pt-PT" noProof="0" dirty="0" smtClean="0"/>
+              <a:t>Acessibilidade</a:t>
+            </a:r>
+          </a:p>
+          <a:p>
+            <a:endParaRPr lang="pt-PT" noProof="0" dirty="0" smtClean="0"/>
+          </a:p>
+        </p:txBody>
+      </p:sp>
+    </p:spTree>
+    <p:extLst>
+      <p:ext uri="{BB962C8B-B14F-4D97-AF65-F5344CB8AC3E}">
+        <p14:creationId xmlns:p14="http://schemas.microsoft.com/office/powerpoint/2010/main" val="1789695018"/>
+      </p:ext>
+    </p:extLst>
+  </p:cSld>
+  <p:clrMapOvr>
+    <a:masterClrMapping/>
+  </p:clrMapOvr>
+</p:sld>
+</file>
+
+<file path=ppt/slides/slide9.xml><?xml version="1.0" encoding="utf-8"?>
+<p:sld xmlns:a="http://schemas.openxmlformats.org/drawingml/2006/main" xmlns:r="http://schemas.openxmlformats.org/officeDocument/2006/relationships" xmlns:p="http://schemas.openxmlformats.org/presentationml/2006/main">
+  <p:cSld>
+    <p:spTree>
+      <p:nvGrpSpPr>
+        <p:cNvPr id="1" name=""/>
+        <p:cNvGrpSpPr/>
+        <p:nvPr/>
+      </p:nvGrpSpPr>
+      <p:grpSpPr>
+        <a:xfrm>
+          <a:off x="0" y="0"/>
+          <a:ext cx="0" cy="0"/>
+          <a:chOff x="0" y="0"/>
+          <a:chExt cx="0" cy="0"/>
+        </a:xfrm>
+      </p:grpSpPr>
+      <p:sp>
+        <p:nvSpPr>
+          <p:cNvPr id="2" name="Title 1"/>
+          <p:cNvSpPr>
+            <a:spLocks noGrp="1"/>
+          </p:cNvSpPr>
+          <p:nvPr>
+            <p:ph type="title"/>
+          </p:nvPr>
+        </p:nvSpPr>
+        <p:spPr/>
+        <p:txBody>
+          <a:bodyPr/>
+          <a:lstStyle/>
+          <a:p>
+            <a:r>
+              <a:rPr lang="pt-PT" noProof="0" dirty="0" smtClean="0"/>
               <a:t>Referências</a:t>
             </a:r>
+            <a:endParaRPr lang="pt-PT" noProof="0" dirty="0"/>
+          </a:p>
+        </p:txBody>
+      </p:sp>
+      <p:sp>
+        <p:nvSpPr>
+          <p:cNvPr id="3" name="Content Placeholder 2"/>
+          <p:cNvSpPr>
+            <a:spLocks noGrp="1"/>
+          </p:cNvSpPr>
+          <p:nvPr>
+            <p:ph idx="1"/>
+          </p:nvPr>
+        </p:nvSpPr>
+        <p:spPr/>
+        <p:txBody>
+          <a:bodyPr/>
+          <a:lstStyle/>
+          <a:p>
+            <a:r>
+              <a:rPr lang="pt-PT" noProof="0" dirty="0" smtClean="0"/>
+              <a:t>Validadores</a:t>
+            </a:r>
+          </a:p>
+          <a:p>
+            <a:pPr lvl="1"/>
+            <a:r>
+              <a:rPr lang="pt-PT" dirty="0"/>
+              <a:t>http://www.acessibilidade.gov.pt/accessmonitor/</a:t>
+            </a:r>
+            <a:endParaRPr lang="pt-PT" noProof="0" dirty="0" smtClean="0"/>
+          </a:p>
+          <a:p>
+            <a:r>
+              <a:rPr lang="pt-PT" noProof="0" dirty="0" smtClean="0"/>
+              <a:t>Sites de referência:</a:t>
+            </a:r>
+          </a:p>
+          <a:p>
+            <a:pPr lvl="1"/>
+            <a:r>
+              <a:rPr lang="en-US" noProof="0" dirty="0" smtClean="0"/>
+              <a:t>UMIC</a:t>
+            </a:r>
+          </a:p>
+          <a:p>
+            <a:pPr lvl="1"/>
+            <a:r>
+              <a:rPr lang="en-US" dirty="0" smtClean="0"/>
+              <a:t>CGD</a:t>
+            </a:r>
             <a:endParaRPr lang="pt-PT" dirty="0"/>
           </a:p>
-        </p:txBody>
-      </p:sp>
-      <p:sp>
-        <p:nvSpPr>
-          <p:cNvPr id="3" name="Content Placeholder 2"/>
-          <p:cNvSpPr>
-            <a:spLocks noGrp="1"/>
-          </p:cNvSpPr>
-          <p:nvPr>
-            <p:ph idx="1"/>
-          </p:nvPr>
-        </p:nvSpPr>
-        <p:spPr/>
-        <p:txBody>
-          <a:bodyPr/>
-          <a:lstStyle/>
-          <a:p>
-            <a:r>
-              <a:rPr lang="pt-PT" dirty="0" smtClean="0"/>
-              <a:t>* Validadores</a:t>
-            </a:r>
-          </a:p>
-          <a:p>
-            <a:r>
-              <a:rPr lang="en-US" dirty="0" err="1" smtClean="0"/>
-              <a:t>Melhores</a:t>
-            </a:r>
-            <a:r>
-              <a:rPr lang="en-US" dirty="0" smtClean="0"/>
-              <a:t> sites</a:t>
-            </a:r>
-            <a:endParaRPr lang="pt-PT" dirty="0"/>
+          <a:p>
+            <a:pPr lvl="1"/>
+            <a:endParaRPr lang="en-US" dirty="0" smtClean="0"/>
           </a:p>
         </p:txBody>
       </p:sp>
@@ -3931,4 +5362,265 @@
     </a:ext>
   </a:extLst>
 </a:theme>
+</file>
+
+<file path=ppt/theme/theme2.xml><?xml version="1.0" encoding="utf-8"?>
+<a:theme xmlns:a="http://schemas.openxmlformats.org/drawingml/2006/main" name="Office Theme">
+  <a:themeElements>
+    <a:clrScheme name="Office">
+      <a:dk1>
+        <a:sysClr val="windowText" lastClr="000000"/>
+      </a:dk1>
+      <a:lt1>
+        <a:sysClr val="window" lastClr="FFFFFF"/>
+      </a:lt1>
+      <a:dk2>
+        <a:srgbClr val="44546A"/>
+      </a:dk2>
+      <a:lt2>
+        <a:srgbClr val="E7E6E6"/>
+      </a:lt2>
+      <a:accent1>
+        <a:srgbClr val="5B9BD5"/>
+      </a:accent1>
+      <a:accent2>
+        <a:srgbClr val="ED7D31"/>
+      </a:accent2>
+      <a:accent3>
+        <a:srgbClr val="A5A5A5"/>
+      </a:accent3>
+      <a:accent4>
+        <a:srgbClr val="FFC000"/>
+      </a:accent4>
+      <a:accent5>
+        <a:srgbClr val="4472C4"/>
+      </a:accent5>
+      <a:accent6>
+        <a:srgbClr val="70AD47"/>
+      </a:accent6>
+      <a:hlink>
+        <a:srgbClr val="0563C1"/>
+      </a:hlink>
+      <a:folHlink>
+        <a:srgbClr val="954F72"/>
+      </a:folHlink>
+    </a:clrScheme>
+    <a:fontScheme name="Office">
+      <a:majorFont>
+        <a:latin typeface="Calibri Light" panose="020F0302020204030204"/>
+        <a:ea typeface=""/>
+        <a:cs typeface=""/>
+        <a:font script="Jpan" typeface="游ゴシック Light"/>
+        <a:font script="Hang" typeface="맑은 고딕"/>
+        <a:font script="Hans" typeface="等线 Light"/>
+        <a:font script="Hant" typeface="新細明體"/>
+        <a:font script="Arab" typeface="Times New Roman"/>
+        <a:font script="Hebr" typeface="Times New Roman"/>
+        <a:font script="Thai" typeface="Angsana New"/>
+        <a:font script="Ethi" typeface="Nyala"/>
+        <a:font script="Beng" typeface="Vrinda"/>
+        <a:font script="Gujr" typeface="Shruti"/>
+        <a:font script="Khmr" typeface="MoolBoran"/>
+        <a:font script="Knda" typeface="Tunga"/>
+        <a:font script="Guru" typeface="Raavi"/>
+        <a:font script="Cans" typeface="Euphemia"/>
+        <a:font script="Cher" typeface="Plantagenet Cherokee"/>
+        <a:font script="Yiii" typeface="Microsoft Yi Baiti"/>
+        <a:font script="Tibt" typeface="Microsoft Himalaya"/>
+        <a:font script="Thaa" typeface="MV Boli"/>
+        <a:font script="Deva" typeface="Mangal"/>
+        <a:font script="Telu" typeface="Gautami"/>
+        <a:font script="Taml" typeface="Latha"/>
+        <a:font script="Syrc" typeface="Estrangelo Edessa"/>
+        <a:font script="Orya" typeface="Kalinga"/>
+        <a:font script="Mlym" typeface="Kartika"/>
+        <a:font script="Laoo" typeface="DokChampa"/>
+        <a:font script="Sinh" typeface="Iskoola Pota"/>
+        <a:font script="Mong" typeface="Mongolian Baiti"/>
+        <a:font script="Viet" typeface="Times New Roman"/>
+        <a:font script="Uigh" typeface="Microsoft Uighur"/>
+        <a:font script="Geor" typeface="Sylfaen"/>
+      </a:majorFont>
+      <a:minorFont>
+        <a:latin typeface="Calibri" panose="020F0502020204030204"/>
+        <a:ea typeface=""/>
+        <a:cs typeface=""/>
+        <a:font script="Jpan" typeface="游ゴシック"/>
+        <a:font script="Hang" typeface="맑은 고딕"/>
+        <a:font script="Hans" typeface="等线"/>
+        <a:font script="Hant" typeface="新細明體"/>
+        <a:font script="Arab" typeface="Arial"/>
+        <a:font script="Hebr" typeface="Arial"/>
+        <a:font script="Thai" typeface="Cordia New"/>
+        <a:font script="Ethi" typeface="Nyala"/>
+        <a:font script="Beng" typeface="Vrinda"/>
+        <a:font script="Gujr" typeface="Shruti"/>
+        <a:font script="Khmr" typeface="DaunPenh"/>
+        <a:font script="Knda" typeface="Tunga"/>
+        <a:font script="Guru" typeface="Raavi"/>
+        <a:font script="Cans" typeface="Euphemia"/>
+        <a:font script="Cher" typeface="Plantagenet Cherokee"/>
+        <a:font script="Yiii" typeface="Microsoft Yi Baiti"/>
+        <a:font script="Tibt" typeface="Microsoft Himalaya"/>
+        <a:font script="Thaa" typeface="MV Boli"/>
+        <a:font script="Deva" typeface="Mangal"/>
+        <a:font script="Telu" typeface="Gautami"/>
+        <a:font script="Taml" typeface="Latha"/>
+        <a:font script="Syrc" typeface="Estrangelo Edessa"/>
+        <a:font script="Orya" typeface="Kalinga"/>
+        <a:font script="Mlym" typeface="Kartika"/>
+        <a:font script="Laoo" typeface="DokChampa"/>
+        <a:font script="Sinh" typeface="Iskoola Pota"/>
+        <a:font script="Mong" typeface="Mongolian Baiti"/>
+        <a:font script="Viet" typeface="Arial"/>
+        <a:font script="Uigh" typeface="Microsoft Uighur"/>
+        <a:font script="Geor" typeface="Sylfaen"/>
+      </a:minorFont>
+    </a:fontScheme>
+    <a:fmtScheme name="Office">
+      <a:fillStyleLst>
+        <a:solidFill>
+          <a:schemeClr val="phClr"/>
+        </a:solidFill>
+        <a:gradFill rotWithShape="1">
+          <a:gsLst>
+            <a:gs pos="0">
+              <a:schemeClr val="phClr">
+                <a:lumMod val="110000"/>
+                <a:satMod val="105000"/>
+                <a:tint val="67000"/>
+              </a:schemeClr>
+            </a:gs>
+            <a:gs pos="50000">
+              <a:schemeClr val="phClr">
+                <a:lumMod val="105000"/>
+                <a:satMod val="103000"/>
+                <a:tint val="73000"/>
+              </a:schemeClr>
+            </a:gs>
+            <a:gs pos="100000">
+              <a:schemeClr val="phClr">
+                <a:lumMod val="105000"/>
+                <a:satMod val="109000"/>
+                <a:tint val="81000"/>
+              </a:schemeClr>
+            </a:gs>
+          </a:gsLst>
+          <a:lin ang="5400000" scaled="0"/>
+        </a:gradFill>
+        <a:gradFill rotWithShape="1">
+          <a:gsLst>
+            <a:gs pos="0">
+              <a:schemeClr val="phClr">
+                <a:satMod val="103000"/>
+                <a:lumMod val="102000"/>
+                <a:tint val="94000"/>
+              </a:schemeClr>
+            </a:gs>
+            <a:gs pos="50000">
+              <a:schemeClr val="phClr">
+                <a:satMod val="110000"/>
+                <a:lumMod val="100000"/>
+                <a:shade val="100000"/>
+              </a:schemeClr>
+            </a:gs>
+            <a:gs pos="100000">
+              <a:schemeClr val="phClr">
+                <a:lumMod val="99000"/>
+                <a:satMod val="120000"/>
+                <a:shade val="78000"/>
+              </a:schemeClr>
+            </a:gs>
+          </a:gsLst>
+          <a:lin ang="5400000" scaled="0"/>
+        </a:gradFill>
+      </a:fillStyleLst>
+      <a:lnStyleLst>
+        <a:ln w="6350" cap="flat" cmpd="sng" algn="ctr">
+          <a:solidFill>
+            <a:schemeClr val="phClr"/>
+          </a:solidFill>
+          <a:prstDash val="solid"/>
+          <a:miter lim="800000"/>
+        </a:ln>
+        <a:ln w="12700" cap="flat" cmpd="sng" algn="ctr">
+          <a:solidFill>
+            <a:schemeClr val="phClr"/>
+          </a:solidFill>
+          <a:prstDash val="solid"/>
+          <a:miter lim="800000"/>
+        </a:ln>
+        <a:ln w="19050" cap="flat" cmpd="sng" algn="ctr">
+          <a:solidFill>
+            <a:schemeClr val="phClr"/>
+          </a:solidFill>
+          <a:prstDash val="solid"/>
+          <a:miter lim="800000"/>
+        </a:ln>
+      </a:lnStyleLst>
+      <a:effectStyleLst>
+        <a:effectStyle>
+          <a:effectLst/>
+        </a:effectStyle>
+        <a:effectStyle>
+          <a:effectLst/>
+        </a:effectStyle>
+        <a:effectStyle>
+          <a:effectLst>
+            <a:outerShdw blurRad="57150" dist="19050" dir="5400000" algn="ctr" rotWithShape="0">
+              <a:srgbClr val="000000">
+                <a:alpha val="63000"/>
+              </a:srgbClr>
+            </a:outerShdw>
+          </a:effectLst>
+        </a:effectStyle>
+      </a:effectStyleLst>
+      <a:bgFillStyleLst>
+        <a:solidFill>
+          <a:schemeClr val="phClr"/>
+        </a:solidFill>
+        <a:solidFill>
+          <a:schemeClr val="phClr">
+            <a:tint val="95000"/>
+            <a:satMod val="170000"/>
+          </a:schemeClr>
+        </a:solidFill>
+        <a:gradFill rotWithShape="1">
+          <a:gsLst>
+            <a:gs pos="0">
+              <a:schemeClr val="phClr">
+                <a:tint val="93000"/>
+                <a:satMod val="150000"/>
+                <a:shade val="98000"/>
+                <a:lumMod val="102000"/>
+              </a:schemeClr>
+            </a:gs>
+            <a:gs pos="50000">
+              <a:schemeClr val="phClr">
+                <a:tint val="98000"/>
+                <a:satMod val="130000"/>
+                <a:shade val="90000"/>
+                <a:lumMod val="103000"/>
+              </a:schemeClr>
+            </a:gs>
+            <a:gs pos="100000">
+              <a:schemeClr val="phClr">
+                <a:shade val="63000"/>
+                <a:satMod val="120000"/>
+              </a:schemeClr>
+            </a:gs>
+          </a:gsLst>
+          <a:lin ang="5400000" scaled="0"/>
+        </a:gradFill>
+      </a:bgFillStyleLst>
+    </a:fmtScheme>
+  </a:themeElements>
+  <a:objectDefaults/>
+  <a:extraClrSchemeLst/>
+  <a:extLst>
+    <a:ext uri="{05A4C25C-085E-4340-85A3-A5531E510DB2}">
+      <thm15:themeFamily xmlns:thm15="http://schemas.microsoft.com/office/thememl/2012/main" name="Office Theme" id="{62F939B6-93AF-4DB8-9C6B-D6C7DFDC589F}" vid="{4A3C46E8-61CC-4603-A589-7422A47A8E4A}"/>
+    </a:ext>
+  </a:extLst>
+</a:theme>
 </file>
--- a/docs/Accessibility a22908.pptx
+++ b/docs/Accessibility a22908.pptx
@@ -5,7 +5,7 @@
     <p:sldMasterId id="2147483648" r:id="rId1"/>
   </p:sldMasterIdLst>
   <p:notesMasterIdLst>
-    <p:notesMasterId r:id="rId11"/>
+    <p:notesMasterId r:id="rId12"/>
   </p:notesMasterIdLst>
   <p:sldIdLst>
     <p:sldId id="256" r:id="rId2"/>
@@ -14,9 +14,10 @@
     <p:sldId id="264" r:id="rId5"/>
     <p:sldId id="259" r:id="rId6"/>
     <p:sldId id="258" r:id="rId7"/>
-    <p:sldId id="260" r:id="rId8"/>
-    <p:sldId id="261" r:id="rId9"/>
-    <p:sldId id="262" r:id="rId10"/>
+    <p:sldId id="265" r:id="rId8"/>
+    <p:sldId id="260" r:id="rId9"/>
+    <p:sldId id="261" r:id="rId10"/>
+    <p:sldId id="262" r:id="rId11"/>
   </p:sldIdLst>
   <p:sldSz cx="12192000" cy="6858000"/>
   <p:notesSz cx="6858000" cy="9144000"/>
@@ -552,6 +553,334 @@
     <p:extLst>
       <p:ext uri="{BB962C8B-B14F-4D97-AF65-F5344CB8AC3E}">
         <p14:creationId xmlns:p14="http://schemas.microsoft.com/office/powerpoint/2010/main" val="3451408510"/>
+      </p:ext>
+    </p:extLst>
+  </p:cSld>
+  <p:clrMapOvr>
+    <a:masterClrMapping/>
+  </p:clrMapOvr>
+</p:notes>
+</file>
+
+<file path=ppt/notesSlides/notesSlide2.xml><?xml version="1.0" encoding="utf-8"?>
+<p:notes xmlns:a="http://schemas.openxmlformats.org/drawingml/2006/main" xmlns:r="http://schemas.openxmlformats.org/officeDocument/2006/relationships" xmlns:p="http://schemas.openxmlformats.org/presentationml/2006/main">
+  <p:cSld>
+    <p:spTree>
+      <p:nvGrpSpPr>
+        <p:cNvPr id="1" name=""/>
+        <p:cNvGrpSpPr/>
+        <p:nvPr/>
+      </p:nvGrpSpPr>
+      <p:grpSpPr>
+        <a:xfrm>
+          <a:off x="0" y="0"/>
+          <a:ext cx="0" cy="0"/>
+          <a:chOff x="0" y="0"/>
+          <a:chExt cx="0" cy="0"/>
+        </a:xfrm>
+      </p:grpSpPr>
+      <p:sp>
+        <p:nvSpPr>
+          <p:cNvPr id="2" name="Slide Image Placeholder 1"/>
+          <p:cNvSpPr>
+            <a:spLocks noGrp="1" noRot="1" noChangeAspect="1"/>
+          </p:cNvSpPr>
+          <p:nvPr>
+            <p:ph type="sldImg"/>
+          </p:nvPr>
+        </p:nvSpPr>
+        <p:spPr/>
+      </p:sp>
+      <p:sp>
+        <p:nvSpPr>
+          <p:cNvPr id="3" name="Notes Placeholder 2"/>
+          <p:cNvSpPr>
+            <a:spLocks noGrp="1"/>
+          </p:cNvSpPr>
+          <p:nvPr>
+            <p:ph type="body" idx="1"/>
+          </p:nvPr>
+        </p:nvSpPr>
+        <p:spPr/>
+        <p:txBody>
+          <a:bodyPr/>
+          <a:lstStyle/>
+          <a:p>
+            <a:r>
+              <a:rPr lang="en-US" sz="1200" b="0" i="0" kern="1200" dirty="0" smtClean="0">
+                <a:solidFill>
+                  <a:schemeClr val="tx1"/>
+                </a:solidFill>
+                <a:effectLst/>
+                <a:latin typeface="+mn-lt"/>
+                <a:ea typeface="+mn-ea"/>
+                <a:cs typeface="+mn-cs"/>
+              </a:rPr>
+              <a:t>Accessibility is about ensuring an equivalent user experience for people with disabilities, including people with age-related impairments. For the Web, accessibility means that people with disabilities can perceive, understand, navigate, and interact with websites and tools, and that they can contribute equally without barriers. Access to information and communications technologies is a basic human right as recognized in the </a:t>
+            </a:r>
+            <a:r>
+              <a:rPr lang="en-US" sz="1200" b="0" i="0" kern="1200" dirty="0" smtClean="0">
+                <a:solidFill>
+                  <a:schemeClr val="tx1"/>
+                </a:solidFill>
+                <a:effectLst/>
+                <a:latin typeface="+mn-lt"/>
+                <a:ea typeface="+mn-ea"/>
+                <a:cs typeface="+mn-cs"/>
+                <a:hlinkClick r:id="rId3"/>
+              </a:rPr>
+              <a:t>UN Convention on the Rights of Persons with Disabilities (CRPD) </a:t>
+            </a:r>
+            <a:r>
+              <a:rPr lang="en-US" sz="1200" b="0" i="0" kern="1200" dirty="0" smtClean="0">
+                <a:solidFill>
+                  <a:schemeClr val="tx1"/>
+                </a:solidFill>
+                <a:effectLst/>
+                <a:latin typeface="+mn-lt"/>
+                <a:ea typeface="+mn-ea"/>
+                <a:cs typeface="+mn-cs"/>
+              </a:rPr>
+              <a:t>. See </a:t>
+            </a:r>
+            <a:r>
+              <a:rPr lang="en-US" sz="1200" b="0" i="0" kern="1200" dirty="0" smtClean="0">
+                <a:solidFill>
+                  <a:schemeClr val="tx1"/>
+                </a:solidFill>
+                <a:effectLst/>
+                <a:latin typeface="+mn-lt"/>
+                <a:ea typeface="+mn-ea"/>
+                <a:cs typeface="+mn-cs"/>
+                <a:hlinkClick r:id="rId4"/>
+              </a:rPr>
+              <a:t>Accessibility - W3C </a:t>
+            </a:r>
+            <a:r>
+              <a:rPr lang="en-US" sz="1200" b="0" i="0" kern="1200" dirty="0" smtClean="0">
+                <a:solidFill>
+                  <a:schemeClr val="tx1"/>
+                </a:solidFill>
+                <a:effectLst/>
+                <a:latin typeface="+mn-lt"/>
+                <a:ea typeface="+mn-ea"/>
+                <a:cs typeface="+mn-cs"/>
+              </a:rPr>
+              <a:t> for an introduction to web accessibility.</a:t>
+            </a:r>
+          </a:p>
+          <a:p>
+            <a:r>
+              <a:rPr lang="en-US" sz="1200" b="0" i="0" kern="1200" dirty="0" smtClean="0">
+                <a:solidFill>
+                  <a:schemeClr val="tx1"/>
+                </a:solidFill>
+                <a:effectLst/>
+                <a:latin typeface="+mn-lt"/>
+                <a:ea typeface="+mn-ea"/>
+                <a:cs typeface="+mn-cs"/>
+              </a:rPr>
+              <a:t>Most accessibility guidelines also </a:t>
+            </a:r>
+            <a:r>
+              <a:rPr lang="en-US" sz="1200" b="0" i="0" kern="1200" dirty="0" smtClean="0">
+                <a:solidFill>
+                  <a:schemeClr val="tx1"/>
+                </a:solidFill>
+                <a:effectLst/>
+                <a:latin typeface="+mn-lt"/>
+                <a:ea typeface="+mn-ea"/>
+                <a:cs typeface="+mn-cs"/>
+                <a:hlinkClick r:id="rId5"/>
+              </a:rPr>
+              <a:t>improve usability for everyone</a:t>
+            </a:r>
+            <a:r>
+              <a:rPr lang="en-US" sz="1200" b="0" i="0" kern="1200" dirty="0" smtClean="0">
+                <a:solidFill>
+                  <a:schemeClr val="tx1"/>
+                </a:solidFill>
+                <a:effectLst/>
+                <a:latin typeface="+mn-lt"/>
+                <a:ea typeface="+mn-ea"/>
+                <a:cs typeface="+mn-cs"/>
+              </a:rPr>
+              <a:t>, and especially benefit </a:t>
+            </a:r>
+            <a:r>
+              <a:rPr lang="en-US" sz="1200" b="0" i="0" kern="1200" dirty="0" smtClean="0">
+                <a:solidFill>
+                  <a:schemeClr val="tx1"/>
+                </a:solidFill>
+                <a:effectLst/>
+                <a:latin typeface="+mn-lt"/>
+                <a:ea typeface="+mn-ea"/>
+                <a:cs typeface="+mn-cs"/>
+                <a:hlinkClick r:id="rId6"/>
+              </a:rPr>
+              <a:t>older users</a:t>
+            </a:r>
+            <a:r>
+              <a:rPr lang="en-US" sz="1200" b="0" i="0" kern="1200" dirty="0" smtClean="0">
+                <a:solidFill>
+                  <a:schemeClr val="tx1"/>
+                </a:solidFill>
+                <a:effectLst/>
+                <a:latin typeface="+mn-lt"/>
+                <a:ea typeface="+mn-ea"/>
+                <a:cs typeface="+mn-cs"/>
+              </a:rPr>
+              <a:t>, </a:t>
+            </a:r>
+            <a:r>
+              <a:rPr lang="en-US" sz="1200" b="0" i="0" kern="1200" dirty="0" smtClean="0">
+                <a:solidFill>
+                  <a:schemeClr val="tx1"/>
+                </a:solidFill>
+                <a:effectLst/>
+                <a:latin typeface="+mn-lt"/>
+                <a:ea typeface="+mn-ea"/>
+                <a:cs typeface="+mn-cs"/>
+                <a:hlinkClick r:id="rId7"/>
+              </a:rPr>
+              <a:t>people using different devices</a:t>
+            </a:r>
+            <a:r>
+              <a:rPr lang="en-US" sz="1200" b="0" i="0" kern="1200" dirty="0" smtClean="0">
+                <a:solidFill>
+                  <a:schemeClr val="tx1"/>
+                </a:solidFill>
+                <a:effectLst/>
+                <a:latin typeface="+mn-lt"/>
+                <a:ea typeface="+mn-ea"/>
+                <a:cs typeface="+mn-cs"/>
+              </a:rPr>
+              <a:t>, and </a:t>
+            </a:r>
+            <a:r>
+              <a:rPr lang="en-US" sz="1200" b="0" i="0" kern="1200" dirty="0" smtClean="0">
+                <a:solidFill>
+                  <a:schemeClr val="tx1"/>
+                </a:solidFill>
+                <a:effectLst/>
+                <a:latin typeface="+mn-lt"/>
+                <a:ea typeface="+mn-ea"/>
+                <a:cs typeface="+mn-cs"/>
+                <a:hlinkClick r:id="rId8"/>
+              </a:rPr>
+              <a:t>others such as</a:t>
+            </a:r>
+            <a:r>
+              <a:rPr lang="en-US" sz="1200" b="0" i="0" kern="1200" dirty="0" smtClean="0">
+                <a:solidFill>
+                  <a:schemeClr val="tx1"/>
+                </a:solidFill>
+                <a:effectLst/>
+                <a:latin typeface="+mn-lt"/>
+                <a:ea typeface="+mn-ea"/>
+                <a:cs typeface="+mn-cs"/>
+              </a:rPr>
+              <a:t> people with low literacy or not fluent in the language, and people with low bandwidth connections or using older technologies. Thus accessibility includes both:</a:t>
+            </a:r>
+          </a:p>
+          <a:p>
+            <a:r>
+              <a:rPr lang="en-US" sz="1200" b="1" i="0" kern="1200" dirty="0" smtClean="0">
+                <a:solidFill>
+                  <a:schemeClr val="tx1"/>
+                </a:solidFill>
+                <a:effectLst/>
+                <a:latin typeface="+mn-lt"/>
+                <a:ea typeface="+mn-ea"/>
+                <a:cs typeface="+mn-cs"/>
+              </a:rPr>
+              <a:t>Requirements that are more specific to people with disabilities</a:t>
+            </a:r>
+            <a:r>
+              <a:rPr lang="en-US" sz="1200" b="0" i="0" kern="1200" dirty="0" smtClean="0">
+                <a:solidFill>
+                  <a:schemeClr val="tx1"/>
+                </a:solidFill>
+                <a:effectLst/>
+                <a:latin typeface="+mn-lt"/>
+                <a:ea typeface="+mn-ea"/>
+                <a:cs typeface="+mn-cs"/>
+              </a:rPr>
+              <a:t>; for example, they ensure that websites work well with assistive technologies such as screen readers that read aloud web pages, screen magnifiers that enlarge web pages, and voice recognition software that is used to input text. Most of these requirements are technical and relate to the underlying code rather than to the visual appearance.</a:t>
+            </a:r>
+          </a:p>
+          <a:p>
+            <a:r>
+              <a:rPr lang="en-US" sz="1200" b="1" i="0" kern="1200" dirty="0" smtClean="0">
+                <a:solidFill>
+                  <a:schemeClr val="tx1"/>
+                </a:solidFill>
+                <a:effectLst/>
+                <a:latin typeface="+mn-lt"/>
+                <a:ea typeface="+mn-ea"/>
+                <a:cs typeface="+mn-cs"/>
+              </a:rPr>
+              <a:t>Requirements that are also general usability principles</a:t>
+            </a:r>
+            <a:r>
+              <a:rPr lang="en-US" sz="1200" b="0" i="0" kern="1200" dirty="0" smtClean="0">
+                <a:solidFill>
+                  <a:schemeClr val="tx1"/>
+                </a:solidFill>
+                <a:effectLst/>
+                <a:latin typeface="+mn-lt"/>
+                <a:ea typeface="+mn-ea"/>
+                <a:cs typeface="+mn-cs"/>
+              </a:rPr>
+              <a:t>, which are included in accessibility requirements because they can be significant barriers to people with disabilities. For example, a website that is developed so that it can be used without a mouse is good usability; and use without a mouse is an accessibility requirement because people with some physical and visual disabilities cannot use a mouse at all.</a:t>
+            </a:r>
+          </a:p>
+          <a:p>
+            <a:r>
+              <a:rPr lang="en-US" sz="1200" b="0" i="0" kern="1200" dirty="0" smtClean="0">
+                <a:solidFill>
+                  <a:schemeClr val="tx1"/>
+                </a:solidFill>
+                <a:effectLst/>
+                <a:latin typeface="+mn-lt"/>
+                <a:ea typeface="+mn-ea"/>
+                <a:cs typeface="+mn-cs"/>
+              </a:rPr>
+              <a:t>Websites, web tools, and other products that meet accessibility goals are more usable for everyone.</a:t>
+            </a:r>
+          </a:p>
+          <a:p>
+            <a:endParaRPr lang="pt-PT" dirty="0"/>
+          </a:p>
+        </p:txBody>
+      </p:sp>
+      <p:sp>
+        <p:nvSpPr>
+          <p:cNvPr id="4" name="Slide Number Placeholder 3"/>
+          <p:cNvSpPr>
+            <a:spLocks noGrp="1"/>
+          </p:cNvSpPr>
+          <p:nvPr>
+            <p:ph type="sldNum" sz="quarter" idx="10"/>
+          </p:nvPr>
+        </p:nvSpPr>
+        <p:spPr/>
+        <p:txBody>
+          <a:bodyPr/>
+          <a:lstStyle/>
+          <a:p>
+            <a:fld id="{94A2E280-44B8-42CB-8147-6E1BA11A84E2}" type="slidenum">
+              <a:rPr lang="pt-PT" smtClean="0"/>
+              <a:t>7</a:t>
+            </a:fld>
+            <a:endParaRPr lang="pt-PT"/>
+          </a:p>
+        </p:txBody>
+      </p:sp>
+    </p:spTree>
+    <p:extLst>
+      <p:ext uri="{BB962C8B-B14F-4D97-AF65-F5344CB8AC3E}">
+        <p14:creationId xmlns:p14="http://schemas.microsoft.com/office/powerpoint/2010/main" val="448145495"/>
       </p:ext>
     </p:extLst>
   </p:cSld>
@@ -3799,6 +4128,114 @@
 </p:sld>
 </file>
 
+<file path=ppt/slides/slide10.xml><?xml version="1.0" encoding="utf-8"?>
+<p:sld xmlns:a="http://schemas.openxmlformats.org/drawingml/2006/main" xmlns:r="http://schemas.openxmlformats.org/officeDocument/2006/relationships" xmlns:p="http://schemas.openxmlformats.org/presentationml/2006/main">
+  <p:cSld>
+    <p:spTree>
+      <p:nvGrpSpPr>
+        <p:cNvPr id="1" name=""/>
+        <p:cNvGrpSpPr/>
+        <p:nvPr/>
+      </p:nvGrpSpPr>
+      <p:grpSpPr>
+        <a:xfrm>
+          <a:off x="0" y="0"/>
+          <a:ext cx="0" cy="0"/>
+          <a:chOff x="0" y="0"/>
+          <a:chExt cx="0" cy="0"/>
+        </a:xfrm>
+      </p:grpSpPr>
+      <p:sp>
+        <p:nvSpPr>
+          <p:cNvPr id="2" name="Title 1"/>
+          <p:cNvSpPr>
+            <a:spLocks noGrp="1"/>
+          </p:cNvSpPr>
+          <p:nvPr>
+            <p:ph type="title"/>
+          </p:nvPr>
+        </p:nvSpPr>
+        <p:spPr/>
+        <p:txBody>
+          <a:bodyPr/>
+          <a:lstStyle/>
+          <a:p>
+            <a:r>
+              <a:rPr lang="pt-PT" noProof="0" dirty="0" smtClean="0"/>
+              <a:t>Referências</a:t>
+            </a:r>
+            <a:endParaRPr lang="pt-PT" noProof="0" dirty="0"/>
+          </a:p>
+        </p:txBody>
+      </p:sp>
+      <p:sp>
+        <p:nvSpPr>
+          <p:cNvPr id="3" name="Content Placeholder 2"/>
+          <p:cNvSpPr>
+            <a:spLocks noGrp="1"/>
+          </p:cNvSpPr>
+          <p:nvPr>
+            <p:ph idx="1"/>
+          </p:nvPr>
+        </p:nvSpPr>
+        <p:spPr/>
+        <p:txBody>
+          <a:bodyPr/>
+          <a:lstStyle/>
+          <a:p>
+            <a:r>
+              <a:rPr lang="pt-PT" noProof="0" dirty="0" smtClean="0"/>
+              <a:t>Validadores</a:t>
+            </a:r>
+          </a:p>
+          <a:p>
+            <a:pPr lvl="1"/>
+            <a:r>
+              <a:rPr lang="pt-PT" dirty="0"/>
+              <a:t>http://www.acessibilidade.gov.pt/accessmonitor/</a:t>
+            </a:r>
+            <a:endParaRPr lang="pt-PT" noProof="0" dirty="0" smtClean="0"/>
+          </a:p>
+          <a:p>
+            <a:r>
+              <a:rPr lang="pt-PT" noProof="0" dirty="0" smtClean="0"/>
+              <a:t>Sites de referência:</a:t>
+            </a:r>
+          </a:p>
+          <a:p>
+            <a:pPr lvl="1"/>
+            <a:r>
+              <a:rPr lang="en-US" noProof="0" dirty="0" smtClean="0"/>
+              <a:t>UMIC</a:t>
+            </a:r>
+          </a:p>
+          <a:p>
+            <a:pPr lvl="1"/>
+            <a:r>
+              <a:rPr lang="en-US" dirty="0" smtClean="0"/>
+              <a:t>CGD</a:t>
+            </a:r>
+            <a:endParaRPr lang="pt-PT" dirty="0"/>
+          </a:p>
+          <a:p>
+            <a:pPr lvl="1"/>
+            <a:endParaRPr lang="en-US" dirty="0" smtClean="0"/>
+          </a:p>
+        </p:txBody>
+      </p:sp>
+    </p:spTree>
+    <p:extLst>
+      <p:ext uri="{BB962C8B-B14F-4D97-AF65-F5344CB8AC3E}">
+        <p14:creationId xmlns:p14="http://schemas.microsoft.com/office/powerpoint/2010/main" val="1080507439"/>
+      </p:ext>
+    </p:extLst>
+  </p:cSld>
+  <p:clrMapOvr>
+    <a:masterClrMapping/>
+  </p:clrMapOvr>
+</p:sld>
+</file>
+
 <file path=ppt/slides/slide2.xml><?xml version="1.0" encoding="utf-8"?>
 <p:sld xmlns:a="http://schemas.openxmlformats.org/drawingml/2006/main" xmlns:r="http://schemas.openxmlformats.org/officeDocument/2006/relationships" xmlns:p="http://schemas.openxmlformats.org/presentationml/2006/main">
   <p:cSld>
@@ -4080,6 +4517,52 @@
       </p:grpSpPr>
       <p:sp>
         <p:nvSpPr>
+          <p:cNvPr id="3" name="Oval 2"/>
+          <p:cNvSpPr/>
+          <p:nvPr/>
+        </p:nvSpPr>
+        <p:spPr>
+          <a:xfrm>
+            <a:off x="10271340" y="2956142"/>
+            <a:ext cx="926926" cy="1139869"/>
+          </a:xfrm>
+          <a:prstGeom prst="ellipse">
+            <a:avLst/>
+          </a:prstGeom>
+          <a:solidFill>
+            <a:schemeClr val="accent4">
+              <a:alpha val="50000"/>
+            </a:schemeClr>
+          </a:solidFill>
+          <a:ln>
+            <a:noFill/>
+          </a:ln>
+        </p:spPr>
+        <p:style>
+          <a:lnRef idx="0">
+            <a:scrgbClr r="0" g="0" b="0"/>
+          </a:lnRef>
+          <a:fillRef idx="0">
+            <a:scrgbClr r="0" g="0" b="0"/>
+          </a:fillRef>
+          <a:effectRef idx="0">
+            <a:scrgbClr r="0" g="0" b="0"/>
+          </a:effectRef>
+          <a:fontRef idx="minor">
+            <a:schemeClr val="lt1"/>
+          </a:fontRef>
+        </p:style>
+        <p:txBody>
+          <a:bodyPr rtlCol="0" anchor="ctr"/>
+          <a:lstStyle/>
+          <a:p>
+            <a:pPr algn="ctr"/>
+            <a:endParaRPr lang="pt-PT"/>
+          </a:p>
+        </p:txBody>
+      </p:sp>
+      <p:sp>
+        <p:nvSpPr>
           <p:cNvPr id="2" name="Title 1"/>
           <p:cNvSpPr>
             <a:spLocks noGrp="1"/>
@@ -4235,7 +4718,7 @@
             </a:r>
             <a:r>
               <a:rPr lang="en-US" dirty="0" smtClean="0"/>
-              <a:t>172	2 %	1 %</a:t>
+              <a:t>172		1 %</a:t>
             </a:r>
             <a:endParaRPr lang="en-US" dirty="0"/>
           </a:p>
@@ -4253,7 +4736,7 @@
             </a:r>
             <a:r>
               <a:rPr lang="en-US" dirty="0" smtClean="0"/>
-              <a:t>569	3 %	2 %</a:t>
+              <a:t>569		2 %</a:t>
             </a:r>
             <a:endParaRPr lang="en-US" dirty="0"/>
           </a:p>
@@ -4279,15 +4762,7 @@
             </a:r>
             <a:r>
               <a:rPr lang="en-US" dirty="0"/>
-              <a:t> </a:t>
-            </a:r>
-            <a:r>
-              <a:rPr lang="en-US" dirty="0" smtClean="0"/>
-              <a:t>3 %</a:t>
-            </a:r>
-            <a:r>
-              <a:rPr lang="en-US" dirty="0"/>
-              <a:t>	</a:t>
+              <a:t> 	</a:t>
             </a:r>
             <a:r>
               <a:rPr lang="en-US" dirty="0" smtClean="0"/>
@@ -4309,7 +4784,7 @@
             </a:r>
             <a:r>
               <a:rPr lang="en-US" dirty="0" smtClean="0"/>
-              <a:t>994	1 %	1 %</a:t>
+              <a:t>994		1 %</a:t>
             </a:r>
             <a:endParaRPr lang="en-US" dirty="0"/>
           </a:p>
@@ -4331,7 +4806,7 @@
             </a:r>
             <a:r>
               <a:rPr lang="en-US" dirty="0" smtClean="0"/>
-              <a:t>009	0 %	0 %</a:t>
+              <a:t>009		0 %</a:t>
             </a:r>
             <a:endParaRPr lang="en-US" dirty="0"/>
           </a:p>
@@ -4369,15 +4844,7 @@
             </a:r>
             <a:r>
               <a:rPr lang="en-US" u="sng" dirty="0"/>
-              <a:t> </a:t>
-            </a:r>
-            <a:r>
-              <a:rPr lang="en-US" u="sng" dirty="0" smtClean="0"/>
-              <a:t>3 %</a:t>
-            </a:r>
-            <a:r>
-              <a:rPr lang="en-US" u="sng" dirty="0"/>
-              <a:t>	</a:t>
+              <a:t> 	</a:t>
             </a:r>
             <a:r>
               <a:rPr lang="en-US" u="sng" dirty="0" smtClean="0"/>
@@ -4403,7 +4870,7 @@
             </a:r>
             <a:r>
               <a:rPr lang="pt-PT" dirty="0" smtClean="0"/>
-              <a:t>13 %	7 % </a:t>
+              <a:t>	7 % </a:t>
             </a:r>
           </a:p>
           <a:p>
@@ -4508,6 +4975,13 @@
   <p:clrMapOvr>
     <a:masterClrMapping/>
   </p:clrMapOvr>
+  <p:timing>
+    <p:tnLst>
+      <p:par>
+        <p:cTn id="1" dur="indefinite" restart="never" nodeType="tmRoot"/>
+      </p:par>
+    </p:tnLst>
+  </p:timing>
 </p:sld>
 </file>
 
@@ -4601,6 +5075,13 @@
   <p:clrMapOvr>
     <a:masterClrMapping/>
   </p:clrMapOvr>
+  <p:timing>
+    <p:tnLst>
+      <p:par>
+        <p:cTn id="1" dur="indefinite" restart="never" nodeType="tmRoot"/>
+      </p:par>
+    </p:tnLst>
+  </p:timing>
 </p:sld>
 </file>
 
@@ -4639,11 +5120,7 @@
             <a:pPr lvl="0"/>
             <a:r>
               <a:rPr lang="pt-PT" noProof="0" dirty="0" smtClean="0"/>
-              <a:t>O que é</a:t>
-            </a:r>
-            <a:r>
-              <a:rPr lang="pt-PT" noProof="0" dirty="0" smtClean="0"/>
-              <a:t>?</a:t>
+              <a:t>O que é?</a:t>
             </a:r>
             <a:endParaRPr lang="pt-PT" noProof="0" dirty="0"/>
           </a:p>
@@ -4709,7 +5186,6 @@
               <a:rPr lang="pt-PT" noProof="0" dirty="0" smtClean="0"/>
               <a:t>Legislação portuguesa</a:t>
             </a:r>
-            <a:endParaRPr lang="pt-PT" noProof="0" dirty="0" smtClean="0"/>
           </a:p>
         </p:txBody>
       </p:sp>
@@ -4765,12 +5241,19 @@
           <a:bodyPr/>
           <a:lstStyle/>
           <a:p>
-            <a:pPr lvl="0"/>
-            <a:r>
-              <a:rPr lang="pt-PT" noProof="0" dirty="0" smtClean="0"/>
-              <a:t>Aplicabilidade (5min)</a:t>
-            </a:r>
-            <a:endParaRPr lang="pt-PT" noProof="0" dirty="0"/>
+            <a:r>
+              <a:rPr lang="en-US" dirty="0" err="1" smtClean="0"/>
+              <a:t>Acessibilidade</a:t>
+            </a:r>
+            <a:r>
+              <a:rPr lang="en-US" dirty="0" smtClean="0"/>
+              <a:t> vs. </a:t>
+            </a:r>
+            <a:r>
+              <a:rPr lang="en-US" dirty="0" err="1" smtClean="0"/>
+              <a:t>Usabilidade</a:t>
+            </a:r>
+            <a:endParaRPr lang="pt-PT" dirty="0"/>
           </a:p>
         </p:txBody>
       </p:sp>
@@ -4791,96 +5274,139 @@
           </a:bodyPr>
           <a:lstStyle/>
           <a:p>
-            <a:r>
-              <a:rPr lang="en-US" noProof="0" dirty="0" err="1" smtClean="0"/>
-              <a:t>Paralelo</a:t>
-            </a:r>
-            <a:r>
-              <a:rPr lang="en-US" noProof="0" dirty="0" smtClean="0"/>
-              <a:t> API -&gt; HAL /</a:t>
-            </a:r>
-            <a:r>
-              <a:rPr lang="en-US" baseline="0" noProof="0" dirty="0" smtClean="0"/>
-              <a:t> UA -&gt; WCAG</a:t>
-            </a:r>
-            <a:endParaRPr lang="pt-PT" noProof="0" dirty="0" smtClean="0"/>
-          </a:p>
-          <a:p>
-            <a:r>
-              <a:rPr lang="pt-PT" noProof="0" dirty="0" smtClean="0"/>
-              <a:t>Vantagens </a:t>
-            </a:r>
-            <a:r>
-              <a:rPr lang="pt-PT" noProof="0" dirty="0" smtClean="0"/>
-              <a:t>para o </a:t>
-            </a:r>
-            <a:r>
-              <a:rPr lang="pt-PT" noProof="0" dirty="0" smtClean="0"/>
-              <a:t>site:</a:t>
-            </a:r>
+            <a:pPr marL="0" indent="0">
+              <a:buNone/>
+            </a:pPr>
+            <a:r>
+              <a:rPr lang="en-US" dirty="0" smtClean="0"/>
+              <a:t>“</a:t>
+            </a:r>
+            <a:r>
+              <a:rPr lang="en-US" i="1" dirty="0" smtClean="0"/>
+              <a:t>Accessibility </a:t>
+            </a:r>
+            <a:r>
+              <a:rPr lang="en-US" i="1" dirty="0"/>
+              <a:t>is about ensuring an equivalent user experience for people with disabilities, including people with age-related </a:t>
+            </a:r>
+            <a:r>
+              <a:rPr lang="en-US" i="1" dirty="0" smtClean="0"/>
+              <a:t>impairments.</a:t>
+            </a:r>
+          </a:p>
+          <a:p>
+            <a:pPr marL="0" indent="0">
+              <a:buNone/>
+            </a:pPr>
+            <a:r>
+              <a:rPr lang="en-US" i="1" dirty="0" smtClean="0"/>
+              <a:t>…Thus </a:t>
+            </a:r>
+            <a:r>
+              <a:rPr lang="en-US" i="1" dirty="0"/>
+              <a:t>accessibility includes both</a:t>
+            </a:r>
+            <a:r>
+              <a:rPr lang="en-US" i="1" dirty="0" smtClean="0"/>
+              <a:t>:</a:t>
+            </a:r>
+            <a:endParaRPr lang="en-US" i="1" dirty="0"/>
           </a:p>
           <a:p>
             <a:pPr lvl="1"/>
             <a:r>
-              <a:rPr lang="pt-PT" noProof="0" dirty="0" err="1" smtClean="0"/>
-              <a:t>Crawlers</a:t>
-            </a:r>
-            <a:r>
-              <a:rPr lang="pt-PT" noProof="0" dirty="0" smtClean="0"/>
-              <a:t> portam-se como </a:t>
-            </a:r>
-            <a:r>
-              <a:rPr lang="pt-PT" noProof="0" dirty="0" err="1" smtClean="0"/>
-              <a:t>UAs</a:t>
-            </a:r>
-            <a:endParaRPr lang="pt-PT" noProof="0" dirty="0" smtClean="0"/>
-          </a:p>
-          <a:p>
-            <a:r>
-              <a:rPr lang="pt-PT" noProof="0" dirty="0" smtClean="0"/>
-              <a:t>Casos </a:t>
-            </a:r>
-            <a:r>
-              <a:rPr lang="pt-PT" noProof="0" dirty="0" smtClean="0"/>
-              <a:t>práticos mau e bom - exploração com </a:t>
-            </a:r>
-            <a:r>
-              <a:rPr lang="pt-PT" noProof="0" dirty="0" err="1" smtClean="0"/>
-              <a:t>iPad</a:t>
-            </a:r>
-            <a:endParaRPr lang="pt-PT" noProof="0" dirty="0" smtClean="0"/>
-          </a:p>
-          <a:p>
-            <a:r>
-              <a:rPr lang="pt-PT" noProof="0" dirty="0" smtClean="0"/>
-              <a:t>Exemplo </a:t>
-            </a:r>
-            <a:r>
-              <a:rPr lang="pt-PT" noProof="0" dirty="0" smtClean="0"/>
-              <a:t>de uma página nível </a:t>
-            </a:r>
-            <a:r>
-              <a:rPr lang="pt-PT" noProof="0" dirty="0" smtClean="0"/>
-              <a:t>de conformidade AAA </a:t>
-            </a:r>
-            <a:r>
-              <a:rPr lang="pt-PT" noProof="0" dirty="0" smtClean="0"/>
-              <a:t>(WCAG 2.0)</a:t>
-            </a:r>
-          </a:p>
-          <a:p>
-            <a:r>
-              <a:rPr lang="pt-PT" noProof="0" dirty="0" smtClean="0"/>
-              <a:t>Exemplo de marcação HTML</a:t>
-            </a:r>
-            <a:endParaRPr lang="pt-PT" noProof="0" dirty="0" smtClean="0"/>
+              <a:rPr lang="en-US" i="1" dirty="0"/>
+              <a:t>Requirements that are more specific to people with </a:t>
+            </a:r>
+            <a:r>
+              <a:rPr lang="en-US" i="1" dirty="0" smtClean="0"/>
+              <a:t>disabilities;…</a:t>
+            </a:r>
+            <a:endParaRPr lang="en-US" i="1" dirty="0"/>
+          </a:p>
+          <a:p>
+            <a:pPr lvl="1"/>
+            <a:r>
+              <a:rPr lang="en-US" i="1" dirty="0"/>
+              <a:t>Requirements that are also general usability </a:t>
+            </a:r>
+            <a:r>
+              <a:rPr lang="en-US" i="1" dirty="0" smtClean="0"/>
+              <a:t>principles…</a:t>
+            </a:r>
+            <a:endParaRPr lang="en-US" i="1" dirty="0"/>
+          </a:p>
+          <a:p>
+            <a:pPr marL="0" indent="0">
+              <a:buNone/>
+            </a:pPr>
+            <a:r>
+              <a:rPr lang="en-US" i="1" dirty="0"/>
+              <a:t>Websites, web tools, and other products that meet accessibility goals are more usable for everyone</a:t>
+            </a:r>
+            <a:r>
+              <a:rPr lang="en-US" i="1" dirty="0" smtClean="0"/>
+              <a:t>.</a:t>
+            </a:r>
+            <a:r>
+              <a:rPr lang="en-US" dirty="0" smtClean="0"/>
+              <a:t>”</a:t>
+            </a:r>
+          </a:p>
+          <a:p>
+            <a:pPr marL="0" indent="0" algn="r">
+              <a:buNone/>
+            </a:pPr>
+            <a:r>
+              <a:rPr lang="en-US" sz="1200" dirty="0"/>
+              <a:t>W3C - Web </a:t>
+            </a:r>
+            <a:r>
+              <a:rPr lang="en-US" sz="1200" dirty="0"/>
+              <a:t>Accessibility and Usability Working </a:t>
+            </a:r>
+            <a:r>
+              <a:rPr lang="en-US" sz="1200" dirty="0" smtClean="0"/>
+              <a:t>Together</a:t>
+            </a:r>
+            <a:r>
+              <a:rPr lang="en-US" sz="1200" dirty="0"/>
+              <a:t>, &lt;</a:t>
+            </a:r>
+            <a:r>
+              <a:rPr lang="en-US" sz="1200" dirty="0">
+                <a:hlinkClick r:id="rId3"/>
+              </a:rPr>
+              <a:t>https://www.w3.org/WAI/intro/usable</a:t>
+            </a:r>
+            <a:r>
+              <a:rPr lang="en-US" sz="1200" dirty="0"/>
+              <a:t>&gt;, </a:t>
+            </a:r>
+            <a:r>
+              <a:rPr lang="en-US" sz="1200" dirty="0" err="1" smtClean="0"/>
+              <a:t>acedido</a:t>
+            </a:r>
+            <a:r>
+              <a:rPr lang="en-US" sz="1200" dirty="0" smtClean="0"/>
+              <a:t> </a:t>
+            </a:r>
+            <a:r>
+              <a:rPr lang="en-US" sz="1200" dirty="0" err="1" smtClean="0"/>
+              <a:t>em</a:t>
+            </a:r>
+            <a:r>
+              <a:rPr lang="en-US" sz="1200" dirty="0" smtClean="0"/>
+              <a:t> 2016-04-13</a:t>
+            </a:r>
+            <a:endParaRPr lang="en-US" sz="1200" dirty="0"/>
           </a:p>
         </p:txBody>
       </p:sp>
     </p:spTree>
     <p:extLst>
       <p:ext uri="{BB962C8B-B14F-4D97-AF65-F5344CB8AC3E}">
-        <p14:creationId xmlns:p14="http://schemas.microsoft.com/office/powerpoint/2010/main" val="1042487288"/>
+        <p14:creationId xmlns:p14="http://schemas.microsoft.com/office/powerpoint/2010/main" val="3523767973"/>
       </p:ext>
     </p:extLst>
   </p:cSld>
@@ -4925,7 +5451,7 @@
             <a:pPr lvl="0"/>
             <a:r>
               <a:rPr lang="pt-PT" noProof="0" dirty="0" smtClean="0"/>
-              <a:t>Contribuições em Portugal (5min)</a:t>
+              <a:t>Aplicabilidade (5min)</a:t>
             </a:r>
             <a:endParaRPr lang="pt-PT" noProof="0" dirty="0"/>
           </a:p>
@@ -4943,49 +5469,76 @@
         </p:nvSpPr>
         <p:spPr/>
         <p:txBody>
-          <a:bodyPr/>
-          <a:lstStyle/>
+          <a:bodyPr>
+            <a:normAutofit/>
+          </a:bodyPr>
+          <a:lstStyle/>
+          <a:p>
+            <a:r>
+              <a:rPr lang="en-US" noProof="0" dirty="0" err="1" smtClean="0"/>
+              <a:t>Paralelo</a:t>
+            </a:r>
+            <a:r>
+              <a:rPr lang="en-US" noProof="0" dirty="0" smtClean="0"/>
+              <a:t> API -&gt; HAL /</a:t>
+            </a:r>
+            <a:r>
+              <a:rPr lang="en-US" baseline="0" noProof="0" dirty="0" smtClean="0"/>
+              <a:t> UA -&gt; WCAG</a:t>
+            </a:r>
+            <a:endParaRPr lang="pt-PT" noProof="0" dirty="0" smtClean="0"/>
+          </a:p>
           <a:p>
             <a:r>
               <a:rPr lang="pt-PT" noProof="0" dirty="0" smtClean="0"/>
-              <a:t>FCT </a:t>
+              <a:t>Vantagens para o site:</a:t>
+            </a:r>
+          </a:p>
+          <a:p>
+            <a:pPr lvl="1"/>
+            <a:r>
+              <a:rPr lang="pt-PT" noProof="0" dirty="0" err="1" smtClean="0"/>
+              <a:t>Crawlers</a:t>
             </a:r>
             <a:r>
               <a:rPr lang="pt-PT" noProof="0" dirty="0" smtClean="0"/>
-              <a:t>- Unidade Acesso</a:t>
-            </a:r>
+              <a:t> portam-se como </a:t>
+            </a:r>
+            <a:r>
+              <a:rPr lang="pt-PT" noProof="0" dirty="0" err="1" smtClean="0"/>
+              <a:t>UAs</a:t>
+            </a:r>
+            <a:endParaRPr lang="pt-PT" noProof="0" dirty="0" smtClean="0"/>
           </a:p>
           <a:p>
             <a:r>
               <a:rPr lang="pt-PT" noProof="0" dirty="0" smtClean="0"/>
-              <a:t>UP </a:t>
-            </a:r>
+              <a:t>Casos práticos mau e bom - exploração com </a:t>
+            </a:r>
+            <a:r>
+              <a:rPr lang="pt-PT" noProof="0" dirty="0" err="1" smtClean="0"/>
+              <a:t>iPad</a:t>
+            </a:r>
+            <a:endParaRPr lang="pt-PT" noProof="0" dirty="0" smtClean="0"/>
+          </a:p>
+          <a:p>
             <a:r>
               <a:rPr lang="pt-PT" noProof="0" dirty="0" smtClean="0"/>
-              <a:t>- </a:t>
-            </a:r>
-            <a:r>
-              <a:rPr lang="pt-PT" noProof="0" dirty="0" err="1" smtClean="0"/>
-              <a:t>Places</a:t>
-            </a:r>
+              <a:t>Exemplo de uma página nível de conformidade AAA (WCAG 2.0)</a:t>
+            </a:r>
+          </a:p>
+          <a:p>
             <a:r>
               <a:rPr lang="pt-PT" noProof="0" dirty="0" smtClean="0"/>
-              <a:t>, Plataforma de </a:t>
-            </a:r>
-            <a:r>
-              <a:rPr lang="pt-PT" noProof="0" dirty="0" smtClean="0"/>
-              <a:t>Acessibilidade</a:t>
-            </a:r>
-          </a:p>
-          <a:p>
-            <a:endParaRPr lang="pt-PT" noProof="0" dirty="0" smtClean="0"/>
+              <a:t>Exemplo de marcação HTML</a:t>
+            </a:r>
           </a:p>
         </p:txBody>
       </p:sp>
     </p:spTree>
     <p:extLst>
       <p:ext uri="{BB962C8B-B14F-4D97-AF65-F5344CB8AC3E}">
-        <p14:creationId xmlns:p14="http://schemas.microsoft.com/office/powerpoint/2010/main" val="1789695018"/>
+        <p14:creationId xmlns:p14="http://schemas.microsoft.com/office/powerpoint/2010/main" val="1042487288"/>
       </p:ext>
     </p:extLst>
   </p:cSld>
@@ -5027,9 +5580,10 @@
           <a:bodyPr/>
           <a:lstStyle/>
           <a:p>
+            <a:pPr lvl="0"/>
             <a:r>
               <a:rPr lang="pt-PT" noProof="0" dirty="0" smtClean="0"/>
-              <a:t>Referências</a:t>
+              <a:t>Contribuições em Portugal (5min)</a:t>
             </a:r>
             <a:endParaRPr lang="pt-PT" noProof="0" dirty="0"/>
           </a:p>
@@ -5052,48 +5606,32 @@
           <a:p>
             <a:r>
               <a:rPr lang="pt-PT" noProof="0" dirty="0" smtClean="0"/>
-              <a:t>Validadores</a:t>
-            </a:r>
-          </a:p>
-          <a:p>
-            <a:pPr lvl="1"/>
-            <a:r>
-              <a:rPr lang="pt-PT" dirty="0"/>
-              <a:t>http://www.acessibilidade.gov.pt/accessmonitor/</a:t>
-            </a:r>
+              <a:t>FCT - Unidade Acesso</a:t>
+            </a:r>
+          </a:p>
+          <a:p>
+            <a:r>
+              <a:rPr lang="pt-PT" noProof="0" dirty="0" smtClean="0"/>
+              <a:t>UP - </a:t>
+            </a:r>
+            <a:r>
+              <a:rPr lang="pt-PT" noProof="0" dirty="0" err="1" smtClean="0"/>
+              <a:t>Places</a:t>
+            </a:r>
+            <a:r>
+              <a:rPr lang="pt-PT" noProof="0" dirty="0" smtClean="0"/>
+              <a:t>, Plataforma de Acessibilidade</a:t>
+            </a:r>
+          </a:p>
+          <a:p>
             <a:endParaRPr lang="pt-PT" noProof="0" dirty="0" smtClean="0"/>
-          </a:p>
-          <a:p>
-            <a:r>
-              <a:rPr lang="pt-PT" noProof="0" dirty="0" smtClean="0"/>
-              <a:t>Sites de referência:</a:t>
-            </a:r>
-          </a:p>
-          <a:p>
-            <a:pPr lvl="1"/>
-            <a:r>
-              <a:rPr lang="en-US" noProof="0" dirty="0" smtClean="0"/>
-              <a:t>UMIC</a:t>
-            </a:r>
-          </a:p>
-          <a:p>
-            <a:pPr lvl="1"/>
-            <a:r>
-              <a:rPr lang="en-US" dirty="0" smtClean="0"/>
-              <a:t>CGD</a:t>
-            </a:r>
-            <a:endParaRPr lang="pt-PT" dirty="0"/>
-          </a:p>
-          <a:p>
-            <a:pPr lvl="1"/>
-            <a:endParaRPr lang="en-US" dirty="0" smtClean="0"/>
           </a:p>
         </p:txBody>
       </p:sp>
     </p:spTree>
     <p:extLst>
       <p:ext uri="{BB962C8B-B14F-4D97-AF65-F5344CB8AC3E}">
-        <p14:creationId xmlns:p14="http://schemas.microsoft.com/office/powerpoint/2010/main" val="1080507439"/>
+        <p14:creationId xmlns:p14="http://schemas.microsoft.com/office/powerpoint/2010/main" val="1789695018"/>
       </p:ext>
     </p:extLst>
   </p:cSld>

--- a/docs/Accessibility a22908.pptx
+++ b/docs/Accessibility a22908.pptx
@@ -5,19 +5,20 @@
     <p:sldMasterId id="2147483648" r:id="rId1"/>
   </p:sldMasterIdLst>
   <p:notesMasterIdLst>
-    <p:notesMasterId r:id="rId12"/>
+    <p:notesMasterId r:id="rId13"/>
   </p:notesMasterIdLst>
   <p:sldIdLst>
-    <p:sldId id="256" r:id="rId2"/>
-    <p:sldId id="263" r:id="rId3"/>
-    <p:sldId id="257" r:id="rId4"/>
+    <p:sldId id="267" r:id="rId2"/>
+    <p:sldId id="256" r:id="rId3"/>
+    <p:sldId id="266" r:id="rId4"/>
     <p:sldId id="264" r:id="rId5"/>
-    <p:sldId id="259" r:id="rId6"/>
-    <p:sldId id="258" r:id="rId7"/>
-    <p:sldId id="265" r:id="rId8"/>
+    <p:sldId id="258" r:id="rId6"/>
+    <p:sldId id="265" r:id="rId7"/>
+    <p:sldId id="268" r:id="rId8"/>
     <p:sldId id="260" r:id="rId9"/>
-    <p:sldId id="261" r:id="rId10"/>
-    <p:sldId id="262" r:id="rId11"/>
+    <p:sldId id="269" r:id="rId10"/>
+    <p:sldId id="261" r:id="rId11"/>
+    <p:sldId id="262" r:id="rId12"/>
   </p:sldIdLst>
   <p:sldSz cx="12192000" cy="6858000"/>
   <p:notesSz cx="6858000" cy="9144000"/>
@@ -206,7 +207,7 @@
           <a:p>
             <a:fld id="{3DA6DE8F-1BE5-412F-968A-A00033B87462}" type="datetimeFigureOut">
               <a:rPr lang="pt-PT" smtClean="0"/>
-              <a:t>2016/04/13</a:t>
+              <a:t>2016/05/02</a:t>
             </a:fld>
             <a:endParaRPr lang="pt-PT"/>
           </a:p>
@@ -543,7 +544,7 @@
           <a:p>
             <a:fld id="{94A2E280-44B8-42CB-8147-6E1BA11A84E2}" type="slidenum">
               <a:rPr lang="pt-PT" smtClean="0"/>
-              <a:t>6</a:t>
+              <a:t>5</a:t>
             </a:fld>
             <a:endParaRPr lang="pt-PT"/>
           </a:p>
@@ -871,7 +872,7 @@
           <a:p>
             <a:fld id="{94A2E280-44B8-42CB-8147-6E1BA11A84E2}" type="slidenum">
               <a:rPr lang="pt-PT" smtClean="0"/>
-              <a:t>7</a:t>
+              <a:t>6</a:t>
             </a:fld>
             <a:endParaRPr lang="pt-PT"/>
           </a:p>
@@ -1021,7 +1022,7 @@
           <a:p>
             <a:fld id="{2F5B6AAC-F37E-44D6-AB03-0A53764B43E9}" type="datetimeFigureOut">
               <a:rPr lang="pt-PT" smtClean="0"/>
-              <a:t>2016/04/13</a:t>
+              <a:t>2016/05/02</a:t>
             </a:fld>
             <a:endParaRPr lang="pt-PT"/>
           </a:p>
@@ -1191,7 +1192,7 @@
           <a:p>
             <a:fld id="{2F5B6AAC-F37E-44D6-AB03-0A53764B43E9}" type="datetimeFigureOut">
               <a:rPr lang="pt-PT" smtClean="0"/>
-              <a:t>2016/04/13</a:t>
+              <a:t>2016/05/02</a:t>
             </a:fld>
             <a:endParaRPr lang="pt-PT"/>
           </a:p>
@@ -1371,7 +1372,7 @@
           <a:p>
             <a:fld id="{2F5B6AAC-F37E-44D6-AB03-0A53764B43E9}" type="datetimeFigureOut">
               <a:rPr lang="pt-PT" smtClean="0"/>
-              <a:t>2016/04/13</a:t>
+              <a:t>2016/05/02</a:t>
             </a:fld>
             <a:endParaRPr lang="pt-PT"/>
           </a:p>
@@ -1541,7 +1542,7 @@
           <a:p>
             <a:fld id="{2F5B6AAC-F37E-44D6-AB03-0A53764B43E9}" type="datetimeFigureOut">
               <a:rPr lang="pt-PT" smtClean="0"/>
-              <a:t>2016/04/13</a:t>
+              <a:t>2016/05/02</a:t>
             </a:fld>
             <a:endParaRPr lang="pt-PT"/>
           </a:p>
@@ -1787,7 +1788,7 @@
           <a:p>
             <a:fld id="{2F5B6AAC-F37E-44D6-AB03-0A53764B43E9}" type="datetimeFigureOut">
               <a:rPr lang="pt-PT" smtClean="0"/>
-              <a:t>2016/04/13</a:t>
+              <a:t>2016/05/02</a:t>
             </a:fld>
             <a:endParaRPr lang="pt-PT"/>
           </a:p>
@@ -2019,7 +2020,7 @@
           <a:p>
             <a:fld id="{2F5B6AAC-F37E-44D6-AB03-0A53764B43E9}" type="datetimeFigureOut">
               <a:rPr lang="pt-PT" smtClean="0"/>
-              <a:t>2016/04/13</a:t>
+              <a:t>2016/05/02</a:t>
             </a:fld>
             <a:endParaRPr lang="pt-PT"/>
           </a:p>
@@ -2386,7 +2387,7 @@
           <a:p>
             <a:fld id="{2F5B6AAC-F37E-44D6-AB03-0A53764B43E9}" type="datetimeFigureOut">
               <a:rPr lang="pt-PT" smtClean="0"/>
-              <a:t>2016/04/13</a:t>
+              <a:t>2016/05/02</a:t>
             </a:fld>
             <a:endParaRPr lang="pt-PT"/>
           </a:p>
@@ -2504,7 +2505,7 @@
           <a:p>
             <a:fld id="{2F5B6AAC-F37E-44D6-AB03-0A53764B43E9}" type="datetimeFigureOut">
               <a:rPr lang="pt-PT" smtClean="0"/>
-              <a:t>2016/04/13</a:t>
+              <a:t>2016/05/02</a:t>
             </a:fld>
             <a:endParaRPr lang="pt-PT"/>
           </a:p>
@@ -2599,7 +2600,7 @@
           <a:p>
             <a:fld id="{2F5B6AAC-F37E-44D6-AB03-0A53764B43E9}" type="datetimeFigureOut">
               <a:rPr lang="pt-PT" smtClean="0"/>
-              <a:t>2016/04/13</a:t>
+              <a:t>2016/05/02</a:t>
             </a:fld>
             <a:endParaRPr lang="pt-PT"/>
           </a:p>
@@ -2876,7 +2877,7 @@
           <a:p>
             <a:fld id="{2F5B6AAC-F37E-44D6-AB03-0A53764B43E9}" type="datetimeFigureOut">
               <a:rPr lang="pt-PT" smtClean="0"/>
-              <a:t>2016/04/13</a:t>
+              <a:t>2016/05/02</a:t>
             </a:fld>
             <a:endParaRPr lang="pt-PT"/>
           </a:p>
@@ -3129,7 +3130,7 @@
           <a:p>
             <a:fld id="{2F5B6AAC-F37E-44D6-AB03-0A53764B43E9}" type="datetimeFigureOut">
               <a:rPr lang="pt-PT" smtClean="0"/>
-              <a:t>2016/04/13</a:t>
+              <a:t>2016/05/02</a:t>
             </a:fld>
             <a:endParaRPr lang="pt-PT"/>
           </a:p>
@@ -3342,7 +3343,7 @@
           <a:p>
             <a:fld id="{2F5B6AAC-F37E-44D6-AB03-0A53764B43E9}" type="datetimeFigureOut">
               <a:rPr lang="pt-PT" smtClean="0"/>
-              <a:t>2016/04/13</a:t>
+              <a:t>2016/05/02</a:t>
             </a:fld>
             <a:endParaRPr lang="pt-PT"/>
           </a:p>
@@ -3749,7 +3750,7 @@
       </p:grpSpPr>
       <p:sp>
         <p:nvSpPr>
-          <p:cNvPr id="2" name="Title 1"/>
+          <p:cNvPr id="4" name="Title 3"/>
           <p:cNvSpPr>
             <a:spLocks noGrp="1"/>
           </p:cNvSpPr>
@@ -3757,27 +3758,22 @@
             <p:ph type="ctrTitle"/>
           </p:nvPr>
         </p:nvSpPr>
-        <p:spPr>
-          <a:xfrm>
-            <a:off x="1524000" y="1122363"/>
-            <a:ext cx="9144000" cy="1011237"/>
-          </a:xfrm>
-        </p:spPr>
-        <p:txBody>
-          <a:bodyPr/>
-          <a:lstStyle/>
-          <a:p>
-            <a:r>
-              <a:rPr lang="pt-PT" noProof="0" dirty="0" smtClean="0"/>
+        <p:spPr/>
+        <p:txBody>
+          <a:bodyPr/>
+          <a:lstStyle/>
+          <a:p>
+            <a:r>
+              <a:rPr lang="en-US" dirty="0" err="1" smtClean="0"/>
               <a:t>Acessibilidade</a:t>
             </a:r>
-            <a:endParaRPr lang="pt-PT" noProof="0" dirty="0"/>
-          </a:p>
-        </p:txBody>
-      </p:sp>
-      <p:sp>
-        <p:nvSpPr>
-          <p:cNvPr id="3" name="Subtitle 2"/>
+            <a:endParaRPr lang="pt-PT" dirty="0"/>
+          </a:p>
+        </p:txBody>
+      </p:sp>
+      <p:sp>
+        <p:nvSpPr>
+          <p:cNvPr id="5" name="Subtitle 4"/>
           <p:cNvSpPr>
             <a:spLocks noGrp="1"/>
           </p:cNvSpPr>
@@ -3785,346 +3781,45 @@
             <p:ph type="subTitle" idx="1"/>
           </p:nvPr>
         </p:nvSpPr>
-        <p:spPr>
-          <a:xfrm>
-            <a:off x="1524000" y="2401824"/>
-            <a:ext cx="9144000" cy="3608832"/>
-          </a:xfrm>
-        </p:spPr>
-        <p:txBody>
-          <a:bodyPr>
-            <a:normAutofit/>
-          </a:bodyPr>
-          <a:lstStyle/>
-          <a:p>
-            <a:pPr algn="l"/>
-            <a:r>
-              <a:rPr lang="pt-PT" noProof="0" dirty="0" smtClean="0">
-                <a:solidFill>
-                  <a:srgbClr val="000000"/>
-                </a:solidFill>
-                <a:latin typeface="Arial" panose="020B0604020202020204" pitchFamily="34" charset="0"/>
-              </a:rPr>
-              <a:t>…O </a:t>
-            </a:r>
-            <a:r>
-              <a:rPr lang="pt-PT" noProof="0" dirty="0">
-                <a:solidFill>
-                  <a:srgbClr val="000000"/>
-                </a:solidFill>
-                <a:latin typeface="Arial" panose="020B0604020202020204" pitchFamily="34" charset="0"/>
-              </a:rPr>
-              <a:t>cumprimento </a:t>
-            </a:r>
-            <a:r>
-              <a:rPr lang="pt-PT" noProof="0" dirty="0" smtClean="0">
-                <a:solidFill>
-                  <a:srgbClr val="000000"/>
-                </a:solidFill>
-                <a:latin typeface="Arial" panose="020B0604020202020204" pitchFamily="34" charset="0"/>
-              </a:rPr>
-              <a:t>… [das] … diretrizes </a:t>
-            </a:r>
-            <a:r>
-              <a:rPr lang="pt-PT" noProof="0" dirty="0">
-                <a:solidFill>
-                  <a:srgbClr val="000000"/>
-                </a:solidFill>
-                <a:latin typeface="Arial" panose="020B0604020202020204" pitchFamily="34" charset="0"/>
-              </a:rPr>
-              <a:t>fará com que os conteúdos fiquem acessíveis a um maior número de pessoas com incapacidades, incluindo </a:t>
-            </a:r>
-            <a:r>
-              <a:rPr lang="pt-PT" u="sng" noProof="0" dirty="0">
-                <a:solidFill>
-                  <a:srgbClr val="000000"/>
-                </a:solidFill>
-                <a:latin typeface="Arial" panose="020B0604020202020204" pitchFamily="34" charset="0"/>
-              </a:rPr>
-              <a:t>cegueira</a:t>
-            </a:r>
-            <a:r>
-              <a:rPr lang="pt-PT" noProof="0" dirty="0">
-                <a:solidFill>
-                  <a:srgbClr val="000000"/>
-                </a:solidFill>
-                <a:latin typeface="Arial" panose="020B0604020202020204" pitchFamily="34" charset="0"/>
-              </a:rPr>
-              <a:t> e </a:t>
-            </a:r>
-            <a:r>
-              <a:rPr lang="pt-PT" u="sng" noProof="0" dirty="0">
-                <a:solidFill>
-                  <a:srgbClr val="000000"/>
-                </a:solidFill>
-                <a:latin typeface="Arial" panose="020B0604020202020204" pitchFamily="34" charset="0"/>
-              </a:rPr>
-              <a:t>baixa visão</a:t>
-            </a:r>
-            <a:r>
-              <a:rPr lang="pt-PT" noProof="0" dirty="0">
-                <a:solidFill>
-                  <a:srgbClr val="000000"/>
-                </a:solidFill>
-                <a:latin typeface="Arial" panose="020B0604020202020204" pitchFamily="34" charset="0"/>
-              </a:rPr>
-              <a:t>, </a:t>
-            </a:r>
-            <a:r>
-              <a:rPr lang="pt-PT" u="sng" noProof="0" dirty="0">
-                <a:solidFill>
-                  <a:srgbClr val="000000"/>
-                </a:solidFill>
-                <a:latin typeface="Arial" panose="020B0604020202020204" pitchFamily="34" charset="0"/>
-              </a:rPr>
-              <a:t>surdez</a:t>
-            </a:r>
-            <a:r>
-              <a:rPr lang="pt-PT" noProof="0" dirty="0">
-                <a:solidFill>
-                  <a:srgbClr val="000000"/>
-                </a:solidFill>
-                <a:latin typeface="Arial" panose="020B0604020202020204" pitchFamily="34" charset="0"/>
-              </a:rPr>
-              <a:t> e </a:t>
-            </a:r>
-            <a:r>
-              <a:rPr lang="pt-PT" u="sng" noProof="0" dirty="0">
-                <a:solidFill>
-                  <a:srgbClr val="000000"/>
-                </a:solidFill>
-                <a:latin typeface="Arial" panose="020B0604020202020204" pitchFamily="34" charset="0"/>
-              </a:rPr>
-              <a:t>perda de audição</a:t>
-            </a:r>
-            <a:r>
-              <a:rPr lang="pt-PT" noProof="0" dirty="0">
-                <a:solidFill>
-                  <a:srgbClr val="000000"/>
-                </a:solidFill>
-                <a:latin typeface="Arial" panose="020B0604020202020204" pitchFamily="34" charset="0"/>
-              </a:rPr>
-              <a:t>, </a:t>
-            </a:r>
-            <a:r>
-              <a:rPr lang="pt-PT" u="sng" noProof="0" dirty="0">
-                <a:solidFill>
-                  <a:srgbClr val="000000"/>
-                </a:solidFill>
-                <a:latin typeface="Arial" panose="020B0604020202020204" pitchFamily="34" charset="0"/>
-              </a:rPr>
-              <a:t>incapacidades ao nível da aprendizagem</a:t>
-            </a:r>
-            <a:r>
-              <a:rPr lang="pt-PT" noProof="0" dirty="0">
-                <a:solidFill>
-                  <a:srgbClr val="000000"/>
-                </a:solidFill>
-                <a:latin typeface="Arial" panose="020B0604020202020204" pitchFamily="34" charset="0"/>
-              </a:rPr>
-              <a:t>, </a:t>
-            </a:r>
-            <a:r>
-              <a:rPr lang="pt-PT" u="sng" noProof="0" dirty="0">
-                <a:solidFill>
-                  <a:srgbClr val="000000"/>
-                </a:solidFill>
-                <a:latin typeface="Arial" panose="020B0604020202020204" pitchFamily="34" charset="0"/>
-              </a:rPr>
-              <a:t>limitações cognitivas</a:t>
-            </a:r>
-            <a:r>
-              <a:rPr lang="pt-PT" noProof="0" dirty="0">
-                <a:solidFill>
-                  <a:srgbClr val="000000"/>
-                </a:solidFill>
-                <a:latin typeface="Arial" panose="020B0604020202020204" pitchFamily="34" charset="0"/>
-              </a:rPr>
-              <a:t>, </a:t>
-            </a:r>
-            <a:r>
-              <a:rPr lang="pt-PT" u="sng" noProof="0" dirty="0">
-                <a:solidFill>
-                  <a:srgbClr val="000000"/>
-                </a:solidFill>
-                <a:latin typeface="Arial" panose="020B0604020202020204" pitchFamily="34" charset="0"/>
-              </a:rPr>
-              <a:t>movimentos limitados</a:t>
-            </a:r>
-            <a:r>
-              <a:rPr lang="pt-PT" noProof="0" dirty="0">
-                <a:solidFill>
-                  <a:srgbClr val="000000"/>
-                </a:solidFill>
-                <a:latin typeface="Arial" panose="020B0604020202020204" pitchFamily="34" charset="0"/>
-              </a:rPr>
-              <a:t>, </a:t>
-            </a:r>
-            <a:r>
-              <a:rPr lang="pt-PT" u="sng" noProof="0" dirty="0">
-                <a:solidFill>
-                  <a:srgbClr val="000000"/>
-                </a:solidFill>
-                <a:latin typeface="Arial" panose="020B0604020202020204" pitchFamily="34" charset="0"/>
-              </a:rPr>
-              <a:t>incapacidades ao nível da fala</a:t>
-            </a:r>
-            <a:r>
-              <a:rPr lang="pt-PT" noProof="0" dirty="0">
-                <a:solidFill>
-                  <a:srgbClr val="000000"/>
-                </a:solidFill>
-                <a:latin typeface="Arial" panose="020B0604020202020204" pitchFamily="34" charset="0"/>
-              </a:rPr>
-              <a:t>, </a:t>
-            </a:r>
-            <a:r>
-              <a:rPr lang="pt-PT" u="sng" noProof="0" dirty="0">
-                <a:solidFill>
-                  <a:srgbClr val="000000"/>
-                </a:solidFill>
-                <a:latin typeface="Arial" panose="020B0604020202020204" pitchFamily="34" charset="0"/>
-              </a:rPr>
-              <a:t>fotossensibilidade</a:t>
-            </a:r>
-            <a:r>
-              <a:rPr lang="pt-PT" noProof="0" dirty="0">
-                <a:solidFill>
-                  <a:srgbClr val="000000"/>
-                </a:solidFill>
-                <a:latin typeface="Arial" panose="020B0604020202020204" pitchFamily="34" charset="0"/>
-              </a:rPr>
-              <a:t> e ainda combinações destas </a:t>
-            </a:r>
-            <a:r>
-              <a:rPr lang="pt-PT" noProof="0" dirty="0" smtClean="0">
-                <a:solidFill>
-                  <a:srgbClr val="000000"/>
-                </a:solidFill>
-                <a:latin typeface="Arial" panose="020B0604020202020204" pitchFamily="34" charset="0"/>
-              </a:rPr>
-              <a:t>incapacidades.</a:t>
-            </a:r>
-          </a:p>
-          <a:p>
-            <a:pPr algn="l"/>
-            <a:r>
-              <a:rPr lang="pt-PT" b="1" noProof="0" dirty="0" smtClean="0">
-                <a:solidFill>
-                  <a:srgbClr val="000000"/>
-                </a:solidFill>
-                <a:latin typeface="Arial" panose="020B0604020202020204" pitchFamily="34" charset="0"/>
-              </a:rPr>
-              <a:t>O </a:t>
-            </a:r>
-            <a:r>
-              <a:rPr lang="pt-PT" b="1" noProof="0" dirty="0">
-                <a:solidFill>
-                  <a:srgbClr val="000000"/>
-                </a:solidFill>
-                <a:latin typeface="Arial" panose="020B0604020202020204" pitchFamily="34" charset="0"/>
-              </a:rPr>
-              <a:t>cumprimento destas </a:t>
-            </a:r>
-            <a:r>
-              <a:rPr lang="pt-PT" b="1" noProof="0" dirty="0" smtClean="0">
-                <a:solidFill>
-                  <a:srgbClr val="000000"/>
-                </a:solidFill>
-                <a:latin typeface="Arial" panose="020B0604020202020204" pitchFamily="34" charset="0"/>
-              </a:rPr>
-              <a:t>diretrizes </a:t>
-            </a:r>
-            <a:r>
-              <a:rPr lang="pt-PT" b="1" noProof="0" dirty="0">
-                <a:solidFill>
-                  <a:srgbClr val="000000"/>
-                </a:solidFill>
-                <a:latin typeface="Arial" panose="020B0604020202020204" pitchFamily="34" charset="0"/>
-              </a:rPr>
-              <a:t>também facilitará a utilização do conteúdo </a:t>
-            </a:r>
-            <a:r>
-              <a:rPr lang="pt-PT" b="1" noProof="0" dirty="0" smtClean="0">
-                <a:solidFill>
-                  <a:srgbClr val="000000"/>
-                </a:solidFill>
-                <a:latin typeface="Arial" panose="020B0604020202020204" pitchFamily="34" charset="0"/>
-              </a:rPr>
-              <a:t>da </a:t>
-            </a:r>
-            <a:r>
-              <a:rPr lang="pt-PT" b="1" noProof="0" dirty="0">
-                <a:solidFill>
-                  <a:srgbClr val="000000"/>
-                </a:solidFill>
-                <a:latin typeface="Arial" panose="020B0604020202020204" pitchFamily="34" charset="0"/>
-              </a:rPr>
-              <a:t>Web pelos utilizadores em geral</a:t>
-            </a:r>
-            <a:r>
-              <a:rPr lang="pt-PT" b="1" noProof="0" dirty="0" smtClean="0">
-                <a:solidFill>
-                  <a:srgbClr val="000000"/>
-                </a:solidFill>
-                <a:latin typeface="Arial" panose="020B0604020202020204" pitchFamily="34" charset="0"/>
-              </a:rPr>
-              <a:t>.</a:t>
-            </a:r>
-          </a:p>
-          <a:p>
-            <a:pPr algn="r"/>
-            <a:endParaRPr lang="pt-PT" noProof="0" dirty="0"/>
-          </a:p>
-          <a:p>
-            <a:pPr algn="r"/>
-            <a:r>
-              <a:rPr lang="pt-PT" sz="1200" noProof="0" dirty="0" smtClean="0"/>
-              <a:t>(in: </a:t>
-            </a:r>
-            <a:r>
-              <a:rPr lang="pt-PT" sz="1200" noProof="0" dirty="0" smtClean="0">
-                <a:hlinkClick r:id="rId2"/>
-              </a:rPr>
-              <a:t>http</a:t>
-            </a:r>
-            <a:r>
-              <a:rPr lang="pt-PT" sz="1200" noProof="0" dirty="0">
-                <a:hlinkClick r:id="rId2"/>
-              </a:rPr>
-              <a:t>://www.acessibilidade.gov.pt/w3/TR/WCAG20</a:t>
-            </a:r>
-            <a:r>
-              <a:rPr lang="pt-PT" sz="1200" noProof="0" dirty="0" smtClean="0">
-                <a:hlinkClick r:id="rId2"/>
-              </a:rPr>
-              <a:t>/</a:t>
-            </a:r>
-            <a:r>
-              <a:rPr lang="pt-PT" sz="1200" noProof="0" dirty="0" smtClean="0"/>
-              <a:t> , acedido em  2016/04/13)</a:t>
-            </a:r>
-            <a:endParaRPr lang="pt-PT" sz="1200" noProof="0" dirty="0"/>
+        <p:spPr/>
+        <p:txBody>
+          <a:bodyPr/>
+          <a:lstStyle/>
+          <a:p>
+            <a:r>
+              <a:rPr lang="en-US" dirty="0" smtClean="0"/>
+              <a:t>António Borba da Silva – 22908</a:t>
+            </a:r>
+          </a:p>
+          <a:p>
+            <a:r>
+              <a:rPr lang="en-US" dirty="0" smtClean="0"/>
+              <a:t>LEIC – 2015/2016</a:t>
+            </a:r>
+          </a:p>
+          <a:p>
+            <a:r>
+              <a:rPr lang="en-US" dirty="0" err="1" smtClean="0"/>
+              <a:t>Grupo</a:t>
+            </a:r>
+            <a:r>
+              <a:rPr lang="en-US" dirty="0" smtClean="0"/>
+              <a:t> 40</a:t>
+            </a:r>
+            <a:endParaRPr lang="pt-PT" dirty="0"/>
           </a:p>
         </p:txBody>
       </p:sp>
     </p:spTree>
     <p:extLst>
       <p:ext uri="{BB962C8B-B14F-4D97-AF65-F5344CB8AC3E}">
-        <p14:creationId xmlns:p14="http://schemas.microsoft.com/office/powerpoint/2010/main" val="3894842286"/>
+        <p14:creationId xmlns:p14="http://schemas.microsoft.com/office/powerpoint/2010/main" val="1543821543"/>
       </p:ext>
     </p:extLst>
   </p:cSld>
   <p:clrMapOvr>
     <a:masterClrMapping/>
   </p:clrMapOvr>
-  <p:timing>
-    <p:tnLst>
-      <p:par>
-        <p:cTn id="1" dur="indefinite" restart="never" nodeType="tmRoot"/>
-      </p:par>
-    </p:tnLst>
-  </p:timing>
 </p:sld>
 </file>
 
@@ -4160,10 +3855,113 @@
           <a:bodyPr/>
           <a:lstStyle/>
           <a:p>
+            <a:pPr lvl="0"/>
+            <a:r>
+              <a:rPr lang="pt-PT" noProof="0" dirty="0" smtClean="0"/>
+              <a:t>Contribuições em </a:t>
+            </a:r>
+            <a:r>
+              <a:rPr lang="pt-PT" noProof="0" dirty="0" smtClean="0"/>
+              <a:t>Portugal</a:t>
+            </a:r>
+            <a:br>
+              <a:rPr lang="pt-PT" noProof="0" dirty="0" smtClean="0"/>
+            </a:br>
+            <a:endParaRPr lang="pt-PT" noProof="0" dirty="0"/>
+          </a:p>
+        </p:txBody>
+      </p:sp>
+      <p:sp>
+        <p:nvSpPr>
+          <p:cNvPr id="3" name="Content Placeholder 2"/>
+          <p:cNvSpPr>
+            <a:spLocks noGrp="1"/>
+          </p:cNvSpPr>
+          <p:nvPr>
+            <p:ph idx="1"/>
+          </p:nvPr>
+        </p:nvSpPr>
+        <p:spPr/>
+        <p:txBody>
+          <a:bodyPr/>
+          <a:lstStyle/>
+          <a:p>
+            <a:r>
+              <a:rPr lang="pt-PT" noProof="0" dirty="0" smtClean="0"/>
+              <a:t>FCT - Unidade Acesso</a:t>
+            </a:r>
+          </a:p>
+          <a:p>
+            <a:r>
+              <a:rPr lang="pt-PT" noProof="0" dirty="0" smtClean="0"/>
+              <a:t>UP - </a:t>
+            </a:r>
+            <a:r>
+              <a:rPr lang="pt-PT" noProof="0" dirty="0" err="1" smtClean="0"/>
+              <a:t>Places</a:t>
+            </a:r>
+            <a:r>
+              <a:rPr lang="pt-PT" noProof="0" dirty="0" smtClean="0"/>
+              <a:t>, Plataforma de Acessibilidade</a:t>
+            </a:r>
+          </a:p>
+          <a:p>
+            <a:endParaRPr lang="pt-PT" noProof="0" dirty="0" smtClean="0"/>
+          </a:p>
+        </p:txBody>
+      </p:sp>
+    </p:spTree>
+    <p:extLst>
+      <p:ext uri="{BB962C8B-B14F-4D97-AF65-F5344CB8AC3E}">
+        <p14:creationId xmlns:p14="http://schemas.microsoft.com/office/powerpoint/2010/main" val="1789695018"/>
+      </p:ext>
+    </p:extLst>
+  </p:cSld>
+  <p:clrMapOvr>
+    <a:masterClrMapping/>
+  </p:clrMapOvr>
+</p:sld>
+</file>
+
+<file path=ppt/slides/slide11.xml><?xml version="1.0" encoding="utf-8"?>
+<p:sld xmlns:a="http://schemas.openxmlformats.org/drawingml/2006/main" xmlns:r="http://schemas.openxmlformats.org/officeDocument/2006/relationships" xmlns:p="http://schemas.openxmlformats.org/presentationml/2006/main">
+  <p:cSld>
+    <p:spTree>
+      <p:nvGrpSpPr>
+        <p:cNvPr id="1" name=""/>
+        <p:cNvGrpSpPr/>
+        <p:nvPr/>
+      </p:nvGrpSpPr>
+      <p:grpSpPr>
+        <a:xfrm>
+          <a:off x="0" y="0"/>
+          <a:ext cx="0" cy="0"/>
+          <a:chOff x="0" y="0"/>
+          <a:chExt cx="0" cy="0"/>
+        </a:xfrm>
+      </p:grpSpPr>
+      <p:sp>
+        <p:nvSpPr>
+          <p:cNvPr id="2" name="Title 1"/>
+          <p:cNvSpPr>
+            <a:spLocks noGrp="1"/>
+          </p:cNvSpPr>
+          <p:nvPr>
+            <p:ph type="title"/>
+          </p:nvPr>
+        </p:nvSpPr>
+        <p:spPr/>
+        <p:txBody>
+          <a:bodyPr/>
+          <a:lstStyle/>
+          <a:p>
             <a:r>
               <a:rPr lang="pt-PT" noProof="0" dirty="0" smtClean="0"/>
               <a:t>Referências</a:t>
             </a:r>
+            <a:br>
+              <a:rPr lang="pt-PT" noProof="0" dirty="0" smtClean="0"/>
+            </a:br>
             <a:endParaRPr lang="pt-PT" noProof="0" dirty="0"/>
           </a:p>
         </p:txBody>
@@ -4260,17 +4058,30 @@
             <a:spLocks noGrp="1"/>
           </p:cNvSpPr>
           <p:nvPr>
-            <p:ph type="title"/>
-          </p:nvPr>
-        </p:nvSpPr>
-        <p:spPr/>
-        <p:txBody>
-          <a:bodyPr/>
-          <a:lstStyle/>
-          <a:p>
-            <a:r>
-              <a:rPr lang="pt-PT" noProof="0" dirty="0" smtClean="0"/>
-              <a:t>Agenda</a:t>
+            <p:ph type="ctrTitle"/>
+          </p:nvPr>
+        </p:nvSpPr>
+        <p:spPr>
+          <a:xfrm>
+            <a:off x="1524000" y="1122363"/>
+            <a:ext cx="9144000" cy="1011237"/>
+          </a:xfrm>
+        </p:spPr>
+        <p:txBody>
+          <a:bodyPr/>
+          <a:lstStyle/>
+          <a:p>
+            <a:r>
+              <a:rPr lang="en-US" dirty="0" err="1" smtClean="0"/>
+              <a:t>Acessibilidade</a:t>
+            </a:r>
+            <a:r>
+              <a:rPr lang="en-US" dirty="0" smtClean="0"/>
+              <a:t> - </a:t>
+            </a:r>
+            <a:r>
+              <a:rPr lang="en-US" dirty="0" err="1" smtClean="0"/>
+              <a:t>definição</a:t>
             </a:r>
             <a:endParaRPr lang="pt-PT" noProof="0" dirty="0"/>
           </a:p>
@@ -4278,105 +4089,341 @@
       </p:sp>
       <p:sp>
         <p:nvSpPr>
-          <p:cNvPr id="3" name="Content Placeholder 2"/>
-          <p:cNvSpPr>
-            <a:spLocks noGrp="1"/>
-          </p:cNvSpPr>
-          <p:nvPr>
-            <p:ph idx="1"/>
-          </p:nvPr>
-        </p:nvSpPr>
-        <p:spPr/>
-        <p:txBody>
-          <a:bodyPr/>
-          <a:lstStyle/>
-          <a:p>
-            <a:pPr>
-              <a:tabLst>
-                <a:tab pos="9956800" algn="r"/>
-              </a:tabLst>
-            </a:pPr>
-            <a:r>
-              <a:rPr lang="pt-PT" noProof="0" dirty="0" smtClean="0"/>
-              <a:t>O que é que está em causa?	2 min</a:t>
-            </a:r>
-          </a:p>
-          <a:p>
-            <a:pPr>
-              <a:tabLst>
-                <a:tab pos="9956800" algn="r"/>
-              </a:tabLst>
-            </a:pPr>
-            <a:r>
-              <a:rPr lang="pt-PT" noProof="0" dirty="0" smtClean="0"/>
-              <a:t>Aplicabilidade e benefícios	3 min</a:t>
-            </a:r>
-          </a:p>
-          <a:p>
-            <a:pPr>
-              <a:tabLst>
-                <a:tab pos="9956800" algn="r"/>
-              </a:tabLst>
-            </a:pPr>
-            <a:r>
-              <a:rPr lang="pt-PT" dirty="0" smtClean="0"/>
-              <a:t>Casos práticos	7 min</a:t>
-            </a:r>
-            <a:endParaRPr lang="pt-PT" noProof="0" dirty="0" smtClean="0"/>
-          </a:p>
-          <a:p>
-            <a:pPr>
-              <a:tabLst>
-                <a:tab pos="9956800" algn="r"/>
-              </a:tabLst>
-            </a:pPr>
-            <a:r>
-              <a:rPr lang="pt-PT" noProof="0" dirty="0" smtClean="0"/>
-              <a:t>Em Portugal	3 min</a:t>
-            </a:r>
-          </a:p>
-          <a:p>
-            <a:pPr>
-              <a:tabLst>
-                <a:tab pos="9956800" algn="r"/>
-              </a:tabLst>
-            </a:pPr>
-            <a:r>
-              <a:rPr lang="pt-PT" noProof="0" dirty="0" smtClean="0"/>
-              <a:t>Referências</a:t>
-            </a:r>
-          </a:p>
-          <a:p>
-            <a:pPr marL="0" indent="0">
-              <a:buNone/>
-              <a:tabLst>
-                <a:tab pos="9956800" algn="r"/>
-              </a:tabLst>
-            </a:pPr>
-            <a:r>
-              <a:rPr lang="pt-PT" noProof="0" dirty="0" smtClean="0"/>
-              <a:t>	---------</a:t>
-            </a:r>
-          </a:p>
-          <a:p>
-            <a:pPr marL="0" indent="0">
-              <a:buNone/>
-              <a:tabLst>
-                <a:tab pos="9956800" algn="r"/>
-              </a:tabLst>
-            </a:pPr>
-            <a:r>
-              <a:rPr lang="pt-PT" dirty="0" smtClean="0"/>
-              <a:t>	15 min</a:t>
-            </a:r>
-            <a:endParaRPr lang="pt-PT" noProof="0" dirty="0" smtClean="0"/>
+          <p:cNvPr id="3" name="Subtitle 2"/>
+          <p:cNvSpPr>
+            <a:spLocks noGrp="1"/>
+          </p:cNvSpPr>
+          <p:nvPr>
+            <p:ph type="subTitle" idx="1"/>
+          </p:nvPr>
+        </p:nvSpPr>
+        <p:spPr>
+          <a:xfrm>
+            <a:off x="1524000" y="2401824"/>
+            <a:ext cx="9144000" cy="3608832"/>
+          </a:xfrm>
+        </p:spPr>
+        <p:txBody>
+          <a:bodyPr>
+            <a:normAutofit/>
+          </a:bodyPr>
+          <a:lstStyle/>
+          <a:p>
+            <a:pPr algn="l"/>
+            <a:r>
+              <a:rPr lang="pt-PT" noProof="0" dirty="0" smtClean="0">
+                <a:solidFill>
+                  <a:srgbClr val="000000"/>
+                </a:solidFill>
+                <a:latin typeface="Arial" panose="020B0604020202020204" pitchFamily="34" charset="0"/>
+              </a:rPr>
+              <a:t>…O </a:t>
+            </a:r>
+            <a:r>
+              <a:rPr lang="pt-PT" noProof="0" dirty="0">
+                <a:solidFill>
+                  <a:srgbClr val="000000"/>
+                </a:solidFill>
+                <a:latin typeface="Arial" panose="020B0604020202020204" pitchFamily="34" charset="0"/>
+              </a:rPr>
+              <a:t>cumprimento </a:t>
+            </a:r>
+            <a:r>
+              <a:rPr lang="pt-PT" noProof="0" dirty="0" smtClean="0">
+                <a:solidFill>
+                  <a:srgbClr val="000000"/>
+                </a:solidFill>
+                <a:latin typeface="Arial" panose="020B0604020202020204" pitchFamily="34" charset="0"/>
+              </a:rPr>
+              <a:t>… [das] … diretrizes </a:t>
+            </a:r>
+            <a:r>
+              <a:rPr lang="pt-PT" noProof="0" dirty="0">
+                <a:solidFill>
+                  <a:srgbClr val="000000"/>
+                </a:solidFill>
+                <a:latin typeface="Arial" panose="020B0604020202020204" pitchFamily="34" charset="0"/>
+              </a:rPr>
+              <a:t>fará com que os conteúdos fiquem acessíveis a um maior número de pessoas com incapacidades, incluindo </a:t>
+            </a:r>
+            <a:r>
+              <a:rPr lang="pt-PT" u="sng" noProof="0" dirty="0">
+                <a:solidFill>
+                  <a:srgbClr val="000000"/>
+                </a:solidFill>
+                <a:latin typeface="Arial" panose="020B0604020202020204" pitchFamily="34" charset="0"/>
+              </a:rPr>
+              <a:t>cegueira</a:t>
+            </a:r>
+            <a:r>
+              <a:rPr lang="pt-PT" noProof="0" dirty="0">
+                <a:solidFill>
+                  <a:srgbClr val="000000"/>
+                </a:solidFill>
+                <a:latin typeface="Arial" panose="020B0604020202020204" pitchFamily="34" charset="0"/>
+              </a:rPr>
+              <a:t> e </a:t>
+            </a:r>
+            <a:r>
+              <a:rPr lang="pt-PT" u="sng" noProof="0" dirty="0">
+                <a:solidFill>
+                  <a:srgbClr val="000000"/>
+                </a:solidFill>
+                <a:latin typeface="Arial" panose="020B0604020202020204" pitchFamily="34" charset="0"/>
+              </a:rPr>
+              <a:t>baixa visão</a:t>
+            </a:r>
+            <a:r>
+              <a:rPr lang="pt-PT" noProof="0" dirty="0">
+                <a:solidFill>
+                  <a:srgbClr val="000000"/>
+                </a:solidFill>
+                <a:latin typeface="Arial" panose="020B0604020202020204" pitchFamily="34" charset="0"/>
+              </a:rPr>
+              <a:t>, </a:t>
+            </a:r>
+            <a:r>
+              <a:rPr lang="pt-PT" u="sng" noProof="0" dirty="0">
+                <a:solidFill>
+                  <a:srgbClr val="000000"/>
+                </a:solidFill>
+                <a:latin typeface="Arial" panose="020B0604020202020204" pitchFamily="34" charset="0"/>
+              </a:rPr>
+              <a:t>surdez</a:t>
+            </a:r>
+            <a:r>
+              <a:rPr lang="pt-PT" noProof="0" dirty="0">
+                <a:solidFill>
+                  <a:srgbClr val="000000"/>
+                </a:solidFill>
+                <a:latin typeface="Arial" panose="020B0604020202020204" pitchFamily="34" charset="0"/>
+              </a:rPr>
+              <a:t> e </a:t>
+            </a:r>
+            <a:r>
+              <a:rPr lang="pt-PT" u="sng" noProof="0" dirty="0">
+                <a:solidFill>
+                  <a:srgbClr val="000000"/>
+                </a:solidFill>
+                <a:latin typeface="Arial" panose="020B0604020202020204" pitchFamily="34" charset="0"/>
+              </a:rPr>
+              <a:t>perda de audição</a:t>
+            </a:r>
+            <a:r>
+              <a:rPr lang="pt-PT" noProof="0" dirty="0">
+                <a:solidFill>
+                  <a:srgbClr val="000000"/>
+                </a:solidFill>
+                <a:latin typeface="Arial" panose="020B0604020202020204" pitchFamily="34" charset="0"/>
+              </a:rPr>
+              <a:t>, </a:t>
+            </a:r>
+            <a:r>
+              <a:rPr lang="pt-PT" u="sng" noProof="0" dirty="0">
+                <a:solidFill>
+                  <a:srgbClr val="000000"/>
+                </a:solidFill>
+                <a:latin typeface="Arial" panose="020B0604020202020204" pitchFamily="34" charset="0"/>
+              </a:rPr>
+              <a:t>incapacidades ao nível da aprendizagem</a:t>
+            </a:r>
+            <a:r>
+              <a:rPr lang="pt-PT" noProof="0" dirty="0">
+                <a:solidFill>
+                  <a:srgbClr val="000000"/>
+                </a:solidFill>
+                <a:latin typeface="Arial" panose="020B0604020202020204" pitchFamily="34" charset="0"/>
+              </a:rPr>
+              <a:t>, </a:t>
+            </a:r>
+            <a:r>
+              <a:rPr lang="pt-PT" u="sng" noProof="0" dirty="0">
+                <a:solidFill>
+                  <a:srgbClr val="000000"/>
+                </a:solidFill>
+                <a:latin typeface="Arial" panose="020B0604020202020204" pitchFamily="34" charset="0"/>
+              </a:rPr>
+              <a:t>limitações cognitivas</a:t>
+            </a:r>
+            <a:r>
+              <a:rPr lang="pt-PT" noProof="0" dirty="0">
+                <a:solidFill>
+                  <a:srgbClr val="000000"/>
+                </a:solidFill>
+                <a:latin typeface="Arial" panose="020B0604020202020204" pitchFamily="34" charset="0"/>
+              </a:rPr>
+              <a:t>, </a:t>
+            </a:r>
+            <a:r>
+              <a:rPr lang="pt-PT" u="sng" noProof="0" dirty="0">
+                <a:solidFill>
+                  <a:srgbClr val="000000"/>
+                </a:solidFill>
+                <a:latin typeface="Arial" panose="020B0604020202020204" pitchFamily="34" charset="0"/>
+              </a:rPr>
+              <a:t>movimentos limitados</a:t>
+            </a:r>
+            <a:r>
+              <a:rPr lang="pt-PT" noProof="0" dirty="0">
+                <a:solidFill>
+                  <a:srgbClr val="000000"/>
+                </a:solidFill>
+                <a:latin typeface="Arial" panose="020B0604020202020204" pitchFamily="34" charset="0"/>
+              </a:rPr>
+              <a:t>, </a:t>
+            </a:r>
+            <a:r>
+              <a:rPr lang="pt-PT" u="sng" noProof="0" dirty="0">
+                <a:solidFill>
+                  <a:srgbClr val="000000"/>
+                </a:solidFill>
+                <a:latin typeface="Arial" panose="020B0604020202020204" pitchFamily="34" charset="0"/>
+              </a:rPr>
+              <a:t>incapacidades ao nível da fala</a:t>
+            </a:r>
+            <a:r>
+              <a:rPr lang="pt-PT" noProof="0" dirty="0">
+                <a:solidFill>
+                  <a:srgbClr val="000000"/>
+                </a:solidFill>
+                <a:latin typeface="Arial" panose="020B0604020202020204" pitchFamily="34" charset="0"/>
+              </a:rPr>
+              <a:t>, </a:t>
+            </a:r>
+            <a:r>
+              <a:rPr lang="pt-PT" u="sng" noProof="0" dirty="0">
+                <a:solidFill>
+                  <a:srgbClr val="000000"/>
+                </a:solidFill>
+                <a:latin typeface="Arial" panose="020B0604020202020204" pitchFamily="34" charset="0"/>
+              </a:rPr>
+              <a:t>fotossensibilidade</a:t>
+            </a:r>
+            <a:r>
+              <a:rPr lang="pt-PT" noProof="0" dirty="0">
+                <a:solidFill>
+                  <a:srgbClr val="000000"/>
+                </a:solidFill>
+                <a:latin typeface="Arial" panose="020B0604020202020204" pitchFamily="34" charset="0"/>
+              </a:rPr>
+              <a:t> e ainda combinações destas </a:t>
+            </a:r>
+            <a:r>
+              <a:rPr lang="pt-PT" noProof="0" dirty="0" smtClean="0">
+                <a:solidFill>
+                  <a:srgbClr val="000000"/>
+                </a:solidFill>
+                <a:latin typeface="Arial" panose="020B0604020202020204" pitchFamily="34" charset="0"/>
+              </a:rPr>
+              <a:t>incapacidades.</a:t>
+            </a:r>
+          </a:p>
+          <a:p>
+            <a:pPr algn="l"/>
+            <a:r>
+              <a:rPr lang="pt-PT" b="1" noProof="0" dirty="0" smtClean="0">
+                <a:solidFill>
+                  <a:srgbClr val="000000"/>
+                </a:solidFill>
+                <a:latin typeface="Arial" panose="020B0604020202020204" pitchFamily="34" charset="0"/>
+              </a:rPr>
+              <a:t>O </a:t>
+            </a:r>
+            <a:r>
+              <a:rPr lang="pt-PT" b="1" noProof="0" dirty="0">
+                <a:solidFill>
+                  <a:srgbClr val="000000"/>
+                </a:solidFill>
+                <a:latin typeface="Arial" panose="020B0604020202020204" pitchFamily="34" charset="0"/>
+              </a:rPr>
+              <a:t>cumprimento destas </a:t>
+            </a:r>
+            <a:r>
+              <a:rPr lang="pt-PT" b="1" noProof="0" dirty="0" smtClean="0">
+                <a:solidFill>
+                  <a:srgbClr val="000000"/>
+                </a:solidFill>
+                <a:latin typeface="Arial" panose="020B0604020202020204" pitchFamily="34" charset="0"/>
+              </a:rPr>
+              <a:t>diretrizes </a:t>
+            </a:r>
+            <a:r>
+              <a:rPr lang="pt-PT" b="1" noProof="0" dirty="0">
+                <a:solidFill>
+                  <a:srgbClr val="000000"/>
+                </a:solidFill>
+                <a:latin typeface="Arial" panose="020B0604020202020204" pitchFamily="34" charset="0"/>
+              </a:rPr>
+              <a:t>também facilitará a utilização do conteúdo </a:t>
+            </a:r>
+            <a:r>
+              <a:rPr lang="pt-PT" b="1" noProof="0" dirty="0" smtClean="0">
+                <a:solidFill>
+                  <a:srgbClr val="000000"/>
+                </a:solidFill>
+                <a:latin typeface="Arial" panose="020B0604020202020204" pitchFamily="34" charset="0"/>
+              </a:rPr>
+              <a:t>da </a:t>
+            </a:r>
+            <a:r>
+              <a:rPr lang="pt-PT" b="1" noProof="0" dirty="0">
+                <a:solidFill>
+                  <a:srgbClr val="000000"/>
+                </a:solidFill>
+                <a:latin typeface="Arial" panose="020B0604020202020204" pitchFamily="34" charset="0"/>
+              </a:rPr>
+              <a:t>Web pelos utilizadores em geral</a:t>
+            </a:r>
+            <a:r>
+              <a:rPr lang="pt-PT" b="1" noProof="0" dirty="0" smtClean="0">
+                <a:solidFill>
+                  <a:srgbClr val="000000"/>
+                </a:solidFill>
+                <a:latin typeface="Arial" panose="020B0604020202020204" pitchFamily="34" charset="0"/>
+              </a:rPr>
+              <a:t>.</a:t>
+            </a:r>
+          </a:p>
+          <a:p>
+            <a:pPr algn="r"/>
+            <a:endParaRPr lang="pt-PT" noProof="0" dirty="0"/>
+          </a:p>
+          <a:p>
+            <a:pPr algn="r"/>
+            <a:r>
+              <a:rPr lang="pt-PT" sz="1200" noProof="0" dirty="0" smtClean="0"/>
+              <a:t>(in: </a:t>
+            </a:r>
+            <a:r>
+              <a:rPr lang="pt-PT" sz="1200" noProof="0" dirty="0" smtClean="0">
+                <a:hlinkClick r:id="rId2"/>
+              </a:rPr>
+              <a:t>http</a:t>
+            </a:r>
+            <a:r>
+              <a:rPr lang="pt-PT" sz="1200" noProof="0" dirty="0">
+                <a:hlinkClick r:id="rId2"/>
+              </a:rPr>
+              <a:t>://www.acessibilidade.gov.pt/w3/TR/WCAG20</a:t>
+            </a:r>
+            <a:r>
+              <a:rPr lang="pt-PT" sz="1200" noProof="0" dirty="0" smtClean="0">
+                <a:hlinkClick r:id="rId2"/>
+              </a:rPr>
+              <a:t>/</a:t>
+            </a:r>
+            <a:r>
+              <a:rPr lang="pt-PT" sz="1200" noProof="0" dirty="0" smtClean="0"/>
+              <a:t> , acedido em  2016/04/13)</a:t>
+            </a:r>
+            <a:endParaRPr lang="pt-PT" sz="1200" noProof="0" dirty="0"/>
           </a:p>
         </p:txBody>
       </p:sp>
     </p:spTree>
     <p:extLst>
       <p:ext uri="{BB962C8B-B14F-4D97-AF65-F5344CB8AC3E}">
-        <p14:creationId xmlns:p14="http://schemas.microsoft.com/office/powerpoint/2010/main" val="2197099088"/>
+        <p14:creationId xmlns:p14="http://schemas.microsoft.com/office/powerpoint/2010/main" val="3894842286"/>
       </p:ext>
     </p:extLst>
   </p:cSld>
@@ -4426,10 +4473,37 @@
           <a:lstStyle/>
           <a:p>
             <a:r>
-              <a:rPr lang="en-US" noProof="0" dirty="0" smtClean="0"/>
-              <a:t>DUMMY</a:t>
-            </a:r>
-            <a:endParaRPr lang="pt-PT" noProof="0" dirty="0"/>
+              <a:rPr lang="pt-PT" dirty="0"/>
+              <a:t>O que é que está em causa</a:t>
+            </a:r>
+            <a:r>
+              <a:rPr lang="pt-PT" dirty="0" smtClean="0"/>
+              <a:t>?</a:t>
+            </a:r>
+            <a:br>
+              <a:rPr lang="pt-PT" dirty="0" smtClean="0"/>
+            </a:br>
+            <a:r>
+              <a:rPr lang="pt-PT" dirty="0" smtClean="0"/>
+              <a:t>- </a:t>
+            </a:r>
+            <a:r>
+              <a:rPr lang="en-US" dirty="0" err="1" smtClean="0"/>
+              <a:t>Não</a:t>
+            </a:r>
+            <a:r>
+              <a:rPr lang="en-US" dirty="0" smtClean="0"/>
+              <a:t> se </a:t>
+            </a:r>
+            <a:r>
+              <a:rPr lang="en-US" dirty="0" err="1" smtClean="0"/>
+              <a:t>limita</a:t>
+            </a:r>
+            <a:r>
+              <a:rPr lang="en-US" dirty="0" smtClean="0"/>
+              <a:t> à Web</a:t>
+            </a:r>
+            <a:endParaRPr lang="pt-PT" dirty="0"/>
           </a:p>
         </p:txBody>
       </p:sp>
@@ -4451,50 +4525,126 @@
           <a:lstStyle/>
           <a:p>
             <a:r>
-              <a:rPr lang="pt-PT" noProof="0" dirty="0" smtClean="0"/>
-              <a:t>Unidade Acesso – Acessibilidade a Cidadãos com Necessidades Especiais à Sociedade de Informação (1999).</a:t>
-            </a:r>
-          </a:p>
-          <a:p>
-            <a:r>
-              <a:rPr lang="pt-PT" noProof="0" dirty="0" smtClean="0"/>
-              <a:t>Programa Acesso – UMIC</a:t>
-            </a:r>
-          </a:p>
-          <a:p>
-            <a:r>
-              <a:rPr lang="pt-PT" noProof="0" dirty="0" smtClean="0"/>
-              <a:t>Unidade Acesso – FCT</a:t>
-            </a:r>
-          </a:p>
-          <a:p>
-            <a:r>
-              <a:rPr lang="pt-PT" noProof="0" dirty="0" smtClean="0">
-                <a:hlinkClick r:id="rId2"/>
-              </a:rPr>
-              <a:t>http://www.acessibilidade.gov.pt/</a:t>
-            </a:r>
-            <a:endParaRPr lang="pt-PT" noProof="0" dirty="0" smtClean="0"/>
+              <a:rPr lang="pt-PT" dirty="0"/>
+              <a:t>Recomendações na </a:t>
+            </a:r>
+            <a:r>
+              <a:rPr lang="pt-PT" dirty="0" smtClean="0"/>
+              <a:t>preparação</a:t>
+            </a:r>
+          </a:p>
+          <a:p>
+            <a:pPr lvl="1"/>
+            <a:r>
+              <a:rPr lang="pt-PT" dirty="0" smtClean="0"/>
+              <a:t>Escolher </a:t>
+            </a:r>
+            <a:r>
+              <a:rPr lang="pt-PT" dirty="0"/>
+              <a:t>tipo de letra </a:t>
+            </a:r>
+            <a:r>
+              <a:rPr lang="pt-PT" dirty="0" smtClean="0"/>
+              <a:t>legível</a:t>
+            </a:r>
+          </a:p>
+          <a:p>
+            <a:pPr lvl="1"/>
+            <a:r>
+              <a:rPr lang="pt-PT" dirty="0" smtClean="0"/>
+              <a:t>Utilizar </a:t>
+            </a:r>
+            <a:r>
+              <a:rPr lang="pt-PT" dirty="0"/>
+              <a:t>fundos </a:t>
+            </a:r>
+            <a:r>
+              <a:rPr lang="pt-PT" dirty="0" smtClean="0"/>
+              <a:t>lisos</a:t>
+            </a:r>
+          </a:p>
+          <a:p>
+            <a:pPr lvl="1"/>
+            <a:r>
+              <a:rPr lang="pt-PT" dirty="0" smtClean="0"/>
+              <a:t>Escolher </a:t>
+            </a:r>
+            <a:r>
+              <a:rPr lang="pt-PT" dirty="0"/>
+              <a:t>cuidadosamente as </a:t>
+            </a:r>
+            <a:r>
+              <a:rPr lang="pt-PT" dirty="0" smtClean="0"/>
+              <a:t>cores</a:t>
+            </a:r>
+          </a:p>
+          <a:p>
+            <a:pPr lvl="1"/>
+            <a:r>
+              <a:rPr lang="pt-PT" dirty="0" smtClean="0"/>
+              <a:t>Limitar </a:t>
+            </a:r>
+            <a:r>
+              <a:rPr lang="pt-PT" dirty="0"/>
+              <a:t>as </a:t>
+            </a:r>
+            <a:r>
+              <a:rPr lang="pt-PT" dirty="0" smtClean="0"/>
+              <a:t>animações</a:t>
+            </a:r>
+          </a:p>
+          <a:p>
+            <a:pPr lvl="1"/>
+            <a:r>
+              <a:rPr lang="pt-PT" dirty="0" smtClean="0"/>
+              <a:t>…</a:t>
+            </a:r>
+          </a:p>
+          <a:p>
+            <a:pPr marL="0" indent="0">
+              <a:buNone/>
+            </a:pPr>
+            <a:r>
+              <a:rPr lang="pt-PT" sz="1100" dirty="0" smtClean="0"/>
+              <a:t>(Fonte</a:t>
+            </a:r>
+            <a:r>
+              <a:rPr lang="pt-PT" sz="1100" dirty="0"/>
+              <a:t>: </a:t>
+            </a:r>
+            <a:r>
+              <a:rPr lang="pt-PT" sz="1100" dirty="0" err="1"/>
+              <a:t>Projecto</a:t>
+            </a:r>
+            <a:r>
+              <a:rPr lang="pt-PT" sz="1100" dirty="0"/>
+              <a:t> e </a:t>
+            </a:r>
+            <a:r>
+              <a:rPr lang="pt-PT" sz="1100" dirty="0" smtClean="0"/>
+              <a:t>Seminário - Preparação </a:t>
+            </a:r>
+            <a:r>
+              <a:rPr lang="pt-PT" sz="1100" dirty="0"/>
+              <a:t>da apresentação </a:t>
+            </a:r>
+            <a:r>
+              <a:rPr lang="pt-PT" sz="1100" dirty="0" smtClean="0"/>
+              <a:t>individual, Prof. Fernando Sousa )</a:t>
+            </a:r>
           </a:p>
         </p:txBody>
       </p:sp>
     </p:spTree>
     <p:extLst>
       <p:ext uri="{BB962C8B-B14F-4D97-AF65-F5344CB8AC3E}">
-        <p14:creationId xmlns:p14="http://schemas.microsoft.com/office/powerpoint/2010/main" val="810188647"/>
+        <p14:creationId xmlns:p14="http://schemas.microsoft.com/office/powerpoint/2010/main" val="1424945827"/>
       </p:ext>
     </p:extLst>
   </p:cSld>
   <p:clrMapOvr>
     <a:masterClrMapping/>
   </p:clrMapOvr>
-  <p:timing>
-    <p:tnLst>
-      <p:par>
-        <p:cTn id="1" dur="indefinite" restart="never" nodeType="tmRoot"/>
-      </p:par>
-    </p:tnLst>
-  </p:timing>
 </p:sld>
 </file>
 
@@ -4586,8 +4736,31 @@
                 <a:ea typeface="+mj-ea"/>
                 <a:cs typeface="+mj-cs"/>
               </a:rPr>
-              <a:t>O que é que está em causa?</a:t>
-            </a:r>
+              <a:t>O que é que está em causa</a:t>
+            </a:r>
+            <a:r>
+              <a:rPr lang="pt-PT" sz="4400" kern="1200" dirty="0" smtClean="0">
+                <a:solidFill>
+                  <a:schemeClr val="tx1"/>
+                </a:solidFill>
+                <a:effectLst/>
+                <a:latin typeface="+mj-lt"/>
+                <a:ea typeface="+mj-ea"/>
+                <a:cs typeface="+mj-cs"/>
+              </a:rPr>
+              <a:t>?</a:t>
+            </a:r>
+            <a:br>
+              <a:rPr lang="pt-PT" sz="4400" kern="1200" dirty="0" smtClean="0">
+                <a:solidFill>
+                  <a:schemeClr val="tx1"/>
+                </a:solidFill>
+                <a:effectLst/>
+                <a:latin typeface="+mj-lt"/>
+                <a:ea typeface="+mj-ea"/>
+                <a:cs typeface="+mj-cs"/>
+              </a:rPr>
+            </a:br>
             <a:endParaRPr lang="pt-PT" dirty="0"/>
           </a:p>
         </p:txBody>
@@ -5020,8 +5193,15 @@
             <a:pPr lvl="0"/>
             <a:r>
               <a:rPr lang="pt-PT" noProof="0" dirty="0" smtClean="0"/>
-              <a:t>População alvo (2min)</a:t>
-            </a:r>
+              <a:t>O que é</a:t>
+            </a:r>
+            <a:r>
+              <a:rPr lang="pt-PT" noProof="0" dirty="0" smtClean="0"/>
+              <a:t>?</a:t>
+            </a:r>
+            <a:br>
+              <a:rPr lang="pt-PT" noProof="0" dirty="0" smtClean="0"/>
+            </a:br>
             <a:endParaRPr lang="pt-PT" noProof="0" dirty="0"/>
           </a:p>
         </p:txBody>
@@ -5045,30 +5225,89 @@
           <a:p>
             <a:r>
               <a:rPr lang="pt-PT" noProof="0" dirty="0" smtClean="0"/>
-              <a:t>* Estatística de pessoas com necessidades especiais em Portugal</a:t>
-            </a:r>
-          </a:p>
-          <a:p>
+              <a:t>Normas de suporte:</a:t>
+            </a:r>
+          </a:p>
+          <a:p>
+            <a:pPr lvl="1"/>
             <a:r>
               <a:rPr lang="pt-PT" noProof="0" dirty="0" smtClean="0"/>
-              <a:t>* Na Europa</a:t>
-            </a:r>
-          </a:p>
-          <a:p>
+              <a:t>WCAG 2.0</a:t>
+            </a:r>
+          </a:p>
+          <a:p>
+            <a:pPr lvl="1"/>
             <a:r>
               <a:rPr lang="pt-PT" noProof="0" dirty="0" smtClean="0"/>
-              <a:t>* ...</a:t>
-            </a:r>
-          </a:p>
-          <a:p>
-            <a:endParaRPr lang="pt-PT" noProof="0" dirty="0" smtClean="0"/>
+              <a:t>ISO/IEC 40500:2012</a:t>
+            </a:r>
+          </a:p>
+          <a:p>
+            <a:r>
+              <a:rPr lang="pt-PT" noProof="0" dirty="0" smtClean="0"/>
+              <a:t>Suporte legal:</a:t>
+            </a:r>
+          </a:p>
+          <a:p>
+            <a:pPr lvl="1"/>
+            <a:r>
+              <a:rPr lang="pt-PT" noProof="0" dirty="0" smtClean="0"/>
+              <a:t>Legislação</a:t>
+            </a:r>
+            <a:r>
+              <a:rPr lang="pt-PT" baseline="0" noProof="0" dirty="0" smtClean="0"/>
+              <a:t> comunitária: Proposta de </a:t>
+            </a:r>
+            <a:r>
+              <a:rPr lang="pt-PT" baseline="0" noProof="0" dirty="0" err="1" smtClean="0"/>
+              <a:t>directiva</a:t>
+            </a:r>
+            <a:r>
+              <a:rPr lang="pt-PT" baseline="0" noProof="0" dirty="0" smtClean="0"/>
+              <a:t> – 2012/03/03</a:t>
+            </a:r>
+          </a:p>
+          <a:p>
+            <a:pPr marL="914400" lvl="2" indent="0">
+              <a:buNone/>
+            </a:pPr>
+            <a:r>
+              <a:rPr lang="pt-PT" sz="1200" dirty="0"/>
+              <a:t>https://ec.europa.eu/digital-single-market/news/proposal-directive-european-parliament-and-council-accessibility-public-sector-bodies-websites</a:t>
+            </a:r>
+            <a:endParaRPr lang="pt-PT" sz="1200" noProof="0" dirty="0" smtClean="0"/>
+          </a:p>
+          <a:p>
+            <a:pPr lvl="1"/>
+            <a:r>
+              <a:rPr lang="pt-PT" noProof="0" dirty="0" smtClean="0"/>
+              <a:t>Legislação portuguesa</a:t>
+            </a:r>
+            <a:r>
+              <a:rPr lang="pt-PT" dirty="0"/>
+              <a:t>: RCM n.º 112/2012 de 31 de </a:t>
+            </a:r>
+            <a:r>
+              <a:rPr lang="pt-PT" dirty="0" smtClean="0"/>
+              <a:t>dezembro</a:t>
+            </a:r>
+          </a:p>
+          <a:p>
+            <a:pPr marL="914400" lvl="2" indent="0">
+              <a:buNone/>
+            </a:pPr>
+            <a:r>
+              <a:rPr lang="pt-PT" sz="1200" dirty="0"/>
+              <a:t>http://www.acessibilidade.gov.pt/publicacoes#legislacao</a:t>
+            </a:r>
+            <a:endParaRPr lang="pt-PT" sz="1200" noProof="0" dirty="0" smtClean="0"/>
           </a:p>
         </p:txBody>
       </p:sp>
     </p:spTree>
     <p:extLst>
       <p:ext uri="{BB962C8B-B14F-4D97-AF65-F5344CB8AC3E}">
-        <p14:creationId xmlns:p14="http://schemas.microsoft.com/office/powerpoint/2010/main" val="3932973354"/>
+        <p14:creationId xmlns:p14="http://schemas.microsoft.com/office/powerpoint/2010/main" val="3999221353"/>
       </p:ext>
     </p:extLst>
   </p:cSld>
@@ -5117,12 +5356,26 @@
           <a:bodyPr/>
           <a:lstStyle/>
           <a:p>
-            <a:pPr lvl="0"/>
-            <a:r>
-              <a:rPr lang="pt-PT" noProof="0" dirty="0" smtClean="0"/>
-              <a:t>O que é?</a:t>
-            </a:r>
-            <a:endParaRPr lang="pt-PT" noProof="0" dirty="0"/>
+            <a:r>
+              <a:rPr lang="en-US" dirty="0" err="1" smtClean="0"/>
+              <a:t>Acessibilidade</a:t>
+            </a:r>
+            <a:r>
+              <a:rPr lang="en-US" dirty="0" smtClean="0"/>
+              <a:t> vs. </a:t>
+            </a:r>
+            <a:r>
+              <a:rPr lang="en-US" dirty="0" err="1" smtClean="0"/>
+              <a:t>Usabilidade</a:t>
+            </a:r>
+            <a:r>
+              <a:rPr lang="en-US" dirty="0" smtClean="0"/>
+              <a:t/>
+            </a:r>
+            <a:br>
+              <a:rPr lang="en-US" dirty="0" smtClean="0"/>
+            </a:br>
+            <a:endParaRPr lang="pt-PT" dirty="0"/>
           </a:p>
         </p:txBody>
       </p:sp>
@@ -5143,69 +5396,141 @@
           </a:bodyPr>
           <a:lstStyle/>
           <a:p>
-            <a:r>
-              <a:rPr lang="pt-PT" noProof="0" dirty="0" smtClean="0"/>
-              <a:t>Normas de suporte:</a:t>
-            </a:r>
+            <a:pPr marL="0" indent="0">
+              <a:buNone/>
+            </a:pPr>
+            <a:r>
+              <a:rPr lang="en-US" dirty="0" smtClean="0"/>
+              <a:t>“</a:t>
+            </a:r>
+            <a:r>
+              <a:rPr lang="en-US" i="1" dirty="0" smtClean="0"/>
+              <a:t>Accessibility </a:t>
+            </a:r>
+            <a:r>
+              <a:rPr lang="en-US" i="1" dirty="0"/>
+              <a:t>is about ensuring an equivalent user experience for people with disabilities, including people with age-related </a:t>
+            </a:r>
+            <a:r>
+              <a:rPr lang="en-US" i="1" dirty="0" smtClean="0"/>
+              <a:t>impairments.</a:t>
+            </a:r>
+          </a:p>
+          <a:p>
+            <a:pPr marL="0" indent="0">
+              <a:buNone/>
+            </a:pPr>
+            <a:r>
+              <a:rPr lang="en-US" i="1" dirty="0" smtClean="0"/>
+              <a:t>…Thus </a:t>
+            </a:r>
+            <a:r>
+              <a:rPr lang="en-US" i="1" dirty="0"/>
+              <a:t>accessibility includes both</a:t>
+            </a:r>
+            <a:r>
+              <a:rPr lang="en-US" i="1" dirty="0" smtClean="0"/>
+              <a:t>:</a:t>
+            </a:r>
+            <a:endParaRPr lang="en-US" i="1" dirty="0"/>
           </a:p>
           <a:p>
             <a:pPr lvl="1"/>
             <a:r>
-              <a:rPr lang="pt-PT" noProof="0" dirty="0" smtClean="0"/>
-              <a:t>WCAG 2.0</a:t>
-            </a:r>
+              <a:rPr lang="en-US" i="1" dirty="0"/>
+              <a:t>Requirements that are more specific to people with </a:t>
+            </a:r>
+            <a:r>
+              <a:rPr lang="en-US" i="1" dirty="0" smtClean="0"/>
+              <a:t>disabilities;…</a:t>
+            </a:r>
+            <a:endParaRPr lang="en-US" i="1" dirty="0"/>
           </a:p>
           <a:p>
             <a:pPr lvl="1"/>
             <a:r>
-              <a:rPr lang="pt-PT" noProof="0" dirty="0" smtClean="0"/>
-              <a:t>ISO/IEC 40500:2012</a:t>
-            </a:r>
-          </a:p>
-          <a:p>
-            <a:r>
-              <a:rPr lang="pt-PT" noProof="0" dirty="0" smtClean="0"/>
-              <a:t>Suporte legal:</a:t>
-            </a:r>
-          </a:p>
-          <a:p>
-            <a:pPr lvl="1"/>
-            <a:r>
-              <a:rPr lang="pt-PT" noProof="0" dirty="0" smtClean="0"/>
-              <a:t>Legislação</a:t>
-            </a:r>
-            <a:r>
-              <a:rPr lang="pt-PT" baseline="0" noProof="0" dirty="0" smtClean="0"/>
-              <a:t> comunitária</a:t>
-            </a:r>
-            <a:endParaRPr lang="pt-PT" noProof="0" dirty="0" smtClean="0"/>
-          </a:p>
-          <a:p>
-            <a:pPr lvl="1"/>
-            <a:r>
-              <a:rPr lang="pt-PT" noProof="0" dirty="0" smtClean="0"/>
-              <a:t>Legislação portuguesa</a:t>
-            </a:r>
+              <a:rPr lang="en-US" i="1" dirty="0"/>
+              <a:t>Requirements that are also general usability </a:t>
+            </a:r>
+            <a:r>
+              <a:rPr lang="en-US" i="1" dirty="0" smtClean="0"/>
+              <a:t>principles…</a:t>
+            </a:r>
+            <a:endParaRPr lang="en-US" i="1" dirty="0"/>
+          </a:p>
+          <a:p>
+            <a:pPr marL="0" indent="0">
+              <a:buNone/>
+            </a:pPr>
+            <a:r>
+              <a:rPr lang="en-US" i="1" dirty="0"/>
+              <a:t>Websites, web tools, and other products that meet accessibility goals are more usable for everyone</a:t>
+            </a:r>
+            <a:r>
+              <a:rPr lang="en-US" i="1" dirty="0" smtClean="0"/>
+              <a:t>.</a:t>
+            </a:r>
+            <a:r>
+              <a:rPr lang="en-US" dirty="0" smtClean="0"/>
+              <a:t>”</a:t>
+            </a:r>
+          </a:p>
+          <a:p>
+            <a:pPr marL="0" indent="0" algn="r">
+              <a:buNone/>
+            </a:pPr>
+            <a:r>
+              <a:rPr lang="en-US" sz="1200" dirty="0"/>
+              <a:t>W3C - Web Accessibility and Usability Working </a:t>
+            </a:r>
+            <a:r>
+              <a:rPr lang="en-US" sz="1200" dirty="0" smtClean="0"/>
+              <a:t>Together</a:t>
+            </a:r>
+            <a:r>
+              <a:rPr lang="en-US" sz="1200" dirty="0"/>
+              <a:t>, &lt;</a:t>
+            </a:r>
+            <a:r>
+              <a:rPr lang="en-US" sz="1200" dirty="0">
+                <a:hlinkClick r:id="rId3"/>
+              </a:rPr>
+              <a:t>https://www.w3.org/WAI/intro/usable</a:t>
+            </a:r>
+            <a:r>
+              <a:rPr lang="en-US" sz="1200" dirty="0"/>
+              <a:t>&gt;, </a:t>
+            </a:r>
+            <a:r>
+              <a:rPr lang="en-US" sz="1200" dirty="0" err="1" smtClean="0"/>
+              <a:t>acedido</a:t>
+            </a:r>
+            <a:r>
+              <a:rPr lang="en-US" sz="1200" dirty="0" smtClean="0"/>
+              <a:t> </a:t>
+            </a:r>
+            <a:r>
+              <a:rPr lang="en-US" sz="1200" dirty="0" err="1" smtClean="0"/>
+              <a:t>em</a:t>
+            </a:r>
+            <a:r>
+              <a:rPr lang="en-US" sz="1200" dirty="0" smtClean="0"/>
+              <a:t> 2016-04-13</a:t>
+            </a:r>
+            <a:endParaRPr lang="en-US" sz="1200" dirty="0"/>
           </a:p>
         </p:txBody>
       </p:sp>
     </p:spTree>
     <p:extLst>
       <p:ext uri="{BB962C8B-B14F-4D97-AF65-F5344CB8AC3E}">
-        <p14:creationId xmlns:p14="http://schemas.microsoft.com/office/powerpoint/2010/main" val="3999221353"/>
+        <p14:creationId xmlns:p14="http://schemas.microsoft.com/office/powerpoint/2010/main" val="3523767973"/>
       </p:ext>
     </p:extLst>
   </p:cSld>
   <p:clrMapOvr>
     <a:masterClrMapping/>
   </p:clrMapOvr>
-  <p:timing>
-    <p:tnLst>
-      <p:par>
-        <p:cTn id="1" dur="indefinite" restart="never" nodeType="tmRoot"/>
-      </p:par>
-    </p:tnLst>
-  </p:timing>
 </p:sld>
 </file>
 
@@ -5242,17 +5567,24 @@
           <a:lstStyle/>
           <a:p>
             <a:r>
-              <a:rPr lang="en-US" dirty="0" err="1" smtClean="0"/>
+              <a:rPr lang="en-US" dirty="0" err="1"/>
               <a:t>Acessibilidade</a:t>
             </a:r>
             <a:r>
-              <a:rPr lang="en-US" dirty="0" smtClean="0"/>
+              <a:rPr lang="en-US" dirty="0"/>
               <a:t> vs. </a:t>
             </a:r>
             <a:r>
               <a:rPr lang="en-US" dirty="0" err="1" smtClean="0"/>
               <a:t>Usabilidade</a:t>
             </a:r>
+            <a:r>
+              <a:rPr lang="en-US" dirty="0" smtClean="0"/>
+              <a:t/>
+            </a:r>
+            <a:br>
+              <a:rPr lang="en-US" dirty="0" smtClean="0"/>
+            </a:br>
             <a:endParaRPr lang="pt-PT" dirty="0"/>
           </a:p>
         </p:txBody>
@@ -5269,9 +5601,7 @@
         </p:nvSpPr>
         <p:spPr/>
         <p:txBody>
-          <a:bodyPr>
-            <a:normAutofit/>
-          </a:bodyPr>
+          <a:bodyPr/>
           <a:lstStyle/>
           <a:p>
             <a:pPr marL="0" indent="0">
@@ -5279,125 +5609,58 @@
             </a:pPr>
             <a:r>
               <a:rPr lang="en-US" dirty="0" smtClean="0"/>
-              <a:t>“</a:t>
-            </a:r>
-            <a:r>
-              <a:rPr lang="en-US" i="1" dirty="0" smtClean="0"/>
-              <a:t>Accessibility </a:t>
-            </a:r>
-            <a:r>
-              <a:rPr lang="en-US" i="1" dirty="0"/>
-              <a:t>is about ensuring an equivalent user experience for people with disabilities, including people with age-related </a:t>
-            </a:r>
-            <a:r>
-              <a:rPr lang="en-US" i="1" dirty="0" smtClean="0"/>
-              <a:t>impairments.</a:t>
-            </a:r>
-          </a:p>
-          <a:p>
-            <a:pPr marL="0" indent="0">
+              <a:t>“In</a:t>
+            </a:r>
+            <a:r>
+              <a:rPr lang="en-US" dirty="0"/>
+              <a:t> software engineering, usability is the degree to which a software can be used by specified consumers to achieve quantified objectives with effectiveness, efficiency, and satisfaction in a quantified context of </a:t>
+            </a:r>
+            <a:r>
+              <a:rPr lang="en-US" dirty="0" smtClean="0"/>
+              <a:t>use”</a:t>
+            </a:r>
+          </a:p>
+          <a:p>
+            <a:pPr marL="0" indent="0" algn="r">
               <a:buNone/>
             </a:pPr>
             <a:r>
-              <a:rPr lang="en-US" i="1" dirty="0" smtClean="0"/>
-              <a:t>…Thus </a:t>
-            </a:r>
-            <a:r>
-              <a:rPr lang="en-US" i="1" dirty="0"/>
-              <a:t>accessibility includes both</a:t>
-            </a:r>
-            <a:r>
-              <a:rPr lang="en-US" i="1" dirty="0" smtClean="0"/>
-              <a:t>:</a:t>
-            </a:r>
-            <a:endParaRPr lang="en-US" i="1" dirty="0"/>
-          </a:p>
-          <a:p>
-            <a:pPr lvl="1"/>
-            <a:r>
-              <a:rPr lang="en-US" i="1" dirty="0"/>
-              <a:t>Requirements that are more specific to people with </a:t>
-            </a:r>
-            <a:r>
-              <a:rPr lang="en-US" i="1" dirty="0" smtClean="0"/>
-              <a:t>disabilities;…</a:t>
-            </a:r>
-            <a:endParaRPr lang="en-US" i="1" dirty="0"/>
-          </a:p>
-          <a:p>
-            <a:pPr lvl="1"/>
-            <a:r>
-              <a:rPr lang="en-US" i="1" dirty="0"/>
-              <a:t>Requirements that are also general usability </a:t>
-            </a:r>
-            <a:r>
-              <a:rPr lang="en-US" i="1" dirty="0" smtClean="0"/>
-              <a:t>principles…</a:t>
-            </a:r>
-            <a:endParaRPr lang="en-US" i="1" dirty="0"/>
-          </a:p>
-          <a:p>
-            <a:pPr marL="0" indent="0">
-              <a:buNone/>
-            </a:pPr>
-            <a:r>
-              <a:rPr lang="en-US" i="1" dirty="0"/>
-              <a:t>Websites, web tools, and other products that meet accessibility goals are more usable for everyone</a:t>
-            </a:r>
-            <a:r>
-              <a:rPr lang="en-US" i="1" dirty="0" smtClean="0"/>
-              <a:t>.</a:t>
-            </a:r>
-            <a:r>
-              <a:rPr lang="en-US" dirty="0" smtClean="0"/>
-              <a:t>”</a:t>
-            </a:r>
-          </a:p>
-          <a:p>
-            <a:pPr marL="0" indent="0" algn="r">
-              <a:buNone/>
-            </a:pPr>
+              <a:rPr lang="en-US" sz="1200" dirty="0" smtClean="0"/>
+              <a:t>Wikipedia, </a:t>
+            </a:r>
             <a:r>
               <a:rPr lang="en-US" sz="1200" dirty="0"/>
-              <a:t>W3C - Web </a:t>
-            </a:r>
-            <a:r>
-              <a:rPr lang="en-US" sz="1200" dirty="0"/>
-              <a:t>Accessibility and Usability Working </a:t>
-            </a:r>
-            <a:r>
-              <a:rPr lang="en-US" sz="1200" dirty="0" smtClean="0"/>
-              <a:t>Together</a:t>
-            </a:r>
-            <a:r>
-              <a:rPr lang="en-US" sz="1200" dirty="0"/>
-              <a:t>, &lt;</a:t>
+              <a:t>&lt;</a:t>
             </a:r>
             <a:r>
               <a:rPr lang="en-US" sz="1200" dirty="0">
-                <a:hlinkClick r:id="rId3"/>
+                <a:hlinkClick r:id="rId2"/>
               </a:rPr>
-              <a:t>https://www.w3.org/WAI/intro/usable</a:t>
+              <a:t>https://en.wikipedia.org/wiki/Usability</a:t>
             </a:r>
             <a:r>
               <a:rPr lang="en-US" sz="1200" dirty="0"/>
               <a:t>&gt;, </a:t>
             </a:r>
             <a:r>
-              <a:rPr lang="en-US" sz="1200" dirty="0" err="1" smtClean="0"/>
+              <a:rPr lang="en-US" sz="1200" dirty="0" err="1"/>
               <a:t>acedido</a:t>
             </a:r>
             <a:r>
+              <a:rPr lang="en-US" sz="1200" dirty="0"/>
+              <a:t> </a:t>
+            </a:r>
+            <a:r>
+              <a:rPr lang="en-US" sz="1200" dirty="0" err="1"/>
+              <a:t>em</a:t>
+            </a:r>
+            <a:r>
+              <a:rPr lang="en-US" sz="1200" dirty="0"/>
+              <a:t> </a:t>
+            </a:r>
+            <a:r>
               <a:rPr lang="en-US" sz="1200" dirty="0" smtClean="0"/>
-              <a:t> </a:t>
-            </a:r>
-            <a:r>
-              <a:rPr lang="en-US" sz="1200" dirty="0" err="1" smtClean="0"/>
-              <a:t>em</a:t>
-            </a:r>
-            <a:r>
-              <a:rPr lang="en-US" sz="1200" dirty="0" smtClean="0"/>
-              <a:t> 2016-04-13</a:t>
+              <a:t>2016-04-13</a:t>
             </a:r>
             <a:endParaRPr lang="en-US" sz="1200" dirty="0"/>
           </a:p>
@@ -5406,7 +5669,7 @@
     </p:spTree>
     <p:extLst>
       <p:ext uri="{BB962C8B-B14F-4D97-AF65-F5344CB8AC3E}">
-        <p14:creationId xmlns:p14="http://schemas.microsoft.com/office/powerpoint/2010/main" val="3523767973"/>
+        <p14:creationId xmlns:p14="http://schemas.microsoft.com/office/powerpoint/2010/main" val="1244781140"/>
       </p:ext>
     </p:extLst>
   </p:cSld>
@@ -5451,8 +5714,11 @@
             <a:pPr lvl="0"/>
             <a:r>
               <a:rPr lang="pt-PT" noProof="0" dirty="0" smtClean="0"/>
-              <a:t>Aplicabilidade (5min)</a:t>
-            </a:r>
+              <a:t>Aplicações</a:t>
+            </a:r>
+            <a:br>
+              <a:rPr lang="pt-PT" noProof="0" dirty="0" smtClean="0"/>
+            </a:br>
             <a:endParaRPr lang="pt-PT" noProof="0" dirty="0"/>
           </a:p>
         </p:txBody>
@@ -5475,49 +5741,16 @@
           <a:lstStyle/>
           <a:p>
             <a:r>
-              <a:rPr lang="en-US" noProof="0" dirty="0" err="1" smtClean="0"/>
-              <a:t>Paralelo</a:t>
-            </a:r>
-            <a:r>
-              <a:rPr lang="en-US" noProof="0" dirty="0" smtClean="0"/>
-              <a:t> API -&gt; HAL /</a:t>
-            </a:r>
-            <a:r>
-              <a:rPr lang="en-US" baseline="0" noProof="0" dirty="0" smtClean="0"/>
-              <a:t> UA -&gt; WCAG</a:t>
-            </a:r>
-            <a:endParaRPr lang="pt-PT" noProof="0" dirty="0" smtClean="0"/>
-          </a:p>
-          <a:p>
-            <a:r>
               <a:rPr lang="pt-PT" noProof="0" dirty="0" smtClean="0"/>
-              <a:t>Vantagens para o site:</a:t>
-            </a:r>
-          </a:p>
-          <a:p>
-            <a:pPr lvl="1"/>
-            <a:r>
-              <a:rPr lang="pt-PT" noProof="0" dirty="0" err="1" smtClean="0"/>
-              <a:t>Crawlers</a:t>
+              <a:t>Casos </a:t>
             </a:r>
             <a:r>
               <a:rPr lang="pt-PT" noProof="0" dirty="0" smtClean="0"/>
-              <a:t> portam-se como </a:t>
-            </a:r>
-            <a:r>
-              <a:rPr lang="pt-PT" noProof="0" dirty="0" err="1" smtClean="0"/>
-              <a:t>UAs</a:t>
-            </a:r>
-            <a:endParaRPr lang="pt-PT" noProof="0" dirty="0" smtClean="0"/>
-          </a:p>
-          <a:p>
+              <a:t>práticos mau e </a:t>
+            </a:r>
             <a:r>
               <a:rPr lang="pt-PT" noProof="0" dirty="0" smtClean="0"/>
-              <a:t>Casos práticos mau e bom - exploração com </a:t>
-            </a:r>
-            <a:r>
-              <a:rPr lang="pt-PT" noProof="0" dirty="0" err="1" smtClean="0"/>
-              <a:t>iPad</a:t>
+              <a:t>bom</a:t>
             </a:r>
             <a:endParaRPr lang="pt-PT" noProof="0" dirty="0" smtClean="0"/>
           </a:p>
@@ -5530,8 +5763,44 @@
           <a:p>
             <a:r>
               <a:rPr lang="pt-PT" noProof="0" dirty="0" smtClean="0"/>
-              <a:t>Exemplo de marcação HTML</a:t>
-            </a:r>
+              <a:t>Exemplo de marcação </a:t>
+            </a:r>
+            <a:r>
+              <a:rPr lang="pt-PT" noProof="0" dirty="0" smtClean="0"/>
+              <a:t>HTML</a:t>
+            </a:r>
+          </a:p>
+          <a:p>
+            <a:pPr marL="0" indent="0">
+              <a:buNone/>
+            </a:pPr>
+            <a:endParaRPr lang="en-US" dirty="0"/>
+          </a:p>
+          <a:p>
+            <a:pPr marL="0" indent="0">
+              <a:buNone/>
+            </a:pPr>
+            <a:endParaRPr lang="en-US" noProof="0" dirty="0" smtClean="0"/>
+          </a:p>
+          <a:p>
+            <a:pPr marL="0" indent="0">
+              <a:buNone/>
+            </a:pPr>
+            <a:endParaRPr lang="en-US" dirty="0"/>
+          </a:p>
+          <a:p>
+            <a:pPr marL="0" indent="0" algn="ctr">
+              <a:buNone/>
+            </a:pPr>
+            <a:r>
+              <a:rPr lang="en-US" noProof="0" dirty="0" smtClean="0"/>
+              <a:t>Obrigado pela </a:t>
+            </a:r>
+            <a:r>
+              <a:rPr lang="en-US" noProof="0" dirty="0" err="1" smtClean="0"/>
+              <a:t>atenção</a:t>
+            </a:r>
+            <a:endParaRPr lang="pt-PT" noProof="0" dirty="0" smtClean="0"/>
           </a:p>
         </p:txBody>
       </p:sp>
@@ -5580,58 +5849,25 @@
           <a:bodyPr/>
           <a:lstStyle/>
           <a:p>
-            <a:pPr lvl="0"/>
-            <a:r>
-              <a:rPr lang="pt-PT" noProof="0" dirty="0" smtClean="0"/>
-              <a:t>Contribuições em Portugal (5min)</a:t>
-            </a:r>
-            <a:endParaRPr lang="pt-PT" noProof="0" dirty="0"/>
-          </a:p>
-        </p:txBody>
-      </p:sp>
-      <p:sp>
-        <p:nvSpPr>
-          <p:cNvPr id="3" name="Content Placeholder 2"/>
-          <p:cNvSpPr>
-            <a:spLocks noGrp="1"/>
-          </p:cNvSpPr>
-          <p:nvPr>
-            <p:ph idx="1"/>
-          </p:nvPr>
-        </p:nvSpPr>
-        <p:spPr/>
-        <p:txBody>
-          <a:bodyPr/>
-          <a:lstStyle/>
-          <a:p>
-            <a:r>
-              <a:rPr lang="pt-PT" noProof="0" dirty="0" smtClean="0"/>
-              <a:t>FCT - Unidade Acesso</a:t>
-            </a:r>
-          </a:p>
-          <a:p>
-            <a:r>
-              <a:rPr lang="pt-PT" noProof="0" dirty="0" smtClean="0"/>
-              <a:t>UP - </a:t>
-            </a:r>
-            <a:r>
-              <a:rPr lang="pt-PT" noProof="0" dirty="0" err="1" smtClean="0"/>
-              <a:t>Places</a:t>
-            </a:r>
-            <a:r>
-              <a:rPr lang="pt-PT" noProof="0" dirty="0" smtClean="0"/>
-              <a:t>, Plataforma de Acessibilidade</a:t>
-            </a:r>
-          </a:p>
-          <a:p>
-            <a:endParaRPr lang="pt-PT" noProof="0" dirty="0" smtClean="0"/>
+            <a:r>
+              <a:rPr lang="en-US" dirty="0" err="1" smtClean="0"/>
+              <a:t>Anexos</a:t>
+            </a:r>
+            <a:r>
+              <a:rPr lang="en-US" dirty="0" smtClean="0"/>
+              <a:t/>
+            </a:r>
+            <a:br>
+              <a:rPr lang="en-US" dirty="0" smtClean="0"/>
+            </a:br>
+            <a:endParaRPr lang="pt-PT" dirty="0"/>
           </a:p>
         </p:txBody>
       </p:sp>
     </p:spTree>
     <p:extLst>
       <p:ext uri="{BB962C8B-B14F-4D97-AF65-F5344CB8AC3E}">
-        <p14:creationId xmlns:p14="http://schemas.microsoft.com/office/powerpoint/2010/main" val="1789695018"/>
+        <p14:creationId xmlns:p14="http://schemas.microsoft.com/office/powerpoint/2010/main" val="609431213"/>
       </p:ext>
     </p:extLst>
   </p:cSld>

--- a/docs/Accessibility a22908.pptx
+++ b/docs/Accessibility a22908.pptx
@@ -1,11 +1,11 @@
 
 <file path=ppt/presentation.xml><?xml version="1.0" encoding="utf-8"?>
-<p:presentation xmlns:a="http://schemas.openxmlformats.org/drawingml/2006/main" xmlns:r="http://schemas.openxmlformats.org/officeDocument/2006/relationships" xmlns:p="http://schemas.openxmlformats.org/presentationml/2006/main" saveSubsetFonts="1">
+<p:presentation xmlns:a="http://schemas.openxmlformats.org/drawingml/2006/main" xmlns:r="http://schemas.openxmlformats.org/officeDocument/2006/relationships" xmlns:p="http://schemas.openxmlformats.org/presentationml/2006/main" showSpecialPlsOnTitleSld="0" saveSubsetFonts="1">
   <p:sldMasterIdLst>
-    <p:sldMasterId id="2147483648" r:id="rId1"/>
+    <p:sldMasterId id="2147483660" r:id="rId1"/>
   </p:sldMasterIdLst>
   <p:notesMasterIdLst>
-    <p:notesMasterId r:id="rId13"/>
+    <p:notesMasterId r:id="rId14"/>
   </p:notesMasterIdLst>
   <p:sldIdLst>
     <p:sldId id="267" r:id="rId2"/>
@@ -19,8 +19,9 @@
     <p:sldId id="269" r:id="rId10"/>
     <p:sldId id="261" r:id="rId11"/>
     <p:sldId id="262" r:id="rId12"/>
+    <p:sldId id="270" r:id="rId13"/>
   </p:sldIdLst>
-  <p:sldSz cx="12192000" cy="6858000"/>
+  <p:sldSz cx="9144000" cy="6858000" type="screen4x3"/>
   <p:notesSz cx="6858000" cy="9144000"/>
   <p:defaultTextStyle>
     <a:defPPr>
@@ -207,7 +208,7 @@
           <a:p>
             <a:fld id="{3DA6DE8F-1BE5-412F-968A-A00033B87462}" type="datetimeFigureOut">
               <a:rPr lang="pt-PT" smtClean="0"/>
-              <a:t>2016/05/02</a:t>
+              <a:t>2016/06/06</a:t>
             </a:fld>
             <a:endParaRPr lang="pt-PT"/>
           </a:p>
@@ -225,8 +226,8 @@
         </p:nvSpPr>
         <p:spPr>
           <a:xfrm>
-            <a:off x="685800" y="1143000"/>
-            <a:ext cx="5486400" cy="3086100"/>
+            <a:off x="1371600" y="1143000"/>
+            <a:ext cx="4114800" cy="3086100"/>
           </a:xfrm>
           <a:prstGeom prst="rect">
             <a:avLst/>
@@ -519,9 +520,48 @@
           <a:bodyPr/>
           <a:lstStyle/>
           <a:p>
-            <a:r>
-              <a:rPr lang="en-US" dirty="0" smtClean="0"/>
-              <a:t>3 min</a:t>
+            <a:pPr marL="171450" indent="-171450">
+              <a:buFont typeface="Arial" panose="020B0604020202020204" pitchFamily="34" charset="0"/>
+              <a:buChar char="•"/>
+            </a:pPr>
+            <a:r>
+              <a:rPr lang="en-US" dirty="0" err="1" smtClean="0"/>
+              <a:t>Desmaterialização</a:t>
+            </a:r>
+            <a:r>
+              <a:rPr lang="en-US" baseline="0" dirty="0" smtClean="0"/>
+              <a:t> de </a:t>
+            </a:r>
+            <a:r>
+              <a:rPr lang="en-US" baseline="0" dirty="0" err="1" smtClean="0"/>
+              <a:t>processos</a:t>
+            </a:r>
+            <a:endParaRPr lang="en-US" baseline="0" dirty="0" smtClean="0"/>
+          </a:p>
+          <a:p>
+            <a:pPr marL="171450" indent="-171450">
+              <a:buFont typeface="Arial" panose="020B0604020202020204" pitchFamily="34" charset="0"/>
+              <a:buChar char="•"/>
+            </a:pPr>
+            <a:r>
+              <a:rPr lang="en-US" baseline="0" dirty="0" err="1" smtClean="0"/>
+              <a:t>Aumento</a:t>
+            </a:r>
+            <a:r>
+              <a:rPr lang="en-US" baseline="0" dirty="0" smtClean="0"/>
+              <a:t> da </a:t>
+            </a:r>
+            <a:r>
+              <a:rPr lang="en-US" baseline="0" dirty="0" err="1" smtClean="0"/>
+              <a:t>esperança</a:t>
+            </a:r>
+            <a:r>
+              <a:rPr lang="en-US" baseline="0" dirty="0" smtClean="0"/>
+              <a:t> de </a:t>
+            </a:r>
+            <a:r>
+              <a:rPr lang="en-US" baseline="0" dirty="0" err="1" smtClean="0"/>
+              <a:t>vida</a:t>
             </a:r>
             <a:endParaRPr lang="pt-PT" dirty="0"/>
           </a:p>
@@ -544,7 +584,7 @@
           <a:p>
             <a:fld id="{94A2E280-44B8-42CB-8147-6E1BA11A84E2}" type="slidenum">
               <a:rPr lang="pt-PT" smtClean="0"/>
-              <a:t>5</a:t>
+              <a:t>2</a:t>
             </a:fld>
             <a:endParaRPr lang="pt-PT"/>
           </a:p>
@@ -553,7 +593,7 @@
     </p:spTree>
     <p:extLst>
       <p:ext uri="{BB962C8B-B14F-4D97-AF65-F5344CB8AC3E}">
-        <p14:creationId xmlns:p14="http://schemas.microsoft.com/office/powerpoint/2010/main" val="3451408510"/>
+        <p14:creationId xmlns:p14="http://schemas.microsoft.com/office/powerpoint/2010/main" val="2829451624"/>
       </p:ext>
     </p:extLst>
   </p:cSld>
@@ -607,6 +647,309 @@
           <a:bodyPr/>
           <a:lstStyle/>
           <a:p>
+            <a:pPr marL="171450" indent="-171450">
+              <a:buFont typeface="Arial" panose="020B0604020202020204" pitchFamily="34" charset="0"/>
+              <a:buChar char="•"/>
+            </a:pPr>
+            <a:r>
+              <a:rPr lang="en-US" dirty="0" err="1" smtClean="0"/>
+              <a:t>Todos</a:t>
+            </a:r>
+            <a:r>
+              <a:rPr lang="en-US" dirty="0" smtClean="0"/>
+              <a:t> </a:t>
+            </a:r>
+            <a:r>
+              <a:rPr lang="en-US" dirty="0" err="1" smtClean="0"/>
+              <a:t>temos</a:t>
+            </a:r>
+            <a:r>
+              <a:rPr lang="en-US" dirty="0" smtClean="0"/>
+              <a:t> </a:t>
+            </a:r>
+            <a:r>
+              <a:rPr lang="en-US" dirty="0" err="1" smtClean="0"/>
+              <a:t>algum</a:t>
+            </a:r>
+            <a:r>
+              <a:rPr lang="en-US" dirty="0" smtClean="0"/>
+              <a:t> </a:t>
+            </a:r>
+            <a:r>
+              <a:rPr lang="en-US" dirty="0" err="1" smtClean="0"/>
+              <a:t>grau</a:t>
+            </a:r>
+            <a:r>
+              <a:rPr lang="en-US" dirty="0" smtClean="0"/>
+              <a:t> de </a:t>
+            </a:r>
+            <a:r>
+              <a:rPr lang="en-US" dirty="0" err="1" smtClean="0"/>
+              <a:t>necessidade</a:t>
+            </a:r>
+            <a:r>
+              <a:rPr lang="en-US" dirty="0" smtClean="0"/>
+              <a:t> especial fora</a:t>
+            </a:r>
+            <a:r>
+              <a:rPr lang="en-US" baseline="0" dirty="0" smtClean="0"/>
+              <a:t> do </a:t>
+            </a:r>
+            <a:r>
+              <a:rPr lang="en-US" baseline="0" dirty="0" err="1" smtClean="0"/>
+              <a:t>contexto</a:t>
+            </a:r>
+            <a:r>
+              <a:rPr lang="en-US" baseline="0" dirty="0" smtClean="0"/>
+              <a:t> ideal</a:t>
+            </a:r>
+            <a:endParaRPr lang="en-US" dirty="0" smtClean="0"/>
+          </a:p>
+          <a:p>
+            <a:pPr marL="171450" indent="-171450">
+              <a:buFont typeface="Arial" panose="020B0604020202020204" pitchFamily="34" charset="0"/>
+              <a:buChar char="•"/>
+            </a:pPr>
+            <a:r>
+              <a:rPr lang="en-US" dirty="0" err="1" smtClean="0"/>
+              <a:t>Código</a:t>
+            </a:r>
+            <a:r>
+              <a:rPr lang="en-US" dirty="0" smtClean="0"/>
+              <a:t> </a:t>
+            </a:r>
+            <a:r>
+              <a:rPr lang="en-US" dirty="0" err="1" smtClean="0"/>
+              <a:t>durante</a:t>
+            </a:r>
+            <a:r>
+              <a:rPr lang="en-US" dirty="0" smtClean="0"/>
+              <a:t> as </a:t>
+            </a:r>
+            <a:r>
+              <a:rPr lang="en-US" dirty="0" err="1" smtClean="0"/>
+              <a:t>aulas</a:t>
+            </a:r>
+            <a:endParaRPr lang="en-US" dirty="0" smtClean="0"/>
+          </a:p>
+          <a:p>
+            <a:pPr marL="171450" indent="-171450">
+              <a:buFont typeface="Arial" panose="020B0604020202020204" pitchFamily="34" charset="0"/>
+              <a:buChar char="•"/>
+            </a:pPr>
+            <a:r>
+              <a:rPr lang="en-US" dirty="0" smtClean="0"/>
+              <a:t>Luz </a:t>
+            </a:r>
+            <a:r>
+              <a:rPr lang="en-US" dirty="0" err="1" smtClean="0"/>
+              <a:t>na</a:t>
+            </a:r>
+            <a:r>
+              <a:rPr lang="en-US" dirty="0" smtClean="0"/>
+              <a:t> </a:t>
+            </a:r>
+            <a:r>
+              <a:rPr lang="en-US" dirty="0" err="1" smtClean="0"/>
+              <a:t>sala</a:t>
+            </a:r>
+            <a:endParaRPr lang="en-US" dirty="0" smtClean="0"/>
+          </a:p>
+          <a:p>
+            <a:pPr marL="171450" indent="-171450">
+              <a:buFont typeface="Arial" panose="020B0604020202020204" pitchFamily="34" charset="0"/>
+              <a:buChar char="•"/>
+            </a:pPr>
+            <a:r>
+              <a:rPr lang="en-US" dirty="0" err="1" smtClean="0"/>
+              <a:t>Ruído</a:t>
+            </a:r>
+            <a:r>
+              <a:rPr lang="en-US" dirty="0" smtClean="0"/>
+              <a:t> no exterior</a:t>
+            </a:r>
+            <a:endParaRPr lang="pt-PT" dirty="0"/>
+          </a:p>
+        </p:txBody>
+      </p:sp>
+      <p:sp>
+        <p:nvSpPr>
+          <p:cNvPr id="4" name="Slide Number Placeholder 3"/>
+          <p:cNvSpPr>
+            <a:spLocks noGrp="1"/>
+          </p:cNvSpPr>
+          <p:nvPr>
+            <p:ph type="sldNum" sz="quarter" idx="10"/>
+          </p:nvPr>
+        </p:nvSpPr>
+        <p:spPr/>
+        <p:txBody>
+          <a:bodyPr/>
+          <a:lstStyle/>
+          <a:p>
+            <a:fld id="{94A2E280-44B8-42CB-8147-6E1BA11A84E2}" type="slidenum">
+              <a:rPr lang="pt-PT" smtClean="0"/>
+              <a:t>3</a:t>
+            </a:fld>
+            <a:endParaRPr lang="pt-PT"/>
+          </a:p>
+        </p:txBody>
+      </p:sp>
+    </p:spTree>
+    <p:extLst>
+      <p:ext uri="{BB962C8B-B14F-4D97-AF65-F5344CB8AC3E}">
+        <p14:creationId xmlns:p14="http://schemas.microsoft.com/office/powerpoint/2010/main" val="1633211702"/>
+      </p:ext>
+    </p:extLst>
+  </p:cSld>
+  <p:clrMapOvr>
+    <a:masterClrMapping/>
+  </p:clrMapOvr>
+</p:notes>
+</file>
+
+<file path=ppt/notesSlides/notesSlide3.xml><?xml version="1.0" encoding="utf-8"?>
+<p:notes xmlns:a="http://schemas.openxmlformats.org/drawingml/2006/main" xmlns:r="http://schemas.openxmlformats.org/officeDocument/2006/relationships" xmlns:p="http://schemas.openxmlformats.org/presentationml/2006/main">
+  <p:cSld>
+    <p:spTree>
+      <p:nvGrpSpPr>
+        <p:cNvPr id="1" name=""/>
+        <p:cNvGrpSpPr/>
+        <p:nvPr/>
+      </p:nvGrpSpPr>
+      <p:grpSpPr>
+        <a:xfrm>
+          <a:off x="0" y="0"/>
+          <a:ext cx="0" cy="0"/>
+          <a:chOff x="0" y="0"/>
+          <a:chExt cx="0" cy="0"/>
+        </a:xfrm>
+      </p:grpSpPr>
+      <p:sp>
+        <p:nvSpPr>
+          <p:cNvPr id="2" name="Slide Image Placeholder 1"/>
+          <p:cNvSpPr>
+            <a:spLocks noGrp="1" noRot="1" noChangeAspect="1"/>
+          </p:cNvSpPr>
+          <p:nvPr>
+            <p:ph type="sldImg"/>
+          </p:nvPr>
+        </p:nvSpPr>
+        <p:spPr>
+          <a:xfrm>
+            <a:off x="1371600" y="1143000"/>
+            <a:ext cx="4114800" cy="3086100"/>
+          </a:xfrm>
+        </p:spPr>
+      </p:sp>
+      <p:sp>
+        <p:nvSpPr>
+          <p:cNvPr id="3" name="Notes Placeholder 2"/>
+          <p:cNvSpPr>
+            <a:spLocks noGrp="1"/>
+          </p:cNvSpPr>
+          <p:nvPr>
+            <p:ph type="body" idx="1"/>
+          </p:nvPr>
+        </p:nvSpPr>
+        <p:spPr/>
+        <p:txBody>
+          <a:bodyPr/>
+          <a:lstStyle/>
+          <a:p>
+            <a:r>
+              <a:rPr lang="en-US" dirty="0" smtClean="0"/>
+              <a:t>3 min</a:t>
+            </a:r>
+            <a:endParaRPr lang="pt-PT" dirty="0"/>
+          </a:p>
+        </p:txBody>
+      </p:sp>
+      <p:sp>
+        <p:nvSpPr>
+          <p:cNvPr id="4" name="Slide Number Placeholder 3"/>
+          <p:cNvSpPr>
+            <a:spLocks noGrp="1"/>
+          </p:cNvSpPr>
+          <p:nvPr>
+            <p:ph type="sldNum" sz="quarter" idx="10"/>
+          </p:nvPr>
+        </p:nvSpPr>
+        <p:spPr/>
+        <p:txBody>
+          <a:bodyPr/>
+          <a:lstStyle/>
+          <a:p>
+            <a:fld id="{94A2E280-44B8-42CB-8147-6E1BA11A84E2}" type="slidenum">
+              <a:rPr lang="pt-PT" smtClean="0"/>
+              <a:t>5</a:t>
+            </a:fld>
+            <a:endParaRPr lang="pt-PT"/>
+          </a:p>
+        </p:txBody>
+      </p:sp>
+    </p:spTree>
+    <p:extLst>
+      <p:ext uri="{BB962C8B-B14F-4D97-AF65-F5344CB8AC3E}">
+        <p14:creationId xmlns:p14="http://schemas.microsoft.com/office/powerpoint/2010/main" val="3451408510"/>
+      </p:ext>
+    </p:extLst>
+  </p:cSld>
+  <p:clrMapOvr>
+    <a:masterClrMapping/>
+  </p:clrMapOvr>
+</p:notes>
+</file>
+
+<file path=ppt/notesSlides/notesSlide4.xml><?xml version="1.0" encoding="utf-8"?>
+<p:notes xmlns:a="http://schemas.openxmlformats.org/drawingml/2006/main" xmlns:r="http://schemas.openxmlformats.org/officeDocument/2006/relationships" xmlns:p="http://schemas.openxmlformats.org/presentationml/2006/main">
+  <p:cSld>
+    <p:spTree>
+      <p:nvGrpSpPr>
+        <p:cNvPr id="1" name=""/>
+        <p:cNvGrpSpPr/>
+        <p:nvPr/>
+      </p:nvGrpSpPr>
+      <p:grpSpPr>
+        <a:xfrm>
+          <a:off x="0" y="0"/>
+          <a:ext cx="0" cy="0"/>
+          <a:chOff x="0" y="0"/>
+          <a:chExt cx="0" cy="0"/>
+        </a:xfrm>
+      </p:grpSpPr>
+      <p:sp>
+        <p:nvSpPr>
+          <p:cNvPr id="2" name="Slide Image Placeholder 1"/>
+          <p:cNvSpPr>
+            <a:spLocks noGrp="1" noRot="1" noChangeAspect="1"/>
+          </p:cNvSpPr>
+          <p:nvPr>
+            <p:ph type="sldImg"/>
+          </p:nvPr>
+        </p:nvSpPr>
+        <p:spPr>
+          <a:xfrm>
+            <a:off x="1371600" y="1143000"/>
+            <a:ext cx="4114800" cy="3086100"/>
+          </a:xfrm>
+        </p:spPr>
+      </p:sp>
+      <p:sp>
+        <p:nvSpPr>
+          <p:cNvPr id="3" name="Notes Placeholder 2"/>
+          <p:cNvSpPr>
+            <a:spLocks noGrp="1"/>
+          </p:cNvSpPr>
+          <p:nvPr>
+            <p:ph type="body" idx="1"/>
+          </p:nvPr>
+        </p:nvSpPr>
+        <p:spPr/>
+        <p:txBody>
+          <a:bodyPr/>
+          <a:lstStyle/>
+          <a:p>
             <a:r>
               <a:rPr lang="en-US" sz="1200" b="0" i="0" kern="1200" dirty="0" smtClean="0">
                 <a:solidFill>
@@ -882,6 +1225,789 @@
     <p:extLst>
       <p:ext uri="{BB962C8B-B14F-4D97-AF65-F5344CB8AC3E}">
         <p14:creationId xmlns:p14="http://schemas.microsoft.com/office/powerpoint/2010/main" val="448145495"/>
+      </p:ext>
+    </p:extLst>
+  </p:cSld>
+  <p:clrMapOvr>
+    <a:masterClrMapping/>
+  </p:clrMapOvr>
+</p:notes>
+</file>
+
+<file path=ppt/notesSlides/notesSlide5.xml><?xml version="1.0" encoding="utf-8"?>
+<p:notes xmlns:a="http://schemas.openxmlformats.org/drawingml/2006/main" xmlns:r="http://schemas.openxmlformats.org/officeDocument/2006/relationships" xmlns:p="http://schemas.openxmlformats.org/presentationml/2006/main">
+  <p:cSld>
+    <p:spTree>
+      <p:nvGrpSpPr>
+        <p:cNvPr id="1" name=""/>
+        <p:cNvGrpSpPr/>
+        <p:nvPr/>
+      </p:nvGrpSpPr>
+      <p:grpSpPr>
+        <a:xfrm>
+          <a:off x="0" y="0"/>
+          <a:ext cx="0" cy="0"/>
+          <a:chOff x="0" y="0"/>
+          <a:chExt cx="0" cy="0"/>
+        </a:xfrm>
+      </p:grpSpPr>
+      <p:sp>
+        <p:nvSpPr>
+          <p:cNvPr id="2" name="Slide Image Placeholder 1"/>
+          <p:cNvSpPr>
+            <a:spLocks noGrp="1" noRot="1" noChangeAspect="1"/>
+          </p:cNvSpPr>
+          <p:nvPr>
+            <p:ph type="sldImg"/>
+          </p:nvPr>
+        </p:nvSpPr>
+        <p:spPr>
+          <a:xfrm>
+            <a:off x="1371600" y="1143000"/>
+            <a:ext cx="4114800" cy="3086100"/>
+          </a:xfrm>
+        </p:spPr>
+      </p:sp>
+      <p:sp>
+        <p:nvSpPr>
+          <p:cNvPr id="3" name="Notes Placeholder 2"/>
+          <p:cNvSpPr>
+            <a:spLocks noGrp="1"/>
+          </p:cNvSpPr>
+          <p:nvPr>
+            <p:ph type="body" idx="1"/>
+          </p:nvPr>
+        </p:nvSpPr>
+        <p:spPr/>
+        <p:txBody>
+          <a:bodyPr/>
+          <a:lstStyle/>
+          <a:p>
+            <a:r>
+              <a:rPr lang="en-US" sz="1200" b="1" i="0" kern="1200" dirty="0" smtClean="0">
+                <a:solidFill>
+                  <a:schemeClr val="tx1"/>
+                </a:solidFill>
+                <a:effectLst/>
+                <a:latin typeface="+mn-lt"/>
+                <a:ea typeface="+mn-ea"/>
+                <a:cs typeface="+mn-cs"/>
+              </a:rPr>
+              <a:t>Navigate and read</a:t>
+            </a:r>
+          </a:p>
+          <a:p>
+            <a:r>
+              <a:rPr lang="en-US" sz="1200" b="0" i="1" kern="1200" dirty="0" smtClean="0">
+                <a:solidFill>
+                  <a:schemeClr val="tx1"/>
+                </a:solidFill>
+                <a:effectLst/>
+                <a:latin typeface="+mn-lt"/>
+                <a:ea typeface="+mn-ea"/>
+                <a:cs typeface="+mn-cs"/>
+              </a:rPr>
+              <a:t>Tap: </a:t>
+            </a:r>
+            <a:r>
+              <a:rPr lang="en-US" sz="1200" b="0" i="0" kern="1200" dirty="0" smtClean="0">
+                <a:solidFill>
+                  <a:schemeClr val="tx1"/>
+                </a:solidFill>
+                <a:effectLst/>
+                <a:latin typeface="+mn-lt"/>
+                <a:ea typeface="+mn-ea"/>
+                <a:cs typeface="+mn-cs"/>
+              </a:rPr>
+              <a:t>Select and speak the item.</a:t>
+            </a:r>
+          </a:p>
+          <a:p>
+            <a:r>
+              <a:rPr lang="en-US" sz="1200" b="0" i="1" kern="1200" dirty="0" smtClean="0">
+                <a:solidFill>
+                  <a:schemeClr val="tx1"/>
+                </a:solidFill>
+                <a:effectLst/>
+                <a:latin typeface="+mn-lt"/>
+                <a:ea typeface="+mn-ea"/>
+                <a:cs typeface="+mn-cs"/>
+              </a:rPr>
+              <a:t>Swipe right or left: </a:t>
+            </a:r>
+            <a:r>
+              <a:rPr lang="en-US" sz="1200" b="0" i="0" kern="1200" dirty="0" smtClean="0">
+                <a:solidFill>
+                  <a:schemeClr val="tx1"/>
+                </a:solidFill>
+                <a:effectLst/>
+                <a:latin typeface="+mn-lt"/>
+                <a:ea typeface="+mn-ea"/>
+                <a:cs typeface="+mn-cs"/>
+              </a:rPr>
+              <a:t>Select the next or previous item.</a:t>
+            </a:r>
+          </a:p>
+          <a:p>
+            <a:r>
+              <a:rPr lang="en-US" sz="1200" b="0" i="1" kern="1200" dirty="0" smtClean="0">
+                <a:solidFill>
+                  <a:schemeClr val="tx1"/>
+                </a:solidFill>
+                <a:effectLst/>
+                <a:latin typeface="+mn-lt"/>
+                <a:ea typeface="+mn-ea"/>
+                <a:cs typeface="+mn-cs"/>
+              </a:rPr>
+              <a:t>Swipe up or down: </a:t>
+            </a:r>
+            <a:r>
+              <a:rPr lang="en-US" sz="1200" b="0" i="0" kern="1200" dirty="0" smtClean="0">
+                <a:solidFill>
+                  <a:schemeClr val="tx1"/>
+                </a:solidFill>
+                <a:effectLst/>
+                <a:latin typeface="+mn-lt"/>
+                <a:ea typeface="+mn-ea"/>
+                <a:cs typeface="+mn-cs"/>
+              </a:rPr>
+              <a:t>Depends on the rotor setting. See </a:t>
+            </a:r>
+            <a:r>
+              <a:rPr lang="en-US" sz="1200" b="0" i="0" u="none" strike="noStrike" kern="1200" dirty="0" smtClean="0">
+                <a:solidFill>
+                  <a:schemeClr val="tx1"/>
+                </a:solidFill>
+                <a:effectLst/>
+                <a:latin typeface="+mn-lt"/>
+                <a:ea typeface="+mn-ea"/>
+                <a:cs typeface="+mn-cs"/>
+                <a:hlinkClick r:id="rId3"/>
+              </a:rPr>
+              <a:t>Use the </a:t>
+            </a:r>
+            <a:r>
+              <a:rPr lang="en-US" sz="1200" b="0" i="0" u="none" strike="noStrike" kern="1200" dirty="0" err="1" smtClean="0">
+                <a:solidFill>
+                  <a:schemeClr val="tx1"/>
+                </a:solidFill>
+                <a:effectLst/>
+                <a:latin typeface="+mn-lt"/>
+                <a:ea typeface="+mn-ea"/>
+                <a:cs typeface="+mn-cs"/>
+                <a:hlinkClick r:id="rId3"/>
+              </a:rPr>
+              <a:t>VoiceOver</a:t>
+            </a:r>
+            <a:r>
+              <a:rPr lang="en-US" sz="1200" b="0" i="0" u="none" strike="noStrike" kern="1200" dirty="0" smtClean="0">
+                <a:solidFill>
+                  <a:schemeClr val="tx1"/>
+                </a:solidFill>
+                <a:effectLst/>
+                <a:latin typeface="+mn-lt"/>
+                <a:ea typeface="+mn-ea"/>
+                <a:cs typeface="+mn-cs"/>
+                <a:hlinkClick r:id="rId3"/>
+              </a:rPr>
+              <a:t> rotor</a:t>
+            </a:r>
+            <a:r>
+              <a:rPr lang="en-US" sz="1200" b="0" i="0" kern="1200" dirty="0" smtClean="0">
+                <a:solidFill>
+                  <a:schemeClr val="tx1"/>
+                </a:solidFill>
+                <a:effectLst/>
+                <a:latin typeface="+mn-lt"/>
+                <a:ea typeface="+mn-ea"/>
+                <a:cs typeface="+mn-cs"/>
+              </a:rPr>
+              <a:t>.</a:t>
+            </a:r>
+          </a:p>
+          <a:p>
+            <a:r>
+              <a:rPr lang="en-US" sz="1200" b="0" i="1" kern="1200" dirty="0" smtClean="0">
+                <a:solidFill>
+                  <a:schemeClr val="tx1"/>
+                </a:solidFill>
+                <a:effectLst/>
+                <a:latin typeface="+mn-lt"/>
+                <a:ea typeface="+mn-ea"/>
+                <a:cs typeface="+mn-cs"/>
+              </a:rPr>
+              <a:t>Two-finger swipe up: </a:t>
+            </a:r>
+            <a:r>
+              <a:rPr lang="en-US" sz="1200" b="0" i="0" kern="1200" dirty="0" smtClean="0">
+                <a:solidFill>
+                  <a:schemeClr val="tx1"/>
+                </a:solidFill>
+                <a:effectLst/>
+                <a:latin typeface="+mn-lt"/>
+                <a:ea typeface="+mn-ea"/>
+                <a:cs typeface="+mn-cs"/>
+              </a:rPr>
+              <a:t>Read all from the top of the screen.</a:t>
+            </a:r>
+          </a:p>
+          <a:p>
+            <a:r>
+              <a:rPr lang="en-US" sz="1200" b="0" i="1" kern="1200" dirty="0" smtClean="0">
+                <a:solidFill>
+                  <a:schemeClr val="tx1"/>
+                </a:solidFill>
+                <a:effectLst/>
+                <a:latin typeface="+mn-lt"/>
+                <a:ea typeface="+mn-ea"/>
+                <a:cs typeface="+mn-cs"/>
+              </a:rPr>
+              <a:t>Two-finger swipe down: </a:t>
+            </a:r>
+            <a:r>
+              <a:rPr lang="en-US" sz="1200" b="0" i="0" kern="1200" dirty="0" smtClean="0">
+                <a:solidFill>
+                  <a:schemeClr val="tx1"/>
+                </a:solidFill>
+                <a:effectLst/>
+                <a:latin typeface="+mn-lt"/>
+                <a:ea typeface="+mn-ea"/>
+                <a:cs typeface="+mn-cs"/>
+              </a:rPr>
+              <a:t>Read all from the current position.</a:t>
+            </a:r>
+          </a:p>
+          <a:p>
+            <a:r>
+              <a:rPr lang="en-US" sz="1200" b="0" i="1" kern="1200" dirty="0" smtClean="0">
+                <a:solidFill>
+                  <a:schemeClr val="tx1"/>
+                </a:solidFill>
+                <a:effectLst/>
+                <a:latin typeface="+mn-lt"/>
+                <a:ea typeface="+mn-ea"/>
+                <a:cs typeface="+mn-cs"/>
+              </a:rPr>
+              <a:t>Two-finger tap: </a:t>
+            </a:r>
+            <a:r>
+              <a:rPr lang="en-US" sz="1200" b="0" i="0" kern="1200" dirty="0" smtClean="0">
+                <a:solidFill>
+                  <a:schemeClr val="tx1"/>
+                </a:solidFill>
+                <a:effectLst/>
+                <a:latin typeface="+mn-lt"/>
+                <a:ea typeface="+mn-ea"/>
+                <a:cs typeface="+mn-cs"/>
+              </a:rPr>
+              <a:t>Stop or resume speaking.</a:t>
+            </a:r>
+          </a:p>
+          <a:p>
+            <a:r>
+              <a:rPr lang="en-US" sz="1200" b="0" i="1" kern="1200" dirty="0" smtClean="0">
+                <a:solidFill>
+                  <a:schemeClr val="tx1"/>
+                </a:solidFill>
+                <a:effectLst/>
+                <a:latin typeface="+mn-lt"/>
+                <a:ea typeface="+mn-ea"/>
+                <a:cs typeface="+mn-cs"/>
+              </a:rPr>
+              <a:t>Two-finger scrub: </a:t>
+            </a:r>
+            <a:r>
+              <a:rPr lang="en-US" sz="1200" b="0" i="0" kern="1200" dirty="0" smtClean="0">
+                <a:solidFill>
+                  <a:schemeClr val="tx1"/>
+                </a:solidFill>
+                <a:effectLst/>
+                <a:latin typeface="+mn-lt"/>
+                <a:ea typeface="+mn-ea"/>
+                <a:cs typeface="+mn-cs"/>
+              </a:rPr>
+              <a:t>Move two fingers back and forth three times quickly (making a “z”) to dismiss an alert or go back to the previous screen.</a:t>
+            </a:r>
+          </a:p>
+          <a:p>
+            <a:r>
+              <a:rPr lang="en-US" sz="1200" b="0" i="1" kern="1200" dirty="0" smtClean="0">
+                <a:solidFill>
+                  <a:schemeClr val="tx1"/>
+                </a:solidFill>
+                <a:effectLst/>
+                <a:latin typeface="+mn-lt"/>
+                <a:ea typeface="+mn-ea"/>
+                <a:cs typeface="+mn-cs"/>
+              </a:rPr>
+              <a:t>Three-finger swipe up or down: </a:t>
+            </a:r>
+            <a:r>
+              <a:rPr lang="en-US" sz="1200" b="0" i="0" kern="1200" dirty="0" smtClean="0">
+                <a:solidFill>
+                  <a:schemeClr val="tx1"/>
+                </a:solidFill>
+                <a:effectLst/>
+                <a:latin typeface="+mn-lt"/>
+                <a:ea typeface="+mn-ea"/>
+                <a:cs typeface="+mn-cs"/>
+              </a:rPr>
+              <a:t>Scroll one page at a time.</a:t>
+            </a:r>
+          </a:p>
+          <a:p>
+            <a:r>
+              <a:rPr lang="en-US" sz="1200" b="0" i="1" kern="1200" dirty="0" smtClean="0">
+                <a:solidFill>
+                  <a:schemeClr val="tx1"/>
+                </a:solidFill>
+                <a:effectLst/>
+                <a:latin typeface="+mn-lt"/>
+                <a:ea typeface="+mn-ea"/>
+                <a:cs typeface="+mn-cs"/>
+              </a:rPr>
+              <a:t>Three-finger swipe right or left: </a:t>
+            </a:r>
+            <a:r>
+              <a:rPr lang="en-US" sz="1200" b="0" i="0" kern="1200" dirty="0" smtClean="0">
+                <a:solidFill>
+                  <a:schemeClr val="tx1"/>
+                </a:solidFill>
+                <a:effectLst/>
+                <a:latin typeface="+mn-lt"/>
+                <a:ea typeface="+mn-ea"/>
+                <a:cs typeface="+mn-cs"/>
+              </a:rPr>
+              <a:t>Go to the next or previous page (on the Home screen, for example).</a:t>
+            </a:r>
+          </a:p>
+          <a:p>
+            <a:r>
+              <a:rPr lang="en-US" sz="1200" b="0" i="1" kern="1200" dirty="0" smtClean="0">
+                <a:solidFill>
+                  <a:schemeClr val="tx1"/>
+                </a:solidFill>
+                <a:effectLst/>
+                <a:latin typeface="+mn-lt"/>
+                <a:ea typeface="+mn-ea"/>
+                <a:cs typeface="+mn-cs"/>
+              </a:rPr>
+              <a:t>Three-finger tap: </a:t>
+            </a:r>
+            <a:r>
+              <a:rPr lang="en-US" sz="1200" b="0" i="0" kern="1200" dirty="0" smtClean="0">
+                <a:solidFill>
+                  <a:schemeClr val="tx1"/>
+                </a:solidFill>
+                <a:effectLst/>
+                <a:latin typeface="+mn-lt"/>
+                <a:ea typeface="+mn-ea"/>
+                <a:cs typeface="+mn-cs"/>
+              </a:rPr>
+              <a:t>Speak additional information, such as position within a list or whether text is selected.</a:t>
+            </a:r>
+          </a:p>
+          <a:p>
+            <a:r>
+              <a:rPr lang="en-US" sz="1200" b="0" i="1" kern="1200" dirty="0" smtClean="0">
+                <a:solidFill>
+                  <a:schemeClr val="tx1"/>
+                </a:solidFill>
+                <a:effectLst/>
+                <a:latin typeface="+mn-lt"/>
+                <a:ea typeface="+mn-ea"/>
+                <a:cs typeface="+mn-cs"/>
+              </a:rPr>
+              <a:t>Four-finger tap at top of screen: </a:t>
+            </a:r>
+            <a:r>
+              <a:rPr lang="en-US" sz="1200" b="0" i="0" kern="1200" dirty="0" smtClean="0">
+                <a:solidFill>
+                  <a:schemeClr val="tx1"/>
+                </a:solidFill>
+                <a:effectLst/>
+                <a:latin typeface="+mn-lt"/>
+                <a:ea typeface="+mn-ea"/>
+                <a:cs typeface="+mn-cs"/>
+              </a:rPr>
+              <a:t>Select the first item on the page.</a:t>
+            </a:r>
+          </a:p>
+          <a:p>
+            <a:r>
+              <a:rPr lang="en-US" sz="1200" b="0" i="1" kern="1200" dirty="0" smtClean="0">
+                <a:solidFill>
+                  <a:schemeClr val="tx1"/>
+                </a:solidFill>
+                <a:effectLst/>
+                <a:latin typeface="+mn-lt"/>
+                <a:ea typeface="+mn-ea"/>
+                <a:cs typeface="+mn-cs"/>
+              </a:rPr>
+              <a:t>Four-finger tap at bottom of screen: </a:t>
+            </a:r>
+            <a:r>
+              <a:rPr lang="en-US" sz="1200" b="0" i="0" kern="1200" dirty="0" smtClean="0">
+                <a:solidFill>
+                  <a:schemeClr val="tx1"/>
+                </a:solidFill>
+                <a:effectLst/>
+                <a:latin typeface="+mn-lt"/>
+                <a:ea typeface="+mn-ea"/>
+                <a:cs typeface="+mn-cs"/>
+              </a:rPr>
+              <a:t>Select the last item on the page.</a:t>
+            </a:r>
+          </a:p>
+          <a:p>
+            <a:r>
+              <a:rPr lang="en-US" sz="1200" b="1" i="0" kern="1200" dirty="0" smtClean="0">
+                <a:solidFill>
+                  <a:schemeClr val="tx1"/>
+                </a:solidFill>
+                <a:effectLst/>
+                <a:latin typeface="+mn-lt"/>
+                <a:ea typeface="+mn-ea"/>
+                <a:cs typeface="+mn-cs"/>
+              </a:rPr>
+              <a:t>Activate</a:t>
+            </a:r>
+          </a:p>
+          <a:p>
+            <a:r>
+              <a:rPr lang="en-US" sz="1200" b="0" i="1" kern="1200" dirty="0" smtClean="0">
+                <a:solidFill>
+                  <a:schemeClr val="tx1"/>
+                </a:solidFill>
+                <a:effectLst/>
+                <a:latin typeface="+mn-lt"/>
+                <a:ea typeface="+mn-ea"/>
+                <a:cs typeface="+mn-cs"/>
+              </a:rPr>
+              <a:t>Double-tap: </a:t>
+            </a:r>
+            <a:r>
+              <a:rPr lang="en-US" sz="1200" b="0" i="0" kern="1200" dirty="0" smtClean="0">
+                <a:solidFill>
+                  <a:schemeClr val="tx1"/>
+                </a:solidFill>
+                <a:effectLst/>
+                <a:latin typeface="+mn-lt"/>
+                <a:ea typeface="+mn-ea"/>
+                <a:cs typeface="+mn-cs"/>
+              </a:rPr>
+              <a:t>Activate the selected item.</a:t>
+            </a:r>
+          </a:p>
+          <a:p>
+            <a:r>
+              <a:rPr lang="en-US" sz="1200" b="0" i="1" kern="1200" dirty="0" smtClean="0">
+                <a:solidFill>
+                  <a:schemeClr val="tx1"/>
+                </a:solidFill>
+                <a:effectLst/>
+                <a:latin typeface="+mn-lt"/>
+                <a:ea typeface="+mn-ea"/>
+                <a:cs typeface="+mn-cs"/>
+              </a:rPr>
+              <a:t>Triple-tap: </a:t>
+            </a:r>
+            <a:r>
+              <a:rPr lang="en-US" sz="1200" b="0" i="0" kern="1200" dirty="0" smtClean="0">
+                <a:solidFill>
+                  <a:schemeClr val="tx1"/>
+                </a:solidFill>
+                <a:effectLst/>
+                <a:latin typeface="+mn-lt"/>
+                <a:ea typeface="+mn-ea"/>
+                <a:cs typeface="+mn-cs"/>
+              </a:rPr>
+              <a:t>Double-tap an item.</a:t>
+            </a:r>
+          </a:p>
+          <a:p>
+            <a:r>
+              <a:rPr lang="en-US" sz="1200" b="0" i="1" kern="1200" dirty="0" smtClean="0">
+                <a:solidFill>
+                  <a:schemeClr val="tx1"/>
+                </a:solidFill>
+                <a:effectLst/>
+                <a:latin typeface="+mn-lt"/>
+                <a:ea typeface="+mn-ea"/>
+                <a:cs typeface="+mn-cs"/>
+              </a:rPr>
+              <a:t>Split-tap: </a:t>
+            </a:r>
+            <a:r>
+              <a:rPr lang="en-US" sz="1200" b="0" i="0" kern="1200" dirty="0" smtClean="0">
+                <a:solidFill>
+                  <a:schemeClr val="tx1"/>
+                </a:solidFill>
+                <a:effectLst/>
+                <a:latin typeface="+mn-lt"/>
+                <a:ea typeface="+mn-ea"/>
+                <a:cs typeface="+mn-cs"/>
+              </a:rPr>
+              <a:t>As an alternative to selecting an item and double-tapping to activate it, touch and hold an item with one finger, then tap the screen with another.</a:t>
+            </a:r>
+          </a:p>
+          <a:p>
+            <a:r>
+              <a:rPr lang="en-US" sz="1200" b="0" i="1" kern="1200" dirty="0" smtClean="0">
+                <a:solidFill>
+                  <a:schemeClr val="tx1"/>
+                </a:solidFill>
+                <a:effectLst/>
+                <a:latin typeface="+mn-lt"/>
+                <a:ea typeface="+mn-ea"/>
+                <a:cs typeface="+mn-cs"/>
+              </a:rPr>
+              <a:t>Double-tap and hold (1 second) + standard gesture: </a:t>
+            </a:r>
+            <a:r>
+              <a:rPr lang="en-US" sz="1200" b="0" i="0" kern="1200" dirty="0" smtClean="0">
+                <a:solidFill>
+                  <a:schemeClr val="tx1"/>
+                </a:solidFill>
+                <a:effectLst/>
+                <a:latin typeface="+mn-lt"/>
+                <a:ea typeface="+mn-ea"/>
+                <a:cs typeface="+mn-cs"/>
+              </a:rPr>
+              <a:t>Use a standard gesture. The double-tap and hold gesture tells iPad to interpret the next gesture as standard. For example, you can double-tap and hold your finger on the screen until you hear three rising tones, and then without lifting your finger, drag your finger to slide a switch.</a:t>
+            </a:r>
+          </a:p>
+          <a:p>
+            <a:r>
+              <a:rPr lang="en-US" sz="1200" b="0" i="1" kern="1200" dirty="0" smtClean="0">
+                <a:solidFill>
+                  <a:schemeClr val="tx1"/>
+                </a:solidFill>
+                <a:effectLst/>
+                <a:latin typeface="+mn-lt"/>
+                <a:ea typeface="+mn-ea"/>
+                <a:cs typeface="+mn-cs"/>
+              </a:rPr>
+              <a:t>Two-finger double-tap: </a:t>
+            </a:r>
+            <a:r>
+              <a:rPr lang="en-US" sz="1200" b="0" i="0" kern="1200" dirty="0" smtClean="0">
+                <a:solidFill>
+                  <a:schemeClr val="tx1"/>
+                </a:solidFill>
+                <a:effectLst/>
+                <a:latin typeface="+mn-lt"/>
+                <a:ea typeface="+mn-ea"/>
+                <a:cs typeface="+mn-cs"/>
+              </a:rPr>
+              <a:t>This gesture initiates an action or halts or pauses an action in progress. For example, you can:</a:t>
+            </a:r>
+          </a:p>
+          <a:p>
+            <a:pPr lvl="1"/>
+            <a:r>
+              <a:rPr lang="en-US" sz="1200" b="0" i="0" kern="1200" dirty="0" smtClean="0">
+                <a:solidFill>
+                  <a:schemeClr val="tx1"/>
+                </a:solidFill>
+                <a:effectLst/>
+                <a:latin typeface="+mn-lt"/>
+                <a:ea typeface="+mn-ea"/>
+                <a:cs typeface="+mn-cs"/>
+              </a:rPr>
+              <a:t>Play or pause in Music, Videos, or Photos (slideshows).</a:t>
+            </a:r>
+          </a:p>
+          <a:p>
+            <a:pPr lvl="1"/>
+            <a:r>
+              <a:rPr lang="en-US" sz="1200" b="0" i="0" kern="1200" dirty="0" smtClean="0">
+                <a:solidFill>
+                  <a:schemeClr val="tx1"/>
+                </a:solidFill>
+                <a:effectLst/>
+                <a:latin typeface="+mn-lt"/>
+                <a:ea typeface="+mn-ea"/>
+                <a:cs typeface="+mn-cs"/>
+              </a:rPr>
+              <a:t>Take a photo or start or pause recording in Camera.</a:t>
+            </a:r>
+          </a:p>
+          <a:p>
+            <a:pPr lvl="1"/>
+            <a:r>
+              <a:rPr lang="en-US" sz="1200" b="0" i="0" kern="1200" dirty="0" smtClean="0">
+                <a:solidFill>
+                  <a:schemeClr val="tx1"/>
+                </a:solidFill>
+                <a:effectLst/>
+                <a:latin typeface="+mn-lt"/>
+                <a:ea typeface="+mn-ea"/>
+                <a:cs typeface="+mn-cs"/>
+              </a:rPr>
+              <a:t>Start or stop the stopwatch.</a:t>
+            </a:r>
+          </a:p>
+          <a:p>
+            <a:r>
+              <a:rPr lang="en-US" sz="1200" b="0" i="1" kern="1200" dirty="0" smtClean="0">
+                <a:solidFill>
+                  <a:schemeClr val="tx1"/>
+                </a:solidFill>
+                <a:effectLst/>
+                <a:latin typeface="+mn-lt"/>
+                <a:ea typeface="+mn-ea"/>
+                <a:cs typeface="+mn-cs"/>
+              </a:rPr>
+              <a:t>Two-finger double-tap and hold: </a:t>
+            </a:r>
+            <a:r>
+              <a:rPr lang="en-US" sz="1200" b="0" i="0" kern="1200" dirty="0" smtClean="0">
+                <a:solidFill>
+                  <a:schemeClr val="tx1"/>
+                </a:solidFill>
+                <a:effectLst/>
+                <a:latin typeface="+mn-lt"/>
+                <a:ea typeface="+mn-ea"/>
+                <a:cs typeface="+mn-cs"/>
+              </a:rPr>
+              <a:t>Change an item’s label to make it easier to find.</a:t>
+            </a:r>
+          </a:p>
+          <a:p>
+            <a:r>
+              <a:rPr lang="en-US" sz="1200" b="0" i="1" kern="1200" dirty="0" smtClean="0">
+                <a:solidFill>
+                  <a:schemeClr val="tx1"/>
+                </a:solidFill>
+                <a:effectLst/>
+                <a:latin typeface="+mn-lt"/>
+                <a:ea typeface="+mn-ea"/>
+                <a:cs typeface="+mn-cs"/>
+              </a:rPr>
+              <a:t>Two-finger triple-tap: </a:t>
+            </a:r>
+            <a:r>
+              <a:rPr lang="en-US" sz="1200" b="0" i="0" kern="1200" dirty="0" smtClean="0">
+                <a:solidFill>
+                  <a:schemeClr val="tx1"/>
+                </a:solidFill>
+                <a:effectLst/>
+                <a:latin typeface="+mn-lt"/>
+                <a:ea typeface="+mn-ea"/>
+                <a:cs typeface="+mn-cs"/>
+              </a:rPr>
+              <a:t>Open the Item Chooser.</a:t>
+            </a:r>
+          </a:p>
+          <a:p>
+            <a:r>
+              <a:rPr lang="en-US" sz="1200" b="0" i="1" kern="1200" dirty="0" smtClean="0">
+                <a:solidFill>
+                  <a:schemeClr val="tx1"/>
+                </a:solidFill>
+                <a:effectLst/>
+                <a:latin typeface="+mn-lt"/>
+                <a:ea typeface="+mn-ea"/>
+                <a:cs typeface="+mn-cs"/>
+              </a:rPr>
+              <a:t>Three-finger double-tap: </a:t>
+            </a:r>
+            <a:r>
+              <a:rPr lang="en-US" sz="1200" b="0" i="0" kern="1200" dirty="0" smtClean="0">
+                <a:solidFill>
+                  <a:schemeClr val="tx1"/>
+                </a:solidFill>
+                <a:effectLst/>
+                <a:latin typeface="+mn-lt"/>
+                <a:ea typeface="+mn-ea"/>
+                <a:cs typeface="+mn-cs"/>
+              </a:rPr>
+              <a:t>Mute or unmute </a:t>
+            </a:r>
+            <a:r>
+              <a:rPr lang="en-US" sz="1200" b="0" i="0" kern="1200" dirty="0" err="1" smtClean="0">
+                <a:solidFill>
+                  <a:schemeClr val="tx1"/>
+                </a:solidFill>
+                <a:effectLst/>
+                <a:latin typeface="+mn-lt"/>
+                <a:ea typeface="+mn-ea"/>
+                <a:cs typeface="+mn-cs"/>
+              </a:rPr>
+              <a:t>VoiceOver</a:t>
+            </a:r>
+            <a:r>
+              <a:rPr lang="en-US" sz="1200" b="0" i="0" kern="1200" dirty="0" smtClean="0">
+                <a:solidFill>
+                  <a:schemeClr val="tx1"/>
+                </a:solidFill>
+                <a:effectLst/>
+                <a:latin typeface="+mn-lt"/>
+                <a:ea typeface="+mn-ea"/>
+                <a:cs typeface="+mn-cs"/>
+              </a:rPr>
+              <a:t>.</a:t>
+            </a:r>
+          </a:p>
+          <a:p>
+            <a:r>
+              <a:rPr lang="en-US" sz="1200" b="0" i="1" kern="1200" smtClean="0">
+                <a:solidFill>
+                  <a:schemeClr val="tx1"/>
+                </a:solidFill>
+                <a:effectLst/>
+                <a:latin typeface="+mn-lt"/>
+                <a:ea typeface="+mn-ea"/>
+                <a:cs typeface="+mn-cs"/>
+              </a:rPr>
+              <a:t>Three-finger triple-tap: </a:t>
+            </a:r>
+            <a:r>
+              <a:rPr lang="en-US" sz="1200" b="0" i="0" kern="1200" smtClean="0">
+                <a:solidFill>
+                  <a:schemeClr val="tx1"/>
+                </a:solidFill>
+                <a:effectLst/>
+                <a:latin typeface="+mn-lt"/>
+                <a:ea typeface="+mn-ea"/>
+                <a:cs typeface="+mn-cs"/>
+              </a:rPr>
+              <a:t>Turn the screen curtain on or off.</a:t>
+            </a:r>
+          </a:p>
+          <a:p>
+            <a:endParaRPr lang="pt-PT"/>
+          </a:p>
+        </p:txBody>
+      </p:sp>
+      <p:sp>
+        <p:nvSpPr>
+          <p:cNvPr id="4" name="Slide Number Placeholder 3"/>
+          <p:cNvSpPr>
+            <a:spLocks noGrp="1"/>
+          </p:cNvSpPr>
+          <p:nvPr>
+            <p:ph type="sldNum" sz="quarter" idx="10"/>
+          </p:nvPr>
+        </p:nvSpPr>
+        <p:spPr/>
+        <p:txBody>
+          <a:bodyPr/>
+          <a:lstStyle/>
+          <a:p>
+            <a:fld id="{94A2E280-44B8-42CB-8147-6E1BA11A84E2}" type="slidenum">
+              <a:rPr lang="pt-PT" smtClean="0"/>
+              <a:t>8</a:t>
+            </a:fld>
+            <a:endParaRPr lang="pt-PT"/>
+          </a:p>
+        </p:txBody>
+      </p:sp>
+    </p:spTree>
+    <p:extLst>
+      <p:ext uri="{BB962C8B-B14F-4D97-AF65-F5344CB8AC3E}">
+        <p14:creationId xmlns:p14="http://schemas.microsoft.com/office/powerpoint/2010/main" val="712100847"/>
       </p:ext>
     </p:extLst>
   </p:cSld>
@@ -920,8 +2046,8 @@
         </p:nvSpPr>
         <p:spPr>
           <a:xfrm>
-            <a:off x="1524000" y="1122363"/>
-            <a:ext cx="9144000" cy="2387600"/>
+            <a:off x="685800" y="1122363"/>
+            <a:ext cx="7772400" cy="2387600"/>
           </a:xfrm>
         </p:spPr>
         <p:txBody>
@@ -936,7 +2062,7 @@
               <a:rPr lang="en-US" smtClean="0"/>
               <a:t>Click to edit Master title style</a:t>
             </a:r>
-            <a:endParaRPr lang="pt-PT"/>
+            <a:endParaRPr lang="en-US" dirty="0"/>
           </a:p>
         </p:txBody>
       </p:sp>
@@ -952,8 +2078,8 @@
         </p:nvSpPr>
         <p:spPr>
           <a:xfrm>
-            <a:off x="1524000" y="3602038"/>
-            <a:ext cx="9144000" cy="1655762"/>
+            <a:off x="1143000" y="3602038"/>
+            <a:ext cx="6858000" cy="1655762"/>
           </a:xfrm>
         </p:spPr>
         <p:txBody>
@@ -1001,7 +2127,7 @@
               <a:rPr lang="en-US" smtClean="0"/>
               <a:t>Click to edit Master subtitle style</a:t>
             </a:r>
-            <a:endParaRPr lang="pt-PT"/>
+            <a:endParaRPr lang="en-US" dirty="0"/>
           </a:p>
         </p:txBody>
       </p:sp>
@@ -1020,9 +2146,9 @@
           <a:bodyPr/>
           <a:lstStyle/>
           <a:p>
-            <a:fld id="{2F5B6AAC-F37E-44D6-AB03-0A53764B43E9}" type="datetimeFigureOut">
+            <a:fld id="{4C6893E7-6B4C-414B-B9A8-E8E9B7A2ED72}" type="datetime1">
               <a:rPr lang="pt-PT" smtClean="0"/>
-              <a:t>2016/05/02</a:t>
+              <a:t>2016/06/06</a:t>
             </a:fld>
             <a:endParaRPr lang="pt-PT"/>
           </a:p>
@@ -1073,7 +2199,7 @@
     </p:spTree>
     <p:extLst>
       <p:ext uri="{BB962C8B-B14F-4D97-AF65-F5344CB8AC3E}">
-        <p14:creationId xmlns:p14="http://schemas.microsoft.com/office/powerpoint/2010/main" val="2188393125"/>
+        <p14:creationId xmlns:p14="http://schemas.microsoft.com/office/powerpoint/2010/main" val="2299420723"/>
       </p:ext>
     </p:extLst>
   </p:cSld>
@@ -1119,7 +2245,7 @@
               <a:rPr lang="en-US" smtClean="0"/>
               <a:t>Click to edit Master title style</a:t>
             </a:r>
-            <a:endParaRPr lang="pt-PT"/>
+            <a:endParaRPr lang="en-US" dirty="0"/>
           </a:p>
         </p:txBody>
       </p:sp>
@@ -1171,7 +2297,7 @@
               <a:rPr lang="en-US" smtClean="0"/>
               <a:t>Fifth level</a:t>
             </a:r>
-            <a:endParaRPr lang="pt-PT"/>
+            <a:endParaRPr lang="en-US" dirty="0"/>
           </a:p>
         </p:txBody>
       </p:sp>
@@ -1190,9 +2316,9 @@
           <a:bodyPr/>
           <a:lstStyle/>
           <a:p>
-            <a:fld id="{2F5B6AAC-F37E-44D6-AB03-0A53764B43E9}" type="datetimeFigureOut">
+            <a:fld id="{8BF81AAD-B87F-45B1-AB7C-4BC4A8E699A2}" type="datetime1">
               <a:rPr lang="pt-PT" smtClean="0"/>
-              <a:t>2016/05/02</a:t>
+              <a:t>2016/06/06</a:t>
             </a:fld>
             <a:endParaRPr lang="pt-PT"/>
           </a:p>
@@ -1243,7 +2369,7 @@
     </p:spTree>
     <p:extLst>
       <p:ext uri="{BB962C8B-B14F-4D97-AF65-F5344CB8AC3E}">
-        <p14:creationId xmlns:p14="http://schemas.microsoft.com/office/powerpoint/2010/main" val="1308201071"/>
+        <p14:creationId xmlns:p14="http://schemas.microsoft.com/office/powerpoint/2010/main" val="1395832059"/>
       </p:ext>
     </p:extLst>
   </p:cSld>
@@ -1282,8 +2408,8 @@
         </p:nvSpPr>
         <p:spPr>
           <a:xfrm>
-            <a:off x="8724900" y="365125"/>
-            <a:ext cx="2628900" cy="5811838"/>
+            <a:off x="6543675" y="365125"/>
+            <a:ext cx="1971675" cy="5811838"/>
           </a:xfrm>
         </p:spPr>
         <p:txBody>
@@ -1294,7 +2420,7 @@
               <a:rPr lang="en-US" smtClean="0"/>
               <a:t>Click to edit Master title style</a:t>
             </a:r>
-            <a:endParaRPr lang="pt-PT"/>
+            <a:endParaRPr lang="en-US" dirty="0"/>
           </a:p>
         </p:txBody>
       </p:sp>
@@ -1310,8 +2436,8 @@
         </p:nvSpPr>
         <p:spPr>
           <a:xfrm>
-            <a:off x="838200" y="365125"/>
-            <a:ext cx="7734300" cy="5811838"/>
+            <a:off x="628650" y="365125"/>
+            <a:ext cx="5800725" cy="5811838"/>
           </a:xfrm>
         </p:spPr>
         <p:txBody>
@@ -1351,7 +2477,7 @@
               <a:rPr lang="en-US" smtClean="0"/>
               <a:t>Fifth level</a:t>
             </a:r>
-            <a:endParaRPr lang="pt-PT"/>
+            <a:endParaRPr lang="en-US" dirty="0"/>
           </a:p>
         </p:txBody>
       </p:sp>
@@ -1370,9 +2496,9 @@
           <a:bodyPr/>
           <a:lstStyle/>
           <a:p>
-            <a:fld id="{2F5B6AAC-F37E-44D6-AB03-0A53764B43E9}" type="datetimeFigureOut">
+            <a:fld id="{A1D68A8D-468C-4A6D-9D97-55E00000CE5B}" type="datetime1">
               <a:rPr lang="pt-PT" smtClean="0"/>
-              <a:t>2016/05/02</a:t>
+              <a:t>2016/06/06</a:t>
             </a:fld>
             <a:endParaRPr lang="pt-PT"/>
           </a:p>
@@ -1423,7 +2549,7 @@
     </p:spTree>
     <p:extLst>
       <p:ext uri="{BB962C8B-B14F-4D97-AF65-F5344CB8AC3E}">
-        <p14:creationId xmlns:p14="http://schemas.microsoft.com/office/powerpoint/2010/main" val="2899092725"/>
+        <p14:creationId xmlns:p14="http://schemas.microsoft.com/office/powerpoint/2010/main" val="2235656695"/>
       </p:ext>
     </p:extLst>
   </p:cSld>
@@ -1462,14 +2588,14 @@
         </p:nvSpPr>
         <p:spPr/>
         <p:txBody>
-          <a:bodyPr/>
-          <a:lstStyle/>
-          <a:p>
-            <a:r>
-              <a:rPr lang="en-US" smtClean="0"/>
+          <a:bodyPr anchor="t"/>
+          <a:lstStyle/>
+          <a:p>
+            <a:r>
+              <a:rPr lang="en-US" dirty="0" smtClean="0"/>
               <a:t>Click to edit Master title style</a:t>
             </a:r>
-            <a:endParaRPr lang="pt-PT"/>
+            <a:endParaRPr lang="en-US" dirty="0"/>
           </a:p>
         </p:txBody>
       </p:sp>
@@ -1521,7 +2647,7 @@
               <a:rPr lang="en-US" smtClean="0"/>
               <a:t>Fifth level</a:t>
             </a:r>
-            <a:endParaRPr lang="pt-PT"/>
+            <a:endParaRPr lang="en-US" dirty="0"/>
           </a:p>
         </p:txBody>
       </p:sp>
@@ -1540,9 +2666,9 @@
           <a:bodyPr/>
           <a:lstStyle/>
           <a:p>
-            <a:fld id="{2F5B6AAC-F37E-44D6-AB03-0A53764B43E9}" type="datetimeFigureOut">
+            <a:fld id="{63D1AB39-D086-490D-96F9-981D623A9B36}" type="datetime1">
               <a:rPr lang="pt-PT" smtClean="0"/>
-              <a:t>2016/05/02</a:t>
+              <a:t>2016/06/06</a:t>
             </a:fld>
             <a:endParaRPr lang="pt-PT"/>
           </a:p>
@@ -1580,10 +2706,19 @@
         <p:spPr/>
         <p:txBody>
           <a:bodyPr/>
-          <a:lstStyle/>
+          <a:lstStyle>
+            <a:lvl1pPr>
+              <a:defRPr sz="1600">
+                <a:solidFill>
+                  <a:schemeClr val="tx1"/>
+                </a:solidFill>
+              </a:defRPr>
+            </a:lvl1pPr>
+          </a:lstStyle>
           <a:p>
             <a:fld id="{9AFCE3E6-7134-46AC-86A9-3A34B75F6826}" type="slidenum">
               <a:rPr lang="pt-PT" smtClean="0"/>
+              <a:pPr/>
               <a:t>‹#›</a:t>
             </a:fld>
             <a:endParaRPr lang="pt-PT"/>
@@ -1593,7 +2728,7 @@
     </p:spTree>
     <p:extLst>
       <p:ext uri="{BB962C8B-B14F-4D97-AF65-F5344CB8AC3E}">
-        <p14:creationId xmlns:p14="http://schemas.microsoft.com/office/powerpoint/2010/main" val="2021244079"/>
+        <p14:creationId xmlns:p14="http://schemas.microsoft.com/office/powerpoint/2010/main" val="3521298371"/>
       </p:ext>
     </p:extLst>
   </p:cSld>
@@ -1632,8 +2767,8 @@
         </p:nvSpPr>
         <p:spPr>
           <a:xfrm>
-            <a:off x="831850" y="1709738"/>
-            <a:ext cx="10515600" cy="2852737"/>
+            <a:off x="623888" y="1709739"/>
+            <a:ext cx="7886700" cy="2852737"/>
           </a:xfrm>
         </p:spPr>
         <p:txBody>
@@ -1648,7 +2783,7 @@
               <a:rPr lang="en-US" smtClean="0"/>
               <a:t>Click to edit Master title style</a:t>
             </a:r>
-            <a:endParaRPr lang="pt-PT"/>
+            <a:endParaRPr lang="en-US" dirty="0"/>
           </a:p>
         </p:txBody>
       </p:sp>
@@ -1664,8 +2799,8 @@
         </p:nvSpPr>
         <p:spPr>
           <a:xfrm>
-            <a:off x="831850" y="4589463"/>
-            <a:ext cx="10515600" cy="1500187"/>
+            <a:off x="623888" y="4589464"/>
+            <a:ext cx="7886700" cy="1500187"/>
           </a:xfrm>
         </p:spPr>
         <p:txBody>
@@ -1675,33 +2810,41 @@
               <a:buNone/>
               <a:defRPr sz="2400">
                 <a:solidFill>
+                  <a:schemeClr val="tx1"/>
+                </a:solidFill>
+              </a:defRPr>
+            </a:lvl1pPr>
+            <a:lvl2pPr marL="457200" indent="0">
+              <a:buNone/>
+              <a:defRPr sz="2000">
+                <a:solidFill>
                   <a:schemeClr val="tx1">
                     <a:tint val="75000"/>
                   </a:schemeClr>
                 </a:solidFill>
               </a:defRPr>
-            </a:lvl1pPr>
-            <a:lvl2pPr marL="457200" indent="0">
-              <a:buNone/>
-              <a:defRPr sz="2000">
+            </a:lvl2pPr>
+            <a:lvl3pPr marL="914400" indent="0">
+              <a:buNone/>
+              <a:defRPr sz="1800">
                 <a:solidFill>
                   <a:schemeClr val="tx1">
                     <a:tint val="75000"/>
                   </a:schemeClr>
                 </a:solidFill>
               </a:defRPr>
-            </a:lvl2pPr>
-            <a:lvl3pPr marL="914400" indent="0">
-              <a:buNone/>
-              <a:defRPr sz="1800">
+            </a:lvl3pPr>
+            <a:lvl4pPr marL="1371600" indent="0">
+              <a:buNone/>
+              <a:defRPr sz="1600">
                 <a:solidFill>
                   <a:schemeClr val="tx1">
                     <a:tint val="75000"/>
                   </a:schemeClr>
                 </a:solidFill>
               </a:defRPr>
-            </a:lvl3pPr>
-            <a:lvl4pPr marL="1371600" indent="0">
+            </a:lvl4pPr>
+            <a:lvl5pPr marL="1828800" indent="0">
               <a:buNone/>
               <a:defRPr sz="1600">
                 <a:solidFill>
@@ -1710,8 +2853,8 @@
                   </a:schemeClr>
                 </a:solidFill>
               </a:defRPr>
-            </a:lvl4pPr>
-            <a:lvl5pPr marL="1828800" indent="0">
+            </a:lvl5pPr>
+            <a:lvl6pPr marL="2286000" indent="0">
               <a:buNone/>
               <a:defRPr sz="1600">
                 <a:solidFill>
@@ -1720,8 +2863,8 @@
                   </a:schemeClr>
                 </a:solidFill>
               </a:defRPr>
-            </a:lvl5pPr>
-            <a:lvl6pPr marL="2286000" indent="0">
+            </a:lvl6pPr>
+            <a:lvl7pPr marL="2743200" indent="0">
               <a:buNone/>
               <a:defRPr sz="1600">
                 <a:solidFill>
@@ -1730,8 +2873,8 @@
                   </a:schemeClr>
                 </a:solidFill>
               </a:defRPr>
-            </a:lvl6pPr>
-            <a:lvl7pPr marL="2743200" indent="0">
+            </a:lvl7pPr>
+            <a:lvl8pPr marL="3200400" indent="0">
               <a:buNone/>
               <a:defRPr sz="1600">
                 <a:solidFill>
@@ -1740,8 +2883,8 @@
                   </a:schemeClr>
                 </a:solidFill>
               </a:defRPr>
-            </a:lvl7pPr>
-            <a:lvl8pPr marL="3200400" indent="0">
+            </a:lvl8pPr>
+            <a:lvl9pPr marL="3657600" indent="0">
               <a:buNone/>
               <a:defRPr sz="1600">
                 <a:solidFill>
@@ -1750,16 +2893,6 @@
                   </a:schemeClr>
                 </a:solidFill>
               </a:defRPr>
-            </a:lvl8pPr>
-            <a:lvl9pPr marL="3657600" indent="0">
-              <a:buNone/>
-              <a:defRPr sz="1600">
-                <a:solidFill>
-                  <a:schemeClr val="tx1">
-                    <a:tint val="75000"/>
-                  </a:schemeClr>
-                </a:solidFill>
-              </a:defRPr>
             </a:lvl9pPr>
           </a:lstStyle>
           <a:p>
@@ -1786,9 +2919,9 @@
           <a:bodyPr/>
           <a:lstStyle/>
           <a:p>
-            <a:fld id="{2F5B6AAC-F37E-44D6-AB03-0A53764B43E9}" type="datetimeFigureOut">
+            <a:fld id="{383CD7BF-836B-4657-9F83-1F9BB85A6664}" type="datetime1">
               <a:rPr lang="pt-PT" smtClean="0"/>
-              <a:t>2016/05/02</a:t>
+              <a:t>2016/06/06</a:t>
             </a:fld>
             <a:endParaRPr lang="pt-PT"/>
           </a:p>
@@ -1839,7 +2972,7 @@
     </p:spTree>
     <p:extLst>
       <p:ext uri="{BB962C8B-B14F-4D97-AF65-F5344CB8AC3E}">
-        <p14:creationId xmlns:p14="http://schemas.microsoft.com/office/powerpoint/2010/main" val="3005274266"/>
+        <p14:creationId xmlns:p14="http://schemas.microsoft.com/office/powerpoint/2010/main" val="1799937330"/>
       </p:ext>
     </p:extLst>
   </p:cSld>
@@ -1878,14 +3011,14 @@
         </p:nvSpPr>
         <p:spPr/>
         <p:txBody>
-          <a:bodyPr/>
-          <a:lstStyle/>
-          <a:p>
-            <a:r>
-              <a:rPr lang="en-US" smtClean="0"/>
+          <a:bodyPr anchor="t"/>
+          <a:lstStyle/>
+          <a:p>
+            <a:r>
+              <a:rPr lang="en-US" dirty="0" smtClean="0"/>
               <a:t>Click to edit Master title style</a:t>
             </a:r>
-            <a:endParaRPr lang="pt-PT"/>
+            <a:endParaRPr lang="en-US" dirty="0"/>
           </a:p>
         </p:txBody>
       </p:sp>
@@ -1901,8 +3034,8 @@
         </p:nvSpPr>
         <p:spPr>
           <a:xfrm>
-            <a:off x="838200" y="1825625"/>
-            <a:ext cx="5181600" cy="4351338"/>
+            <a:off x="628650" y="1825625"/>
+            <a:ext cx="3886200" cy="4351338"/>
           </a:xfrm>
         </p:spPr>
         <p:txBody>
@@ -1942,7 +3075,7 @@
               <a:rPr lang="en-US" smtClean="0"/>
               <a:t>Fifth level</a:t>
             </a:r>
-            <a:endParaRPr lang="pt-PT"/>
+            <a:endParaRPr lang="en-US" dirty="0"/>
           </a:p>
         </p:txBody>
       </p:sp>
@@ -1958,8 +3091,8 @@
         </p:nvSpPr>
         <p:spPr>
           <a:xfrm>
-            <a:off x="6172200" y="1825625"/>
-            <a:ext cx="5181600" cy="4351338"/>
+            <a:off x="4629150" y="1825625"/>
+            <a:ext cx="3886200" cy="4351338"/>
           </a:xfrm>
         </p:spPr>
         <p:txBody>
@@ -1999,7 +3132,7 @@
               <a:rPr lang="en-US" smtClean="0"/>
               <a:t>Fifth level</a:t>
             </a:r>
-            <a:endParaRPr lang="pt-PT"/>
+            <a:endParaRPr lang="en-US" dirty="0"/>
           </a:p>
         </p:txBody>
       </p:sp>
@@ -2018,9 +3151,9 @@
           <a:bodyPr/>
           <a:lstStyle/>
           <a:p>
-            <a:fld id="{2F5B6AAC-F37E-44D6-AB03-0A53764B43E9}" type="datetimeFigureOut">
+            <a:fld id="{E8FC2056-690A-4747-8DB3-DA5CD2986748}" type="datetime1">
               <a:rPr lang="pt-PT" smtClean="0"/>
-              <a:t>2016/05/02</a:t>
+              <a:t>2016/06/06</a:t>
             </a:fld>
             <a:endParaRPr lang="pt-PT"/>
           </a:p>
@@ -2071,7 +3204,7 @@
     </p:spTree>
     <p:extLst>
       <p:ext uri="{BB962C8B-B14F-4D97-AF65-F5344CB8AC3E}">
-        <p14:creationId xmlns:p14="http://schemas.microsoft.com/office/powerpoint/2010/main" val="286152377"/>
+        <p14:creationId xmlns:p14="http://schemas.microsoft.com/office/powerpoint/2010/main" val="1638631202"/>
       </p:ext>
     </p:extLst>
   </p:cSld>
@@ -2110,19 +3243,19 @@
         </p:nvSpPr>
         <p:spPr>
           <a:xfrm>
-            <a:off x="839788" y="365125"/>
-            <a:ext cx="10515600" cy="1325563"/>
+            <a:off x="629841" y="365126"/>
+            <a:ext cx="7886700" cy="1325563"/>
           </a:xfrm>
         </p:spPr>
         <p:txBody>
-          <a:bodyPr/>
-          <a:lstStyle/>
-          <a:p>
-            <a:r>
-              <a:rPr lang="en-US" smtClean="0"/>
+          <a:bodyPr anchor="t"/>
+          <a:lstStyle/>
+          <a:p>
+            <a:r>
+              <a:rPr lang="en-US" dirty="0" smtClean="0"/>
               <a:t>Click to edit Master title style</a:t>
             </a:r>
-            <a:endParaRPr lang="pt-PT"/>
+            <a:endParaRPr lang="en-US" dirty="0"/>
           </a:p>
         </p:txBody>
       </p:sp>
@@ -2138,8 +3271,8 @@
         </p:nvSpPr>
         <p:spPr>
           <a:xfrm>
-            <a:off x="839788" y="1681163"/>
-            <a:ext cx="5157787" cy="823912"/>
+            <a:off x="629842" y="1681163"/>
+            <a:ext cx="3868340" cy="823912"/>
           </a:xfrm>
         </p:spPr>
         <p:txBody>
@@ -2203,8 +3336,8 @@
         </p:nvSpPr>
         <p:spPr>
           <a:xfrm>
-            <a:off x="839788" y="2505075"/>
-            <a:ext cx="5157787" cy="3684588"/>
+            <a:off x="629842" y="2505075"/>
+            <a:ext cx="3868340" cy="3684588"/>
           </a:xfrm>
         </p:spPr>
         <p:txBody>
@@ -2244,7 +3377,7 @@
               <a:rPr lang="en-US" smtClean="0"/>
               <a:t>Fifth level</a:t>
             </a:r>
-            <a:endParaRPr lang="pt-PT"/>
+            <a:endParaRPr lang="en-US" dirty="0"/>
           </a:p>
         </p:txBody>
       </p:sp>
@@ -2260,8 +3393,8 @@
         </p:nvSpPr>
         <p:spPr>
           <a:xfrm>
-            <a:off x="6172200" y="1681163"/>
-            <a:ext cx="5183188" cy="823912"/>
+            <a:off x="4629150" y="1681163"/>
+            <a:ext cx="3887391" cy="823912"/>
           </a:xfrm>
         </p:spPr>
         <p:txBody>
@@ -2325,8 +3458,8 @@
         </p:nvSpPr>
         <p:spPr>
           <a:xfrm>
-            <a:off x="6172200" y="2505075"/>
-            <a:ext cx="5183188" cy="3684588"/>
+            <a:off x="4629150" y="2505075"/>
+            <a:ext cx="3887391" cy="3684588"/>
           </a:xfrm>
         </p:spPr>
         <p:txBody>
@@ -2366,7 +3499,7 @@
               <a:rPr lang="en-US" smtClean="0"/>
               <a:t>Fifth level</a:t>
             </a:r>
-            <a:endParaRPr lang="pt-PT"/>
+            <a:endParaRPr lang="en-US" dirty="0"/>
           </a:p>
         </p:txBody>
       </p:sp>
@@ -2385,9 +3518,9 @@
           <a:bodyPr/>
           <a:lstStyle/>
           <a:p>
-            <a:fld id="{2F5B6AAC-F37E-44D6-AB03-0A53764B43E9}" type="datetimeFigureOut">
+            <a:fld id="{FAB293A1-6054-4985-837D-BF368E278206}" type="datetime1">
               <a:rPr lang="pt-PT" smtClean="0"/>
-              <a:t>2016/05/02</a:t>
+              <a:t>2016/06/06</a:t>
             </a:fld>
             <a:endParaRPr lang="pt-PT"/>
           </a:p>
@@ -2438,7 +3571,7 @@
     </p:spTree>
     <p:extLst>
       <p:ext uri="{BB962C8B-B14F-4D97-AF65-F5344CB8AC3E}">
-        <p14:creationId xmlns:p14="http://schemas.microsoft.com/office/powerpoint/2010/main" val="4012502714"/>
+        <p14:creationId xmlns:p14="http://schemas.microsoft.com/office/powerpoint/2010/main" val="2456951190"/>
       </p:ext>
     </p:extLst>
   </p:cSld>
@@ -2477,35 +3610,35 @@
         </p:nvSpPr>
         <p:spPr/>
         <p:txBody>
+          <a:bodyPr anchor="t"/>
+          <a:lstStyle/>
+          <a:p>
+            <a:r>
+              <a:rPr lang="en-US" dirty="0" smtClean="0"/>
+              <a:t>Click to edit Master title style</a:t>
+            </a:r>
+            <a:endParaRPr lang="en-US" dirty="0"/>
+          </a:p>
+        </p:txBody>
+      </p:sp>
+      <p:sp>
+        <p:nvSpPr>
+          <p:cNvPr id="3" name="Date Placeholder 2"/>
+          <p:cNvSpPr>
+            <a:spLocks noGrp="1"/>
+          </p:cNvSpPr>
+          <p:nvPr>
+            <p:ph type="dt" sz="half" idx="10"/>
+          </p:nvPr>
+        </p:nvSpPr>
+        <p:spPr/>
+        <p:txBody>
           <a:bodyPr/>
           <a:lstStyle/>
           <a:p>
-            <a:r>
-              <a:rPr lang="en-US" smtClean="0"/>
-              <a:t>Click to edit Master title style</a:t>
-            </a:r>
-            <a:endParaRPr lang="pt-PT"/>
-          </a:p>
-        </p:txBody>
-      </p:sp>
-      <p:sp>
-        <p:nvSpPr>
-          <p:cNvPr id="3" name="Date Placeholder 2"/>
-          <p:cNvSpPr>
-            <a:spLocks noGrp="1"/>
-          </p:cNvSpPr>
-          <p:nvPr>
-            <p:ph type="dt" sz="half" idx="10"/>
-          </p:nvPr>
-        </p:nvSpPr>
-        <p:spPr/>
-        <p:txBody>
-          <a:bodyPr/>
-          <a:lstStyle/>
-          <a:p>
-            <a:fld id="{2F5B6AAC-F37E-44D6-AB03-0A53764B43E9}" type="datetimeFigureOut">
+            <a:fld id="{9E284FB3-E0E5-494D-9494-CCE0E8BB2E64}" type="datetime1">
               <a:rPr lang="pt-PT" smtClean="0"/>
-              <a:t>2016/05/02</a:t>
+              <a:t>2016/06/06</a:t>
             </a:fld>
             <a:endParaRPr lang="pt-PT"/>
           </a:p>
@@ -2556,7 +3689,7 @@
     </p:spTree>
     <p:extLst>
       <p:ext uri="{BB962C8B-B14F-4D97-AF65-F5344CB8AC3E}">
-        <p14:creationId xmlns:p14="http://schemas.microsoft.com/office/powerpoint/2010/main" val="3368715945"/>
+        <p14:creationId xmlns:p14="http://schemas.microsoft.com/office/powerpoint/2010/main" val="3402264680"/>
       </p:ext>
     </p:extLst>
   </p:cSld>
@@ -2598,9 +3731,9 @@
           <a:bodyPr/>
           <a:lstStyle/>
           <a:p>
-            <a:fld id="{2F5B6AAC-F37E-44D6-AB03-0A53764B43E9}" type="datetimeFigureOut">
+            <a:fld id="{246B5A6F-2EAC-49EA-BE89-47F81139EF73}" type="datetime1">
               <a:rPr lang="pt-PT" smtClean="0"/>
-              <a:t>2016/05/02</a:t>
+              <a:t>2016/06/06</a:t>
             </a:fld>
             <a:endParaRPr lang="pt-PT"/>
           </a:p>
@@ -2651,7 +3784,7 @@
     </p:spTree>
     <p:extLst>
       <p:ext uri="{BB962C8B-B14F-4D97-AF65-F5344CB8AC3E}">
-        <p14:creationId xmlns:p14="http://schemas.microsoft.com/office/powerpoint/2010/main" val="2305804762"/>
+        <p14:creationId xmlns:p14="http://schemas.microsoft.com/office/powerpoint/2010/main" val="68042508"/>
       </p:ext>
     </p:extLst>
   </p:cSld>
@@ -2690,8 +3823,8 @@
         </p:nvSpPr>
         <p:spPr>
           <a:xfrm>
-            <a:off x="839788" y="457200"/>
-            <a:ext cx="3932237" cy="1600200"/>
+            <a:off x="629841" y="457200"/>
+            <a:ext cx="2949178" cy="1600200"/>
           </a:xfrm>
         </p:spPr>
         <p:txBody>
@@ -2706,7 +3839,7 @@
               <a:rPr lang="en-US" smtClean="0"/>
               <a:t>Click to edit Master title style</a:t>
             </a:r>
-            <a:endParaRPr lang="pt-PT"/>
+            <a:endParaRPr lang="en-US" dirty="0"/>
           </a:p>
         </p:txBody>
       </p:sp>
@@ -2722,8 +3855,8 @@
         </p:nvSpPr>
         <p:spPr>
           <a:xfrm>
-            <a:off x="5183188" y="987425"/>
-            <a:ext cx="6172200" cy="4873625"/>
+            <a:off x="3887391" y="987426"/>
+            <a:ext cx="4629150" cy="4873625"/>
           </a:xfrm>
         </p:spPr>
         <p:txBody>
@@ -2791,7 +3924,7 @@
               <a:rPr lang="en-US" smtClean="0"/>
               <a:t>Fifth level</a:t>
             </a:r>
-            <a:endParaRPr lang="pt-PT"/>
+            <a:endParaRPr lang="en-US" dirty="0"/>
           </a:p>
         </p:txBody>
       </p:sp>
@@ -2807,8 +3940,8 @@
         </p:nvSpPr>
         <p:spPr>
           <a:xfrm>
-            <a:off x="839788" y="2057400"/>
-            <a:ext cx="3932237" cy="3811588"/>
+            <a:off x="629841" y="2057400"/>
+            <a:ext cx="2949178" cy="3811588"/>
           </a:xfrm>
         </p:spPr>
         <p:txBody>
@@ -2875,9 +4008,9 @@
           <a:bodyPr/>
           <a:lstStyle/>
           <a:p>
-            <a:fld id="{2F5B6AAC-F37E-44D6-AB03-0A53764B43E9}" type="datetimeFigureOut">
+            <a:fld id="{430827C9-6F3F-4163-AB01-7EE8E5D164F2}" type="datetime1">
               <a:rPr lang="pt-PT" smtClean="0"/>
-              <a:t>2016/05/02</a:t>
+              <a:t>2016/06/06</a:t>
             </a:fld>
             <a:endParaRPr lang="pt-PT"/>
           </a:p>
@@ -2928,7 +4061,7 @@
     </p:spTree>
     <p:extLst>
       <p:ext uri="{BB962C8B-B14F-4D97-AF65-F5344CB8AC3E}">
-        <p14:creationId xmlns:p14="http://schemas.microsoft.com/office/powerpoint/2010/main" val="261309901"/>
+        <p14:creationId xmlns:p14="http://schemas.microsoft.com/office/powerpoint/2010/main" val="2809987283"/>
       </p:ext>
     </p:extLst>
   </p:cSld>
@@ -2967,8 +4100,8 @@
         </p:nvSpPr>
         <p:spPr>
           <a:xfrm>
-            <a:off x="839788" y="457200"/>
-            <a:ext cx="3932237" cy="1600200"/>
+            <a:off x="629841" y="457200"/>
+            <a:ext cx="2949178" cy="1600200"/>
           </a:xfrm>
         </p:spPr>
         <p:txBody>
@@ -2983,7 +4116,7 @@
               <a:rPr lang="en-US" smtClean="0"/>
               <a:t>Click to edit Master title style</a:t>
             </a:r>
-            <a:endParaRPr lang="pt-PT"/>
+            <a:endParaRPr lang="en-US" dirty="0"/>
           </a:p>
         </p:txBody>
       </p:sp>
@@ -2991,7 +4124,7 @@
         <p:nvSpPr>
           <p:cNvPr id="3" name="Picture Placeholder 2"/>
           <p:cNvSpPr>
-            <a:spLocks noGrp="1"/>
+            <a:spLocks noGrp="1" noChangeAspect="1"/>
           </p:cNvSpPr>
           <p:nvPr>
             <p:ph type="pic" idx="1"/>
@@ -2999,8 +4132,73 @@
         </p:nvSpPr>
         <p:spPr>
           <a:xfrm>
-            <a:off x="5183188" y="987425"/>
-            <a:ext cx="6172200" cy="4873625"/>
+            <a:off x="3887391" y="987426"/>
+            <a:ext cx="4629150" cy="4873625"/>
+          </a:xfrm>
+        </p:spPr>
+        <p:txBody>
+          <a:bodyPr anchor="t"/>
+          <a:lstStyle>
+            <a:lvl1pPr marL="0" indent="0">
+              <a:buNone/>
+              <a:defRPr sz="3200"/>
+            </a:lvl1pPr>
+            <a:lvl2pPr marL="457200" indent="0">
+              <a:buNone/>
+              <a:defRPr sz="2800"/>
+            </a:lvl2pPr>
+            <a:lvl3pPr marL="914400" indent="0">
+              <a:buNone/>
+              <a:defRPr sz="2400"/>
+            </a:lvl3pPr>
+            <a:lvl4pPr marL="1371600" indent="0">
+              <a:buNone/>
+              <a:defRPr sz="2000"/>
+            </a:lvl4pPr>
+            <a:lvl5pPr marL="1828800" indent="0">
+              <a:buNone/>
+              <a:defRPr sz="2000"/>
+            </a:lvl5pPr>
+            <a:lvl6pPr marL="2286000" indent="0">
+              <a:buNone/>
+              <a:defRPr sz="2000"/>
+            </a:lvl6pPr>
+            <a:lvl7pPr marL="2743200" indent="0">
+              <a:buNone/>
+              <a:defRPr sz="2000"/>
+            </a:lvl7pPr>
+            <a:lvl8pPr marL="3200400" indent="0">
+              <a:buNone/>
+              <a:defRPr sz="2000"/>
+            </a:lvl8pPr>
+            <a:lvl9pPr marL="3657600" indent="0">
+              <a:buNone/>
+              <a:defRPr sz="2000"/>
+            </a:lvl9pPr>
+          </a:lstStyle>
+          <a:p>
+            <a:r>
+              <a:rPr lang="en-US" smtClean="0"/>
+              <a:t>Click icon to add picture</a:t>
+            </a:r>
+            <a:endParaRPr lang="en-US" dirty="0"/>
+          </a:p>
+        </p:txBody>
+      </p:sp>
+      <p:sp>
+        <p:nvSpPr>
+          <p:cNvPr id="4" name="Text Placeholder 3"/>
+          <p:cNvSpPr>
+            <a:spLocks noGrp="1"/>
+          </p:cNvSpPr>
+          <p:nvPr>
+            <p:ph type="body" sz="half" idx="2"/>
+          </p:nvPr>
+        </p:nvSpPr>
+        <p:spPr>
+          <a:xfrm>
+            <a:off x="629841" y="2057400"/>
+            <a:ext cx="2949178" cy="3811588"/>
           </a:xfrm>
         </p:spPr>
         <p:txBody>
@@ -3008,67 +4206,6 @@
           <a:lstStyle>
             <a:lvl1pPr marL="0" indent="0">
               <a:buNone/>
-              <a:defRPr sz="3200"/>
-            </a:lvl1pPr>
-            <a:lvl2pPr marL="457200" indent="0">
-              <a:buNone/>
-              <a:defRPr sz="2800"/>
-            </a:lvl2pPr>
-            <a:lvl3pPr marL="914400" indent="0">
-              <a:buNone/>
-              <a:defRPr sz="2400"/>
-            </a:lvl3pPr>
-            <a:lvl4pPr marL="1371600" indent="0">
-              <a:buNone/>
-              <a:defRPr sz="2000"/>
-            </a:lvl4pPr>
-            <a:lvl5pPr marL="1828800" indent="0">
-              <a:buNone/>
-              <a:defRPr sz="2000"/>
-            </a:lvl5pPr>
-            <a:lvl6pPr marL="2286000" indent="0">
-              <a:buNone/>
-              <a:defRPr sz="2000"/>
-            </a:lvl6pPr>
-            <a:lvl7pPr marL="2743200" indent="0">
-              <a:buNone/>
-              <a:defRPr sz="2000"/>
-            </a:lvl7pPr>
-            <a:lvl8pPr marL="3200400" indent="0">
-              <a:buNone/>
-              <a:defRPr sz="2000"/>
-            </a:lvl8pPr>
-            <a:lvl9pPr marL="3657600" indent="0">
-              <a:buNone/>
-              <a:defRPr sz="2000"/>
-            </a:lvl9pPr>
-          </a:lstStyle>
-          <a:p>
-            <a:endParaRPr lang="pt-PT"/>
-          </a:p>
-        </p:txBody>
-      </p:sp>
-      <p:sp>
-        <p:nvSpPr>
-          <p:cNvPr id="4" name="Text Placeholder 3"/>
-          <p:cNvSpPr>
-            <a:spLocks noGrp="1"/>
-          </p:cNvSpPr>
-          <p:nvPr>
-            <p:ph type="body" sz="half" idx="2"/>
-          </p:nvPr>
-        </p:nvSpPr>
-        <p:spPr>
-          <a:xfrm>
-            <a:off x="839788" y="2057400"/>
-            <a:ext cx="3932237" cy="3811588"/>
-          </a:xfrm>
-        </p:spPr>
-        <p:txBody>
-          <a:bodyPr/>
-          <a:lstStyle>
-            <a:lvl1pPr marL="0" indent="0">
-              <a:buNone/>
               <a:defRPr sz="1600"/>
             </a:lvl1pPr>
             <a:lvl2pPr marL="457200" indent="0">
@@ -3128,9 +4265,9 @@
           <a:bodyPr/>
           <a:lstStyle/>
           <a:p>
-            <a:fld id="{2F5B6AAC-F37E-44D6-AB03-0A53764B43E9}" type="datetimeFigureOut">
+            <a:fld id="{77A1B204-62EE-4BC3-8635-4C9AF56797A2}" type="datetime1">
               <a:rPr lang="pt-PT" smtClean="0"/>
-              <a:t>2016/05/02</a:t>
+              <a:t>2016/06/06</a:t>
             </a:fld>
             <a:endParaRPr lang="pt-PT"/>
           </a:p>
@@ -3181,7 +4318,7 @@
     </p:spTree>
     <p:extLst>
       <p:ext uri="{BB962C8B-B14F-4D97-AF65-F5344CB8AC3E}">
-        <p14:creationId xmlns:p14="http://schemas.microsoft.com/office/powerpoint/2010/main" val="4131780490"/>
+        <p14:creationId xmlns:p14="http://schemas.microsoft.com/office/powerpoint/2010/main" val="1229787492"/>
       </p:ext>
     </p:extLst>
   </p:cSld>
@@ -3225,8 +4362,8 @@
         </p:nvSpPr>
         <p:spPr>
           <a:xfrm>
-            <a:off x="838200" y="365125"/>
-            <a:ext cx="10515600" cy="1325563"/>
+            <a:off x="628650" y="365126"/>
+            <a:ext cx="7886700" cy="1325563"/>
           </a:xfrm>
           <a:prstGeom prst="rect">
             <a:avLst/>
@@ -3242,7 +4379,7 @@
               <a:rPr lang="en-US" smtClean="0"/>
               <a:t>Click to edit Master title style</a:t>
             </a:r>
-            <a:endParaRPr lang="pt-PT"/>
+            <a:endParaRPr lang="en-US" dirty="0"/>
           </a:p>
         </p:txBody>
       </p:sp>
@@ -3258,8 +4395,8 @@
         </p:nvSpPr>
         <p:spPr>
           <a:xfrm>
-            <a:off x="838200" y="1825625"/>
-            <a:ext cx="10515600" cy="4351338"/>
+            <a:off x="628650" y="1825625"/>
+            <a:ext cx="7886700" cy="4351338"/>
           </a:xfrm>
           <a:prstGeom prst="rect">
             <a:avLst/>
@@ -3304,7 +4441,7 @@
               <a:rPr lang="en-US" smtClean="0"/>
               <a:t>Fifth level</a:t>
             </a:r>
-            <a:endParaRPr lang="pt-PT"/>
+            <a:endParaRPr lang="en-US" dirty="0"/>
           </a:p>
         </p:txBody>
       </p:sp>
@@ -3320,8 +4457,8 @@
         </p:nvSpPr>
         <p:spPr>
           <a:xfrm>
-            <a:off x="838200" y="6356350"/>
-            <a:ext cx="2743200" cy="365125"/>
+            <a:off x="628650" y="6356351"/>
+            <a:ext cx="2057400" cy="365125"/>
           </a:xfrm>
           <a:prstGeom prst="rect">
             <a:avLst/>
@@ -3341,9 +4478,9 @@
             </a:lvl1pPr>
           </a:lstStyle>
           <a:p>
-            <a:fld id="{2F5B6AAC-F37E-44D6-AB03-0A53764B43E9}" type="datetimeFigureOut">
+            <a:fld id="{F9F1D364-1451-4CC1-ABC1-F86B616811D0}" type="datetime1">
               <a:rPr lang="pt-PT" smtClean="0"/>
-              <a:t>2016/05/02</a:t>
+              <a:t>2016/06/06</a:t>
             </a:fld>
             <a:endParaRPr lang="pt-PT"/>
           </a:p>
@@ -3361,8 +4498,8 @@
         </p:nvSpPr>
         <p:spPr>
           <a:xfrm>
-            <a:off x="4038600" y="6356350"/>
-            <a:ext cx="4114800" cy="365125"/>
+            <a:off x="3028950" y="6356351"/>
+            <a:ext cx="3086100" cy="365125"/>
           </a:xfrm>
           <a:prstGeom prst="rect">
             <a:avLst/>
@@ -3398,8 +4535,8 @@
         </p:nvSpPr>
         <p:spPr>
           <a:xfrm>
-            <a:off x="8610600" y="6356350"/>
-            <a:ext cx="2743200" cy="365125"/>
+            <a:off x="6457950" y="6356351"/>
+            <a:ext cx="2057400" cy="365125"/>
           </a:xfrm>
           <a:prstGeom prst="rect">
             <a:avLst/>
@@ -3430,24 +4567,25 @@
     </p:spTree>
     <p:extLst>
       <p:ext uri="{BB962C8B-B14F-4D97-AF65-F5344CB8AC3E}">
-        <p14:creationId xmlns:p14="http://schemas.microsoft.com/office/powerpoint/2010/main" val="2148398349"/>
+        <p14:creationId xmlns:p14="http://schemas.microsoft.com/office/powerpoint/2010/main" val="4025514142"/>
       </p:ext>
     </p:extLst>
   </p:cSld>
   <p:clrMap bg1="lt1" tx1="dk1" bg2="lt2" tx2="dk2" accent1="accent1" accent2="accent2" accent3="accent3" accent4="accent4" accent5="accent5" accent6="accent6" hlink="hlink" folHlink="folHlink"/>
   <p:sldLayoutIdLst>
-    <p:sldLayoutId id="2147483649" r:id="rId1"/>
-    <p:sldLayoutId id="2147483650" r:id="rId2"/>
-    <p:sldLayoutId id="2147483651" r:id="rId3"/>
-    <p:sldLayoutId id="2147483652" r:id="rId4"/>
-    <p:sldLayoutId id="2147483653" r:id="rId5"/>
-    <p:sldLayoutId id="2147483654" r:id="rId6"/>
-    <p:sldLayoutId id="2147483655" r:id="rId7"/>
-    <p:sldLayoutId id="2147483656" r:id="rId8"/>
-    <p:sldLayoutId id="2147483657" r:id="rId9"/>
-    <p:sldLayoutId id="2147483658" r:id="rId10"/>
-    <p:sldLayoutId id="2147483659" r:id="rId11"/>
+    <p:sldLayoutId id="2147483661" r:id="rId1"/>
+    <p:sldLayoutId id="2147483662" r:id="rId2"/>
+    <p:sldLayoutId id="2147483663" r:id="rId3"/>
+    <p:sldLayoutId id="2147483664" r:id="rId4"/>
+    <p:sldLayoutId id="2147483665" r:id="rId5"/>
+    <p:sldLayoutId id="2147483666" r:id="rId6"/>
+    <p:sldLayoutId id="2147483667" r:id="rId7"/>
+    <p:sldLayoutId id="2147483668" r:id="rId8"/>
+    <p:sldLayoutId id="2147483669" r:id="rId9"/>
+    <p:sldLayoutId id="2147483670" r:id="rId10"/>
+    <p:sldLayoutId id="2147483671" r:id="rId11"/>
   </p:sldLayoutIdLst>
+  <p:hf hdr="0" ftr="0" dt="0"/>
   <p:txStyles>
     <p:titleStyle>
       <a:lvl1pPr algn="l" defTabSz="914400" rtl="0" eaLnBrk="1" latinLnBrk="0" hangingPunct="1">
@@ -3634,7 +4772,7 @@
     </p:bodyStyle>
     <p:otherStyle>
       <a:defPPr>
-        <a:defRPr lang="pt-PT"/>
+        <a:defRPr lang="en-US"/>
       </a:defPPr>
       <a:lvl1pPr marL="0" algn="l" defTabSz="914400" rtl="0" eaLnBrk="1" latinLnBrk="0" hangingPunct="1">
         <a:defRPr sz="1800" kern="1200">
@@ -3764,7 +4902,7 @@
           <a:lstStyle/>
           <a:p>
             <a:r>
-              <a:rPr lang="en-US" dirty="0" err="1" smtClean="0"/>
+              <a:rPr lang="pt-PT" dirty="0" smtClean="0"/>
               <a:t>Acessibilidade</a:t>
             </a:r>
             <a:endParaRPr lang="pt-PT" dirty="0"/>
@@ -3787,24 +4925,20 @@
           <a:lstStyle/>
           <a:p>
             <a:r>
-              <a:rPr lang="en-US" dirty="0" smtClean="0"/>
+              <a:rPr lang="pt-PT" dirty="0" smtClean="0"/>
               <a:t>António Borba da Silva – 22908</a:t>
             </a:r>
           </a:p>
           <a:p>
             <a:r>
-              <a:rPr lang="en-US" dirty="0" smtClean="0"/>
+              <a:rPr lang="pt-PT" dirty="0" smtClean="0"/>
               <a:t>LEIC – 2015/2016</a:t>
             </a:r>
           </a:p>
           <a:p>
             <a:r>
-              <a:rPr lang="en-US" dirty="0" err="1" smtClean="0"/>
-              <a:t>Grupo</a:t>
-            </a:r>
-            <a:r>
-              <a:rPr lang="en-US" dirty="0" smtClean="0"/>
-              <a:t> 40</a:t>
+              <a:rPr lang="pt-PT" dirty="0" smtClean="0"/>
+              <a:t>Grupo 40</a:t>
             </a:r>
             <a:endParaRPr lang="pt-PT" dirty="0"/>
           </a:p>
@@ -3820,6 +4954,13 @@
   <p:clrMapOvr>
     <a:masterClrMapping/>
   </p:clrMapOvr>
+  <p:timing>
+    <p:tnLst>
+      <p:par>
+        <p:cTn id="1" dur="indefinite" restart="never" nodeType="tmRoot"/>
+      </p:par>
+    </p:tnLst>
+  </p:timing>
 </p:sld>
 </file>
 
@@ -3858,11 +4999,7 @@
             <a:pPr lvl="0"/>
             <a:r>
               <a:rPr lang="pt-PT" noProof="0" dirty="0" smtClean="0"/>
-              <a:t>Contribuições em </a:t>
-            </a:r>
-            <a:r>
-              <a:rPr lang="pt-PT" noProof="0" dirty="0" smtClean="0"/>
-              <a:t>Portugal</a:t>
+              <a:t>Contribuições em Portugal</a:t>
             </a:r>
             <a:br>
               <a:rPr lang="pt-PT" noProof="0" dirty="0" smtClean="0"/>
@@ -3883,7 +5020,9 @@
         </p:nvSpPr>
         <p:spPr/>
         <p:txBody>
-          <a:bodyPr/>
+          <a:bodyPr>
+            <a:normAutofit lnSpcReduction="10000"/>
+          </a:bodyPr>
           <a:lstStyle/>
           <a:p>
             <a:r>
@@ -3907,6 +5046,113 @@
           </a:p>
           <a:p>
             <a:endParaRPr lang="pt-PT" noProof="0" dirty="0" smtClean="0"/>
+          </a:p>
+          <a:p>
+            <a:pPr marL="0" indent="0">
+              <a:buNone/>
+            </a:pPr>
+            <a:r>
+              <a:rPr lang="pt-PT" dirty="0" smtClean="0"/>
+              <a:t>Outros </a:t>
+            </a:r>
+            <a:r>
+              <a:rPr lang="pt-PT" dirty="0" smtClean="0"/>
+              <a:t>– útil:</a:t>
+            </a:r>
+          </a:p>
+          <a:p>
+            <a:pPr lvl="1"/>
+            <a:r>
+              <a:rPr lang="pt-PT" dirty="0" smtClean="0"/>
+              <a:t>IOS</a:t>
+            </a:r>
+          </a:p>
+          <a:p>
+            <a:pPr lvl="2"/>
+            <a:r>
+              <a:rPr lang="pt-PT" dirty="0">
+                <a:hlinkClick r:id="rId2"/>
+              </a:rPr>
+              <a:t>http://www.apple.com/accessibility</a:t>
+            </a:r>
+            <a:r>
+              <a:rPr lang="pt-PT" dirty="0" smtClean="0">
+                <a:hlinkClick r:id="rId2"/>
+              </a:rPr>
+              <a:t>/</a:t>
+            </a:r>
+            <a:endParaRPr lang="pt-PT" dirty="0" smtClean="0"/>
+          </a:p>
+          <a:p>
+            <a:pPr lvl="2"/>
+            <a:r>
+              <a:rPr lang="pt-PT" dirty="0">
+                <a:hlinkClick r:id="rId3"/>
+              </a:rPr>
+              <a:t>https://</a:t>
+            </a:r>
+            <a:r>
+              <a:rPr lang="pt-PT" dirty="0" smtClean="0">
+                <a:hlinkClick r:id="rId3"/>
+              </a:rPr>
+              <a:t>support.apple.com/en-us/HT204390</a:t>
+            </a:r>
+            <a:endParaRPr lang="pt-PT" dirty="0" smtClean="0"/>
+          </a:p>
+          <a:p>
+            <a:pPr lvl="2"/>
+            <a:r>
+              <a:rPr lang="pt-PT" dirty="0">
+                <a:hlinkClick r:id="rId4"/>
+              </a:rPr>
+              <a:t>https://help.apple.com/ipad/9/#/</a:t>
+            </a:r>
+            <a:r>
+              <a:rPr lang="pt-PT" dirty="0" smtClean="0">
+                <a:hlinkClick r:id="rId4"/>
+              </a:rPr>
+              <a:t>iPad9a246584</a:t>
+            </a:r>
+            <a:endParaRPr lang="pt-PT" dirty="0" smtClean="0"/>
+          </a:p>
+          <a:p>
+            <a:pPr lvl="1"/>
+            <a:r>
+              <a:rPr lang="pt-PT" dirty="0" err="1" smtClean="0"/>
+              <a:t>Android</a:t>
+            </a:r>
+            <a:endParaRPr lang="pt-PT" dirty="0" smtClean="0"/>
+          </a:p>
+          <a:p>
+            <a:pPr lvl="2"/>
+            <a:r>
+              <a:rPr lang="pt-PT" dirty="0"/>
+              <a:t>https://developer.android.com/guide/topics/ui/accessibility/checklist.html</a:t>
+            </a:r>
+            <a:endParaRPr lang="pt-PT" noProof="0" dirty="0" smtClean="0"/>
+          </a:p>
+        </p:txBody>
+      </p:sp>
+      <p:sp>
+        <p:nvSpPr>
+          <p:cNvPr id="4" name="Slide Number Placeholder 3"/>
+          <p:cNvSpPr>
+            <a:spLocks noGrp="1"/>
+          </p:cNvSpPr>
+          <p:nvPr>
+            <p:ph type="sldNum" sz="quarter" idx="12"/>
+          </p:nvPr>
+        </p:nvSpPr>
+        <p:spPr/>
+        <p:txBody>
+          <a:bodyPr/>
+          <a:lstStyle/>
+          <a:p>
+            <a:fld id="{9AFCE3E6-7134-46AC-86A9-3A34B75F6826}" type="slidenum">
+              <a:rPr lang="pt-PT" smtClean="0"/>
+              <a:t>10</a:t>
+            </a:fld>
+            <a:endParaRPr lang="pt-PT"/>
           </a:p>
         </p:txBody>
       </p:sp>
@@ -3920,6 +5166,13 @@
   <p:clrMapOvr>
     <a:masterClrMapping/>
   </p:clrMapOvr>
+  <p:timing>
+    <p:tnLst>
+      <p:par>
+        <p:cTn id="1" dur="indefinite" restart="never" nodeType="tmRoot"/>
+      </p:par>
+    </p:tnLst>
+  </p:timing>
 </p:sld>
 </file>
 
@@ -3956,12 +5209,9 @@
           <a:lstStyle/>
           <a:p>
             <a:r>
-              <a:rPr lang="pt-PT" noProof="0" dirty="0" smtClean="0"/>
+              <a:rPr lang="pt-PT" noProof="0" smtClean="0"/>
               <a:t>Referências</a:t>
             </a:r>
-            <a:br>
-              <a:rPr lang="pt-PT" noProof="0" dirty="0" smtClean="0"/>
-            </a:br>
             <a:endParaRPr lang="pt-PT" noProof="0" dirty="0"/>
           </a:p>
         </p:txBody>
@@ -3982,42 +5232,71 @@
           <a:lstStyle/>
           <a:p>
             <a:r>
-              <a:rPr lang="pt-PT" noProof="0" dirty="0" smtClean="0"/>
+              <a:rPr lang="pt-PT" noProof="0" smtClean="0"/>
               <a:t>Validadores</a:t>
             </a:r>
           </a:p>
           <a:p>
             <a:pPr lvl="1"/>
             <a:r>
-              <a:rPr lang="pt-PT" dirty="0"/>
+              <a:rPr lang="pt-PT" smtClean="0">
+                <a:hlinkClick r:id="rId2"/>
+              </a:rPr>
               <a:t>http://www.acessibilidade.gov.pt/accessmonitor/</a:t>
             </a:r>
-            <a:endParaRPr lang="pt-PT" noProof="0" dirty="0" smtClean="0"/>
-          </a:p>
-          <a:p>
-            <a:r>
-              <a:rPr lang="pt-PT" noProof="0" dirty="0" smtClean="0"/>
+            <a:endParaRPr lang="pt-PT" smtClean="0"/>
+          </a:p>
+          <a:p>
+            <a:pPr lvl="1"/>
+            <a:endParaRPr lang="pt-PT" noProof="0" smtClean="0"/>
+          </a:p>
+          <a:p>
+            <a:r>
+              <a:rPr lang="pt-PT" noProof="0" smtClean="0"/>
               <a:t>Sites de referência:</a:t>
             </a:r>
           </a:p>
           <a:p>
             <a:pPr lvl="1"/>
             <a:r>
-              <a:rPr lang="en-US" noProof="0" dirty="0" smtClean="0"/>
-              <a:t>UMIC</a:t>
+              <a:rPr lang="pt-PT" noProof="0" smtClean="0"/>
+              <a:t>UMIC: &lt;http://www.umic.pt/&gt;</a:t>
             </a:r>
           </a:p>
           <a:p>
             <a:pPr lvl="1"/>
             <a:r>
-              <a:rPr lang="en-US" dirty="0" smtClean="0"/>
-              <a:t>CGD</a:t>
-            </a:r>
-            <a:endParaRPr lang="pt-PT" dirty="0"/>
+              <a:rPr lang="pt-PT" smtClean="0"/>
+              <a:t>CGD: &lt;http://www.cgd.pt/&gt;</a:t>
+            </a:r>
           </a:p>
           <a:p>
             <a:pPr lvl="1"/>
-            <a:endParaRPr lang="en-US" dirty="0" smtClean="0"/>
+            <a:endParaRPr lang="pt-PT" dirty="0" smtClean="0"/>
+          </a:p>
+        </p:txBody>
+      </p:sp>
+      <p:sp>
+        <p:nvSpPr>
+          <p:cNvPr id="4" name="Slide Number Placeholder 3"/>
+          <p:cNvSpPr>
+            <a:spLocks noGrp="1"/>
+          </p:cNvSpPr>
+          <p:nvPr>
+            <p:ph type="sldNum" sz="quarter" idx="12"/>
+          </p:nvPr>
+        </p:nvSpPr>
+        <p:spPr/>
+        <p:txBody>
+          <a:bodyPr/>
+          <a:lstStyle/>
+          <a:p>
+            <a:fld id="{9AFCE3E6-7134-46AC-86A9-3A34B75F6826}" type="slidenum">
+              <a:rPr lang="pt-PT" smtClean="0"/>
+              <a:pPr/>
+              <a:t>11</a:t>
+            </a:fld>
+            <a:endParaRPr lang="pt-PT"/>
           </a:p>
         </p:txBody>
       </p:sp>
@@ -4031,6 +5310,433 @@
   <p:clrMapOvr>
     <a:masterClrMapping/>
   </p:clrMapOvr>
+  <p:timing>
+    <p:tnLst>
+      <p:par>
+        <p:cTn id="1" dur="indefinite" restart="never" nodeType="tmRoot"/>
+      </p:par>
+    </p:tnLst>
+  </p:timing>
+</p:sld>
+</file>
+
+<file path=ppt/slides/slide12.xml><?xml version="1.0" encoding="utf-8"?>
+<p:sld xmlns:a="http://schemas.openxmlformats.org/drawingml/2006/main" xmlns:r="http://schemas.openxmlformats.org/officeDocument/2006/relationships" xmlns:p="http://schemas.openxmlformats.org/presentationml/2006/main">
+  <p:cSld>
+    <p:spTree>
+      <p:nvGrpSpPr>
+        <p:cNvPr id="1" name=""/>
+        <p:cNvGrpSpPr/>
+        <p:nvPr/>
+      </p:nvGrpSpPr>
+      <p:grpSpPr>
+        <a:xfrm>
+          <a:off x="0" y="0"/>
+          <a:ext cx="0" cy="0"/>
+          <a:chOff x="0" y="0"/>
+          <a:chExt cx="0" cy="0"/>
+        </a:xfrm>
+      </p:grpSpPr>
+      <p:sp>
+        <p:nvSpPr>
+          <p:cNvPr id="2" name="Title 1"/>
+          <p:cNvSpPr>
+            <a:spLocks noGrp="1"/>
+          </p:cNvSpPr>
+          <p:nvPr>
+            <p:ph type="title"/>
+          </p:nvPr>
+        </p:nvSpPr>
+        <p:spPr/>
+        <p:txBody>
+          <a:bodyPr/>
+          <a:lstStyle/>
+          <a:p>
+            <a:r>
+              <a:rPr lang="pt-PT" dirty="0" smtClean="0"/>
+              <a:t>iOS – </a:t>
+            </a:r>
+            <a:r>
+              <a:rPr lang="pt-PT" dirty="0" err="1" smtClean="0"/>
+              <a:t>VoiceOver</a:t>
+            </a:r>
+            <a:endParaRPr lang="pt-PT" dirty="0"/>
+          </a:p>
+        </p:txBody>
+      </p:sp>
+      <p:sp>
+        <p:nvSpPr>
+          <p:cNvPr id="3" name="Content Placeholder 2"/>
+          <p:cNvSpPr>
+            <a:spLocks noGrp="1"/>
+          </p:cNvSpPr>
+          <p:nvPr>
+            <p:ph sz="half" idx="1"/>
+          </p:nvPr>
+        </p:nvSpPr>
+        <p:spPr/>
+        <p:txBody>
+          <a:bodyPr>
+            <a:normAutofit fontScale="47500" lnSpcReduction="20000"/>
+          </a:bodyPr>
+          <a:lstStyle/>
+          <a:p>
+            <a:r>
+              <a:rPr lang="pt-PT" smtClean="0"/>
+              <a:t>ROTATE</a:t>
+            </a:r>
+          </a:p>
+          <a:p>
+            <a:pPr lvl="1"/>
+            <a:r>
+              <a:rPr lang="pt-PT" b="1" smtClean="0">
+                <a:solidFill>
+                  <a:srgbClr val="FF0000"/>
+                </a:solidFill>
+              </a:rPr>
+              <a:t>rotate clock wise</a:t>
+            </a:r>
+            <a:r>
+              <a:rPr lang="pt-PT" b="1" smtClean="0"/>
+              <a:t> </a:t>
+            </a:r>
+            <a:r>
+              <a:rPr lang="pt-PT" smtClean="0"/>
+              <a:t>- select next rotor setting</a:t>
+            </a:r>
+          </a:p>
+          <a:p>
+            <a:pPr lvl="1"/>
+            <a:r>
+              <a:rPr lang="pt-PT" b="1" smtClean="0">
+                <a:solidFill>
+                  <a:srgbClr val="FF0000"/>
+                </a:solidFill>
+              </a:rPr>
+              <a:t>rotate anti clock wise</a:t>
+            </a:r>
+            <a:r>
+              <a:rPr lang="pt-PT" smtClean="0"/>
+              <a:t> - select previous rotor setting</a:t>
+            </a:r>
+          </a:p>
+          <a:p>
+            <a:r>
+              <a:rPr lang="pt-PT" smtClean="0"/>
+              <a:t>FLICK</a:t>
+            </a:r>
+          </a:p>
+          <a:p>
+            <a:r>
+              <a:rPr lang="pt-PT" b="1" smtClean="0">
+                <a:solidFill>
+                  <a:srgbClr val="FF0000"/>
+                </a:solidFill>
+              </a:rPr>
+              <a:t>1 finger</a:t>
+            </a:r>
+          </a:p>
+          <a:p>
+            <a:pPr lvl="1"/>
+            <a:r>
+              <a:rPr lang="pt-PT" smtClean="0"/>
+              <a:t>flick up - move to previous item using rotor setting</a:t>
+            </a:r>
+          </a:p>
+          <a:p>
+            <a:pPr lvl="1"/>
+            <a:r>
+              <a:rPr lang="pt-PT" smtClean="0"/>
+              <a:t>flick down - move to next item using rotor setting</a:t>
+            </a:r>
+          </a:p>
+          <a:p>
+            <a:pPr lvl="1"/>
+            <a:r>
+              <a:rPr lang="pt-PT" smtClean="0"/>
+              <a:t>one finger flick left - move to previous item</a:t>
+            </a:r>
+          </a:p>
+          <a:p>
+            <a:pPr lvl="1"/>
+            <a:r>
+              <a:rPr lang="pt-PT" smtClean="0"/>
+              <a:t>one finger flick right - move to next item</a:t>
+            </a:r>
+          </a:p>
+          <a:p>
+            <a:r>
+              <a:rPr lang="pt-PT" b="1" smtClean="0">
+                <a:solidFill>
+                  <a:srgbClr val="FF0000"/>
+                </a:solidFill>
+              </a:rPr>
+              <a:t>2 fingers</a:t>
+            </a:r>
+          </a:p>
+          <a:p>
+            <a:pPr lvl="1"/>
+            <a:r>
+              <a:rPr lang="pt-PT" smtClean="0"/>
+              <a:t>flick up - read page starting at the top</a:t>
+            </a:r>
+          </a:p>
+          <a:p>
+            <a:pPr lvl="1"/>
+            <a:r>
+              <a:rPr lang="pt-PT" smtClean="0"/>
+              <a:t>flick down - read page starting at selected item</a:t>
+            </a:r>
+          </a:p>
+          <a:p>
+            <a:r>
+              <a:rPr lang="pt-PT" b="1" smtClean="0">
+                <a:solidFill>
+                  <a:srgbClr val="FF0000"/>
+                </a:solidFill>
+              </a:rPr>
+              <a:t>3 fingers</a:t>
+            </a:r>
+          </a:p>
+          <a:p>
+            <a:pPr lvl="1"/>
+            <a:r>
+              <a:rPr lang="pt-PT" smtClean="0"/>
+              <a:t>flick up - scroll down one page</a:t>
+            </a:r>
+          </a:p>
+          <a:p>
+            <a:pPr lvl="1"/>
+            <a:r>
+              <a:rPr lang="pt-PT" smtClean="0"/>
+              <a:t>flick down - scroll up one page</a:t>
+            </a:r>
+          </a:p>
+          <a:p>
+            <a:pPr lvl="1"/>
+            <a:r>
+              <a:rPr lang="pt-PT" smtClean="0"/>
+              <a:t>flick left - scroll right one page</a:t>
+            </a:r>
+          </a:p>
+          <a:p>
+            <a:pPr lvl="1"/>
+            <a:r>
+              <a:rPr lang="pt-PT" smtClean="0"/>
+              <a:t>flick right - scroll left one page</a:t>
+            </a:r>
+            <a:endParaRPr lang="pt-PT" dirty="0" smtClean="0"/>
+          </a:p>
+        </p:txBody>
+      </p:sp>
+      <p:sp>
+        <p:nvSpPr>
+          <p:cNvPr id="4" name="Content Placeholder 3"/>
+          <p:cNvSpPr>
+            <a:spLocks noGrp="1"/>
+          </p:cNvSpPr>
+          <p:nvPr>
+            <p:ph sz="half" idx="2"/>
+          </p:nvPr>
+        </p:nvSpPr>
+        <p:spPr/>
+        <p:txBody>
+          <a:bodyPr>
+            <a:normAutofit fontScale="47500" lnSpcReduction="20000"/>
+          </a:bodyPr>
+          <a:lstStyle/>
+          <a:p>
+            <a:r>
+              <a:rPr lang="pt-PT" smtClean="0"/>
+              <a:t>TAP</a:t>
+            </a:r>
+          </a:p>
+          <a:p>
+            <a:r>
+              <a:rPr lang="en-US" b="1" smtClean="0">
+                <a:solidFill>
+                  <a:srgbClr val="FF0000"/>
+                </a:solidFill>
+              </a:rPr>
+              <a:t>1 tap</a:t>
+            </a:r>
+            <a:endParaRPr lang="pt-PT" b="1" smtClean="0">
+              <a:solidFill>
+                <a:srgbClr val="FF0000"/>
+              </a:solidFill>
+            </a:endParaRPr>
+          </a:p>
+          <a:p>
+            <a:pPr lvl="1"/>
+            <a:r>
+              <a:rPr lang="pt-PT" smtClean="0"/>
+              <a:t>one finger - select item under finger</a:t>
+            </a:r>
+          </a:p>
+          <a:p>
+            <a:pPr lvl="1"/>
+            <a:r>
+              <a:rPr lang="pt-PT" smtClean="0"/>
+              <a:t>three finger - speak page number or ... being displayed</a:t>
+            </a:r>
+          </a:p>
+          <a:p>
+            <a:pPr lvl="1"/>
+            <a:r>
+              <a:rPr lang="pt-PT" smtClean="0"/>
+              <a:t>four finger</a:t>
+            </a:r>
+          </a:p>
+          <a:p>
+            <a:pPr lvl="2"/>
+            <a:r>
+              <a:rPr lang="pt-PT" smtClean="0"/>
+              <a:t>near top of the screen - move to the first element</a:t>
+            </a:r>
+          </a:p>
+          <a:p>
+            <a:pPr lvl="2"/>
+            <a:r>
+              <a:rPr lang="pt-PT" smtClean="0"/>
+              <a:t>near bottom of the screen - move to the last element</a:t>
+            </a:r>
+          </a:p>
+          <a:p>
+            <a:pPr lvl="2"/>
+            <a:r>
+              <a:rPr lang="pt-PT" smtClean="0"/>
+              <a:t>near left of the screen - move focus to the previous app</a:t>
+            </a:r>
+          </a:p>
+          <a:p>
+            <a:pPr lvl="2"/>
+            <a:r>
+              <a:rPr lang="pt-PT" smtClean="0"/>
+              <a:t>near right of the screen - move focus to the next app</a:t>
+            </a:r>
+          </a:p>
+          <a:p>
+            <a:r>
+              <a:rPr lang="en-US" b="1" smtClean="0">
+                <a:solidFill>
+                  <a:srgbClr val="FF0000"/>
+                </a:solidFill>
+              </a:rPr>
+              <a:t>2 taps</a:t>
+            </a:r>
+            <a:endParaRPr lang="pt-PT" b="1" smtClean="0">
+              <a:solidFill>
+                <a:srgbClr val="FF0000"/>
+              </a:solidFill>
+            </a:endParaRPr>
+          </a:p>
+          <a:p>
+            <a:pPr lvl="1"/>
+            <a:r>
+              <a:rPr lang="pt-PT" smtClean="0"/>
+              <a:t>one finger - activates the selected item</a:t>
+            </a:r>
+          </a:p>
+          <a:p>
+            <a:pPr lvl="1"/>
+            <a:r>
+              <a:rPr lang="pt-PT" smtClean="0"/>
+              <a:t>two finger - starts and stops the current action</a:t>
+            </a:r>
+          </a:p>
+          <a:p>
+            <a:pPr lvl="1"/>
+            <a:r>
+              <a:rPr lang="pt-PT" smtClean="0"/>
+              <a:t>three finger - toggle speach on and off</a:t>
+            </a:r>
+          </a:p>
+          <a:p>
+            <a:pPr lvl="1"/>
+            <a:r>
+              <a:rPr lang="pt-PT" smtClean="0"/>
+              <a:t>four finger - start stop coiceover help</a:t>
+            </a:r>
+          </a:p>
+          <a:p>
+            <a:r>
+              <a:rPr lang="en-US" b="1" smtClean="0">
+                <a:solidFill>
+                  <a:srgbClr val="FF0000"/>
+                </a:solidFill>
+              </a:rPr>
+              <a:t>3 taps</a:t>
+            </a:r>
+            <a:endParaRPr lang="pt-PT" b="1" smtClean="0">
+              <a:solidFill>
+                <a:srgbClr val="FF0000"/>
+              </a:solidFill>
+            </a:endParaRPr>
+          </a:p>
+          <a:p>
+            <a:pPr lvl="1"/>
+            <a:r>
+              <a:rPr lang="pt-PT" smtClean="0"/>
+              <a:t>one finger - double tap the selected item</a:t>
+            </a:r>
+          </a:p>
+          <a:p>
+            <a:pPr lvl="1"/>
+            <a:r>
+              <a:rPr lang="pt-PT" smtClean="0"/>
+              <a:t>two finger - item chooser</a:t>
+            </a:r>
+          </a:p>
+          <a:p>
+            <a:pPr lvl="1"/>
+            <a:r>
+              <a:rPr lang="pt-PT" smtClean="0"/>
+              <a:t>three finger - toggle screen curtain on and off</a:t>
+            </a:r>
+            <a:endParaRPr lang="pt-PT" dirty="0"/>
+          </a:p>
+        </p:txBody>
+      </p:sp>
+      <p:sp>
+        <p:nvSpPr>
+          <p:cNvPr id="5" name="Slide Number Placeholder 4"/>
+          <p:cNvSpPr>
+            <a:spLocks noGrp="1"/>
+          </p:cNvSpPr>
+          <p:nvPr>
+            <p:ph type="sldNum" sz="quarter" idx="12"/>
+          </p:nvPr>
+        </p:nvSpPr>
+        <p:spPr/>
+        <p:txBody>
+          <a:bodyPr/>
+          <a:lstStyle/>
+          <a:p>
+            <a:fld id="{9AFCE3E6-7134-46AC-86A9-3A34B75F6826}" type="slidenum">
+              <a:rPr lang="pt-PT" smtClean="0"/>
+              <a:t>12</a:t>
+            </a:fld>
+            <a:endParaRPr lang="pt-PT"/>
+          </a:p>
+        </p:txBody>
+      </p:sp>
+    </p:spTree>
+    <p:extLst>
+      <p:ext uri="{BB962C8B-B14F-4D97-AF65-F5344CB8AC3E}">
+        <p14:creationId xmlns:p14="http://schemas.microsoft.com/office/powerpoint/2010/main" val="1592353830"/>
+      </p:ext>
+    </p:extLst>
+  </p:cSld>
+  <p:clrMapOvr>
+    <a:masterClrMapping/>
+  </p:clrMapOvr>
+  <p:timing>
+    <p:tnLst>
+      <p:par>
+        <p:cTn id="1" dur="indefinite" restart="never" nodeType="tmRoot"/>
+      </p:par>
+    </p:tnLst>
+  </p:timing>
 </p:sld>
 </file>
 
@@ -4058,30 +5764,17 @@
             <a:spLocks noGrp="1"/>
           </p:cNvSpPr>
           <p:nvPr>
-            <p:ph type="ctrTitle"/>
-          </p:nvPr>
-        </p:nvSpPr>
-        <p:spPr>
-          <a:xfrm>
-            <a:off x="1524000" y="1122363"/>
-            <a:ext cx="9144000" cy="1011237"/>
-          </a:xfrm>
-        </p:spPr>
+            <p:ph type="title"/>
+          </p:nvPr>
+        </p:nvSpPr>
+        <p:spPr/>
         <p:txBody>
           <a:bodyPr/>
           <a:lstStyle/>
           <a:p>
             <a:r>
-              <a:rPr lang="en-US" dirty="0" err="1" smtClean="0"/>
-              <a:t>Acessibilidade</a:t>
-            </a:r>
-            <a:r>
-              <a:rPr lang="en-US" dirty="0" smtClean="0"/>
-              <a:t> - </a:t>
-            </a:r>
-            <a:r>
-              <a:rPr lang="en-US" dirty="0" err="1" smtClean="0"/>
-              <a:t>definição</a:t>
+              <a:rPr lang="pt-PT" dirty="0" smtClean="0"/>
+              <a:t>Acessibilidade: Definição</a:t>
             </a:r>
             <a:endParaRPr lang="pt-PT" noProof="0" dirty="0"/>
           </a:p>
@@ -4094,22 +5787,19 @@
             <a:spLocks noGrp="1"/>
           </p:cNvSpPr>
           <p:nvPr>
-            <p:ph type="subTitle" idx="1"/>
-          </p:nvPr>
-        </p:nvSpPr>
-        <p:spPr>
-          <a:xfrm>
-            <a:off x="1524000" y="2401824"/>
-            <a:ext cx="9144000" cy="3608832"/>
-          </a:xfrm>
-        </p:spPr>
+            <p:ph idx="1"/>
+          </p:nvPr>
+        </p:nvSpPr>
+        <p:spPr/>
         <p:txBody>
           <a:bodyPr>
             <a:normAutofit/>
           </a:bodyPr>
           <a:lstStyle/>
           <a:p>
-            <a:pPr algn="l"/>
+            <a:pPr marL="0" indent="0" algn="l">
+              <a:buNone/>
+            </a:pPr>
             <a:r>
               <a:rPr lang="pt-PT" noProof="0" dirty="0" smtClean="0">
                 <a:solidFill>
@@ -4144,16 +5834,34 @@
                 </a:solidFill>
                 <a:latin typeface="Arial" panose="020B0604020202020204" pitchFamily="34" charset="0"/>
               </a:rPr>
-              <a:t>fará com que os conteúdos fiquem acessíveis a um maior número de pessoas com incapacidades, incluindo </a:t>
-            </a:r>
-            <a:r>
-              <a:rPr lang="pt-PT" u="sng" noProof="0" dirty="0">
+              <a:t>fará com que os conteúdos fiquem acessíveis a um maior número de </a:t>
+            </a:r>
+            <a:r>
+              <a:rPr lang="pt-PT" noProof="0" dirty="0">
+                <a:solidFill>
+                  <a:srgbClr val="FF0000"/>
+                </a:solidFill>
+                <a:latin typeface="Arial" panose="020B0604020202020204" pitchFamily="34" charset="0"/>
+              </a:rPr>
+              <a:t>pessoas com incapacidades</a:t>
+            </a:r>
+            <a:r>
+              <a:rPr lang="pt-PT" noProof="0" dirty="0">
                 <a:solidFill>
                   <a:srgbClr val="000000"/>
                 </a:solidFill>
                 <a:latin typeface="Arial" panose="020B0604020202020204" pitchFamily="34" charset="0"/>
               </a:rPr>
-              <a:t>cegueira</a:t>
+              <a:t>, incluindo </a:t>
+            </a:r>
+            <a:r>
+              <a:rPr lang="pt-PT" b="1" noProof="0" dirty="0">
+                <a:solidFill>
+                  <a:srgbClr val="000000"/>
+                </a:solidFill>
+                <a:latin typeface="Arial" panose="020B0604020202020204" pitchFamily="34" charset="0"/>
+              </a:rPr>
+              <a:t>cegueira </a:t>
             </a:r>
             <a:r>
               <a:rPr lang="pt-PT" noProof="0" dirty="0">
@@ -4162,16 +5870,16 @@
                 </a:solidFill>
                 <a:latin typeface="Arial" panose="020B0604020202020204" pitchFamily="34" charset="0"/>
               </a:rPr>
-              <a:t> e </a:t>
-            </a:r>
-            <a:r>
-              <a:rPr lang="pt-PT" u="sng" noProof="0" dirty="0">
+              <a:t>e baixa visão, </a:t>
+            </a:r>
+            <a:r>
+              <a:rPr lang="pt-PT" b="1" noProof="0" dirty="0">
                 <a:solidFill>
                   <a:srgbClr val="000000"/>
                 </a:solidFill>
                 <a:latin typeface="Arial" panose="020B0604020202020204" pitchFamily="34" charset="0"/>
               </a:rPr>
-              <a:t>baixa visão</a:t>
+              <a:t>surdez </a:t>
             </a:r>
             <a:r>
               <a:rPr lang="pt-PT" noProof="0" dirty="0">
@@ -4180,16 +5888,16 @@
                 </a:solidFill>
                 <a:latin typeface="Arial" panose="020B0604020202020204" pitchFamily="34" charset="0"/>
               </a:rPr>
-              <a:t>, </a:t>
-            </a:r>
-            <a:r>
-              <a:rPr lang="pt-PT" u="sng" noProof="0" dirty="0">
+              <a:t>e perda de audição, incapacidades ao nível da aprendizagem, limitações cognitivas, </a:t>
+            </a:r>
+            <a:r>
+              <a:rPr lang="pt-PT" b="1" noProof="0" dirty="0">
                 <a:solidFill>
                   <a:srgbClr val="000000"/>
                 </a:solidFill>
                 <a:latin typeface="Arial" panose="020B0604020202020204" pitchFamily="34" charset="0"/>
               </a:rPr>
-              <a:t>surdez</a:t>
+              <a:t>movimentos limitados</a:t>
             </a:r>
             <a:r>
               <a:rPr lang="pt-PT" noProof="0" dirty="0">
@@ -4198,225 +5906,76 @@
                 </a:solidFill>
                 <a:latin typeface="Arial" panose="020B0604020202020204" pitchFamily="34" charset="0"/>
               </a:rPr>
-              <a:t> e </a:t>
-            </a:r>
-            <a:r>
-              <a:rPr lang="pt-PT" u="sng" noProof="0" dirty="0">
+              <a:t>, incapacidades ao nível da fala, fotossensibilidade e ainda combinações destas </a:t>
+            </a:r>
+            <a:r>
+              <a:rPr lang="pt-PT" noProof="0" dirty="0" smtClean="0">
                 <a:solidFill>
                   <a:srgbClr val="000000"/>
                 </a:solidFill>
                 <a:latin typeface="Arial" panose="020B0604020202020204" pitchFamily="34" charset="0"/>
               </a:rPr>
-              <a:t>perda de audição</a:t>
-            </a:r>
-            <a:r>
-              <a:rPr lang="pt-PT" noProof="0" dirty="0">
-                <a:solidFill>
-                  <a:srgbClr val="000000"/>
-                </a:solidFill>
-                <a:latin typeface="Arial" panose="020B0604020202020204" pitchFamily="34" charset="0"/>
-              </a:rPr>
-              <a:t>, </a:t>
-            </a:r>
-            <a:r>
-              <a:rPr lang="pt-PT" u="sng" noProof="0" dirty="0">
-                <a:solidFill>
-                  <a:srgbClr val="000000"/>
-                </a:solidFill>
-                <a:latin typeface="Arial" panose="020B0604020202020204" pitchFamily="34" charset="0"/>
-              </a:rPr>
-              <a:t>incapacidades ao nível da aprendizagem</a:t>
-            </a:r>
-            <a:r>
-              <a:rPr lang="pt-PT" noProof="0" dirty="0">
-                <a:solidFill>
-                  <a:srgbClr val="000000"/>
-                </a:solidFill>
-                <a:latin typeface="Arial" panose="020B0604020202020204" pitchFamily="34" charset="0"/>
-              </a:rPr>
-              <a:t>, </a:t>
-            </a:r>
-            <a:r>
-              <a:rPr lang="pt-PT" u="sng" noProof="0" dirty="0">
-                <a:solidFill>
-                  <a:srgbClr val="000000"/>
-                </a:solidFill>
-                <a:latin typeface="Arial" panose="020B0604020202020204" pitchFamily="34" charset="0"/>
-              </a:rPr>
-              <a:t>limitações cognitivas</a:t>
-            </a:r>
-            <a:r>
-              <a:rPr lang="pt-PT" noProof="0" dirty="0">
-                <a:solidFill>
-                  <a:srgbClr val="000000"/>
-                </a:solidFill>
-                <a:latin typeface="Arial" panose="020B0604020202020204" pitchFamily="34" charset="0"/>
-              </a:rPr>
-              <a:t>, </a:t>
-            </a:r>
-            <a:r>
-              <a:rPr lang="pt-PT" u="sng" noProof="0" dirty="0">
-                <a:solidFill>
-                  <a:srgbClr val="000000"/>
-                </a:solidFill>
-                <a:latin typeface="Arial" panose="020B0604020202020204" pitchFamily="34" charset="0"/>
-              </a:rPr>
-              <a:t>movimentos limitados</a:t>
-            </a:r>
-            <a:r>
-              <a:rPr lang="pt-PT" noProof="0" dirty="0">
-                <a:solidFill>
-                  <a:srgbClr val="000000"/>
-                </a:solidFill>
-                <a:latin typeface="Arial" panose="020B0604020202020204" pitchFamily="34" charset="0"/>
-              </a:rPr>
-              <a:t>, </a:t>
-            </a:r>
-            <a:r>
-              <a:rPr lang="pt-PT" u="sng" noProof="0" dirty="0">
-                <a:solidFill>
-                  <a:srgbClr val="000000"/>
-                </a:solidFill>
-                <a:latin typeface="Arial" panose="020B0604020202020204" pitchFamily="34" charset="0"/>
-              </a:rPr>
-              <a:t>incapacidades ao nível da fala</a:t>
-            </a:r>
-            <a:r>
-              <a:rPr lang="pt-PT" noProof="0" dirty="0">
-                <a:solidFill>
-                  <a:srgbClr val="000000"/>
-                </a:solidFill>
-                <a:latin typeface="Arial" panose="020B0604020202020204" pitchFamily="34" charset="0"/>
-              </a:rPr>
-              <a:t>, </a:t>
-            </a:r>
-            <a:r>
-              <a:rPr lang="pt-PT" u="sng" noProof="0" dirty="0">
-                <a:solidFill>
-                  <a:srgbClr val="000000"/>
-                </a:solidFill>
-                <a:latin typeface="Arial" panose="020B0604020202020204" pitchFamily="34" charset="0"/>
-              </a:rPr>
-              <a:t>fotossensibilidade</a:t>
-            </a:r>
-            <a:r>
-              <a:rPr lang="pt-PT" noProof="0" dirty="0">
-                <a:solidFill>
-                  <a:srgbClr val="000000"/>
-                </a:solidFill>
-                <a:latin typeface="Arial" panose="020B0604020202020204" pitchFamily="34" charset="0"/>
-              </a:rPr>
-              <a:t> e ainda combinações destas </a:t>
-            </a:r>
-            <a:r>
-              <a:rPr lang="pt-PT" noProof="0" dirty="0" smtClean="0">
-                <a:solidFill>
-                  <a:srgbClr val="000000"/>
-                </a:solidFill>
-                <a:latin typeface="Arial" panose="020B0604020202020204" pitchFamily="34" charset="0"/>
-              </a:rPr>
               <a:t>incapacidades.</a:t>
             </a:r>
           </a:p>
           <a:p>
-            <a:pPr algn="l"/>
-            <a:r>
-              <a:rPr lang="pt-PT" b="1" noProof="0" dirty="0" smtClean="0">
-                <a:solidFill>
-                  <a:srgbClr val="000000"/>
-                </a:solidFill>
-                <a:latin typeface="Arial" panose="020B0604020202020204" pitchFamily="34" charset="0"/>
-              </a:rPr>
-              <a:t>O </a:t>
-            </a:r>
-            <a:r>
-              <a:rPr lang="pt-PT" b="1" noProof="0" dirty="0">
-                <a:solidFill>
-                  <a:srgbClr val="000000"/>
-                </a:solidFill>
-                <a:latin typeface="Arial" panose="020B0604020202020204" pitchFamily="34" charset="0"/>
-              </a:rPr>
-              <a:t>cumprimento destas </a:t>
-            </a:r>
-            <a:r>
-              <a:rPr lang="pt-PT" b="1" noProof="0" dirty="0" smtClean="0">
-                <a:solidFill>
-                  <a:srgbClr val="000000"/>
-                </a:solidFill>
-                <a:latin typeface="Arial" panose="020B0604020202020204" pitchFamily="34" charset="0"/>
-              </a:rPr>
-              <a:t>diretrizes </a:t>
-            </a:r>
-            <a:r>
-              <a:rPr lang="pt-PT" b="1" noProof="0" dirty="0">
-                <a:solidFill>
-                  <a:srgbClr val="000000"/>
-                </a:solidFill>
-                <a:latin typeface="Arial" panose="020B0604020202020204" pitchFamily="34" charset="0"/>
-              </a:rPr>
-              <a:t>também facilitará a utilização do conteúdo </a:t>
-            </a:r>
-            <a:r>
-              <a:rPr lang="pt-PT" b="1" noProof="0" dirty="0" smtClean="0">
-                <a:solidFill>
-                  <a:srgbClr val="000000"/>
-                </a:solidFill>
-                <a:latin typeface="Arial" panose="020B0604020202020204" pitchFamily="34" charset="0"/>
-              </a:rPr>
-              <a:t>da </a:t>
-            </a:r>
-            <a:r>
-              <a:rPr lang="pt-PT" b="1" noProof="0" dirty="0">
-                <a:solidFill>
-                  <a:srgbClr val="000000"/>
-                </a:solidFill>
-                <a:latin typeface="Arial" panose="020B0604020202020204" pitchFamily="34" charset="0"/>
-              </a:rPr>
-              <a:t>Web pelos utilizadores em geral</a:t>
-            </a:r>
-            <a:r>
-              <a:rPr lang="pt-PT" b="1" noProof="0" dirty="0" smtClean="0">
-                <a:solidFill>
-                  <a:srgbClr val="000000"/>
-                </a:solidFill>
-                <a:latin typeface="Arial" panose="020B0604020202020204" pitchFamily="34" charset="0"/>
-              </a:rPr>
-              <a:t>.</a:t>
-            </a:r>
-          </a:p>
-          <a:p>
-            <a:pPr algn="r"/>
-            <a:endParaRPr lang="pt-PT" noProof="0" dirty="0"/>
-          </a:p>
-          <a:p>
-            <a:pPr algn="r"/>
-            <a:r>
-              <a:rPr lang="pt-PT" sz="1200" noProof="0" dirty="0" smtClean="0"/>
-              <a:t>(in: </a:t>
-            </a:r>
-            <a:r>
-              <a:rPr lang="pt-PT" sz="1200" noProof="0" dirty="0" smtClean="0">
-                <a:hlinkClick r:id="rId2"/>
+            <a:pPr marL="0" indent="0" algn="r">
+              <a:buNone/>
+            </a:pPr>
+            <a:r>
+              <a:rPr lang="pt-PT" sz="1200" dirty="0" smtClean="0"/>
+              <a:t>(</a:t>
+            </a:r>
+            <a:r>
+              <a:rPr lang="pt-PT" sz="1200" dirty="0"/>
+              <a:t>in: </a:t>
+            </a:r>
+            <a:r>
+              <a:rPr lang="pt-PT" sz="1200" dirty="0">
+                <a:hlinkClick r:id="rId3"/>
               </a:rPr>
               <a:t>http</a:t>
             </a:r>
             <a:r>
-              <a:rPr lang="pt-PT" sz="1200" noProof="0" dirty="0">
-                <a:hlinkClick r:id="rId2"/>
+              <a:rPr lang="pt-PT" sz="1200" dirty="0">
+                <a:hlinkClick r:id="rId3"/>
               </a:rPr>
               <a:t>://www.acessibilidade.gov.pt/w3/TR/WCAG20</a:t>
             </a:r>
             <a:r>
-              <a:rPr lang="pt-PT" sz="1200" noProof="0" dirty="0" smtClean="0">
-                <a:hlinkClick r:id="rId2"/>
+              <a:rPr lang="pt-PT" sz="1200" dirty="0">
+                <a:hlinkClick r:id="rId3"/>
               </a:rPr>
               <a:t>/</a:t>
             </a:r>
             <a:r>
-              <a:rPr lang="pt-PT" sz="1200" noProof="0" dirty="0" smtClean="0"/>
+              <a:rPr lang="pt-PT" sz="1200" dirty="0"/>
               <a:t> , acedido em  2016/04/13)</a:t>
             </a:r>
-            <a:endParaRPr lang="pt-PT" sz="1200" noProof="0" dirty="0"/>
+            <a:endParaRPr lang="pt-PT" sz="1200" dirty="0"/>
+          </a:p>
+        </p:txBody>
+      </p:sp>
+      <p:sp>
+        <p:nvSpPr>
+          <p:cNvPr id="4" name="Slide Number Placeholder 3"/>
+          <p:cNvSpPr>
+            <a:spLocks noGrp="1"/>
+          </p:cNvSpPr>
+          <p:nvPr>
+            <p:ph type="sldNum" sz="quarter" idx="12"/>
+          </p:nvPr>
+        </p:nvSpPr>
+        <p:spPr/>
+        <p:txBody>
+          <a:bodyPr/>
+          <a:lstStyle/>
+          <a:p>
+            <a:fld id="{9AFCE3E6-7134-46AC-86A9-3A34B75F6826}" type="slidenum">
+              <a:rPr lang="pt-PT" smtClean="0"/>
+              <a:t>2</a:t>
+            </a:fld>
+            <a:endParaRPr lang="pt-PT"/>
           </a:p>
         </p:txBody>
       </p:sp>
@@ -4473,37 +6032,17 @@
           <a:lstStyle/>
           <a:p>
             <a:r>
-              <a:rPr lang="pt-PT" dirty="0"/>
-              <a:t>O que é que está em causa</a:t>
-            </a:r>
-            <a:r>
               <a:rPr lang="pt-PT" dirty="0" smtClean="0"/>
-              <a:t>?</a:t>
+              <a:t>Âmbito de Aplicação</a:t>
             </a:r>
             <a:br>
               <a:rPr lang="pt-PT" dirty="0" smtClean="0"/>
             </a:br>
             <a:r>
-              <a:rPr lang="pt-PT" dirty="0" smtClean="0"/>
-              <a:t>- </a:t>
-            </a:r>
-            <a:r>
-              <a:rPr lang="en-US" dirty="0" err="1" smtClean="0"/>
-              <a:t>Não</a:t>
-            </a:r>
-            <a:r>
-              <a:rPr lang="en-US" dirty="0" smtClean="0"/>
-              <a:t> se </a:t>
-            </a:r>
-            <a:r>
-              <a:rPr lang="en-US" dirty="0" err="1" smtClean="0"/>
-              <a:t>limita</a:t>
-            </a:r>
-            <a:r>
-              <a:rPr lang="en-US" dirty="0" smtClean="0"/>
-              <a:t> à Web</a:t>
-            </a:r>
-            <a:endParaRPr lang="pt-PT" dirty="0"/>
+              <a:rPr lang="pt-PT" sz="3600" dirty="0" smtClean="0"/>
+              <a:t>- Não se limita à Web</a:t>
+            </a:r>
+            <a:endParaRPr lang="pt-PT" sz="3600" dirty="0"/>
           </a:p>
         </p:txBody>
       </p:sp>
@@ -4524,114 +6063,102 @@
           </a:bodyPr>
           <a:lstStyle/>
           <a:p>
-            <a:r>
-              <a:rPr lang="pt-PT" dirty="0"/>
-              <a:t>Recomendações na </a:t>
-            </a:r>
+            <a:pPr marL="0" indent="0">
+              <a:buNone/>
+            </a:pPr>
+            <a:r>
+              <a:rPr lang="pt-PT" dirty="0" smtClean="0">
+                <a:solidFill>
+                  <a:schemeClr val="accent1"/>
+                </a:solidFill>
+              </a:rPr>
+              <a:t>Da aula de preparação da apresentação:</a:t>
+            </a:r>
+          </a:p>
+          <a:p>
+            <a:pPr marL="625475" defTabSz="901700">
+              <a:buNone/>
+            </a:pPr>
             <a:r>
               <a:rPr lang="pt-PT" dirty="0" smtClean="0"/>
-              <a:t>preparação</a:t>
-            </a:r>
-          </a:p>
-          <a:p>
-            <a:pPr lvl="1"/>
+              <a:t>Recomendações na preparação</a:t>
+            </a:r>
+          </a:p>
+          <a:p>
+            <a:pPr marL="625475" defTabSz="901700"/>
             <a:r>
               <a:rPr lang="pt-PT" dirty="0" smtClean="0"/>
-              <a:t>Escolher </a:t>
-            </a:r>
-            <a:r>
-              <a:rPr lang="pt-PT" dirty="0"/>
-              <a:t>tipo de letra </a:t>
-            </a:r>
+              <a:t>Escolher tipo de letra legível</a:t>
+            </a:r>
+          </a:p>
+          <a:p>
+            <a:pPr marL="625475" defTabSz="901700"/>
             <a:r>
               <a:rPr lang="pt-PT" dirty="0" smtClean="0"/>
-              <a:t>legível</a:t>
-            </a:r>
-          </a:p>
-          <a:p>
-            <a:pPr lvl="1"/>
+              <a:t>Utilizar fundos lisos</a:t>
+            </a:r>
+          </a:p>
+          <a:p>
+            <a:pPr marL="625475" defTabSz="901700"/>
             <a:r>
               <a:rPr lang="pt-PT" dirty="0" smtClean="0"/>
-              <a:t>Utilizar </a:t>
-            </a:r>
-            <a:r>
-              <a:rPr lang="pt-PT" dirty="0"/>
-              <a:t>fundos </a:t>
-            </a:r>
+              <a:t>Escolher cuidadosamente as cores</a:t>
+            </a:r>
+          </a:p>
+          <a:p>
+            <a:pPr marL="625475" defTabSz="901700"/>
             <a:r>
               <a:rPr lang="pt-PT" dirty="0" smtClean="0"/>
-              <a:t>lisos</a:t>
-            </a:r>
-          </a:p>
-          <a:p>
-            <a:pPr lvl="1"/>
-            <a:r>
-              <a:rPr lang="pt-PT" dirty="0" smtClean="0"/>
-              <a:t>Escolher </a:t>
-            </a:r>
-            <a:r>
-              <a:rPr lang="pt-PT" dirty="0"/>
-              <a:t>cuidadosamente as </a:t>
-            </a:r>
-            <a:r>
-              <a:rPr lang="pt-PT" dirty="0" smtClean="0"/>
-              <a:t>cores</a:t>
-            </a:r>
-          </a:p>
-          <a:p>
-            <a:pPr lvl="1"/>
-            <a:r>
-              <a:rPr lang="pt-PT" dirty="0" smtClean="0"/>
-              <a:t>Limitar </a:t>
-            </a:r>
-            <a:r>
-              <a:rPr lang="pt-PT" dirty="0"/>
-              <a:t>as </a:t>
-            </a:r>
-            <a:r>
-              <a:rPr lang="pt-PT" dirty="0" smtClean="0"/>
-              <a:t>animações</a:t>
-            </a:r>
-          </a:p>
-          <a:p>
-            <a:pPr lvl="1"/>
+              <a:t>Limitar as animações</a:t>
+            </a:r>
+          </a:p>
+          <a:p>
+            <a:pPr marL="625475" defTabSz="901700"/>
             <a:r>
               <a:rPr lang="pt-PT" dirty="0" smtClean="0"/>
               <a:t>…</a:t>
             </a:r>
           </a:p>
           <a:p>
-            <a:pPr marL="0" indent="0">
+            <a:pPr marL="0" indent="0" algn="r">
               <a:buNone/>
             </a:pPr>
             <a:r>
               <a:rPr lang="pt-PT" sz="1100" dirty="0" smtClean="0"/>
-              <a:t>(Fonte</a:t>
-            </a:r>
-            <a:r>
-              <a:rPr lang="pt-PT" sz="1100" dirty="0"/>
-              <a:t>: </a:t>
-            </a:r>
-            <a:r>
-              <a:rPr lang="pt-PT" sz="1100" dirty="0" err="1"/>
+              <a:t>(in: </a:t>
+            </a:r>
+            <a:r>
+              <a:rPr lang="pt-PT" sz="1100" dirty="0" err="1" smtClean="0"/>
               <a:t>Projecto</a:t>
             </a:r>
             <a:r>
-              <a:rPr lang="pt-PT" sz="1100" dirty="0"/>
-              <a:t> e </a:t>
-            </a:r>
-            <a:r>
               <a:rPr lang="pt-PT" sz="1100" dirty="0" smtClean="0"/>
-              <a:t>Seminário - Preparação </a:t>
-            </a:r>
-            <a:r>
-              <a:rPr lang="pt-PT" sz="1100" dirty="0"/>
-              <a:t>da apresentação </a:t>
-            </a:r>
-            <a:r>
-              <a:rPr lang="pt-PT" sz="1100" dirty="0" smtClean="0"/>
-              <a:t>individual, Prof. Fernando Sousa )</a:t>
-            </a:r>
+              <a:t> e Seminário - Preparação da apresentação individual, Prof. Fernando Sousa )</a:t>
+            </a:r>
+            <a:endParaRPr lang="pt-PT" sz="1100" dirty="0"/>
+          </a:p>
+        </p:txBody>
+      </p:sp>
+      <p:sp>
+        <p:nvSpPr>
+          <p:cNvPr id="4" name="Slide Number Placeholder 3"/>
+          <p:cNvSpPr>
+            <a:spLocks noGrp="1"/>
+          </p:cNvSpPr>
+          <p:nvPr>
+            <p:ph type="sldNum" sz="quarter" idx="12"/>
+          </p:nvPr>
+        </p:nvSpPr>
+        <p:spPr/>
+        <p:txBody>
+          <a:bodyPr/>
+          <a:lstStyle/>
+          <a:p>
+            <a:fld id="{9AFCE3E6-7134-46AC-86A9-3A34B75F6826}" type="slidenum">
+              <a:rPr lang="pt-PT" smtClean="0"/>
+              <a:t>3</a:t>
+            </a:fld>
+            <a:endParaRPr lang="pt-PT"/>
           </a:p>
         </p:txBody>
       </p:sp>
@@ -4645,6 +6172,13 @@
   <p:clrMapOvr>
     <a:masterClrMapping/>
   </p:clrMapOvr>
+  <p:timing>
+    <p:tnLst>
+      <p:par>
+        <p:cTn id="1" dur="indefinite" restart="never" nodeType="tmRoot"/>
+      </p:par>
+    </p:tnLst>
+  </p:timing>
 </p:sld>
 </file>
 
@@ -4673,8 +6207,8 @@
         </p:nvSpPr>
         <p:spPr>
           <a:xfrm>
-            <a:off x="10271340" y="2956142"/>
-            <a:ext cx="926926" cy="1139869"/>
+            <a:off x="5943180" y="2895182"/>
+            <a:ext cx="926926" cy="1440494"/>
           </a:xfrm>
           <a:prstGeom prst="ellipse">
             <a:avLst/>
@@ -4727,39 +6261,11 @@
           <a:lstStyle/>
           <a:p>
             <a:r>
-              <a:rPr lang="pt-PT" sz="4400" kern="1200" dirty="0" smtClean="0">
-                <a:solidFill>
-                  <a:schemeClr val="tx1"/>
-                </a:solidFill>
-                <a:effectLst/>
-                <a:latin typeface="+mj-lt"/>
-                <a:ea typeface="+mj-ea"/>
-                <a:cs typeface="+mj-cs"/>
-              </a:rPr>
-              <a:t>O que é que está em causa</a:t>
-            </a:r>
-            <a:r>
-              <a:rPr lang="pt-PT" sz="4400" kern="1200" dirty="0" smtClean="0">
-                <a:solidFill>
-                  <a:schemeClr val="tx1"/>
-                </a:solidFill>
-                <a:effectLst/>
-                <a:latin typeface="+mj-lt"/>
-                <a:ea typeface="+mj-ea"/>
-                <a:cs typeface="+mj-cs"/>
-              </a:rPr>
-              <a:t>?</a:t>
+              <a:rPr lang="pt-PT" dirty="0"/>
+              <a:t>O que é que está em causa?</a:t>
             </a:r>
             <a:br>
-              <a:rPr lang="pt-PT" sz="4400" kern="1200" dirty="0" smtClean="0">
-                <a:solidFill>
-                  <a:schemeClr val="tx1"/>
-                </a:solidFill>
-                <a:effectLst/>
-                <a:latin typeface="+mj-lt"/>
-                <a:ea typeface="+mj-ea"/>
-                <a:cs typeface="+mj-cs"/>
-              </a:rPr>
+              <a:rPr lang="pt-PT" dirty="0"/>
             </a:br>
             <a:endParaRPr lang="pt-PT" dirty="0"/>
           </a:p>
@@ -4778,363 +6284,244 @@
         <p:spPr/>
         <p:txBody>
           <a:bodyPr>
-            <a:normAutofit lnSpcReduction="10000"/>
+            <a:normAutofit fontScale="92500" lnSpcReduction="20000"/>
           </a:bodyPr>
           <a:lstStyle/>
           <a:p>
-            <a:pPr>
+            <a:pPr marL="0" indent="0">
+              <a:buNone/>
               <a:tabLst>
-                <a:tab pos="7269163" algn="r"/>
+                <a:tab pos="6815138" algn="r"/>
+                <a:tab pos="7620000" algn="r"/>
                 <a:tab pos="8786813" algn="r"/>
                 <a:tab pos="10042525" algn="r"/>
               </a:tabLst>
             </a:pPr>
             <a:r>
-              <a:rPr lang="en-US" sz="2400" dirty="0" err="1" smtClean="0"/>
-              <a:t>População</a:t>
-            </a:r>
-            <a:r>
-              <a:rPr lang="en-US" sz="2400" dirty="0" smtClean="0"/>
-              <a:t> com &gt;= 15 </a:t>
-            </a:r>
-            <a:r>
-              <a:rPr lang="en-US" sz="2400" dirty="0" err="1" smtClean="0"/>
-              <a:t>anos</a:t>
-            </a:r>
-            <a:r>
-              <a:rPr lang="en-US" sz="2400" dirty="0" smtClean="0"/>
-              <a:t>:			8 </a:t>
-            </a:r>
-            <a:r>
-              <a:rPr lang="en-US" sz="2400" dirty="0"/>
-              <a:t>699 515</a:t>
-            </a:r>
-          </a:p>
-          <a:p>
-            <a:pPr>
+              <a:rPr lang="pt-PT" dirty="0" smtClean="0"/>
+              <a:t>População com &gt;= 15 anos:	8 699 515</a:t>
+            </a:r>
+          </a:p>
+          <a:p>
+            <a:pPr marL="0" indent="0">
+              <a:buNone/>
               <a:tabLst>
-                <a:tab pos="7269163" algn="r"/>
+                <a:tab pos="6815138" algn="r"/>
+                <a:tab pos="7620000" algn="r"/>
                 <a:tab pos="8786813" algn="r"/>
                 <a:tab pos="10042525" algn="r"/>
               </a:tabLst>
             </a:pPr>
             <a:r>
-              <a:rPr lang="en-US" sz="2400" dirty="0" err="1" smtClean="0"/>
-              <a:t>População</a:t>
-            </a:r>
-            <a:r>
-              <a:rPr lang="en-US" sz="2400" dirty="0" smtClean="0"/>
-              <a:t> com </a:t>
-            </a:r>
-            <a:r>
-              <a:rPr lang="en-US" sz="2400" dirty="0" err="1" smtClean="0"/>
-              <a:t>atividade</a:t>
-            </a:r>
-            <a:r>
-              <a:rPr lang="en-US" sz="2400" dirty="0" smtClean="0"/>
-              <a:t> </a:t>
-            </a:r>
-            <a:r>
-              <a:rPr lang="en-US" sz="2400" dirty="0" err="1" smtClean="0"/>
-              <a:t>económica</a:t>
-            </a:r>
-            <a:r>
-              <a:rPr lang="en-US" sz="2400" dirty="0"/>
-              <a:t>:	</a:t>
-            </a:r>
-            <a:r>
-              <a:rPr lang="en-US" sz="2400" dirty="0" smtClean="0"/>
-              <a:t>	4 </a:t>
-            </a:r>
-            <a:r>
-              <a:rPr lang="en-US" sz="2400" dirty="0"/>
-              <a:t>990 208</a:t>
-            </a:r>
-          </a:p>
-          <a:p>
-            <a:pPr>
+              <a:rPr lang="pt-PT" dirty="0" smtClean="0"/>
+              <a:t>População com atividade económica:	4 990 208</a:t>
+            </a:r>
+          </a:p>
+          <a:p>
+            <a:pPr marL="0" indent="0">
+              <a:buNone/>
               <a:tabLst>
-                <a:tab pos="7269163" algn="r"/>
+                <a:tab pos="6815138" algn="r"/>
+                <a:tab pos="7620000" algn="r"/>
                 <a:tab pos="8786813" algn="r"/>
                 <a:tab pos="10042525" algn="r"/>
               </a:tabLst>
             </a:pPr>
             <a:r>
-              <a:rPr lang="en-US" sz="2400" dirty="0" err="1" smtClean="0"/>
-              <a:t>Deficiência</a:t>
-            </a:r>
-            <a:r>
-              <a:rPr lang="en-US" sz="2400" dirty="0" smtClean="0"/>
-              <a:t>:</a:t>
-            </a:r>
-            <a:endParaRPr lang="en-US" sz="2400" dirty="0"/>
-          </a:p>
-          <a:p>
-            <a:pPr lvl="1">
+              <a:rPr lang="pt-PT" dirty="0" smtClean="0"/>
+              <a:t>Deficiência:</a:t>
+            </a:r>
+          </a:p>
+          <a:p>
+            <a:pPr marL="719138" indent="-261938">
               <a:tabLst>
-                <a:tab pos="7269163" algn="r"/>
+                <a:tab pos="4754563" algn="r"/>
+                <a:tab pos="5924550" algn="r"/>
                 <a:tab pos="8786813" algn="r"/>
                 <a:tab pos="10042525" algn="r"/>
               </a:tabLst>
             </a:pPr>
             <a:r>
-              <a:rPr lang="en-US" dirty="0" err="1" smtClean="0"/>
-              <a:t>auditiva</a:t>
-            </a:r>
-            <a:r>
-              <a:rPr lang="en-US" dirty="0" smtClean="0"/>
-              <a:t>:</a:t>
-            </a:r>
-            <a:r>
-              <a:rPr lang="en-US" dirty="0"/>
-              <a:t>	 84 </a:t>
-            </a:r>
-            <a:r>
-              <a:rPr lang="en-US" dirty="0" smtClean="0"/>
-              <a:t>172		1 %</a:t>
-            </a:r>
-            <a:endParaRPr lang="en-US" dirty="0"/>
-          </a:p>
-          <a:p>
-            <a:pPr lvl="1">
+              <a:rPr lang="pt-PT" dirty="0" smtClean="0"/>
+              <a:t>auditiva:	84 172	1 %</a:t>
+            </a:r>
+          </a:p>
+          <a:p>
+            <a:pPr marL="719138" indent="-261938">
               <a:tabLst>
-                <a:tab pos="7269163" algn="r"/>
+                <a:tab pos="4754563" algn="r"/>
+                <a:tab pos="5924550" algn="r"/>
                 <a:tab pos="8786813" algn="r"/>
                 <a:tab pos="10042525" algn="r"/>
               </a:tabLst>
             </a:pPr>
             <a:r>
-              <a:rPr lang="en-US" dirty="0"/>
-              <a:t>Visual:	 163 </a:t>
-            </a:r>
-            <a:r>
-              <a:rPr lang="en-US" dirty="0" smtClean="0"/>
-              <a:t>569		2 %</a:t>
-            </a:r>
-            <a:endParaRPr lang="en-US" dirty="0"/>
-          </a:p>
-          <a:p>
-            <a:pPr lvl="1">
+              <a:rPr lang="pt-PT" dirty="0" smtClean="0"/>
+              <a:t>Visual:	 163 569	2 %</a:t>
+            </a:r>
+          </a:p>
+          <a:p>
+            <a:pPr marL="719138" indent="-261938">
               <a:tabLst>
-                <a:tab pos="7269163" algn="r"/>
+                <a:tab pos="4754563" algn="r"/>
+                <a:tab pos="5924550" algn="r"/>
                 <a:tab pos="8786813" algn="r"/>
                 <a:tab pos="10042525" algn="r"/>
               </a:tabLst>
             </a:pPr>
             <a:r>
-              <a:rPr lang="en-US" dirty="0" err="1" smtClean="0"/>
-              <a:t>Motora</a:t>
-            </a:r>
-            <a:r>
-              <a:rPr lang="en-US" dirty="0"/>
-              <a:t>:	 156 </a:t>
-            </a:r>
-            <a:r>
-              <a:rPr lang="en-US" dirty="0" smtClean="0"/>
-              <a:t>246	</a:t>
-            </a:r>
-            <a:r>
-              <a:rPr lang="en-US" dirty="0"/>
-              <a:t> 	</a:t>
-            </a:r>
-            <a:r>
-              <a:rPr lang="en-US" dirty="0" smtClean="0"/>
-              <a:t>2 %</a:t>
-            </a:r>
-            <a:endParaRPr lang="en-US" dirty="0"/>
-          </a:p>
-          <a:p>
-            <a:pPr lvl="1">
+              <a:rPr lang="pt-PT" dirty="0" smtClean="0"/>
+              <a:t>Motora:	 156 246	 2 %</a:t>
+            </a:r>
+          </a:p>
+          <a:p>
+            <a:pPr marL="719138" indent="-261938">
               <a:tabLst>
-                <a:tab pos="7269163" algn="r"/>
+                <a:tab pos="4754563" algn="r"/>
+                <a:tab pos="5924550" algn="r"/>
                 <a:tab pos="8786813" algn="r"/>
                 <a:tab pos="10042525" algn="r"/>
               </a:tabLst>
             </a:pPr>
             <a:r>
-              <a:rPr lang="en-US" dirty="0"/>
-              <a:t>Mental:	 70 </a:t>
-            </a:r>
-            <a:r>
-              <a:rPr lang="en-US" dirty="0" smtClean="0"/>
-              <a:t>994		1 %</a:t>
-            </a:r>
-            <a:endParaRPr lang="en-US" dirty="0"/>
-          </a:p>
-          <a:p>
-            <a:pPr lvl="1">
+              <a:rPr lang="pt-PT" dirty="0" smtClean="0"/>
+              <a:t>Mental:	 70 994	1 %</a:t>
+            </a:r>
+          </a:p>
+          <a:p>
+            <a:pPr marL="719138" indent="-261938">
               <a:tabLst>
-                <a:tab pos="7269163" algn="r"/>
+                <a:tab pos="4754563" algn="r"/>
+                <a:tab pos="5924550" algn="r"/>
                 <a:tab pos="8786813" algn="r"/>
                 <a:tab pos="10042525" algn="r"/>
               </a:tabLst>
             </a:pPr>
             <a:r>
-              <a:rPr lang="en-US" dirty="0" err="1" smtClean="0"/>
-              <a:t>Parilisia</a:t>
-            </a:r>
-            <a:r>
-              <a:rPr lang="en-US" dirty="0"/>
-              <a:t> Cerebral:	 15 </a:t>
-            </a:r>
-            <a:r>
-              <a:rPr lang="en-US" dirty="0" smtClean="0"/>
-              <a:t>009		0 %</a:t>
-            </a:r>
-            <a:endParaRPr lang="en-US" dirty="0"/>
-          </a:p>
-          <a:p>
-            <a:pPr lvl="1">
+              <a:rPr lang="pt-PT" dirty="0" smtClean="0"/>
+              <a:t>Paralisia Cerebral:	 15 009	0 %</a:t>
+            </a:r>
+          </a:p>
+          <a:p>
+            <a:pPr marL="719138" indent="-261938">
               <a:tabLst>
-                <a:tab pos="7269163" algn="r"/>
+                <a:tab pos="4754563" algn="r"/>
+                <a:tab pos="5924550" algn="r"/>
                 <a:tab pos="8786813" algn="r"/>
                 <a:tab pos="10042525" algn="r"/>
               </a:tabLst>
             </a:pPr>
             <a:r>
-              <a:rPr lang="en-US" dirty="0" err="1" smtClean="0"/>
-              <a:t>Outra</a:t>
-            </a:r>
-            <a:r>
-              <a:rPr lang="en-US" dirty="0" smtClean="0"/>
-              <a:t> </a:t>
-            </a:r>
-            <a:r>
-              <a:rPr lang="en-US" dirty="0" err="1" smtClean="0"/>
-              <a:t>deficiência</a:t>
-            </a:r>
-            <a:r>
-              <a:rPr lang="en-US" dirty="0"/>
-              <a:t>:	 </a:t>
-            </a:r>
-            <a:r>
-              <a:rPr lang="en-US" u="sng" dirty="0"/>
-              <a:t>146 </a:t>
-            </a:r>
-            <a:r>
-              <a:rPr lang="en-US" u="sng" dirty="0" smtClean="0"/>
-              <a:t>069	</a:t>
-            </a:r>
-            <a:r>
-              <a:rPr lang="en-US" u="sng" dirty="0"/>
-              <a:t> 	</a:t>
-            </a:r>
-            <a:r>
-              <a:rPr lang="en-US" u="sng" dirty="0" smtClean="0"/>
-              <a:t>2 %</a:t>
-            </a:r>
-          </a:p>
-          <a:p>
-            <a:pPr marL="457200" lvl="1" indent="0">
+              <a:rPr lang="pt-PT" dirty="0" smtClean="0"/>
+              <a:t>Outra deficiência:	 146 069	 2 %</a:t>
+            </a:r>
+          </a:p>
+          <a:p>
+            <a:pPr marL="719138" lvl="1" indent="-261938">
               <a:buNone/>
               <a:tabLst>
-                <a:tab pos="7269163" algn="r"/>
+                <a:tab pos="4754563" algn="r"/>
+                <a:tab pos="5924550" algn="r"/>
                 <a:tab pos="8786813" algn="r"/>
                 <a:tab pos="10042525" algn="r"/>
               </a:tabLst>
             </a:pPr>
             <a:r>
-              <a:rPr lang="en-US" dirty="0"/>
-              <a:t>	</a:t>
-            </a:r>
-            <a:r>
-              <a:rPr lang="en-US" dirty="0" smtClean="0"/>
-              <a:t>636 059	</a:t>
-            </a:r>
-            <a:r>
               <a:rPr lang="pt-PT" dirty="0" smtClean="0"/>
-              <a:t>	7 % </a:t>
-            </a:r>
-          </a:p>
-          <a:p>
-            <a:pPr marL="457200" lvl="1" indent="0" algn="r">
-              <a:buNone/>
-              <a:tabLst>
-                <a:tab pos="7269163" algn="r"/>
-                <a:tab pos="8786813" algn="r"/>
-                <a:tab pos="10042525" algn="r"/>
-              </a:tabLst>
-            </a:pPr>
-            <a:endParaRPr lang="en-US" sz="1200" dirty="0" smtClean="0"/>
-          </a:p>
-          <a:p>
-            <a:pPr marL="457200" lvl="1" indent="0" algn="r">
-              <a:buNone/>
-              <a:tabLst>
-                <a:tab pos="7269163" algn="r"/>
-                <a:tab pos="8786813" algn="r"/>
-                <a:tab pos="10042525" algn="r"/>
-              </a:tabLst>
-            </a:pPr>
-            <a:r>
-              <a:rPr lang="en-US" sz="1100" dirty="0" smtClean="0"/>
+              <a:t>	 </a:t>
+            </a:r>
+            <a:r>
+              <a:rPr lang="pt-PT" sz="1100" dirty="0" smtClean="0"/>
               <a:t>(Fonte: </a:t>
             </a:r>
             <a:r>
-              <a:rPr lang="en-US" sz="1100" dirty="0" smtClean="0">
+              <a:rPr lang="pt-PT" sz="1100" dirty="0" smtClean="0">
                 <a:hlinkClick r:id="rId2"/>
               </a:rPr>
-              <a:t>https</a:t>
-            </a:r>
-            <a:r>
-              <a:rPr lang="en-US" sz="1100" dirty="0">
-                <a:hlinkClick r:id="rId2"/>
-              </a:rPr>
-              <a:t>://</a:t>
-            </a:r>
-            <a:r>
-              <a:rPr lang="en-US" sz="1100" dirty="0" smtClean="0">
-                <a:hlinkClick r:id="rId2"/>
-              </a:rPr>
-              <a:t>www.ine.pt/ngt_server/attachfileu.jsp?look_parentBoui=7418317&amp;att_display=n&amp;att_download=y</a:t>
-            </a:r>
-            <a:r>
-              <a:rPr lang="en-US" sz="1100" dirty="0" smtClean="0"/>
+              <a:t>https://www.ine.pt/ngt_server/attachfileu.jsp?look_parentBoui=7418317&amp;att_display=n&amp;att_download=y</a:t>
+            </a:r>
+            <a:r>
+              <a:rPr lang="pt-PT" sz="1100" dirty="0" smtClean="0"/>
               <a:t>, </a:t>
             </a:r>
             <a:r>
-              <a:rPr lang="en-US" sz="1100" dirty="0" err="1" smtClean="0"/>
+              <a:rPr lang="pt-PT" sz="1100" dirty="0" err="1" smtClean="0"/>
               <a:t>actualização</a:t>
             </a:r>
             <a:r>
-              <a:rPr lang="en-US" sz="1100" dirty="0" smtClean="0"/>
-              <a:t> </a:t>
-            </a:r>
-            <a:r>
-              <a:rPr lang="en-US" sz="1100" dirty="0" err="1" smtClean="0"/>
-              <a:t>em</a:t>
-            </a:r>
-            <a:r>
-              <a:rPr lang="en-US" sz="1100" dirty="0" smtClean="0"/>
-              <a:t> 2007, </a:t>
-            </a:r>
-            <a:r>
-              <a:rPr lang="en-US" sz="1100" dirty="0" err="1" smtClean="0"/>
-              <a:t>acedido</a:t>
-            </a:r>
-            <a:r>
-              <a:rPr lang="en-US" sz="1100" dirty="0" smtClean="0"/>
-              <a:t> </a:t>
-            </a:r>
-            <a:r>
-              <a:rPr lang="en-US" sz="1100" dirty="0" err="1" smtClean="0"/>
-              <a:t>em</a:t>
-            </a:r>
-            <a:r>
-              <a:rPr lang="en-US" sz="1100" dirty="0" smtClean="0"/>
-              <a:t> 2016-04-13)</a:t>
-            </a:r>
-            <a:endParaRPr lang="en-US" sz="1100" dirty="0"/>
-          </a:p>
-          <a:p>
-            <a:pPr lvl="1">
-              <a:tabLst>
-                <a:tab pos="7269163" algn="r"/>
-                <a:tab pos="8786813" algn="r"/>
-                <a:tab pos="10042525" algn="r"/>
-              </a:tabLst>
-            </a:pPr>
-            <a:endParaRPr lang="pt-PT" dirty="0"/>
+              <a:rPr lang="pt-PT" sz="1100" dirty="0" smtClean="0"/>
+              <a:t> em 2007, acedido em 2016-04-13)</a:t>
+            </a:r>
+          </a:p>
+        </p:txBody>
+      </p:sp>
+      <p:sp>
+        <p:nvSpPr>
+          <p:cNvPr id="4" name="Left Arrow 3"/>
+          <p:cNvSpPr/>
+          <p:nvPr/>
+        </p:nvSpPr>
+        <p:spPr>
+          <a:xfrm>
+            <a:off x="7025597" y="3075223"/>
+            <a:ext cx="1334262" cy="1080412"/>
+          </a:xfrm>
+          <a:prstGeom prst="leftArrow">
+            <a:avLst/>
+          </a:prstGeom>
+          <a:solidFill>
+            <a:srgbClr val="FF0000"/>
+          </a:solidFill>
+        </p:spPr>
+        <p:style>
+          <a:lnRef idx="2">
+            <a:schemeClr val="accent2">
+              <a:shade val="50000"/>
+            </a:schemeClr>
+          </a:lnRef>
+          <a:fillRef idx="1">
+            <a:schemeClr val="accent2"/>
+          </a:fillRef>
+          <a:effectRef idx="0">
+            <a:schemeClr val="accent2"/>
+          </a:effectRef>
+          <a:fontRef idx="minor">
+            <a:schemeClr val="lt1"/>
+          </a:fontRef>
+        </p:style>
+        <p:txBody>
+          <a:bodyPr rtlCol="0" anchor="ctr"/>
+          <a:lstStyle/>
+          <a:p>
+            <a:pPr algn="ctr"/>
+            <a:endParaRPr lang="pt-PT">
+              <a:solidFill>
+                <a:srgbClr val="FF0000"/>
+              </a:solidFill>
+            </a:endParaRPr>
+          </a:p>
+        </p:txBody>
+      </p:sp>
+      <p:sp>
+        <p:nvSpPr>
+          <p:cNvPr id="6" name="Slide Number Placeholder 5"/>
+          <p:cNvSpPr>
+            <a:spLocks noGrp="1"/>
+          </p:cNvSpPr>
+          <p:nvPr>
+            <p:ph type="sldNum" sz="quarter" idx="12"/>
+          </p:nvPr>
+        </p:nvSpPr>
+        <p:spPr/>
+        <p:txBody>
+          <a:bodyPr/>
+          <a:lstStyle/>
+          <a:p>
+            <a:fld id="{9AFCE3E6-7134-46AC-86A9-3A34B75F6826}" type="slidenum">
+              <a:rPr lang="pt-PT" smtClean="0"/>
+              <a:t>4</a:t>
+            </a:fld>
+            <a:endParaRPr lang="pt-PT"/>
           </a:p>
         </p:txBody>
       </p:sp>
@@ -5193,15 +6580,8 @@
             <a:pPr lvl="0"/>
             <a:r>
               <a:rPr lang="pt-PT" noProof="0" dirty="0" smtClean="0"/>
-              <a:t>O que é</a:t>
-            </a:r>
-            <a:r>
-              <a:rPr lang="pt-PT" noProof="0" dirty="0" smtClean="0"/>
-              <a:t>?</a:t>
-            </a:r>
-            <a:br>
-              <a:rPr lang="pt-PT" noProof="0" dirty="0" smtClean="0"/>
-            </a:br>
+              <a:t>Suporte</a:t>
+            </a:r>
             <a:endParaRPr lang="pt-PT" noProof="0" dirty="0"/>
           </a:p>
         </p:txBody>
@@ -5223,49 +6603,70 @@
           </a:bodyPr>
           <a:lstStyle/>
           <a:p>
+            <a:pPr marL="0" indent="0">
+              <a:buNone/>
+            </a:pPr>
             <a:r>
               <a:rPr lang="pt-PT" noProof="0" dirty="0" smtClean="0"/>
-              <a:t>Normas de suporte:</a:t>
-            </a:r>
-          </a:p>
-          <a:p>
-            <a:pPr lvl="1"/>
+              <a:t>Normas:</a:t>
+            </a:r>
+            <a:endParaRPr lang="pt-PT" noProof="0" dirty="0" smtClean="0"/>
+          </a:p>
+          <a:p>
             <a:r>
               <a:rPr lang="pt-PT" noProof="0" dirty="0" smtClean="0"/>
-              <a:t>WCAG 2.0</a:t>
-            </a:r>
-          </a:p>
-          <a:p>
-            <a:pPr lvl="1"/>
+              <a:t>WCAG </a:t>
+            </a:r>
             <a:r>
               <a:rPr lang="pt-PT" noProof="0" dirty="0" smtClean="0"/>
-              <a:t>ISO/IEC 40500:2012</a:t>
-            </a:r>
-          </a:p>
-          <a:p>
+              <a:t>2.0 -&gt; ISO/IEC 40500:2012</a:t>
+            </a:r>
+          </a:p>
+          <a:p>
+            <a:pPr marL="0" indent="0">
+              <a:buNone/>
+            </a:pPr>
+            <a:endParaRPr lang="pt-PT" noProof="0" dirty="0" smtClean="0"/>
+          </a:p>
+          <a:p>
+            <a:pPr marL="0" indent="0">
+              <a:buNone/>
+            </a:pPr>
             <a:r>
               <a:rPr lang="pt-PT" noProof="0" dirty="0" smtClean="0"/>
               <a:t>Suporte legal:</a:t>
             </a:r>
           </a:p>
           <a:p>
-            <a:pPr lvl="1"/>
             <a:r>
               <a:rPr lang="pt-PT" noProof="0" dirty="0" smtClean="0"/>
               <a:t>Legislação</a:t>
             </a:r>
             <a:r>
               <a:rPr lang="pt-PT" baseline="0" noProof="0" dirty="0" smtClean="0"/>
-              <a:t> comunitária: Proposta de </a:t>
+              <a:t> </a:t>
+            </a:r>
+            <a:r>
+              <a:rPr lang="pt-PT" baseline="0" noProof="0" dirty="0" smtClean="0"/>
+              <a:t>UE: </a:t>
+            </a:r>
+            <a:r>
+              <a:rPr lang="pt-PT" baseline="0" noProof="0" dirty="0" smtClean="0"/>
+              <a:t>Proposta de </a:t>
+            </a:r>
+            <a:r>
+              <a:rPr lang="pt-PT" dirty="0" smtClean="0"/>
+              <a:t>D</a:t>
             </a:r>
             <a:r>
               <a:rPr lang="pt-PT" baseline="0" noProof="0" dirty="0" err="1" smtClean="0"/>
-              <a:t>directiva</a:t>
+              <a:t>iretiva</a:t>
             </a:r>
             <a:r>
               <a:rPr lang="pt-PT" baseline="0" noProof="0" dirty="0" smtClean="0"/>
-              <a:t> – 2012/03/03</a:t>
-            </a:r>
+              <a:t> 2012/03/03</a:t>
+            </a:r>
+            <a:endParaRPr lang="pt-PT" baseline="0" noProof="0" dirty="0" smtClean="0"/>
           </a:p>
           <a:p>
             <a:pPr marL="914400" lvl="2" indent="0">
@@ -5275,22 +6676,34 @@
               <a:rPr lang="pt-PT" sz="1200" dirty="0"/>
               <a:t>https://ec.europa.eu/digital-single-market/news/proposal-directive-european-parliament-and-council-accessibility-public-sector-bodies-websites</a:t>
             </a:r>
-            <a:endParaRPr lang="pt-PT" sz="1200" noProof="0" dirty="0" smtClean="0"/>
-          </a:p>
-          <a:p>
-            <a:pPr lvl="1"/>
+            <a:endParaRPr lang="pt-PT" sz="1200" dirty="0"/>
+          </a:p>
+          <a:p>
             <a:r>
               <a:rPr lang="pt-PT" noProof="0" dirty="0" smtClean="0"/>
-              <a:t>Legislação portuguesa</a:t>
+              <a:t>Legislação </a:t>
+            </a:r>
+            <a:r>
+              <a:rPr lang="pt-PT" noProof="0" dirty="0" smtClean="0"/>
+              <a:t>Portuguesa</a:t>
             </a:r>
             <a:r>
               <a:rPr lang="pt-PT" dirty="0"/>
-              <a:t>: RCM n.º 112/2012 de 31 de </a:t>
+              <a:t>: RCM </a:t>
             </a:r>
             <a:r>
               <a:rPr lang="pt-PT" dirty="0" smtClean="0"/>
-              <a:t>dezembro</a:t>
-            </a:r>
+              <a:t>112/2012 </a:t>
+            </a:r>
+            <a:r>
+              <a:rPr lang="pt-PT" dirty="0"/>
+              <a:t>de 31 </a:t>
+            </a:r>
+            <a:r>
+              <a:rPr lang="pt-PT" dirty="0" smtClean="0"/>
+              <a:t>Dez.</a:t>
+            </a:r>
+            <a:endParaRPr lang="pt-PT" dirty="0" smtClean="0"/>
           </a:p>
           <a:p>
             <a:pPr marL="914400" lvl="2" indent="0">
@@ -5300,7 +6713,30 @@
               <a:rPr lang="pt-PT" sz="1200" dirty="0"/>
               <a:t>http://www.acessibilidade.gov.pt/publicacoes#legislacao</a:t>
             </a:r>
-            <a:endParaRPr lang="pt-PT" sz="1200" noProof="0" dirty="0" smtClean="0"/>
+            <a:endParaRPr lang="pt-PT" sz="1200" dirty="0"/>
+          </a:p>
+        </p:txBody>
+      </p:sp>
+      <p:sp>
+        <p:nvSpPr>
+          <p:cNvPr id="4" name="Slide Number Placeholder 3"/>
+          <p:cNvSpPr>
+            <a:spLocks noGrp="1"/>
+          </p:cNvSpPr>
+          <p:nvPr>
+            <p:ph type="sldNum" sz="quarter" idx="12"/>
+          </p:nvPr>
+        </p:nvSpPr>
+        <p:spPr/>
+        <p:txBody>
+          <a:bodyPr/>
+          <a:lstStyle/>
+          <a:p>
+            <a:fld id="{9AFCE3E6-7134-46AC-86A9-3A34B75F6826}" type="slidenum">
+              <a:rPr lang="pt-PT" smtClean="0"/>
+              <a:t>5</a:t>
+            </a:fld>
+            <a:endParaRPr lang="pt-PT"/>
           </a:p>
         </p:txBody>
       </p:sp>
@@ -5357,23 +6793,11 @@
           <a:lstStyle/>
           <a:p>
             <a:r>
-              <a:rPr lang="en-US" dirty="0" err="1" smtClean="0"/>
-              <a:t>Acessibilidade</a:t>
-            </a:r>
-            <a:r>
-              <a:rPr lang="en-US" dirty="0" smtClean="0"/>
-              <a:t> vs. </a:t>
-            </a:r>
-            <a:r>
-              <a:rPr lang="en-US" dirty="0" err="1" smtClean="0"/>
-              <a:t>Usabilidade</a:t>
-            </a:r>
-            <a:r>
-              <a:rPr lang="en-US" dirty="0" smtClean="0"/>
-              <a:t/>
+              <a:rPr lang="pt-PT" dirty="0" smtClean="0"/>
+              <a:t>Acessibilidade vs. Usabilidade</a:t>
             </a:r>
             <a:br>
-              <a:rPr lang="en-US" dirty="0" smtClean="0"/>
+              <a:rPr lang="pt-PT" dirty="0" smtClean="0"/>
             </a:br>
             <a:endParaRPr lang="pt-PT" dirty="0"/>
           </a:p>
@@ -5400,20 +6824,160 @@
               <a:buNone/>
             </a:pPr>
             <a:r>
-              <a:rPr lang="en-US" dirty="0" smtClean="0"/>
+              <a:rPr lang="pt-PT" dirty="0" smtClean="0"/>
               <a:t>“</a:t>
             </a:r>
             <a:r>
-              <a:rPr lang="en-US" i="1" dirty="0" smtClean="0"/>
-              <a:t>Accessibility </a:t>
-            </a:r>
-            <a:r>
-              <a:rPr lang="en-US" i="1" dirty="0"/>
-              <a:t>is about ensuring an equivalent user experience for people with disabilities, including people with age-related </a:t>
-            </a:r>
-            <a:r>
-              <a:rPr lang="en-US" i="1" dirty="0" smtClean="0"/>
-              <a:t>impairments.</a:t>
+              <a:rPr lang="pt-PT" b="1" i="1" dirty="0" err="1" smtClean="0"/>
+              <a:t>Accessibility</a:t>
+            </a:r>
+            <a:r>
+              <a:rPr lang="pt-PT" i="1" dirty="0" smtClean="0"/>
+              <a:t> </a:t>
+            </a:r>
+            <a:r>
+              <a:rPr lang="pt-PT" i="1" dirty="0" err="1" smtClean="0"/>
+              <a:t>is</a:t>
+            </a:r>
+            <a:r>
+              <a:rPr lang="pt-PT" i="1" dirty="0" smtClean="0"/>
+              <a:t> </a:t>
+            </a:r>
+            <a:r>
+              <a:rPr lang="pt-PT" i="1" dirty="0" err="1" smtClean="0"/>
+              <a:t>about</a:t>
+            </a:r>
+            <a:r>
+              <a:rPr lang="pt-PT" i="1" dirty="0" smtClean="0"/>
+              <a:t> </a:t>
+            </a:r>
+            <a:r>
+              <a:rPr lang="pt-PT" i="1" dirty="0" err="1" smtClean="0"/>
+              <a:t>ensuring</a:t>
+            </a:r>
+            <a:r>
+              <a:rPr lang="pt-PT" i="1" dirty="0" smtClean="0"/>
+              <a:t> </a:t>
+            </a:r>
+            <a:r>
+              <a:rPr lang="pt-PT" i="1" dirty="0" err="1" smtClean="0"/>
+              <a:t>an</a:t>
+            </a:r>
+            <a:r>
+              <a:rPr lang="pt-PT" i="1" dirty="0" smtClean="0"/>
+              <a:t> </a:t>
+            </a:r>
+            <a:r>
+              <a:rPr lang="pt-PT" b="1" i="1" dirty="0" err="1" smtClean="0">
+                <a:solidFill>
+                  <a:srgbClr val="FF0000"/>
+                </a:solidFill>
+              </a:rPr>
+              <a:t>equivalent</a:t>
+            </a:r>
+            <a:r>
+              <a:rPr lang="pt-PT" b="1" i="1" dirty="0" smtClean="0">
+                <a:solidFill>
+                  <a:srgbClr val="FF0000"/>
+                </a:solidFill>
+              </a:rPr>
+              <a:t> </a:t>
+            </a:r>
+            <a:r>
+              <a:rPr lang="pt-PT" b="1" i="1" dirty="0" err="1" smtClean="0">
+                <a:solidFill>
+                  <a:srgbClr val="FF0000"/>
+                </a:solidFill>
+              </a:rPr>
+              <a:t>user</a:t>
+            </a:r>
+            <a:r>
+              <a:rPr lang="pt-PT" b="1" i="1" dirty="0" smtClean="0">
+                <a:solidFill>
+                  <a:srgbClr val="FF0000"/>
+                </a:solidFill>
+              </a:rPr>
+              <a:t> </a:t>
+            </a:r>
+            <a:r>
+              <a:rPr lang="pt-PT" b="1" i="1" dirty="0" err="1" smtClean="0">
+                <a:solidFill>
+                  <a:srgbClr val="FF0000"/>
+                </a:solidFill>
+              </a:rPr>
+              <a:t>experience</a:t>
+            </a:r>
+            <a:r>
+              <a:rPr lang="pt-PT" b="1" i="1" dirty="0" smtClean="0"/>
+              <a:t> </a:t>
+            </a:r>
+            <a:r>
+              <a:rPr lang="pt-PT" i="1" dirty="0" smtClean="0"/>
+              <a:t>for </a:t>
+            </a:r>
+            <a:r>
+              <a:rPr lang="pt-PT" i="1" dirty="0" err="1" smtClean="0"/>
+              <a:t>people</a:t>
+            </a:r>
+            <a:r>
+              <a:rPr lang="pt-PT" i="1" dirty="0" smtClean="0"/>
+              <a:t> </a:t>
+            </a:r>
+            <a:r>
+              <a:rPr lang="pt-PT" i="1" dirty="0" err="1" smtClean="0"/>
+              <a:t>with</a:t>
+            </a:r>
+            <a:r>
+              <a:rPr lang="pt-PT" i="1" dirty="0" smtClean="0"/>
+              <a:t> </a:t>
+            </a:r>
+            <a:r>
+              <a:rPr lang="pt-PT" i="1" dirty="0" err="1" smtClean="0"/>
+              <a:t>disabilities</a:t>
+            </a:r>
+            <a:r>
+              <a:rPr lang="pt-PT" i="1" dirty="0" smtClean="0"/>
+              <a:t>, </a:t>
+            </a:r>
+            <a:r>
+              <a:rPr lang="pt-PT" i="1" dirty="0" err="1" smtClean="0"/>
+              <a:t>including</a:t>
+            </a:r>
+            <a:r>
+              <a:rPr lang="pt-PT" i="1" dirty="0" smtClean="0"/>
+              <a:t> </a:t>
+            </a:r>
+            <a:r>
+              <a:rPr lang="pt-PT" i="1" dirty="0" err="1" smtClean="0"/>
+              <a:t>people</a:t>
+            </a:r>
+            <a:r>
+              <a:rPr lang="pt-PT" i="1" dirty="0" smtClean="0"/>
+              <a:t> </a:t>
+            </a:r>
+            <a:r>
+              <a:rPr lang="pt-PT" i="1" dirty="0" err="1" smtClean="0"/>
+              <a:t>with</a:t>
+            </a:r>
+            <a:r>
+              <a:rPr lang="pt-PT" i="1" dirty="0" smtClean="0"/>
+              <a:t> age-</a:t>
+            </a:r>
+            <a:r>
+              <a:rPr lang="pt-PT" i="1" dirty="0" err="1" smtClean="0"/>
+              <a:t>related</a:t>
+            </a:r>
+            <a:r>
+              <a:rPr lang="pt-PT" i="1" dirty="0" smtClean="0"/>
+              <a:t> </a:t>
+            </a:r>
+            <a:r>
+              <a:rPr lang="pt-PT" i="1" dirty="0" err="1" smtClean="0"/>
+              <a:t>impairments</a:t>
+            </a:r>
+            <a:r>
+              <a:rPr lang="pt-PT" i="1" dirty="0" smtClean="0"/>
+              <a:t>.</a:t>
             </a:r>
           </a:p>
           <a:p>
@@ -5421,57 +6985,226 @@
               <a:buNone/>
             </a:pPr>
             <a:r>
-              <a:rPr lang="en-US" i="1" dirty="0" smtClean="0"/>
-              <a:t>…Thus </a:t>
-            </a:r>
-            <a:r>
-              <a:rPr lang="en-US" i="1" dirty="0"/>
-              <a:t>accessibility includes both</a:t>
-            </a:r>
-            <a:r>
-              <a:rPr lang="en-US" i="1" dirty="0" smtClean="0"/>
+              <a:rPr lang="pt-PT" i="1" dirty="0" smtClean="0"/>
+              <a:t>…</a:t>
+            </a:r>
+            <a:r>
+              <a:rPr lang="pt-PT" i="1" dirty="0" err="1" smtClean="0"/>
+              <a:t>Thus</a:t>
+            </a:r>
+            <a:r>
+              <a:rPr lang="pt-PT" i="1" dirty="0" smtClean="0"/>
+              <a:t> </a:t>
+            </a:r>
+            <a:r>
+              <a:rPr lang="pt-PT" i="1" dirty="0" err="1" smtClean="0"/>
+              <a:t>accessibility</a:t>
+            </a:r>
+            <a:r>
+              <a:rPr lang="pt-PT" i="1" dirty="0" smtClean="0"/>
+              <a:t> </a:t>
+            </a:r>
+            <a:r>
+              <a:rPr lang="pt-PT" i="1" dirty="0" err="1" smtClean="0"/>
+              <a:t>includes</a:t>
+            </a:r>
+            <a:r>
+              <a:rPr lang="pt-PT" i="1" dirty="0" smtClean="0"/>
+              <a:t> </a:t>
+            </a:r>
+            <a:r>
+              <a:rPr lang="pt-PT" i="1" dirty="0" err="1" smtClean="0"/>
+              <a:t>both</a:t>
+            </a:r>
+            <a:r>
+              <a:rPr lang="pt-PT" i="1" dirty="0" smtClean="0"/>
               <a:t>:</a:t>
             </a:r>
-            <a:endParaRPr lang="en-US" i="1" dirty="0"/>
           </a:p>
           <a:p>
             <a:pPr lvl="1"/>
             <a:r>
-              <a:rPr lang="en-US" i="1" dirty="0"/>
-              <a:t>Requirements that are more specific to people with </a:t>
-            </a:r>
-            <a:r>
-              <a:rPr lang="en-US" i="1" dirty="0" smtClean="0"/>
-              <a:t>disabilities;…</a:t>
-            </a:r>
-            <a:endParaRPr lang="en-US" i="1" dirty="0"/>
+              <a:rPr lang="pt-PT" i="1" dirty="0" err="1" smtClean="0"/>
+              <a:t>Requirements</a:t>
+            </a:r>
+            <a:r>
+              <a:rPr lang="pt-PT" i="1" dirty="0" smtClean="0"/>
+              <a:t> </a:t>
+            </a:r>
+            <a:r>
+              <a:rPr lang="pt-PT" i="1" dirty="0" err="1" smtClean="0"/>
+              <a:t>that</a:t>
+            </a:r>
+            <a:r>
+              <a:rPr lang="pt-PT" i="1" dirty="0" smtClean="0"/>
+              <a:t> are more </a:t>
+            </a:r>
+            <a:r>
+              <a:rPr lang="pt-PT" i="1" dirty="0" err="1" smtClean="0"/>
+              <a:t>specific</a:t>
+            </a:r>
+            <a:r>
+              <a:rPr lang="pt-PT" i="1" dirty="0" smtClean="0"/>
+              <a:t> to </a:t>
+            </a:r>
+            <a:r>
+              <a:rPr lang="pt-PT" i="1" dirty="0" err="1" smtClean="0"/>
+              <a:t>people</a:t>
+            </a:r>
+            <a:r>
+              <a:rPr lang="pt-PT" i="1" dirty="0" smtClean="0"/>
+              <a:t> </a:t>
+            </a:r>
+            <a:r>
+              <a:rPr lang="pt-PT" i="1" dirty="0" err="1" smtClean="0"/>
+              <a:t>with</a:t>
+            </a:r>
+            <a:r>
+              <a:rPr lang="pt-PT" i="1" dirty="0" smtClean="0"/>
+              <a:t> </a:t>
+            </a:r>
+            <a:r>
+              <a:rPr lang="pt-PT" i="1" dirty="0" err="1" smtClean="0"/>
+              <a:t>disabilities</a:t>
+            </a:r>
+            <a:r>
+              <a:rPr lang="pt-PT" i="1" dirty="0" smtClean="0"/>
+              <a:t>;…</a:t>
+            </a:r>
           </a:p>
           <a:p>
             <a:pPr lvl="1"/>
             <a:r>
-              <a:rPr lang="en-US" i="1" dirty="0"/>
-              <a:t>Requirements that are also general usability </a:t>
-            </a:r>
-            <a:r>
-              <a:rPr lang="en-US" i="1" dirty="0" smtClean="0"/>
-              <a:t>principles…</a:t>
-            </a:r>
-            <a:endParaRPr lang="en-US" i="1" dirty="0"/>
+              <a:rPr lang="pt-PT" i="1" dirty="0" err="1" smtClean="0"/>
+              <a:t>Requirements</a:t>
+            </a:r>
+            <a:r>
+              <a:rPr lang="pt-PT" i="1" dirty="0" smtClean="0"/>
+              <a:t> </a:t>
+            </a:r>
+            <a:r>
+              <a:rPr lang="pt-PT" i="1" dirty="0" err="1" smtClean="0"/>
+              <a:t>that</a:t>
+            </a:r>
+            <a:r>
+              <a:rPr lang="pt-PT" i="1" dirty="0" smtClean="0"/>
+              <a:t> are </a:t>
+            </a:r>
+            <a:r>
+              <a:rPr lang="pt-PT" i="1" dirty="0" err="1" smtClean="0"/>
+              <a:t>also</a:t>
+            </a:r>
+            <a:r>
+              <a:rPr lang="pt-PT" i="1" dirty="0" smtClean="0"/>
+              <a:t> general </a:t>
+            </a:r>
+            <a:r>
+              <a:rPr lang="pt-PT" i="1" dirty="0" err="1" smtClean="0"/>
+              <a:t>usability</a:t>
+            </a:r>
+            <a:r>
+              <a:rPr lang="pt-PT" i="1" dirty="0" smtClean="0"/>
+              <a:t> </a:t>
+            </a:r>
+            <a:r>
+              <a:rPr lang="pt-PT" i="1" dirty="0" err="1" smtClean="0"/>
+              <a:t>principles</a:t>
+            </a:r>
+            <a:r>
+              <a:rPr lang="pt-PT" i="1" dirty="0" smtClean="0"/>
+              <a:t>…</a:t>
+            </a:r>
           </a:p>
           <a:p>
             <a:pPr marL="0" indent="0">
               <a:buNone/>
             </a:pPr>
             <a:r>
-              <a:rPr lang="en-US" i="1" dirty="0"/>
-              <a:t>Websites, web tools, and other products that meet accessibility goals are more usable for everyone</a:t>
-            </a:r>
-            <a:r>
-              <a:rPr lang="en-US" i="1" dirty="0" smtClean="0"/>
+              <a:rPr lang="pt-PT" i="1" dirty="0" smtClean="0"/>
+              <a:t>Websites, web </a:t>
+            </a:r>
+            <a:r>
+              <a:rPr lang="pt-PT" i="1" dirty="0" err="1" smtClean="0"/>
+              <a:t>tools</a:t>
+            </a:r>
+            <a:r>
+              <a:rPr lang="pt-PT" i="1" dirty="0" smtClean="0"/>
+              <a:t>, </a:t>
+            </a:r>
+            <a:r>
+              <a:rPr lang="pt-PT" i="1" dirty="0" err="1" smtClean="0"/>
+              <a:t>and</a:t>
+            </a:r>
+            <a:r>
+              <a:rPr lang="pt-PT" i="1" dirty="0" smtClean="0"/>
+              <a:t> </a:t>
+            </a:r>
+            <a:r>
+              <a:rPr lang="pt-PT" i="1" dirty="0" err="1" smtClean="0"/>
+              <a:t>other</a:t>
+            </a:r>
+            <a:r>
+              <a:rPr lang="pt-PT" i="1" dirty="0" smtClean="0"/>
+              <a:t> </a:t>
+            </a:r>
+            <a:r>
+              <a:rPr lang="pt-PT" i="1" dirty="0" err="1" smtClean="0"/>
+              <a:t>products</a:t>
+            </a:r>
+            <a:r>
+              <a:rPr lang="pt-PT" i="1" dirty="0" smtClean="0"/>
+              <a:t> </a:t>
+            </a:r>
+            <a:r>
+              <a:rPr lang="pt-PT" i="1" dirty="0" err="1" smtClean="0"/>
+              <a:t>that</a:t>
+            </a:r>
+            <a:r>
+              <a:rPr lang="pt-PT" i="1" dirty="0" smtClean="0"/>
+              <a:t> </a:t>
+            </a:r>
+            <a:r>
+              <a:rPr lang="pt-PT" i="1" dirty="0" err="1" smtClean="0"/>
+              <a:t>meet</a:t>
+            </a:r>
+            <a:r>
+              <a:rPr lang="pt-PT" i="1" dirty="0" smtClean="0"/>
+              <a:t> </a:t>
+            </a:r>
+            <a:r>
+              <a:rPr lang="pt-PT" i="1" dirty="0" err="1" smtClean="0"/>
+              <a:t>accessibility</a:t>
+            </a:r>
+            <a:r>
+              <a:rPr lang="pt-PT" i="1" dirty="0" smtClean="0"/>
+              <a:t> </a:t>
+            </a:r>
+            <a:r>
+              <a:rPr lang="pt-PT" i="1" dirty="0" err="1" smtClean="0"/>
+              <a:t>goals</a:t>
+            </a:r>
+            <a:r>
+              <a:rPr lang="pt-PT" i="1" dirty="0" smtClean="0"/>
+              <a:t> are more </a:t>
+            </a:r>
+            <a:r>
+              <a:rPr lang="pt-PT" i="1" dirty="0" err="1" smtClean="0"/>
+              <a:t>usable</a:t>
+            </a:r>
+            <a:r>
+              <a:rPr lang="pt-PT" i="1" dirty="0" smtClean="0"/>
+              <a:t> for </a:t>
+            </a:r>
+            <a:r>
+              <a:rPr lang="pt-PT" i="1" dirty="0" err="1" smtClean="0"/>
+              <a:t>everyone</a:t>
+            </a:r>
+            <a:r>
+              <a:rPr lang="pt-PT" i="1" dirty="0" smtClean="0"/>
               <a:t>.</a:t>
             </a:r>
             <a:r>
-              <a:rPr lang="en-US" dirty="0" smtClean="0"/>
+              <a:rPr lang="pt-PT" dirty="0" smtClean="0"/>
               <a:t>”</a:t>
             </a:r>
           </a:p>
@@ -5480,44 +7213,118 @@
               <a:buNone/>
             </a:pPr>
             <a:r>
-              <a:rPr lang="en-US" sz="1200" dirty="0"/>
-              <a:t>W3C - Web Accessibility and Usability Working </a:t>
-            </a:r>
-            <a:r>
-              <a:rPr lang="en-US" sz="1200" dirty="0" smtClean="0"/>
+              <a:rPr lang="pt-PT" sz="1200" dirty="0" smtClean="0"/>
+              <a:t>W3C - Web </a:t>
+            </a:r>
+            <a:r>
+              <a:rPr lang="pt-PT" sz="1200" dirty="0" err="1" smtClean="0"/>
+              <a:t>Accessibility</a:t>
+            </a:r>
+            <a:r>
+              <a:rPr lang="pt-PT" sz="1200" dirty="0" smtClean="0"/>
+              <a:t> </a:t>
+            </a:r>
+            <a:r>
+              <a:rPr lang="pt-PT" sz="1200" dirty="0" err="1" smtClean="0"/>
+              <a:t>and</a:t>
+            </a:r>
+            <a:r>
+              <a:rPr lang="pt-PT" sz="1200" dirty="0" smtClean="0"/>
+              <a:t> </a:t>
+            </a:r>
+            <a:r>
+              <a:rPr lang="pt-PT" sz="1200" dirty="0" err="1" smtClean="0"/>
+              <a:t>Usability</a:t>
+            </a:r>
+            <a:r>
+              <a:rPr lang="pt-PT" sz="1200" dirty="0" smtClean="0"/>
+              <a:t> </a:t>
+            </a:r>
+            <a:r>
+              <a:rPr lang="pt-PT" sz="1200" dirty="0" err="1" smtClean="0"/>
+              <a:t>Working</a:t>
+            </a:r>
+            <a:r>
+              <a:rPr lang="pt-PT" sz="1200" dirty="0" smtClean="0"/>
+              <a:t> </a:t>
+            </a:r>
+            <a:r>
+              <a:rPr lang="pt-PT" sz="1200" dirty="0" err="1" smtClean="0"/>
               <a:t>Together</a:t>
             </a:r>
             <a:r>
-              <a:rPr lang="en-US" sz="1200" dirty="0"/>
+              <a:rPr lang="pt-PT" sz="1200" dirty="0" smtClean="0"/>
               <a:t>, &lt;</a:t>
             </a:r>
             <a:r>
-              <a:rPr lang="en-US" sz="1200" dirty="0">
+              <a:rPr lang="pt-PT" sz="1200" dirty="0" smtClean="0">
                 <a:hlinkClick r:id="rId3"/>
               </a:rPr>
               <a:t>https://www.w3.org/WAI/intro/usable</a:t>
             </a:r>
             <a:r>
-              <a:rPr lang="en-US" sz="1200" dirty="0"/>
-              <a:t>&gt;, </a:t>
-            </a:r>
-            <a:r>
-              <a:rPr lang="en-US" sz="1200" dirty="0" err="1" smtClean="0"/>
-              <a:t>acedido</a:t>
-            </a:r>
-            <a:r>
-              <a:rPr lang="en-US" sz="1200" dirty="0" smtClean="0"/>
-              <a:t> </a:t>
-            </a:r>
-            <a:r>
-              <a:rPr lang="en-US" sz="1200" dirty="0" err="1" smtClean="0"/>
-              <a:t>em</a:t>
-            </a:r>
-            <a:r>
-              <a:rPr lang="en-US" sz="1200" dirty="0" smtClean="0"/>
-              <a:t> 2016-04-13</a:t>
-            </a:r>
-            <a:endParaRPr lang="en-US" sz="1200" dirty="0"/>
+              <a:rPr lang="pt-PT" sz="1200" dirty="0" smtClean="0"/>
+              <a:t>&gt;, acedido em 2016-04-13</a:t>
+            </a:r>
+            <a:endParaRPr lang="pt-PT" sz="1200" dirty="0"/>
+          </a:p>
+        </p:txBody>
+      </p:sp>
+      <p:cxnSp>
+        <p:nvCxnSpPr>
+          <p:cNvPr id="5" name="Straight Connector 4"/>
+          <p:cNvCxnSpPr/>
+          <p:nvPr/>
+        </p:nvCxnSpPr>
+        <p:spPr>
+          <a:xfrm>
+            <a:off x="715617" y="948855"/>
+            <a:ext cx="3168595" cy="0"/>
+          </a:xfrm>
+          <a:prstGeom prst="line">
+            <a:avLst/>
+          </a:prstGeom>
+          <a:ln w="38100">
+            <a:solidFill>
+              <a:srgbClr val="FF0000"/>
+            </a:solidFill>
+          </a:ln>
+        </p:spPr>
+        <p:style>
+          <a:lnRef idx="1">
+            <a:schemeClr val="accent1"/>
+          </a:lnRef>
+          <a:fillRef idx="0">
+            <a:schemeClr val="accent1"/>
+          </a:fillRef>
+          <a:effectRef idx="0">
+            <a:schemeClr val="accent1"/>
+          </a:effectRef>
+          <a:fontRef idx="minor">
+            <a:schemeClr val="tx1"/>
+          </a:fontRef>
+        </p:style>
+      </p:cxnSp>
+      <p:sp>
+        <p:nvSpPr>
+          <p:cNvPr id="7" name="Slide Number Placeholder 6"/>
+          <p:cNvSpPr>
+            <a:spLocks noGrp="1"/>
+          </p:cNvSpPr>
+          <p:nvPr>
+            <p:ph type="sldNum" sz="quarter" idx="12"/>
+          </p:nvPr>
+        </p:nvSpPr>
+        <p:spPr/>
+        <p:txBody>
+          <a:bodyPr/>
+          <a:lstStyle/>
+          <a:p>
+            <a:fld id="{9AFCE3E6-7134-46AC-86A9-3A34B75F6826}" type="slidenum">
+              <a:rPr lang="pt-PT" smtClean="0"/>
+              <a:t>6</a:t>
+            </a:fld>
+            <a:endParaRPr lang="pt-PT"/>
           </a:p>
         </p:txBody>
       </p:sp>
@@ -5531,6 +7338,13 @@
   <p:clrMapOvr>
     <a:masterClrMapping/>
   </p:clrMapOvr>
+  <p:timing>
+    <p:tnLst>
+      <p:par>
+        <p:cTn id="1" dur="indefinite" restart="never" nodeType="tmRoot"/>
+      </p:par>
+    </p:tnLst>
+  </p:timing>
 </p:sld>
 </file>
 
@@ -5567,23 +7381,19 @@
           <a:lstStyle/>
           <a:p>
             <a:r>
-              <a:rPr lang="en-US" dirty="0" err="1"/>
-              <a:t>Acessibilidade</a:t>
-            </a:r>
-            <a:r>
-              <a:rPr lang="en-US" dirty="0"/>
-              <a:t> vs. </a:t>
-            </a:r>
-            <a:r>
-              <a:rPr lang="en-US" dirty="0" err="1" smtClean="0"/>
+              <a:rPr lang="pt-PT" dirty="0" smtClean="0"/>
+              <a:t>Acessibilidade vs. </a:t>
+            </a:r>
+            <a:r>
+              <a:rPr lang="pt-PT" u="sng" dirty="0" smtClean="0"/>
               <a:t>Usabilidade</a:t>
             </a:r>
             <a:r>
-              <a:rPr lang="en-US" dirty="0" smtClean="0"/>
+              <a:rPr lang="pt-PT" dirty="0" smtClean="0"/>
               <a:t/>
             </a:r>
             <a:br>
-              <a:rPr lang="en-US" dirty="0" smtClean="0"/>
+              <a:rPr lang="pt-PT" dirty="0" smtClean="0"/>
             </a:br>
             <a:endParaRPr lang="pt-PT" dirty="0"/>
           </a:p>
@@ -5599,70 +7409,305 @@
             <p:ph idx="1"/>
           </p:nvPr>
         </p:nvSpPr>
+        <p:spPr>
+          <a:xfrm>
+            <a:off x="628650" y="1825625"/>
+            <a:ext cx="7886700" cy="4351338"/>
+          </a:xfrm>
+        </p:spPr>
+        <p:txBody>
+          <a:bodyPr/>
+          <a:lstStyle/>
+          <a:p>
+            <a:pPr marL="0" indent="0">
+              <a:buNone/>
+            </a:pPr>
+            <a:r>
+              <a:rPr lang="pt-PT" dirty="0" smtClean="0"/>
+              <a:t>“In software </a:t>
+            </a:r>
+            <a:r>
+              <a:rPr lang="pt-PT" dirty="0" err="1" smtClean="0"/>
+              <a:t>engineering</a:t>
+            </a:r>
+            <a:r>
+              <a:rPr lang="pt-PT" dirty="0" smtClean="0"/>
+              <a:t>, </a:t>
+            </a:r>
+            <a:r>
+              <a:rPr lang="pt-PT" b="1" dirty="0" err="1" smtClean="0"/>
+              <a:t>usability</a:t>
+            </a:r>
+            <a:r>
+              <a:rPr lang="pt-PT" dirty="0" smtClean="0"/>
+              <a:t> </a:t>
+            </a:r>
+            <a:r>
+              <a:rPr lang="pt-PT" dirty="0" err="1" smtClean="0"/>
+              <a:t>is</a:t>
+            </a:r>
+            <a:r>
+              <a:rPr lang="pt-PT" dirty="0" smtClean="0"/>
+              <a:t> </a:t>
+            </a:r>
+            <a:r>
+              <a:rPr lang="pt-PT" dirty="0" err="1" smtClean="0"/>
+              <a:t>the</a:t>
+            </a:r>
+            <a:r>
+              <a:rPr lang="pt-PT" dirty="0" smtClean="0"/>
+              <a:t> </a:t>
+            </a:r>
+            <a:r>
+              <a:rPr lang="pt-PT" dirty="0" err="1" smtClean="0"/>
+              <a:t>degree</a:t>
+            </a:r>
+            <a:r>
+              <a:rPr lang="pt-PT" dirty="0" smtClean="0"/>
+              <a:t> to </a:t>
+            </a:r>
+            <a:r>
+              <a:rPr lang="pt-PT" dirty="0" err="1" smtClean="0"/>
+              <a:t>which</a:t>
+            </a:r>
+            <a:r>
+              <a:rPr lang="pt-PT" dirty="0" smtClean="0"/>
+              <a:t> a software can </a:t>
+            </a:r>
+            <a:r>
+              <a:rPr lang="pt-PT" dirty="0" err="1" smtClean="0"/>
+              <a:t>be</a:t>
+            </a:r>
+            <a:r>
+              <a:rPr lang="pt-PT" dirty="0" smtClean="0"/>
+              <a:t> </a:t>
+            </a:r>
+            <a:r>
+              <a:rPr lang="pt-PT" dirty="0" err="1" smtClean="0"/>
+              <a:t>used</a:t>
+            </a:r>
+            <a:r>
+              <a:rPr lang="pt-PT" dirty="0" smtClean="0"/>
+              <a:t> </a:t>
+            </a:r>
+            <a:r>
+              <a:rPr lang="pt-PT" dirty="0" err="1" smtClean="0"/>
+              <a:t>by</a:t>
+            </a:r>
+            <a:r>
+              <a:rPr lang="pt-PT" dirty="0" smtClean="0"/>
+              <a:t> </a:t>
+            </a:r>
+            <a:r>
+              <a:rPr lang="pt-PT" dirty="0" err="1" smtClean="0"/>
+              <a:t>specified</a:t>
+            </a:r>
+            <a:r>
+              <a:rPr lang="pt-PT" dirty="0" smtClean="0"/>
+              <a:t> </a:t>
+            </a:r>
+            <a:r>
+              <a:rPr lang="pt-PT" dirty="0" err="1" smtClean="0"/>
+              <a:t>consumers</a:t>
+            </a:r>
+            <a:r>
+              <a:rPr lang="pt-PT" dirty="0" smtClean="0"/>
+              <a:t> to </a:t>
+            </a:r>
+            <a:r>
+              <a:rPr lang="pt-PT" b="1" dirty="0" err="1" smtClean="0">
+                <a:solidFill>
+                  <a:srgbClr val="FF0000"/>
+                </a:solidFill>
+              </a:rPr>
+              <a:t>achieve</a:t>
+            </a:r>
+            <a:r>
+              <a:rPr lang="pt-PT" dirty="0" smtClean="0">
+                <a:solidFill>
+                  <a:srgbClr val="FF0000"/>
+                </a:solidFill>
+              </a:rPr>
+              <a:t> </a:t>
+            </a:r>
+            <a:r>
+              <a:rPr lang="pt-PT" dirty="0" err="1" smtClean="0">
+                <a:solidFill>
+                  <a:srgbClr val="FF0000"/>
+                </a:solidFill>
+              </a:rPr>
+              <a:t>quantified</a:t>
+            </a:r>
+            <a:r>
+              <a:rPr lang="pt-PT" dirty="0" smtClean="0">
+                <a:solidFill>
+                  <a:srgbClr val="FF0000"/>
+                </a:solidFill>
+              </a:rPr>
+              <a:t> </a:t>
+            </a:r>
+            <a:r>
+              <a:rPr lang="pt-PT" b="1" dirty="0" err="1" smtClean="0">
+                <a:solidFill>
+                  <a:srgbClr val="FF0000"/>
+                </a:solidFill>
+              </a:rPr>
+              <a:t>objectives</a:t>
+            </a:r>
+            <a:r>
+              <a:rPr lang="pt-PT" dirty="0" smtClean="0">
+                <a:solidFill>
+                  <a:srgbClr val="FF0000"/>
+                </a:solidFill>
+              </a:rPr>
+              <a:t> </a:t>
+            </a:r>
+            <a:r>
+              <a:rPr lang="pt-PT" dirty="0" err="1" smtClean="0"/>
+              <a:t>with</a:t>
+            </a:r>
+            <a:r>
+              <a:rPr lang="pt-PT" dirty="0" smtClean="0"/>
+              <a:t> </a:t>
+            </a:r>
+            <a:r>
+              <a:rPr lang="pt-PT" dirty="0" err="1" smtClean="0"/>
+              <a:t>effectiveness</a:t>
+            </a:r>
+            <a:r>
+              <a:rPr lang="pt-PT" dirty="0" smtClean="0"/>
+              <a:t>, </a:t>
+            </a:r>
+            <a:r>
+              <a:rPr lang="pt-PT" dirty="0" err="1" smtClean="0"/>
+              <a:t>efficiency</a:t>
+            </a:r>
+            <a:r>
+              <a:rPr lang="pt-PT" dirty="0" smtClean="0"/>
+              <a:t>, </a:t>
+            </a:r>
+            <a:r>
+              <a:rPr lang="pt-PT" dirty="0" err="1" smtClean="0"/>
+              <a:t>and</a:t>
+            </a:r>
+            <a:r>
+              <a:rPr lang="pt-PT" dirty="0" smtClean="0"/>
+              <a:t> </a:t>
+            </a:r>
+            <a:r>
+              <a:rPr lang="pt-PT" dirty="0" err="1" smtClean="0"/>
+              <a:t>satisfaction</a:t>
+            </a:r>
+            <a:r>
+              <a:rPr lang="pt-PT" dirty="0" smtClean="0"/>
+              <a:t> in a </a:t>
+            </a:r>
+            <a:r>
+              <a:rPr lang="pt-PT" dirty="0" err="1" smtClean="0"/>
+              <a:t>quantified</a:t>
+            </a:r>
+            <a:r>
+              <a:rPr lang="pt-PT" dirty="0" smtClean="0"/>
+              <a:t> </a:t>
+            </a:r>
+            <a:r>
+              <a:rPr lang="pt-PT" dirty="0" err="1" smtClean="0"/>
+              <a:t>context</a:t>
+            </a:r>
+            <a:r>
+              <a:rPr lang="pt-PT" dirty="0" smtClean="0"/>
+              <a:t> </a:t>
+            </a:r>
+            <a:r>
+              <a:rPr lang="pt-PT" dirty="0" err="1" smtClean="0"/>
+              <a:t>of</a:t>
+            </a:r>
+            <a:r>
+              <a:rPr lang="pt-PT" dirty="0" smtClean="0"/>
+              <a:t> use”</a:t>
+            </a:r>
+          </a:p>
+          <a:p>
+            <a:pPr marL="0" indent="0" algn="r">
+              <a:buNone/>
+            </a:pPr>
+            <a:r>
+              <a:rPr lang="pt-PT" sz="1200" dirty="0" err="1" smtClean="0"/>
+              <a:t>Wikipedia</a:t>
+            </a:r>
+            <a:r>
+              <a:rPr lang="pt-PT" sz="1200" dirty="0" smtClean="0"/>
+              <a:t>, &lt;</a:t>
+            </a:r>
+            <a:r>
+              <a:rPr lang="pt-PT" sz="1200" dirty="0" smtClean="0">
+                <a:hlinkClick r:id="rId2"/>
+              </a:rPr>
+              <a:t>https://en.wikipedia.org/wiki/Usability</a:t>
+            </a:r>
+            <a:r>
+              <a:rPr lang="pt-PT" sz="1200" dirty="0" smtClean="0"/>
+              <a:t>&gt;, acedido em 2016-04-13</a:t>
+            </a:r>
+            <a:endParaRPr lang="pt-PT" sz="1200" dirty="0"/>
+          </a:p>
+        </p:txBody>
+      </p:sp>
+      <p:cxnSp>
+        <p:nvCxnSpPr>
+          <p:cNvPr id="4" name="Straight Connector 3"/>
+          <p:cNvCxnSpPr/>
+          <p:nvPr/>
+        </p:nvCxnSpPr>
+        <p:spPr>
+          <a:xfrm>
+            <a:off x="4725368" y="948852"/>
+            <a:ext cx="2623894" cy="0"/>
+          </a:xfrm>
+          <a:prstGeom prst="line">
+            <a:avLst/>
+          </a:prstGeom>
+          <a:ln w="38100">
+            <a:solidFill>
+              <a:srgbClr val="FF0000"/>
+            </a:solidFill>
+          </a:ln>
+        </p:spPr>
+        <p:style>
+          <a:lnRef idx="1">
+            <a:schemeClr val="accent1"/>
+          </a:lnRef>
+          <a:fillRef idx="0">
+            <a:schemeClr val="accent1"/>
+          </a:fillRef>
+          <a:effectRef idx="0">
+            <a:schemeClr val="accent1"/>
+          </a:effectRef>
+          <a:fontRef idx="minor">
+            <a:schemeClr val="tx1"/>
+          </a:fontRef>
+        </p:style>
+      </p:cxnSp>
+      <p:sp>
+        <p:nvSpPr>
+          <p:cNvPr id="6" name="Slide Number Placeholder 5"/>
+          <p:cNvSpPr>
+            <a:spLocks noGrp="1"/>
+          </p:cNvSpPr>
+          <p:nvPr>
+            <p:ph type="sldNum" sz="quarter" idx="12"/>
+          </p:nvPr>
+        </p:nvSpPr>
         <p:spPr/>
         <p:txBody>
           <a:bodyPr/>
           <a:lstStyle/>
           <a:p>
-            <a:pPr marL="0" indent="0">
-              <a:buNone/>
-            </a:pPr>
-            <a:r>
-              <a:rPr lang="en-US" dirty="0" smtClean="0"/>
-              <a:t>“In</a:t>
-            </a:r>
-            <a:r>
-              <a:rPr lang="en-US" dirty="0"/>
-              <a:t> software engineering, usability is the degree to which a software can be used by specified consumers to achieve quantified objectives with effectiveness, efficiency, and satisfaction in a quantified context of </a:t>
-            </a:r>
-            <a:r>
-              <a:rPr lang="en-US" dirty="0" smtClean="0"/>
-              <a:t>use”</a:t>
-            </a:r>
-          </a:p>
-          <a:p>
-            <a:pPr marL="0" indent="0" algn="r">
-              <a:buNone/>
-            </a:pPr>
-            <a:r>
-              <a:rPr lang="en-US" sz="1200" dirty="0" smtClean="0"/>
-              <a:t>Wikipedia, </a:t>
-            </a:r>
-            <a:r>
-              <a:rPr lang="en-US" sz="1200" dirty="0"/>
-              <a:t>&lt;</a:t>
-            </a:r>
-            <a:r>
-              <a:rPr lang="en-US" sz="1200" dirty="0">
-                <a:hlinkClick r:id="rId2"/>
-              </a:rPr>
-              <a:t>https://en.wikipedia.org/wiki/Usability</a:t>
-            </a:r>
-            <a:r>
-              <a:rPr lang="en-US" sz="1200" dirty="0"/>
-              <a:t>&gt;, </a:t>
-            </a:r>
-            <a:r>
-              <a:rPr lang="en-US" sz="1200" dirty="0" err="1"/>
-              <a:t>acedido</a:t>
-            </a:r>
-            <a:r>
-              <a:rPr lang="en-US" sz="1200" dirty="0"/>
-              <a:t> </a:t>
-            </a:r>
-            <a:r>
-              <a:rPr lang="en-US" sz="1200" dirty="0" err="1"/>
-              <a:t>em</a:t>
-            </a:r>
-            <a:r>
-              <a:rPr lang="en-US" sz="1200" dirty="0"/>
-              <a:t> </a:t>
-            </a:r>
-            <a:r>
-              <a:rPr lang="en-US" sz="1200" dirty="0" smtClean="0"/>
-              <a:t>2016-04-13</a:t>
-            </a:r>
-            <a:endParaRPr lang="en-US" sz="1200" dirty="0"/>
+            <a:fld id="{9AFCE3E6-7134-46AC-86A9-3A34B75F6826}" type="slidenum">
+              <a:rPr lang="pt-PT" smtClean="0"/>
+              <a:t>7</a:t>
+            </a:fld>
+            <a:endParaRPr lang="pt-PT"/>
           </a:p>
         </p:txBody>
       </p:sp>
@@ -5676,6 +7721,13 @@
   <p:clrMapOvr>
     <a:masterClrMapping/>
   </p:clrMapOvr>
+  <p:timing>
+    <p:tnLst>
+      <p:par>
+        <p:cTn id="1" dur="indefinite" restart="never" nodeType="tmRoot"/>
+      </p:par>
+    </p:tnLst>
+  </p:timing>
 </p:sld>
 </file>
 
@@ -5714,7 +7766,11 @@
             <a:pPr lvl="0"/>
             <a:r>
               <a:rPr lang="pt-PT" noProof="0" dirty="0" smtClean="0"/>
-              <a:t>Aplicações</a:t>
+              <a:t>Prática</a:t>
+            </a:r>
+            <a:r>
+              <a:rPr lang="pt-PT" noProof="0" dirty="0" smtClean="0"/>
+              <a:t/>
             </a:r>
             <a:br>
               <a:rPr lang="pt-PT" noProof="0" dirty="0" smtClean="0"/>
@@ -5741,66 +7797,85 @@
           <a:lstStyle/>
           <a:p>
             <a:r>
+              <a:rPr lang="pt-PT" dirty="0" smtClean="0">
+                <a:hlinkClick r:id="rId3"/>
+              </a:rPr>
+              <a:t>Página sem conformidade WCAG 2.0</a:t>
+            </a:r>
+            <a:endParaRPr lang="pt-PT" dirty="0" smtClean="0"/>
+          </a:p>
+          <a:p>
+            <a:r>
+              <a:rPr lang="pt-PT" noProof="0" dirty="0" smtClean="0">
+                <a:hlinkClick r:id="rId4" action="ppaction://hlinkfile"/>
+              </a:rPr>
+              <a:t>Página com conformidade AAA WCAG 2.0</a:t>
+            </a:r>
+            <a:endParaRPr lang="pt-PT" noProof="0" dirty="0" smtClean="0"/>
+          </a:p>
+          <a:p>
+            <a:r>
               <a:rPr lang="pt-PT" noProof="0" dirty="0" smtClean="0"/>
-              <a:t>Casos </a:t>
-            </a:r>
+              <a:t>Verificação da conformidade: </a:t>
+            </a:r>
+            <a:r>
+              <a:rPr lang="pt-PT" noProof="0" dirty="0" smtClean="0">
+                <a:hlinkClick r:id="rId5"/>
+              </a:rPr>
+              <a:t>Unidade ACESSO</a:t>
+            </a:r>
+            <a:endParaRPr lang="pt-PT" noProof="0" dirty="0" smtClean="0"/>
+          </a:p>
+          <a:p>
+            <a:pPr marL="0" indent="0">
+              <a:buNone/>
+            </a:pPr>
+            <a:endParaRPr lang="pt-PT" dirty="0" smtClean="0"/>
+          </a:p>
+          <a:p>
+            <a:pPr marL="0" indent="0">
+              <a:buNone/>
+            </a:pPr>
+            <a:endParaRPr lang="pt-PT" noProof="0" dirty="0" smtClean="0"/>
+          </a:p>
+          <a:p>
+            <a:pPr marL="0" indent="0">
+              <a:buNone/>
+            </a:pPr>
+            <a:endParaRPr lang="pt-PT" dirty="0" smtClean="0"/>
+          </a:p>
+          <a:p>
+            <a:pPr marL="0" indent="0" algn="ctr">
+              <a:buNone/>
+            </a:pPr>
             <a:r>
               <a:rPr lang="pt-PT" noProof="0" dirty="0" smtClean="0"/>
-              <a:t>práticos mau e </a:t>
-            </a:r>
-            <a:r>
-              <a:rPr lang="pt-PT" noProof="0" dirty="0" smtClean="0"/>
-              <a:t>bom</a:t>
+              <a:t>Obrigado pela atenção</a:t>
             </a:r>
             <a:endParaRPr lang="pt-PT" noProof="0" dirty="0" smtClean="0"/>
           </a:p>
-          <a:p>
-            <a:r>
-              <a:rPr lang="pt-PT" noProof="0" dirty="0" smtClean="0"/>
-              <a:t>Exemplo de uma página nível de conformidade AAA (WCAG 2.0)</a:t>
-            </a:r>
-          </a:p>
-          <a:p>
-            <a:r>
-              <a:rPr lang="pt-PT" noProof="0" dirty="0" smtClean="0"/>
-              <a:t>Exemplo de marcação </a:t>
-            </a:r>
-            <a:r>
-              <a:rPr lang="pt-PT" noProof="0" dirty="0" smtClean="0"/>
-              <a:t>HTML</a:t>
-            </a:r>
-          </a:p>
-          <a:p>
-            <a:pPr marL="0" indent="0">
-              <a:buNone/>
-            </a:pPr>
-            <a:endParaRPr lang="en-US" dirty="0"/>
-          </a:p>
-          <a:p>
-            <a:pPr marL="0" indent="0">
-              <a:buNone/>
-            </a:pPr>
-            <a:endParaRPr lang="en-US" noProof="0" dirty="0" smtClean="0"/>
-          </a:p>
-          <a:p>
-            <a:pPr marL="0" indent="0">
-              <a:buNone/>
-            </a:pPr>
-            <a:endParaRPr lang="en-US" dirty="0"/>
-          </a:p>
-          <a:p>
-            <a:pPr marL="0" indent="0" algn="ctr">
-              <a:buNone/>
-            </a:pPr>
-            <a:r>
-              <a:rPr lang="en-US" noProof="0" dirty="0" smtClean="0"/>
-              <a:t>Obrigado pela </a:t>
-            </a:r>
-            <a:r>
-              <a:rPr lang="en-US" noProof="0" dirty="0" err="1" smtClean="0"/>
-              <a:t>atenção</a:t>
-            </a:r>
-            <a:endParaRPr lang="pt-PT" noProof="0" dirty="0" smtClean="0"/>
+        </p:txBody>
+      </p:sp>
+      <p:sp>
+        <p:nvSpPr>
+          <p:cNvPr id="4" name="Slide Number Placeholder 3"/>
+          <p:cNvSpPr>
+            <a:spLocks noGrp="1"/>
+          </p:cNvSpPr>
+          <p:nvPr>
+            <p:ph type="sldNum" sz="quarter" idx="12"/>
+          </p:nvPr>
+        </p:nvSpPr>
+        <p:spPr/>
+        <p:txBody>
+          <a:bodyPr/>
+          <a:lstStyle/>
+          <a:p>
+            <a:fld id="{9AFCE3E6-7134-46AC-86A9-3A34B75F6826}" type="slidenum">
+              <a:rPr lang="pt-PT" smtClean="0"/>
+              <a:t>8</a:t>
+            </a:fld>
+            <a:endParaRPr lang="pt-PT"/>
           </a:p>
         </p:txBody>
       </p:sp>
@@ -5814,6 +7889,13 @@
   <p:clrMapOvr>
     <a:masterClrMapping/>
   </p:clrMapOvr>
+  <p:timing>
+    <p:tnLst>
+      <p:par>
+        <p:cTn id="1" dur="indefinite" restart="never" nodeType="tmRoot"/>
+      </p:par>
+    </p:tnLst>
+  </p:timing>
 </p:sld>
 </file>
 
@@ -5850,17 +7932,36 @@
           <a:lstStyle/>
           <a:p>
             <a:r>
-              <a:rPr lang="en-US" dirty="0" err="1" smtClean="0"/>
+              <a:rPr lang="pt-PT" dirty="0" smtClean="0"/>
               <a:t>Anexos</a:t>
             </a:r>
-            <a:r>
-              <a:rPr lang="en-US" dirty="0" smtClean="0"/>
-              <a:t/>
-            </a:r>
             <a:br>
-              <a:rPr lang="en-US" dirty="0" smtClean="0"/>
+              <a:rPr lang="pt-PT" dirty="0" smtClean="0"/>
             </a:br>
             <a:endParaRPr lang="pt-PT" dirty="0"/>
+          </a:p>
+        </p:txBody>
+      </p:sp>
+      <p:sp>
+        <p:nvSpPr>
+          <p:cNvPr id="3" name="Slide Number Placeholder 2"/>
+          <p:cNvSpPr>
+            <a:spLocks noGrp="1"/>
+          </p:cNvSpPr>
+          <p:nvPr>
+            <p:ph type="sldNum" sz="quarter" idx="12"/>
+          </p:nvPr>
+        </p:nvSpPr>
+        <p:spPr/>
+        <p:txBody>
+          <a:bodyPr/>
+          <a:lstStyle/>
+          <a:p>
+            <a:fld id="{9AFCE3E6-7134-46AC-86A9-3A34B75F6826}" type="slidenum">
+              <a:rPr lang="pt-PT" smtClean="0"/>
+              <a:t>9</a:t>
+            </a:fld>
+            <a:endParaRPr lang="pt-PT"/>
           </a:p>
         </p:txBody>
       </p:sp>
@@ -5874,13 +7975,20 @@
   <p:clrMapOvr>
     <a:masterClrMapping/>
   </p:clrMapOvr>
+  <p:timing>
+    <p:tnLst>
+      <p:par>
+        <p:cTn id="1" dur="indefinite" restart="never" nodeType="tmRoot"/>
+      </p:par>
+    </p:tnLst>
+  </p:timing>
 </p:sld>
 </file>
 
 <file path=ppt/theme/theme1.xml><?xml version="1.0" encoding="utf-8"?>
 <a:theme xmlns:a="http://schemas.openxmlformats.org/drawingml/2006/main" name="Office Theme">
   <a:themeElements>
-    <a:clrScheme name="Office">
+    <a:clrScheme name="Office Theme">
       <a:dk1>
         <a:sysClr val="windowText" lastClr="000000"/>
       </a:dk1>
@@ -5918,7 +8026,7 @@
         <a:srgbClr val="954F72"/>
       </a:folHlink>
     </a:clrScheme>
-    <a:fontScheme name="Office">
+    <a:fontScheme name="Office Theme">
       <a:majorFont>
         <a:latin typeface="Calibri Light" panose="020F0302020204030204"/>
         <a:ea typeface=""/>
@@ -5990,7 +8098,7 @@
         <a:font script="Geor" typeface="Sylfaen"/>
       </a:minorFont>
     </a:fontScheme>
-    <a:fmtScheme name="Office">
+    <a:fmtScheme name="Office Theme">
       <a:fillStyleLst>
         <a:solidFill>
           <a:schemeClr val="phClr"/>
